--- a/Projekat 3 - Big Mobility Data Analytics/Big data systems - Project 3.pptx
+++ b/Projekat 3 - Big Mobility Data Analytics/Big data systems - Project 3.pptx
@@ -1,51 +1,53 @@
 
 <file path=ppt/presentation.xml><?xml version="1.0" encoding="utf-8"?>
-<p:presentation xmlns:a="http://schemas.openxmlformats.org/drawingml/2006/main" xmlns:r="http://schemas.openxmlformats.org/officeDocument/2006/relationships" xmlns:mc="http://schemas.openxmlformats.org/markup-compatibility/2006" xmlns:mv="urn:schemas-microsoft-com:mac:vml" xmlns:p="http://schemas.openxmlformats.org/presentationml/2006/main" xmlns:c="http://schemas.openxmlformats.org/drawingml/2006/chart" xmlns:dgm="http://schemas.openxmlformats.org/drawingml/2006/diagram" xmlns:o="urn:schemas-microsoft-com:office:office" xmlns:v="urn:schemas-microsoft-com:vml" xmlns:pvml="urn:schemas-microsoft-com:office:powerpoint" xmlns:com="http://schemas.openxmlformats.org/drawingml/2006/compatibility" xmlns:p14="http://schemas.microsoft.com/office/powerpoint/2010/main" xmlns:p15="http://schemas.microsoft.com/office/powerpoint/2012/main" xmlns:ahyp="http://schemas.microsoft.com/office/drawing/2018/hyperlinkcolor" autoCompressPictures="0" embedTrueTypeFonts="1" strictFirstAndLastChars="0" saveSubsetFonts="1">
+<p:presentation xmlns:a="http://schemas.openxmlformats.org/drawingml/2006/main" xmlns:r="http://schemas.openxmlformats.org/officeDocument/2006/relationships" xmlns:p="http://schemas.openxmlformats.org/presentationml/2006/main" strictFirstAndLastChars="0" embedTrueTypeFonts="1" saveSubsetFonts="1" autoCompressPictures="0">
   <p:sldMasterIdLst>
-    <p:sldMasterId id="2147483659" r:id="rId4"/>
+    <p:sldMasterId id="2147483659" r:id="rId1"/>
   </p:sldMasterIdLst>
   <p:notesMasterIdLst>
-    <p:notesMasterId r:id="rId5"/>
+    <p:notesMasterId r:id="rId28"/>
   </p:notesMasterIdLst>
   <p:sldIdLst>
-    <p:sldId id="256" r:id="rId6"/>
-    <p:sldId id="257" r:id="rId7"/>
-    <p:sldId id="258" r:id="rId8"/>
-    <p:sldId id="259" r:id="rId9"/>
-    <p:sldId id="260" r:id="rId10"/>
-    <p:sldId id="261" r:id="rId11"/>
-    <p:sldId id="262" r:id="rId12"/>
-    <p:sldId id="263" r:id="rId13"/>
-    <p:sldId id="264" r:id="rId14"/>
-    <p:sldId id="265" r:id="rId15"/>
-    <p:sldId id="266" r:id="rId16"/>
-    <p:sldId id="267" r:id="rId17"/>
-    <p:sldId id="268" r:id="rId18"/>
-    <p:sldId id="269" r:id="rId19"/>
-    <p:sldId id="270" r:id="rId20"/>
-    <p:sldId id="271" r:id="rId21"/>
-    <p:sldId id="272" r:id="rId22"/>
-    <p:sldId id="273" r:id="rId23"/>
-    <p:sldId id="274" r:id="rId24"/>
-    <p:sldId id="275" r:id="rId25"/>
-    <p:sldId id="276" r:id="rId26"/>
-    <p:sldId id="277" r:id="rId27"/>
-    <p:sldId id="278" r:id="rId28"/>
-    <p:sldId id="279" r:id="rId29"/>
+    <p:sldId id="256" r:id="rId2"/>
+    <p:sldId id="257" r:id="rId3"/>
+    <p:sldId id="258" r:id="rId4"/>
+    <p:sldId id="259" r:id="rId5"/>
+    <p:sldId id="260" r:id="rId6"/>
+    <p:sldId id="261" r:id="rId7"/>
+    <p:sldId id="262" r:id="rId8"/>
+    <p:sldId id="263" r:id="rId9"/>
+    <p:sldId id="264" r:id="rId10"/>
+    <p:sldId id="265" r:id="rId11"/>
+    <p:sldId id="266" r:id="rId12"/>
+    <p:sldId id="267" r:id="rId13"/>
+    <p:sldId id="268" r:id="rId14"/>
+    <p:sldId id="269" r:id="rId15"/>
+    <p:sldId id="270" r:id="rId16"/>
+    <p:sldId id="271" r:id="rId17"/>
+    <p:sldId id="272" r:id="rId18"/>
+    <p:sldId id="273" r:id="rId19"/>
+    <p:sldId id="274" r:id="rId20"/>
+    <p:sldId id="275" r:id="rId21"/>
+    <p:sldId id="280" r:id="rId22"/>
+    <p:sldId id="276" r:id="rId23"/>
+    <p:sldId id="281" r:id="rId24"/>
+    <p:sldId id="277" r:id="rId25"/>
+    <p:sldId id="278" r:id="rId26"/>
+    <p:sldId id="279" r:id="rId27"/>
   </p:sldIdLst>
-  <p:sldSz cy="5143500" cx="9144000"/>
+  <p:sldSz cx="9144000" cy="5143500" type="screen16x9"/>
   <p:notesSz cx="6858000" cy="9144000"/>
   <p:embeddedFontLst>
     <p:embeddedFont>
-      <p:font typeface="Roboto"/>
-      <p:regular r:id="rId30"/>
-      <p:bold r:id="rId31"/>
-      <p:italic r:id="rId32"/>
-      <p:boldItalic r:id="rId33"/>
+      <p:font typeface="Roboto" panose="020B0604020202020204" charset="0"/>
+      <p:regular r:id="rId29"/>
+      <p:bold r:id="rId30"/>
+      <p:italic r:id="rId31"/>
+      <p:boldItalic r:id="rId32"/>
     </p:embeddedFont>
   </p:embeddedFontLst>
   <p:defaultTextStyle>
-    <a:defPPr lvl="0" marR="0" rtl="0" algn="l">
+    <a:defPPr marR="0" lvl="0" algn="l" rtl="0">
       <a:lnSpc>
         <a:spcPct val="100000"/>
       </a:lnSpc>
@@ -56,7 +58,7 @@
         <a:spcPts val="0"/>
       </a:spcAft>
     </a:defPPr>
-    <a:lvl1pPr lvl="0" marR="0" rtl="0" algn="l">
+    <a:lvl1pPr marR="0" lvl="0" algn="l" rtl="0">
       <a:lnSpc>
         <a:spcPct val="100000"/>
       </a:lnSpc>
@@ -70,7 +72,7 @@
         <a:srgbClr val="000000"/>
       </a:buClr>
       <a:buFont typeface="Arial"/>
-      <a:defRPr b="0" i="0" sz="1400" u="none" cap="none" strike="noStrike">
+      <a:defRPr sz="1400" b="0" i="0" u="none" strike="noStrike" cap="none">
         <a:solidFill>
           <a:srgbClr val="000000"/>
         </a:solidFill>
@@ -80,7 +82,7 @@
         <a:sym typeface="Arial"/>
       </a:defRPr>
     </a:lvl1pPr>
-    <a:lvl2pPr lvl="1" marR="0" rtl="0" algn="l">
+    <a:lvl2pPr marR="0" lvl="1" algn="l" rtl="0">
       <a:lnSpc>
         <a:spcPct val="100000"/>
       </a:lnSpc>
@@ -94,7 +96,7 @@
         <a:srgbClr val="000000"/>
       </a:buClr>
       <a:buFont typeface="Arial"/>
-      <a:defRPr b="0" i="0" sz="1400" u="none" cap="none" strike="noStrike">
+      <a:defRPr sz="1400" b="0" i="0" u="none" strike="noStrike" cap="none">
         <a:solidFill>
           <a:srgbClr val="000000"/>
         </a:solidFill>
@@ -104,7 +106,7 @@
         <a:sym typeface="Arial"/>
       </a:defRPr>
     </a:lvl2pPr>
-    <a:lvl3pPr lvl="2" marR="0" rtl="0" algn="l">
+    <a:lvl3pPr marR="0" lvl="2" algn="l" rtl="0">
       <a:lnSpc>
         <a:spcPct val="100000"/>
       </a:lnSpc>
@@ -118,7 +120,7 @@
         <a:srgbClr val="000000"/>
       </a:buClr>
       <a:buFont typeface="Arial"/>
-      <a:defRPr b="0" i="0" sz="1400" u="none" cap="none" strike="noStrike">
+      <a:defRPr sz="1400" b="0" i="0" u="none" strike="noStrike" cap="none">
         <a:solidFill>
           <a:srgbClr val="000000"/>
         </a:solidFill>
@@ -128,7 +130,7 @@
         <a:sym typeface="Arial"/>
       </a:defRPr>
     </a:lvl3pPr>
-    <a:lvl4pPr lvl="3" marR="0" rtl="0" algn="l">
+    <a:lvl4pPr marR="0" lvl="3" algn="l" rtl="0">
       <a:lnSpc>
         <a:spcPct val="100000"/>
       </a:lnSpc>
@@ -142,7 +144,7 @@
         <a:srgbClr val="000000"/>
       </a:buClr>
       <a:buFont typeface="Arial"/>
-      <a:defRPr b="0" i="0" sz="1400" u="none" cap="none" strike="noStrike">
+      <a:defRPr sz="1400" b="0" i="0" u="none" strike="noStrike" cap="none">
         <a:solidFill>
           <a:srgbClr val="000000"/>
         </a:solidFill>
@@ -152,7 +154,7 @@
         <a:sym typeface="Arial"/>
       </a:defRPr>
     </a:lvl4pPr>
-    <a:lvl5pPr lvl="4" marR="0" rtl="0" algn="l">
+    <a:lvl5pPr marR="0" lvl="4" algn="l" rtl="0">
       <a:lnSpc>
         <a:spcPct val="100000"/>
       </a:lnSpc>
@@ -166,7 +168,7 @@
         <a:srgbClr val="000000"/>
       </a:buClr>
       <a:buFont typeface="Arial"/>
-      <a:defRPr b="0" i="0" sz="1400" u="none" cap="none" strike="noStrike">
+      <a:defRPr sz="1400" b="0" i="0" u="none" strike="noStrike" cap="none">
         <a:solidFill>
           <a:srgbClr val="000000"/>
         </a:solidFill>
@@ -176,7 +178,7 @@
         <a:sym typeface="Arial"/>
       </a:defRPr>
     </a:lvl5pPr>
-    <a:lvl6pPr lvl="5" marR="0" rtl="0" algn="l">
+    <a:lvl6pPr marR="0" lvl="5" algn="l" rtl="0">
       <a:lnSpc>
         <a:spcPct val="100000"/>
       </a:lnSpc>
@@ -190,7 +192,7 @@
         <a:srgbClr val="000000"/>
       </a:buClr>
       <a:buFont typeface="Arial"/>
-      <a:defRPr b="0" i="0" sz="1400" u="none" cap="none" strike="noStrike">
+      <a:defRPr sz="1400" b="0" i="0" u="none" strike="noStrike" cap="none">
         <a:solidFill>
           <a:srgbClr val="000000"/>
         </a:solidFill>
@@ -200,7 +202,7 @@
         <a:sym typeface="Arial"/>
       </a:defRPr>
     </a:lvl6pPr>
-    <a:lvl7pPr lvl="6" marR="0" rtl="0" algn="l">
+    <a:lvl7pPr marR="0" lvl="6" algn="l" rtl="0">
       <a:lnSpc>
         <a:spcPct val="100000"/>
       </a:lnSpc>
@@ -214,7 +216,7 @@
         <a:srgbClr val="000000"/>
       </a:buClr>
       <a:buFont typeface="Arial"/>
-      <a:defRPr b="0" i="0" sz="1400" u="none" cap="none" strike="noStrike">
+      <a:defRPr sz="1400" b="0" i="0" u="none" strike="noStrike" cap="none">
         <a:solidFill>
           <a:srgbClr val="000000"/>
         </a:solidFill>
@@ -224,7 +226,7 @@
         <a:sym typeface="Arial"/>
       </a:defRPr>
     </a:lvl7pPr>
-    <a:lvl8pPr lvl="7" marR="0" rtl="0" algn="l">
+    <a:lvl8pPr marR="0" lvl="7" algn="l" rtl="0">
       <a:lnSpc>
         <a:spcPct val="100000"/>
       </a:lnSpc>
@@ -238,7 +240,7 @@
         <a:srgbClr val="000000"/>
       </a:buClr>
       <a:buFont typeface="Arial"/>
-      <a:defRPr b="0" i="0" sz="1400" u="none" cap="none" strike="noStrike">
+      <a:defRPr sz="1400" b="0" i="0" u="none" strike="noStrike" cap="none">
         <a:solidFill>
           <a:srgbClr val="000000"/>
         </a:solidFill>
@@ -248,7 +250,7 @@
         <a:sym typeface="Arial"/>
       </a:defRPr>
     </a:lvl8pPr>
-    <a:lvl9pPr lvl="8" marR="0" rtl="0" algn="l">
+    <a:lvl9pPr marR="0" lvl="8" algn="l" rtl="0">
       <a:lnSpc>
         <a:spcPct val="100000"/>
       </a:lnSpc>
@@ -262,7 +264,7 @@
         <a:srgbClr val="000000"/>
       </a:buClr>
       <a:buFont typeface="Arial"/>
-      <a:defRPr b="0" i="0" sz="1400" u="none" cap="none" strike="noStrike">
+      <a:defRPr sz="1400" b="0" i="0" u="none" strike="noStrike" cap="none">
         <a:solidFill>
           <a:srgbClr val="000000"/>
         </a:solidFill>
@@ -275,7 +277,7 @@
   </p:defaultTextStyle>
   <p:extLst>
     <p:ext uri="{EFAFB233-063F-42B5-8137-9DF3F51BA10A}">
-      <p15:sldGuideLst>
+      <p15:sldGuideLst xmlns:p15="http://schemas.microsoft.com/office/powerpoint/2012/main">
         <p15:guide id="1" orient="horz" pos="1620">
           <p15:clr>
             <a:srgbClr val="747775"/>
@@ -293,11 +295,16 @@
 </file>
 
 <file path=ppt/notesMasters/notesMaster1.xml><?xml version="1.0" encoding="utf-8"?>
-<p:notesMaster xmlns:a="http://schemas.openxmlformats.org/drawingml/2006/main" xmlns:r="http://schemas.openxmlformats.org/officeDocument/2006/relationships" xmlns:mc="http://schemas.openxmlformats.org/markup-compatibility/2006" xmlns:mv="urn:schemas-microsoft-com:mac:vml" xmlns:p="http://schemas.openxmlformats.org/presentationml/2006/main" xmlns:c="http://schemas.openxmlformats.org/drawingml/2006/chart" xmlns:dgm="http://schemas.openxmlformats.org/drawingml/2006/diagram" xmlns:o="urn:schemas-microsoft-com:office:office" xmlns:v="urn:schemas-microsoft-com:vml" xmlns:pvml="urn:schemas-microsoft-com:office:powerpoint" xmlns:com="http://schemas.openxmlformats.org/drawingml/2006/compatibility" xmlns:p14="http://schemas.microsoft.com/office/powerpoint/2010/main" xmlns:p15="http://schemas.microsoft.com/office/powerpoint/2012/main" xmlns:ahyp="http://schemas.microsoft.com/office/drawing/2018/hyperlinkcolor">
+<p:notesMaster xmlns:a="http://schemas.openxmlformats.org/drawingml/2006/main" xmlns:r="http://schemas.openxmlformats.org/officeDocument/2006/relationships" xmlns:p="http://schemas.openxmlformats.org/presentationml/2006/main">
   <p:cSld>
+    <p:bg>
+      <p:bgRef idx="1001">
+        <a:schemeClr val="bg1"/>
+      </p:bgRef>
+    </p:bg>
     <p:spTree>
       <p:nvGrpSpPr>
-        <p:cNvPr id="2" name="Shape 2"/>
+        <p:cNvPr id="1" name="Shape 2"/>
         <p:cNvGrpSpPr/>
         <p:nvPr/>
       </p:nvGrpSpPr>
@@ -312,9 +319,11 @@
       <p:sp>
         <p:nvSpPr>
           <p:cNvPr id="3" name="Google Shape;3;n"/>
-          <p:cNvSpPr/>
+          <p:cNvSpPr>
+            <a:spLocks noGrp="1" noRot="1" noChangeAspect="1"/>
+          </p:cNvSpPr>
           <p:nvPr>
-            <p:ph idx="2" type="sldImg"/>
+            <p:ph type="sldImg" idx="2"/>
           </p:nvPr>
         </p:nvSpPr>
         <p:spPr>
@@ -323,9 +332,13 @@
             <a:ext cx="6096075" cy="3429000"/>
           </a:xfrm>
           <a:custGeom>
-            <a:rect b="b" l="l" r="r" t="t"/>
+            <a:avLst/>
+            <a:gdLst/>
+            <a:ahLst/>
+            <a:cxnLst/>
+            <a:rect l="l" t="t" r="r" b="b"/>
             <a:pathLst>
-              <a:path extrusionOk="0" h="120000" w="120000">
+              <a:path w="120000" h="120000" extrusionOk="0">
                 <a:moveTo>
                   <a:pt x="0" y="0"/>
                 </a:moveTo>
@@ -343,23 +356,25 @@
             </a:pathLst>
           </a:custGeom>
           <a:noFill/>
-          <a:ln cap="flat" cmpd="sng" w="9525">
+          <a:ln w="9525" cap="flat" cmpd="sng">
             <a:solidFill>
               <a:srgbClr val="000000"/>
             </a:solidFill>
             <a:prstDash val="solid"/>
             <a:round/>
-            <a:headEnd len="sm" w="sm" type="none"/>
-            <a:tailEnd len="sm" w="sm" type="none"/>
+            <a:headEnd type="none" w="sm" len="sm"/>
+            <a:tailEnd type="none" w="sm" len="sm"/>
           </a:ln>
         </p:spPr>
       </p:sp>
       <p:sp>
         <p:nvSpPr>
           <p:cNvPr id="4" name="Google Shape;4;n"/>
-          <p:cNvSpPr txBox="1"/>
+          <p:cNvSpPr txBox="1">
+            <a:spLocks noGrp="1"/>
+          </p:cNvSpPr>
           <p:nvPr>
-            <p:ph idx="1" type="body"/>
+            <p:ph type="body" idx="1"/>
           </p:nvPr>
         </p:nvSpPr>
         <p:spPr>
@@ -376,11 +391,11 @@
           </a:ln>
         </p:spPr>
         <p:txBody>
-          <a:bodyPr anchorCtr="0" anchor="t" bIns="91425" lIns="91425" spcFirstLastPara="1" rIns="91425" wrap="square" tIns="91425">
+          <a:bodyPr spcFirstLastPara="1" wrap="square" lIns="91425" tIns="91425" rIns="91425" bIns="91425" anchor="t" anchorCtr="0">
             <a:noAutofit/>
           </a:bodyPr>
           <a:lstStyle>
-            <a:lvl1pPr indent="-298450" lvl="0" marL="457200">
+            <a:lvl1pPr marL="457200" lvl="0" indent="-298450">
               <a:spcBef>
                 <a:spcPts val="0"/>
               </a:spcBef>
@@ -391,7 +406,7 @@
               <a:buChar char="●"/>
               <a:defRPr sz="1100"/>
             </a:lvl1pPr>
-            <a:lvl2pPr indent="-298450" lvl="1" marL="914400">
+            <a:lvl2pPr marL="914400" lvl="1" indent="-298450">
               <a:spcBef>
                 <a:spcPts val="0"/>
               </a:spcBef>
@@ -402,7 +417,7 @@
               <a:buChar char="○"/>
               <a:defRPr sz="1100"/>
             </a:lvl2pPr>
-            <a:lvl3pPr indent="-298450" lvl="2" marL="1371600">
+            <a:lvl3pPr marL="1371600" lvl="2" indent="-298450">
               <a:spcBef>
                 <a:spcPts val="0"/>
               </a:spcBef>
@@ -413,7 +428,7 @@
               <a:buChar char="■"/>
               <a:defRPr sz="1100"/>
             </a:lvl3pPr>
-            <a:lvl4pPr indent="-298450" lvl="3" marL="1828800">
+            <a:lvl4pPr marL="1828800" lvl="3" indent="-298450">
               <a:spcBef>
                 <a:spcPts val="0"/>
               </a:spcBef>
@@ -424,7 +439,7 @@
               <a:buChar char="●"/>
               <a:defRPr sz="1100"/>
             </a:lvl4pPr>
-            <a:lvl5pPr indent="-298450" lvl="4" marL="2286000">
+            <a:lvl5pPr marL="2286000" lvl="4" indent="-298450">
               <a:spcBef>
                 <a:spcPts val="0"/>
               </a:spcBef>
@@ -435,7 +450,7 @@
               <a:buChar char="○"/>
               <a:defRPr sz="1100"/>
             </a:lvl5pPr>
-            <a:lvl6pPr indent="-298450" lvl="5" marL="2743200">
+            <a:lvl6pPr marL="2743200" lvl="5" indent="-298450">
               <a:spcBef>
                 <a:spcPts val="0"/>
               </a:spcBef>
@@ -446,7 +461,7 @@
               <a:buChar char="■"/>
               <a:defRPr sz="1100"/>
             </a:lvl6pPr>
-            <a:lvl7pPr indent="-298450" lvl="6" marL="3200400">
+            <a:lvl7pPr marL="3200400" lvl="6" indent="-298450">
               <a:spcBef>
                 <a:spcPts val="0"/>
               </a:spcBef>
@@ -457,7 +472,7 @@
               <a:buChar char="●"/>
               <a:defRPr sz="1100"/>
             </a:lvl7pPr>
-            <a:lvl8pPr indent="-298450" lvl="7" marL="3657600">
+            <a:lvl8pPr marL="3657600" lvl="7" indent="-298450">
               <a:spcBef>
                 <a:spcPts val="0"/>
               </a:spcBef>
@@ -468,7 +483,7 @@
               <a:buChar char="○"/>
               <a:defRPr sz="1100"/>
             </a:lvl8pPr>
-            <a:lvl9pPr indent="-298450" lvl="8" marL="4114800">
+            <a:lvl9pPr marL="4114800" lvl="8" indent="-298450">
               <a:spcBef>
                 <a:spcPts val="0"/>
               </a:spcBef>
@@ -480,14 +495,21 @@
               <a:defRPr sz="1100"/>
             </a:lvl9pPr>
           </a:lstStyle>
-          <a:p/>
+          <a:p>
+            <a:endParaRPr/>
+          </a:p>
         </p:txBody>
       </p:sp>
     </p:spTree>
+    <p:extLst>
+      <p:ext uri="{BB962C8B-B14F-4D97-AF65-F5344CB8AC3E}">
+        <p14:creationId xmlns:p14="http://schemas.microsoft.com/office/powerpoint/2010/main" val="629576704"/>
+      </p:ext>
+    </p:extLst>
   </p:cSld>
-  <p:clrMap accent1="accent1" accent2="accent2" accent3="accent3" accent4="accent4" accent5="accent5" accent6="accent6" bg1="lt1" bg2="dk2" tx1="dk1" tx2="lt2" folHlink="folHlink" hlink="hlink"/>
+  <p:clrMap bg1="lt1" tx1="dk1" bg2="dk2" tx2="lt2" accent1="accent1" accent2="accent2" accent3="accent3" accent4="accent4" accent5="accent5" accent6="accent6" hlink="hlink" folHlink="folHlink"/>
   <p:notesStyle>
-    <a:defPPr lvl="0" marR="0" rtl="0" algn="l">
+    <a:defPPr marR="0" lvl="0" algn="l" rtl="0">
       <a:lnSpc>
         <a:spcPct val="100000"/>
       </a:lnSpc>
@@ -498,7 +520,7 @@
         <a:spcPts val="0"/>
       </a:spcAft>
     </a:defPPr>
-    <a:lvl1pPr lvl="0" marR="0" rtl="0" algn="l">
+    <a:lvl1pPr marR="0" lvl="0" algn="l" rtl="0">
       <a:lnSpc>
         <a:spcPct val="100000"/>
       </a:lnSpc>
@@ -512,7 +534,7 @@
         <a:srgbClr val="000000"/>
       </a:buClr>
       <a:buFont typeface="Arial"/>
-      <a:defRPr b="0" i="0" sz="1400" u="none" cap="none" strike="noStrike">
+      <a:defRPr sz="1400" b="0" i="0" u="none" strike="noStrike" cap="none">
         <a:solidFill>
           <a:srgbClr val="000000"/>
         </a:solidFill>
@@ -522,7 +544,7 @@
         <a:sym typeface="Arial"/>
       </a:defRPr>
     </a:lvl1pPr>
-    <a:lvl2pPr lvl="1" marR="0" rtl="0" algn="l">
+    <a:lvl2pPr marR="0" lvl="1" algn="l" rtl="0">
       <a:lnSpc>
         <a:spcPct val="100000"/>
       </a:lnSpc>
@@ -536,7 +558,7 @@
         <a:srgbClr val="000000"/>
       </a:buClr>
       <a:buFont typeface="Arial"/>
-      <a:defRPr b="0" i="0" sz="1400" u="none" cap="none" strike="noStrike">
+      <a:defRPr sz="1400" b="0" i="0" u="none" strike="noStrike" cap="none">
         <a:solidFill>
           <a:srgbClr val="000000"/>
         </a:solidFill>
@@ -546,7 +568,7 @@
         <a:sym typeface="Arial"/>
       </a:defRPr>
     </a:lvl2pPr>
-    <a:lvl3pPr lvl="2" marR="0" rtl="0" algn="l">
+    <a:lvl3pPr marR="0" lvl="2" algn="l" rtl="0">
       <a:lnSpc>
         <a:spcPct val="100000"/>
       </a:lnSpc>
@@ -560,7 +582,7 @@
         <a:srgbClr val="000000"/>
       </a:buClr>
       <a:buFont typeface="Arial"/>
-      <a:defRPr b="0" i="0" sz="1400" u="none" cap="none" strike="noStrike">
+      <a:defRPr sz="1400" b="0" i="0" u="none" strike="noStrike" cap="none">
         <a:solidFill>
           <a:srgbClr val="000000"/>
         </a:solidFill>
@@ -570,7 +592,7 @@
         <a:sym typeface="Arial"/>
       </a:defRPr>
     </a:lvl3pPr>
-    <a:lvl4pPr lvl="3" marR="0" rtl="0" algn="l">
+    <a:lvl4pPr marR="0" lvl="3" algn="l" rtl="0">
       <a:lnSpc>
         <a:spcPct val="100000"/>
       </a:lnSpc>
@@ -584,7 +606,7 @@
         <a:srgbClr val="000000"/>
       </a:buClr>
       <a:buFont typeface="Arial"/>
-      <a:defRPr b="0" i="0" sz="1400" u="none" cap="none" strike="noStrike">
+      <a:defRPr sz="1400" b="0" i="0" u="none" strike="noStrike" cap="none">
         <a:solidFill>
           <a:srgbClr val="000000"/>
         </a:solidFill>
@@ -594,7 +616,7 @@
         <a:sym typeface="Arial"/>
       </a:defRPr>
     </a:lvl4pPr>
-    <a:lvl5pPr lvl="4" marR="0" rtl="0" algn="l">
+    <a:lvl5pPr marR="0" lvl="4" algn="l" rtl="0">
       <a:lnSpc>
         <a:spcPct val="100000"/>
       </a:lnSpc>
@@ -608,7 +630,7 @@
         <a:srgbClr val="000000"/>
       </a:buClr>
       <a:buFont typeface="Arial"/>
-      <a:defRPr b="0" i="0" sz="1400" u="none" cap="none" strike="noStrike">
+      <a:defRPr sz="1400" b="0" i="0" u="none" strike="noStrike" cap="none">
         <a:solidFill>
           <a:srgbClr val="000000"/>
         </a:solidFill>
@@ -618,7 +640,7 @@
         <a:sym typeface="Arial"/>
       </a:defRPr>
     </a:lvl5pPr>
-    <a:lvl6pPr lvl="5" marR="0" rtl="0" algn="l">
+    <a:lvl6pPr marR="0" lvl="5" algn="l" rtl="0">
       <a:lnSpc>
         <a:spcPct val="100000"/>
       </a:lnSpc>
@@ -632,7 +654,7 @@
         <a:srgbClr val="000000"/>
       </a:buClr>
       <a:buFont typeface="Arial"/>
-      <a:defRPr b="0" i="0" sz="1400" u="none" cap="none" strike="noStrike">
+      <a:defRPr sz="1400" b="0" i="0" u="none" strike="noStrike" cap="none">
         <a:solidFill>
           <a:srgbClr val="000000"/>
         </a:solidFill>
@@ -642,7 +664,7 @@
         <a:sym typeface="Arial"/>
       </a:defRPr>
     </a:lvl6pPr>
-    <a:lvl7pPr lvl="6" marR="0" rtl="0" algn="l">
+    <a:lvl7pPr marR="0" lvl="6" algn="l" rtl="0">
       <a:lnSpc>
         <a:spcPct val="100000"/>
       </a:lnSpc>
@@ -656,7 +678,7 @@
         <a:srgbClr val="000000"/>
       </a:buClr>
       <a:buFont typeface="Arial"/>
-      <a:defRPr b="0" i="0" sz="1400" u="none" cap="none" strike="noStrike">
+      <a:defRPr sz="1400" b="0" i="0" u="none" strike="noStrike" cap="none">
         <a:solidFill>
           <a:srgbClr val="000000"/>
         </a:solidFill>
@@ -666,7 +688,7 @@
         <a:sym typeface="Arial"/>
       </a:defRPr>
     </a:lvl7pPr>
-    <a:lvl8pPr lvl="7" marR="0" rtl="0" algn="l">
+    <a:lvl8pPr marR="0" lvl="7" algn="l" rtl="0">
       <a:lnSpc>
         <a:spcPct val="100000"/>
       </a:lnSpc>
@@ -680,7 +702,7 @@
         <a:srgbClr val="000000"/>
       </a:buClr>
       <a:buFont typeface="Arial"/>
-      <a:defRPr b="0" i="0" sz="1400" u="none" cap="none" strike="noStrike">
+      <a:defRPr sz="1400" b="0" i="0" u="none" strike="noStrike" cap="none">
         <a:solidFill>
           <a:srgbClr val="000000"/>
         </a:solidFill>
@@ -690,7 +712,7 @@
         <a:sym typeface="Arial"/>
       </a:defRPr>
     </a:lvl8pPr>
-    <a:lvl9pPr lvl="8" marR="0" rtl="0" algn="l">
+    <a:lvl9pPr marR="0" lvl="8" algn="l" rtl="0">
       <a:lnSpc>
         <a:spcPct val="100000"/>
       </a:lnSpc>
@@ -704,7 +726,7 @@
         <a:srgbClr val="000000"/>
       </a:buClr>
       <a:buFont typeface="Arial"/>
-      <a:defRPr b="0" i="0" sz="1400" u="none" cap="none" strike="noStrike">
+      <a:defRPr sz="1400" b="0" i="0" u="none" strike="noStrike" cap="none">
         <a:solidFill>
           <a:srgbClr val="000000"/>
         </a:solidFill>
@@ -719,11 +741,11 @@
 </file>
 
 <file path=ppt/notesSlides/notesSlide1.xml><?xml version="1.0" encoding="utf-8"?>
-<p:notes xmlns:a="http://schemas.openxmlformats.org/drawingml/2006/main" xmlns:r="http://schemas.openxmlformats.org/officeDocument/2006/relationships" xmlns:mc="http://schemas.openxmlformats.org/markup-compatibility/2006" xmlns:mv="urn:schemas-microsoft-com:mac:vml" xmlns:p="http://schemas.openxmlformats.org/presentationml/2006/main" xmlns:c="http://schemas.openxmlformats.org/drawingml/2006/chart" xmlns:dgm="http://schemas.openxmlformats.org/drawingml/2006/diagram" xmlns:o="urn:schemas-microsoft-com:office:office" xmlns:v="urn:schemas-microsoft-com:vml" xmlns:pvml="urn:schemas-microsoft-com:office:powerpoint" xmlns:com="http://schemas.openxmlformats.org/drawingml/2006/compatibility" xmlns:p14="http://schemas.microsoft.com/office/powerpoint/2010/main" xmlns:p15="http://schemas.microsoft.com/office/powerpoint/2012/main" xmlns:ahyp="http://schemas.microsoft.com/office/drawing/2018/hyperlinkcolor" showMasterPhAnim="0" showMasterSp="0">
+<p:notes xmlns:a="http://schemas.openxmlformats.org/drawingml/2006/main" xmlns:r="http://schemas.openxmlformats.org/officeDocument/2006/relationships" xmlns:p="http://schemas.openxmlformats.org/presentationml/2006/main" showMasterSp="0" showMasterPhAnim="0">
   <p:cSld>
     <p:spTree>
       <p:nvGrpSpPr>
-        <p:cNvPr id="81" name="Shape 81"/>
+        <p:cNvPr id="1" name="Shape 81"/>
         <p:cNvGrpSpPr/>
         <p:nvPr/>
       </p:nvGrpSpPr>
@@ -738,9 +760,11 @@
       <p:sp>
         <p:nvSpPr>
           <p:cNvPr id="82" name="Google Shape;82;p:notes"/>
-          <p:cNvSpPr/>
+          <p:cNvSpPr>
+            <a:spLocks noGrp="1" noRot="1" noChangeAspect="1"/>
+          </p:cNvSpPr>
           <p:nvPr>
-            <p:ph idx="2" type="sldImg"/>
+            <p:ph type="sldImg" idx="2"/>
           </p:nvPr>
         </p:nvSpPr>
         <p:spPr>
@@ -749,9 +773,13 @@
             <a:ext cx="6096075" cy="3429000"/>
           </a:xfrm>
           <a:custGeom>
-            <a:rect b="b" l="l" r="r" t="t"/>
+            <a:avLst/>
+            <a:gdLst/>
+            <a:ahLst/>
+            <a:cxnLst/>
+            <a:rect l="l" t="t" r="r" b="b"/>
             <a:pathLst>
-              <a:path extrusionOk="0" h="120000" w="120000">
+              <a:path w="120000" h="120000" extrusionOk="0">
                 <a:moveTo>
                   <a:pt x="0" y="0"/>
                 </a:moveTo>
@@ -773,9 +801,11 @@
       <p:sp>
         <p:nvSpPr>
           <p:cNvPr id="83" name="Google Shape;83;p:notes"/>
-          <p:cNvSpPr txBox="1"/>
+          <p:cNvSpPr txBox="1">
+            <a:spLocks noGrp="1"/>
+          </p:cNvSpPr>
           <p:nvPr>
-            <p:ph idx="1" type="body"/>
+            <p:ph type="body" idx="1"/>
           </p:nvPr>
         </p:nvSpPr>
         <p:spPr>
@@ -788,12 +818,12 @@
           </a:prstGeom>
         </p:spPr>
         <p:txBody>
-          <a:bodyPr anchorCtr="0" anchor="t" bIns="91425" lIns="91425" spcFirstLastPara="1" rIns="91425" wrap="square" tIns="91425">
+          <a:bodyPr spcFirstLastPara="1" wrap="square" lIns="91425" tIns="91425" rIns="91425" bIns="91425" anchor="t" anchorCtr="0">
             <a:noAutofit/>
           </a:bodyPr>
           <a:lstStyle/>
           <a:p>
-            <a:pPr indent="0" lvl="0" marL="0" rtl="0" algn="l">
+            <a:pPr marL="0" lvl="0" indent="0" algn="l" rtl="0">
               <a:spcBef>
                 <a:spcPts val="0"/>
               </a:spcBef>
@@ -802,14 +832,16 @@
               </a:spcAft>
               <a:buNone/>
             </a:pPr>
-            <a:r>
-              <a:t/>
-            </a:r>
             <a:endParaRPr/>
           </a:p>
         </p:txBody>
       </p:sp>
     </p:spTree>
+    <p:extLst>
+      <p:ext uri="{BB962C8B-B14F-4D97-AF65-F5344CB8AC3E}">
+        <p14:creationId xmlns:p14="http://schemas.microsoft.com/office/powerpoint/2010/main" val="1687590612"/>
+      </p:ext>
+    </p:extLst>
   </p:cSld>
   <p:clrMapOvr>
     <a:masterClrMapping/>
@@ -818,11 +850,11 @@
 </file>
 
 <file path=ppt/notesSlides/notesSlide10.xml><?xml version="1.0" encoding="utf-8"?>
-<p:notes xmlns:a="http://schemas.openxmlformats.org/drawingml/2006/main" xmlns:r="http://schemas.openxmlformats.org/officeDocument/2006/relationships" xmlns:mc="http://schemas.openxmlformats.org/markup-compatibility/2006" xmlns:mv="urn:schemas-microsoft-com:mac:vml" xmlns:p="http://schemas.openxmlformats.org/presentationml/2006/main" xmlns:c="http://schemas.openxmlformats.org/drawingml/2006/chart" xmlns:dgm="http://schemas.openxmlformats.org/drawingml/2006/diagram" xmlns:o="urn:schemas-microsoft-com:office:office" xmlns:v="urn:schemas-microsoft-com:vml" xmlns:pvml="urn:schemas-microsoft-com:office:powerpoint" xmlns:com="http://schemas.openxmlformats.org/drawingml/2006/compatibility" xmlns:p14="http://schemas.microsoft.com/office/powerpoint/2010/main" xmlns:p15="http://schemas.microsoft.com/office/powerpoint/2012/main" xmlns:ahyp="http://schemas.microsoft.com/office/drawing/2018/hyperlinkcolor" showMasterPhAnim="0" showMasterSp="0">
+<p:notes xmlns:a="http://schemas.openxmlformats.org/drawingml/2006/main" xmlns:r="http://schemas.openxmlformats.org/officeDocument/2006/relationships" xmlns:p="http://schemas.openxmlformats.org/presentationml/2006/main" showMasterSp="0" showMasterPhAnim="0">
   <p:cSld>
     <p:spTree>
       <p:nvGrpSpPr>
-        <p:cNvPr id="143" name="Shape 143"/>
+        <p:cNvPr id="1" name="Shape 143"/>
         <p:cNvGrpSpPr/>
         <p:nvPr/>
       </p:nvGrpSpPr>
@@ -837,9 +869,11 @@
       <p:sp>
         <p:nvSpPr>
           <p:cNvPr id="144" name="Google Shape;144;g303321e4c1c_0_131:notes"/>
-          <p:cNvSpPr/>
+          <p:cNvSpPr>
+            <a:spLocks noGrp="1" noRot="1" noChangeAspect="1"/>
+          </p:cNvSpPr>
           <p:nvPr>
-            <p:ph idx="2" type="sldImg"/>
+            <p:ph type="sldImg" idx="2"/>
           </p:nvPr>
         </p:nvSpPr>
         <p:spPr>
@@ -848,9 +882,13 @@
             <a:ext cx="6096000" cy="3429000"/>
           </a:xfrm>
           <a:custGeom>
-            <a:rect b="b" l="l" r="r" t="t"/>
+            <a:avLst/>
+            <a:gdLst/>
+            <a:ahLst/>
+            <a:cxnLst/>
+            <a:rect l="l" t="t" r="r" b="b"/>
             <a:pathLst>
-              <a:path extrusionOk="0" h="120000" w="120000">
+              <a:path w="120000" h="120000" extrusionOk="0">
                 <a:moveTo>
                   <a:pt x="0" y="0"/>
                 </a:moveTo>
@@ -872,9 +910,11 @@
       <p:sp>
         <p:nvSpPr>
           <p:cNvPr id="145" name="Google Shape;145;g303321e4c1c_0_131:notes"/>
-          <p:cNvSpPr txBox="1"/>
+          <p:cNvSpPr txBox="1">
+            <a:spLocks noGrp="1"/>
+          </p:cNvSpPr>
           <p:nvPr>
-            <p:ph idx="1" type="body"/>
+            <p:ph type="body" idx="1"/>
           </p:nvPr>
         </p:nvSpPr>
         <p:spPr>
@@ -887,12 +927,12 @@
           </a:prstGeom>
         </p:spPr>
         <p:txBody>
-          <a:bodyPr anchorCtr="0" anchor="t" bIns="91425" lIns="91425" spcFirstLastPara="1" rIns="91425" wrap="square" tIns="91425">
+          <a:bodyPr spcFirstLastPara="1" wrap="square" lIns="91425" tIns="91425" rIns="91425" bIns="91425" anchor="t" anchorCtr="0">
             <a:noAutofit/>
           </a:bodyPr>
           <a:lstStyle/>
           <a:p>
-            <a:pPr indent="0" lvl="0" marL="0" rtl="0" algn="l">
+            <a:pPr marL="0" lvl="0" indent="0" algn="l" rtl="0">
               <a:spcBef>
                 <a:spcPts val="0"/>
               </a:spcBef>
@@ -901,14 +941,16 @@
               </a:spcAft>
               <a:buNone/>
             </a:pPr>
-            <a:r>
-              <a:t/>
-            </a:r>
             <a:endParaRPr/>
           </a:p>
         </p:txBody>
       </p:sp>
     </p:spTree>
+    <p:extLst>
+      <p:ext uri="{BB962C8B-B14F-4D97-AF65-F5344CB8AC3E}">
+        <p14:creationId xmlns:p14="http://schemas.microsoft.com/office/powerpoint/2010/main" val="1037210227"/>
+      </p:ext>
+    </p:extLst>
   </p:cSld>
   <p:clrMapOvr>
     <a:masterClrMapping/>
@@ -917,11 +959,11 @@
 </file>
 
 <file path=ppt/notesSlides/notesSlide11.xml><?xml version="1.0" encoding="utf-8"?>
-<p:notes xmlns:a="http://schemas.openxmlformats.org/drawingml/2006/main" xmlns:r="http://schemas.openxmlformats.org/officeDocument/2006/relationships" xmlns:mc="http://schemas.openxmlformats.org/markup-compatibility/2006" xmlns:mv="urn:schemas-microsoft-com:mac:vml" xmlns:p="http://schemas.openxmlformats.org/presentationml/2006/main" xmlns:c="http://schemas.openxmlformats.org/drawingml/2006/chart" xmlns:dgm="http://schemas.openxmlformats.org/drawingml/2006/diagram" xmlns:o="urn:schemas-microsoft-com:office:office" xmlns:v="urn:schemas-microsoft-com:vml" xmlns:pvml="urn:schemas-microsoft-com:office:powerpoint" xmlns:com="http://schemas.openxmlformats.org/drawingml/2006/compatibility" xmlns:p14="http://schemas.microsoft.com/office/powerpoint/2010/main" xmlns:p15="http://schemas.microsoft.com/office/powerpoint/2012/main" xmlns:ahyp="http://schemas.microsoft.com/office/drawing/2018/hyperlinkcolor" showMasterPhAnim="0" showMasterSp="0">
+<p:notes xmlns:a="http://schemas.openxmlformats.org/drawingml/2006/main" xmlns:r="http://schemas.openxmlformats.org/officeDocument/2006/relationships" xmlns:p="http://schemas.openxmlformats.org/presentationml/2006/main" showMasterSp="0" showMasterPhAnim="0">
   <p:cSld>
     <p:spTree>
       <p:nvGrpSpPr>
-        <p:cNvPr id="151" name="Shape 151"/>
+        <p:cNvPr id="1" name="Shape 151"/>
         <p:cNvGrpSpPr/>
         <p:nvPr/>
       </p:nvGrpSpPr>
@@ -936,9 +978,11 @@
       <p:sp>
         <p:nvSpPr>
           <p:cNvPr id="152" name="Google Shape;152;g303321e4c1c_0_137:notes"/>
-          <p:cNvSpPr/>
+          <p:cNvSpPr>
+            <a:spLocks noGrp="1" noRot="1" noChangeAspect="1"/>
+          </p:cNvSpPr>
           <p:nvPr>
-            <p:ph idx="2" type="sldImg"/>
+            <p:ph type="sldImg" idx="2"/>
           </p:nvPr>
         </p:nvSpPr>
         <p:spPr>
@@ -947,9 +991,13 @@
             <a:ext cx="6096000" cy="3429000"/>
           </a:xfrm>
           <a:custGeom>
-            <a:rect b="b" l="l" r="r" t="t"/>
+            <a:avLst/>
+            <a:gdLst/>
+            <a:ahLst/>
+            <a:cxnLst/>
+            <a:rect l="l" t="t" r="r" b="b"/>
             <a:pathLst>
-              <a:path extrusionOk="0" h="120000" w="120000">
+              <a:path w="120000" h="120000" extrusionOk="0">
                 <a:moveTo>
                   <a:pt x="0" y="0"/>
                 </a:moveTo>
@@ -971,9 +1019,11 @@
       <p:sp>
         <p:nvSpPr>
           <p:cNvPr id="153" name="Google Shape;153;g303321e4c1c_0_137:notes"/>
-          <p:cNvSpPr txBox="1"/>
+          <p:cNvSpPr txBox="1">
+            <a:spLocks noGrp="1"/>
+          </p:cNvSpPr>
           <p:nvPr>
-            <p:ph idx="1" type="body"/>
+            <p:ph type="body" idx="1"/>
           </p:nvPr>
         </p:nvSpPr>
         <p:spPr>
@@ -986,12 +1036,12 @@
           </a:prstGeom>
         </p:spPr>
         <p:txBody>
-          <a:bodyPr anchorCtr="0" anchor="t" bIns="91425" lIns="91425" spcFirstLastPara="1" rIns="91425" wrap="square" tIns="91425">
+          <a:bodyPr spcFirstLastPara="1" wrap="square" lIns="91425" tIns="91425" rIns="91425" bIns="91425" anchor="t" anchorCtr="0">
             <a:noAutofit/>
           </a:bodyPr>
           <a:lstStyle/>
           <a:p>
-            <a:pPr indent="0" lvl="0" marL="0" rtl="0" algn="l">
+            <a:pPr marL="0" lvl="0" indent="0" algn="l" rtl="0">
               <a:spcBef>
                 <a:spcPts val="0"/>
               </a:spcBef>
@@ -1000,14 +1050,16 @@
               </a:spcAft>
               <a:buNone/>
             </a:pPr>
-            <a:r>
-              <a:t/>
-            </a:r>
             <a:endParaRPr/>
           </a:p>
         </p:txBody>
       </p:sp>
     </p:spTree>
+    <p:extLst>
+      <p:ext uri="{BB962C8B-B14F-4D97-AF65-F5344CB8AC3E}">
+        <p14:creationId xmlns:p14="http://schemas.microsoft.com/office/powerpoint/2010/main" val="278613330"/>
+      </p:ext>
+    </p:extLst>
   </p:cSld>
   <p:clrMapOvr>
     <a:masterClrMapping/>
@@ -1016,11 +1068,11 @@
 </file>
 
 <file path=ppt/notesSlides/notesSlide12.xml><?xml version="1.0" encoding="utf-8"?>
-<p:notes xmlns:a="http://schemas.openxmlformats.org/drawingml/2006/main" xmlns:r="http://schemas.openxmlformats.org/officeDocument/2006/relationships" xmlns:mc="http://schemas.openxmlformats.org/markup-compatibility/2006" xmlns:mv="urn:schemas-microsoft-com:mac:vml" xmlns:p="http://schemas.openxmlformats.org/presentationml/2006/main" xmlns:c="http://schemas.openxmlformats.org/drawingml/2006/chart" xmlns:dgm="http://schemas.openxmlformats.org/drawingml/2006/diagram" xmlns:o="urn:schemas-microsoft-com:office:office" xmlns:v="urn:schemas-microsoft-com:vml" xmlns:pvml="urn:schemas-microsoft-com:office:powerpoint" xmlns:com="http://schemas.openxmlformats.org/drawingml/2006/compatibility" xmlns:p14="http://schemas.microsoft.com/office/powerpoint/2010/main" xmlns:p15="http://schemas.microsoft.com/office/powerpoint/2012/main" xmlns:ahyp="http://schemas.microsoft.com/office/drawing/2018/hyperlinkcolor" showMasterPhAnim="0" showMasterSp="0">
+<p:notes xmlns:a="http://schemas.openxmlformats.org/drawingml/2006/main" xmlns:r="http://schemas.openxmlformats.org/officeDocument/2006/relationships" xmlns:p="http://schemas.openxmlformats.org/presentationml/2006/main" showMasterSp="0" showMasterPhAnim="0">
   <p:cSld>
     <p:spTree>
       <p:nvGrpSpPr>
-        <p:cNvPr id="158" name="Shape 158"/>
+        <p:cNvPr id="1" name="Shape 158"/>
         <p:cNvGrpSpPr/>
         <p:nvPr/>
       </p:nvGrpSpPr>
@@ -1035,9 +1087,11 @@
       <p:sp>
         <p:nvSpPr>
           <p:cNvPr id="159" name="Google Shape;159;g303321e4c1c_0_143:notes"/>
-          <p:cNvSpPr/>
+          <p:cNvSpPr>
+            <a:spLocks noGrp="1" noRot="1" noChangeAspect="1"/>
+          </p:cNvSpPr>
           <p:nvPr>
-            <p:ph idx="2" type="sldImg"/>
+            <p:ph type="sldImg" idx="2"/>
           </p:nvPr>
         </p:nvSpPr>
         <p:spPr>
@@ -1046,9 +1100,13 @@
             <a:ext cx="6096000" cy="3429000"/>
           </a:xfrm>
           <a:custGeom>
-            <a:rect b="b" l="l" r="r" t="t"/>
+            <a:avLst/>
+            <a:gdLst/>
+            <a:ahLst/>
+            <a:cxnLst/>
+            <a:rect l="l" t="t" r="r" b="b"/>
             <a:pathLst>
-              <a:path extrusionOk="0" h="120000" w="120000">
+              <a:path w="120000" h="120000" extrusionOk="0">
                 <a:moveTo>
                   <a:pt x="0" y="0"/>
                 </a:moveTo>
@@ -1070,9 +1128,11 @@
       <p:sp>
         <p:nvSpPr>
           <p:cNvPr id="160" name="Google Shape;160;g303321e4c1c_0_143:notes"/>
-          <p:cNvSpPr txBox="1"/>
+          <p:cNvSpPr txBox="1">
+            <a:spLocks noGrp="1"/>
+          </p:cNvSpPr>
           <p:nvPr>
-            <p:ph idx="1" type="body"/>
+            <p:ph type="body" idx="1"/>
           </p:nvPr>
         </p:nvSpPr>
         <p:spPr>
@@ -1085,12 +1145,12 @@
           </a:prstGeom>
         </p:spPr>
         <p:txBody>
-          <a:bodyPr anchorCtr="0" anchor="t" bIns="91425" lIns="91425" spcFirstLastPara="1" rIns="91425" wrap="square" tIns="91425">
+          <a:bodyPr spcFirstLastPara="1" wrap="square" lIns="91425" tIns="91425" rIns="91425" bIns="91425" anchor="t" anchorCtr="0">
             <a:noAutofit/>
           </a:bodyPr>
           <a:lstStyle/>
           <a:p>
-            <a:pPr indent="0" lvl="0" marL="0" rtl="0" algn="l">
+            <a:pPr marL="0" lvl="0" indent="0" algn="l" rtl="0">
               <a:spcBef>
                 <a:spcPts val="0"/>
               </a:spcBef>
@@ -1099,14 +1159,16 @@
               </a:spcAft>
               <a:buNone/>
             </a:pPr>
-            <a:r>
-              <a:t/>
-            </a:r>
             <a:endParaRPr/>
           </a:p>
         </p:txBody>
       </p:sp>
     </p:spTree>
+    <p:extLst>
+      <p:ext uri="{BB962C8B-B14F-4D97-AF65-F5344CB8AC3E}">
+        <p14:creationId xmlns:p14="http://schemas.microsoft.com/office/powerpoint/2010/main" val="1342248050"/>
+      </p:ext>
+    </p:extLst>
   </p:cSld>
   <p:clrMapOvr>
     <a:masterClrMapping/>
@@ -1115,11 +1177,11 @@
 </file>
 
 <file path=ppt/notesSlides/notesSlide13.xml><?xml version="1.0" encoding="utf-8"?>
-<p:notes xmlns:a="http://schemas.openxmlformats.org/drawingml/2006/main" xmlns:r="http://schemas.openxmlformats.org/officeDocument/2006/relationships" xmlns:mc="http://schemas.openxmlformats.org/markup-compatibility/2006" xmlns:mv="urn:schemas-microsoft-com:mac:vml" xmlns:p="http://schemas.openxmlformats.org/presentationml/2006/main" xmlns:c="http://schemas.openxmlformats.org/drawingml/2006/chart" xmlns:dgm="http://schemas.openxmlformats.org/drawingml/2006/diagram" xmlns:o="urn:schemas-microsoft-com:office:office" xmlns:v="urn:schemas-microsoft-com:vml" xmlns:pvml="urn:schemas-microsoft-com:office:powerpoint" xmlns:com="http://schemas.openxmlformats.org/drawingml/2006/compatibility" xmlns:p14="http://schemas.microsoft.com/office/powerpoint/2010/main" xmlns:p15="http://schemas.microsoft.com/office/powerpoint/2012/main" xmlns:ahyp="http://schemas.microsoft.com/office/drawing/2018/hyperlinkcolor" showMasterPhAnim="0" showMasterSp="0">
+<p:notes xmlns:a="http://schemas.openxmlformats.org/drawingml/2006/main" xmlns:r="http://schemas.openxmlformats.org/officeDocument/2006/relationships" xmlns:p="http://schemas.openxmlformats.org/presentationml/2006/main" showMasterSp="0" showMasterPhAnim="0">
   <p:cSld>
     <p:spTree>
       <p:nvGrpSpPr>
-        <p:cNvPr id="165" name="Shape 165"/>
+        <p:cNvPr id="1" name="Shape 165"/>
         <p:cNvGrpSpPr/>
         <p:nvPr/>
       </p:nvGrpSpPr>
@@ -1134,9 +1196,11 @@
       <p:sp>
         <p:nvSpPr>
           <p:cNvPr id="166" name="Google Shape;166;g303321e4c1c_0_149:notes"/>
-          <p:cNvSpPr/>
+          <p:cNvSpPr>
+            <a:spLocks noGrp="1" noRot="1" noChangeAspect="1"/>
+          </p:cNvSpPr>
           <p:nvPr>
-            <p:ph idx="2" type="sldImg"/>
+            <p:ph type="sldImg" idx="2"/>
           </p:nvPr>
         </p:nvSpPr>
         <p:spPr>
@@ -1145,9 +1209,13 @@
             <a:ext cx="6096000" cy="3429000"/>
           </a:xfrm>
           <a:custGeom>
-            <a:rect b="b" l="l" r="r" t="t"/>
+            <a:avLst/>
+            <a:gdLst/>
+            <a:ahLst/>
+            <a:cxnLst/>
+            <a:rect l="l" t="t" r="r" b="b"/>
             <a:pathLst>
-              <a:path extrusionOk="0" h="120000" w="120000">
+              <a:path w="120000" h="120000" extrusionOk="0">
                 <a:moveTo>
                   <a:pt x="0" y="0"/>
                 </a:moveTo>
@@ -1169,9 +1237,11 @@
       <p:sp>
         <p:nvSpPr>
           <p:cNvPr id="167" name="Google Shape;167;g303321e4c1c_0_149:notes"/>
-          <p:cNvSpPr txBox="1"/>
+          <p:cNvSpPr txBox="1">
+            <a:spLocks noGrp="1"/>
+          </p:cNvSpPr>
           <p:nvPr>
-            <p:ph idx="1" type="body"/>
+            <p:ph type="body" idx="1"/>
           </p:nvPr>
         </p:nvSpPr>
         <p:spPr>
@@ -1184,12 +1254,12 @@
           </a:prstGeom>
         </p:spPr>
         <p:txBody>
-          <a:bodyPr anchorCtr="0" anchor="t" bIns="91425" lIns="91425" spcFirstLastPara="1" rIns="91425" wrap="square" tIns="91425">
+          <a:bodyPr spcFirstLastPara="1" wrap="square" lIns="91425" tIns="91425" rIns="91425" bIns="91425" anchor="t" anchorCtr="0">
             <a:noAutofit/>
           </a:bodyPr>
           <a:lstStyle/>
           <a:p>
-            <a:pPr indent="0" lvl="0" marL="0" rtl="0" algn="l">
+            <a:pPr marL="0" lvl="0" indent="0" algn="l" rtl="0">
               <a:spcBef>
                 <a:spcPts val="0"/>
               </a:spcBef>
@@ -1198,14 +1268,16 @@
               </a:spcAft>
               <a:buNone/>
             </a:pPr>
-            <a:r>
-              <a:t/>
-            </a:r>
             <a:endParaRPr/>
           </a:p>
         </p:txBody>
       </p:sp>
     </p:spTree>
+    <p:extLst>
+      <p:ext uri="{BB962C8B-B14F-4D97-AF65-F5344CB8AC3E}">
+        <p14:creationId xmlns:p14="http://schemas.microsoft.com/office/powerpoint/2010/main" val="1128264068"/>
+      </p:ext>
+    </p:extLst>
   </p:cSld>
   <p:clrMapOvr>
     <a:masterClrMapping/>
@@ -1214,11 +1286,11 @@
 </file>
 
 <file path=ppt/notesSlides/notesSlide14.xml><?xml version="1.0" encoding="utf-8"?>
-<p:notes xmlns:a="http://schemas.openxmlformats.org/drawingml/2006/main" xmlns:r="http://schemas.openxmlformats.org/officeDocument/2006/relationships" xmlns:mc="http://schemas.openxmlformats.org/markup-compatibility/2006" xmlns:mv="urn:schemas-microsoft-com:mac:vml" xmlns:p="http://schemas.openxmlformats.org/presentationml/2006/main" xmlns:c="http://schemas.openxmlformats.org/drawingml/2006/chart" xmlns:dgm="http://schemas.openxmlformats.org/drawingml/2006/diagram" xmlns:o="urn:schemas-microsoft-com:office:office" xmlns:v="urn:schemas-microsoft-com:vml" xmlns:pvml="urn:schemas-microsoft-com:office:powerpoint" xmlns:com="http://schemas.openxmlformats.org/drawingml/2006/compatibility" xmlns:p14="http://schemas.microsoft.com/office/powerpoint/2010/main" xmlns:p15="http://schemas.microsoft.com/office/powerpoint/2012/main" xmlns:ahyp="http://schemas.microsoft.com/office/drawing/2018/hyperlinkcolor" showMasterPhAnim="0" showMasterSp="0">
+<p:notes xmlns:a="http://schemas.openxmlformats.org/drawingml/2006/main" xmlns:r="http://schemas.openxmlformats.org/officeDocument/2006/relationships" xmlns:p="http://schemas.openxmlformats.org/presentationml/2006/main" showMasterSp="0" showMasterPhAnim="0">
   <p:cSld>
     <p:spTree>
       <p:nvGrpSpPr>
-        <p:cNvPr id="173" name="Shape 173"/>
+        <p:cNvPr id="1" name="Shape 173"/>
         <p:cNvGrpSpPr/>
         <p:nvPr/>
       </p:nvGrpSpPr>
@@ -1233,9 +1305,11 @@
       <p:sp>
         <p:nvSpPr>
           <p:cNvPr id="174" name="Google Shape;174;g303321e4c1c_0_154:notes"/>
-          <p:cNvSpPr/>
+          <p:cNvSpPr>
+            <a:spLocks noGrp="1" noRot="1" noChangeAspect="1"/>
+          </p:cNvSpPr>
           <p:nvPr>
-            <p:ph idx="2" type="sldImg"/>
+            <p:ph type="sldImg" idx="2"/>
           </p:nvPr>
         </p:nvSpPr>
         <p:spPr>
@@ -1244,9 +1318,13 @@
             <a:ext cx="6096000" cy="3429000"/>
           </a:xfrm>
           <a:custGeom>
-            <a:rect b="b" l="l" r="r" t="t"/>
+            <a:avLst/>
+            <a:gdLst/>
+            <a:ahLst/>
+            <a:cxnLst/>
+            <a:rect l="l" t="t" r="r" b="b"/>
             <a:pathLst>
-              <a:path extrusionOk="0" h="120000" w="120000">
+              <a:path w="120000" h="120000" extrusionOk="0">
                 <a:moveTo>
                   <a:pt x="0" y="0"/>
                 </a:moveTo>
@@ -1268,9 +1346,11 @@
       <p:sp>
         <p:nvSpPr>
           <p:cNvPr id="175" name="Google Shape;175;g303321e4c1c_0_154:notes"/>
-          <p:cNvSpPr txBox="1"/>
+          <p:cNvSpPr txBox="1">
+            <a:spLocks noGrp="1"/>
+          </p:cNvSpPr>
           <p:nvPr>
-            <p:ph idx="1" type="body"/>
+            <p:ph type="body" idx="1"/>
           </p:nvPr>
         </p:nvSpPr>
         <p:spPr>
@@ -1283,12 +1363,12 @@
           </a:prstGeom>
         </p:spPr>
         <p:txBody>
-          <a:bodyPr anchorCtr="0" anchor="t" bIns="91425" lIns="91425" spcFirstLastPara="1" rIns="91425" wrap="square" tIns="91425">
+          <a:bodyPr spcFirstLastPara="1" wrap="square" lIns="91425" tIns="91425" rIns="91425" bIns="91425" anchor="t" anchorCtr="0">
             <a:noAutofit/>
           </a:bodyPr>
           <a:lstStyle/>
           <a:p>
-            <a:pPr indent="0" lvl="0" marL="0" rtl="0" algn="l">
+            <a:pPr marL="0" lvl="0" indent="0" algn="l" rtl="0">
               <a:spcBef>
                 <a:spcPts val="0"/>
               </a:spcBef>
@@ -1297,14 +1377,16 @@
               </a:spcAft>
               <a:buNone/>
             </a:pPr>
-            <a:r>
-              <a:t/>
-            </a:r>
             <a:endParaRPr/>
           </a:p>
         </p:txBody>
       </p:sp>
     </p:spTree>
+    <p:extLst>
+      <p:ext uri="{BB962C8B-B14F-4D97-AF65-F5344CB8AC3E}">
+        <p14:creationId xmlns:p14="http://schemas.microsoft.com/office/powerpoint/2010/main" val="499062149"/>
+      </p:ext>
+    </p:extLst>
   </p:cSld>
   <p:clrMapOvr>
     <a:masterClrMapping/>
@@ -1313,11 +1395,11 @@
 </file>
 
 <file path=ppt/notesSlides/notesSlide15.xml><?xml version="1.0" encoding="utf-8"?>
-<p:notes xmlns:a="http://schemas.openxmlformats.org/drawingml/2006/main" xmlns:r="http://schemas.openxmlformats.org/officeDocument/2006/relationships" xmlns:mc="http://schemas.openxmlformats.org/markup-compatibility/2006" xmlns:mv="urn:schemas-microsoft-com:mac:vml" xmlns:p="http://schemas.openxmlformats.org/presentationml/2006/main" xmlns:c="http://schemas.openxmlformats.org/drawingml/2006/chart" xmlns:dgm="http://schemas.openxmlformats.org/drawingml/2006/diagram" xmlns:o="urn:schemas-microsoft-com:office:office" xmlns:v="urn:schemas-microsoft-com:vml" xmlns:pvml="urn:schemas-microsoft-com:office:powerpoint" xmlns:com="http://schemas.openxmlformats.org/drawingml/2006/compatibility" xmlns:p14="http://schemas.microsoft.com/office/powerpoint/2010/main" xmlns:p15="http://schemas.microsoft.com/office/powerpoint/2012/main" xmlns:ahyp="http://schemas.microsoft.com/office/drawing/2018/hyperlinkcolor" showMasterPhAnim="0" showMasterSp="0">
+<p:notes xmlns:a="http://schemas.openxmlformats.org/drawingml/2006/main" xmlns:r="http://schemas.openxmlformats.org/officeDocument/2006/relationships" xmlns:p="http://schemas.openxmlformats.org/presentationml/2006/main" showMasterSp="0" showMasterPhAnim="0">
   <p:cSld>
     <p:spTree>
       <p:nvGrpSpPr>
-        <p:cNvPr id="180" name="Shape 180"/>
+        <p:cNvPr id="1" name="Shape 180"/>
         <p:cNvGrpSpPr/>
         <p:nvPr/>
       </p:nvGrpSpPr>
@@ -1332,9 +1414,11 @@
       <p:sp>
         <p:nvSpPr>
           <p:cNvPr id="181" name="Google Shape;181;g303321e4c1c_0_121:notes"/>
-          <p:cNvSpPr/>
+          <p:cNvSpPr>
+            <a:spLocks noGrp="1" noRot="1" noChangeAspect="1"/>
+          </p:cNvSpPr>
           <p:nvPr>
-            <p:ph idx="2" type="sldImg"/>
+            <p:ph type="sldImg" idx="2"/>
           </p:nvPr>
         </p:nvSpPr>
         <p:spPr>
@@ -1343,9 +1427,13 @@
             <a:ext cx="6096000" cy="3429000"/>
           </a:xfrm>
           <a:custGeom>
-            <a:rect b="b" l="l" r="r" t="t"/>
+            <a:avLst/>
+            <a:gdLst/>
+            <a:ahLst/>
+            <a:cxnLst/>
+            <a:rect l="l" t="t" r="r" b="b"/>
             <a:pathLst>
-              <a:path extrusionOk="0" h="120000" w="120000">
+              <a:path w="120000" h="120000" extrusionOk="0">
                 <a:moveTo>
                   <a:pt x="0" y="0"/>
                 </a:moveTo>
@@ -1367,9 +1455,11 @@
       <p:sp>
         <p:nvSpPr>
           <p:cNvPr id="182" name="Google Shape;182;g303321e4c1c_0_121:notes"/>
-          <p:cNvSpPr txBox="1"/>
+          <p:cNvSpPr txBox="1">
+            <a:spLocks noGrp="1"/>
+          </p:cNvSpPr>
           <p:nvPr>
-            <p:ph idx="1" type="body"/>
+            <p:ph type="body" idx="1"/>
           </p:nvPr>
         </p:nvSpPr>
         <p:spPr>
@@ -1382,12 +1472,12 @@
           </a:prstGeom>
         </p:spPr>
         <p:txBody>
-          <a:bodyPr anchorCtr="0" anchor="t" bIns="91425" lIns="91425" spcFirstLastPara="1" rIns="91425" wrap="square" tIns="91425">
+          <a:bodyPr spcFirstLastPara="1" wrap="square" lIns="91425" tIns="91425" rIns="91425" bIns="91425" anchor="t" anchorCtr="0">
             <a:noAutofit/>
           </a:bodyPr>
           <a:lstStyle/>
           <a:p>
-            <a:pPr indent="0" lvl="0" marL="0" rtl="0" algn="l">
+            <a:pPr marL="0" lvl="0" indent="0" algn="l" rtl="0">
               <a:spcBef>
                 <a:spcPts val="0"/>
               </a:spcBef>
@@ -1396,14 +1486,16 @@
               </a:spcAft>
               <a:buNone/>
             </a:pPr>
-            <a:r>
-              <a:t/>
-            </a:r>
             <a:endParaRPr/>
           </a:p>
         </p:txBody>
       </p:sp>
     </p:spTree>
+    <p:extLst>
+      <p:ext uri="{BB962C8B-B14F-4D97-AF65-F5344CB8AC3E}">
+        <p14:creationId xmlns:p14="http://schemas.microsoft.com/office/powerpoint/2010/main" val="1686924934"/>
+      </p:ext>
+    </p:extLst>
   </p:cSld>
   <p:clrMapOvr>
     <a:masterClrMapping/>
@@ -1412,11 +1504,11 @@
 </file>
 
 <file path=ppt/notesSlides/notesSlide16.xml><?xml version="1.0" encoding="utf-8"?>
-<p:notes xmlns:a="http://schemas.openxmlformats.org/drawingml/2006/main" xmlns:r="http://schemas.openxmlformats.org/officeDocument/2006/relationships" xmlns:mc="http://schemas.openxmlformats.org/markup-compatibility/2006" xmlns:mv="urn:schemas-microsoft-com:mac:vml" xmlns:p="http://schemas.openxmlformats.org/presentationml/2006/main" xmlns:c="http://schemas.openxmlformats.org/drawingml/2006/chart" xmlns:dgm="http://schemas.openxmlformats.org/drawingml/2006/diagram" xmlns:o="urn:schemas-microsoft-com:office:office" xmlns:v="urn:schemas-microsoft-com:vml" xmlns:pvml="urn:schemas-microsoft-com:office:powerpoint" xmlns:com="http://schemas.openxmlformats.org/drawingml/2006/compatibility" xmlns:p14="http://schemas.microsoft.com/office/powerpoint/2010/main" xmlns:p15="http://schemas.microsoft.com/office/powerpoint/2012/main" xmlns:ahyp="http://schemas.microsoft.com/office/drawing/2018/hyperlinkcolor" showMasterPhAnim="0" showMasterSp="0">
+<p:notes xmlns:a="http://schemas.openxmlformats.org/drawingml/2006/main" xmlns:r="http://schemas.openxmlformats.org/officeDocument/2006/relationships" xmlns:p="http://schemas.openxmlformats.org/presentationml/2006/main" showMasterSp="0" showMasterPhAnim="0">
   <p:cSld>
     <p:spTree>
       <p:nvGrpSpPr>
-        <p:cNvPr id="185" name="Shape 185"/>
+        <p:cNvPr id="1" name="Shape 185"/>
         <p:cNvGrpSpPr/>
         <p:nvPr/>
       </p:nvGrpSpPr>
@@ -1431,20 +1523,26 @@
       <p:sp>
         <p:nvSpPr>
           <p:cNvPr id="186" name="Google Shape;186;g303321e4c1c_0_163:notes"/>
-          <p:cNvSpPr/>
+          <p:cNvSpPr>
+            <a:spLocks noGrp="1" noRot="1" noChangeAspect="1"/>
+          </p:cNvSpPr>
           <p:nvPr>
-            <p:ph idx="2" type="sldImg"/>
+            <p:ph type="sldImg" idx="2"/>
           </p:nvPr>
         </p:nvSpPr>
         <p:spPr>
           <a:xfrm>
-            <a:off x="381300" y="685800"/>
+            <a:off x="381000" y="685800"/>
             <a:ext cx="6096000" cy="3429000"/>
           </a:xfrm>
           <a:custGeom>
-            <a:rect b="b" l="l" r="r" t="t"/>
+            <a:avLst/>
+            <a:gdLst/>
+            <a:ahLst/>
+            <a:cxnLst/>
+            <a:rect l="l" t="t" r="r" b="b"/>
             <a:pathLst>
-              <a:path extrusionOk="0" h="120000" w="120000">
+              <a:path w="120000" h="120000" extrusionOk="0">
                 <a:moveTo>
                   <a:pt x="0" y="0"/>
                 </a:moveTo>
@@ -1466,9 +1564,11 @@
       <p:sp>
         <p:nvSpPr>
           <p:cNvPr id="187" name="Google Shape;187;g303321e4c1c_0_163:notes"/>
-          <p:cNvSpPr txBox="1"/>
+          <p:cNvSpPr txBox="1">
+            <a:spLocks noGrp="1"/>
+          </p:cNvSpPr>
           <p:nvPr>
-            <p:ph idx="1" type="body"/>
+            <p:ph type="body" idx="1"/>
           </p:nvPr>
         </p:nvSpPr>
         <p:spPr>
@@ -1481,12 +1581,12 @@
           </a:prstGeom>
         </p:spPr>
         <p:txBody>
-          <a:bodyPr anchorCtr="0" anchor="t" bIns="91425" lIns="91425" spcFirstLastPara="1" rIns="91425" wrap="square" tIns="91425">
+          <a:bodyPr spcFirstLastPara="1" wrap="square" lIns="91425" tIns="91425" rIns="91425" bIns="91425" anchor="t" anchorCtr="0">
             <a:noAutofit/>
           </a:bodyPr>
           <a:lstStyle/>
           <a:p>
-            <a:pPr indent="0" lvl="0" marL="0" rtl="0" algn="l">
+            <a:pPr marL="0" lvl="0" indent="0" algn="l" rtl="0">
               <a:spcBef>
                 <a:spcPts val="0"/>
               </a:spcBef>
@@ -1495,14 +1595,16 @@
               </a:spcAft>
               <a:buNone/>
             </a:pPr>
-            <a:r>
-              <a:t/>
-            </a:r>
             <a:endParaRPr/>
           </a:p>
         </p:txBody>
       </p:sp>
     </p:spTree>
+    <p:extLst>
+      <p:ext uri="{BB962C8B-B14F-4D97-AF65-F5344CB8AC3E}">
+        <p14:creationId xmlns:p14="http://schemas.microsoft.com/office/powerpoint/2010/main" val="2496153320"/>
+      </p:ext>
+    </p:extLst>
   </p:cSld>
   <p:clrMapOvr>
     <a:masterClrMapping/>
@@ -1511,11 +1613,11 @@
 </file>
 
 <file path=ppt/notesSlides/notesSlide17.xml><?xml version="1.0" encoding="utf-8"?>
-<p:notes xmlns:a="http://schemas.openxmlformats.org/drawingml/2006/main" xmlns:r="http://schemas.openxmlformats.org/officeDocument/2006/relationships" xmlns:mc="http://schemas.openxmlformats.org/markup-compatibility/2006" xmlns:mv="urn:schemas-microsoft-com:mac:vml" xmlns:p="http://schemas.openxmlformats.org/presentationml/2006/main" xmlns:c="http://schemas.openxmlformats.org/drawingml/2006/chart" xmlns:dgm="http://schemas.openxmlformats.org/drawingml/2006/diagram" xmlns:o="urn:schemas-microsoft-com:office:office" xmlns:v="urn:schemas-microsoft-com:vml" xmlns:pvml="urn:schemas-microsoft-com:office:powerpoint" xmlns:com="http://schemas.openxmlformats.org/drawingml/2006/compatibility" xmlns:p14="http://schemas.microsoft.com/office/powerpoint/2010/main" xmlns:p15="http://schemas.microsoft.com/office/powerpoint/2012/main" xmlns:ahyp="http://schemas.microsoft.com/office/drawing/2018/hyperlinkcolor" showMasterPhAnim="0" showMasterSp="0">
+<p:notes xmlns:a="http://schemas.openxmlformats.org/drawingml/2006/main" xmlns:r="http://schemas.openxmlformats.org/officeDocument/2006/relationships" xmlns:p="http://schemas.openxmlformats.org/presentationml/2006/main" showMasterSp="0" showMasterPhAnim="0">
   <p:cSld>
     <p:spTree>
       <p:nvGrpSpPr>
-        <p:cNvPr id="191" name="Shape 191"/>
+        <p:cNvPr id="1" name="Shape 191"/>
         <p:cNvGrpSpPr/>
         <p:nvPr/>
       </p:nvGrpSpPr>
@@ -1530,20 +1632,26 @@
       <p:sp>
         <p:nvSpPr>
           <p:cNvPr id="192" name="Google Shape;192;g303321e4c1c_0_208:notes"/>
-          <p:cNvSpPr/>
+          <p:cNvSpPr>
+            <a:spLocks noGrp="1" noRot="1" noChangeAspect="1"/>
+          </p:cNvSpPr>
           <p:nvPr>
-            <p:ph idx="2" type="sldImg"/>
+            <p:ph type="sldImg" idx="2"/>
           </p:nvPr>
         </p:nvSpPr>
         <p:spPr>
           <a:xfrm>
-            <a:off x="381300" y="685800"/>
+            <a:off x="381000" y="685800"/>
             <a:ext cx="6096000" cy="3429000"/>
           </a:xfrm>
           <a:custGeom>
-            <a:rect b="b" l="l" r="r" t="t"/>
+            <a:avLst/>
+            <a:gdLst/>
+            <a:ahLst/>
+            <a:cxnLst/>
+            <a:rect l="l" t="t" r="r" b="b"/>
             <a:pathLst>
-              <a:path extrusionOk="0" h="120000" w="120000">
+              <a:path w="120000" h="120000" extrusionOk="0">
                 <a:moveTo>
                   <a:pt x="0" y="0"/>
                 </a:moveTo>
@@ -1565,9 +1673,11 @@
       <p:sp>
         <p:nvSpPr>
           <p:cNvPr id="193" name="Google Shape;193;g303321e4c1c_0_208:notes"/>
-          <p:cNvSpPr txBox="1"/>
+          <p:cNvSpPr txBox="1">
+            <a:spLocks noGrp="1"/>
+          </p:cNvSpPr>
           <p:nvPr>
-            <p:ph idx="1" type="body"/>
+            <p:ph type="body" idx="1"/>
           </p:nvPr>
         </p:nvSpPr>
         <p:spPr>
@@ -1580,12 +1690,12 @@
           </a:prstGeom>
         </p:spPr>
         <p:txBody>
-          <a:bodyPr anchorCtr="0" anchor="t" bIns="91425" lIns="91425" spcFirstLastPara="1" rIns="91425" wrap="square" tIns="91425">
+          <a:bodyPr spcFirstLastPara="1" wrap="square" lIns="91425" tIns="91425" rIns="91425" bIns="91425" anchor="t" anchorCtr="0">
             <a:noAutofit/>
           </a:bodyPr>
           <a:lstStyle/>
           <a:p>
-            <a:pPr indent="0" lvl="0" marL="0" rtl="0" algn="l">
+            <a:pPr marL="0" lvl="0" indent="0" algn="l" rtl="0">
               <a:spcBef>
                 <a:spcPts val="0"/>
               </a:spcBef>
@@ -1594,14 +1704,16 @@
               </a:spcAft>
               <a:buNone/>
             </a:pPr>
-            <a:r>
-              <a:t/>
-            </a:r>
-            <a:endParaRPr/>
+            <a:endParaRPr dirty="0"/>
           </a:p>
         </p:txBody>
       </p:sp>
     </p:spTree>
+    <p:extLst>
+      <p:ext uri="{BB962C8B-B14F-4D97-AF65-F5344CB8AC3E}">
+        <p14:creationId xmlns:p14="http://schemas.microsoft.com/office/powerpoint/2010/main" val="2902786158"/>
+      </p:ext>
+    </p:extLst>
   </p:cSld>
   <p:clrMapOvr>
     <a:masterClrMapping/>
@@ -1610,11 +1722,11 @@
 </file>
 
 <file path=ppt/notesSlides/notesSlide18.xml><?xml version="1.0" encoding="utf-8"?>
-<p:notes xmlns:a="http://schemas.openxmlformats.org/drawingml/2006/main" xmlns:r="http://schemas.openxmlformats.org/officeDocument/2006/relationships" xmlns:mc="http://schemas.openxmlformats.org/markup-compatibility/2006" xmlns:mv="urn:schemas-microsoft-com:mac:vml" xmlns:p="http://schemas.openxmlformats.org/presentationml/2006/main" xmlns:c="http://schemas.openxmlformats.org/drawingml/2006/chart" xmlns:dgm="http://schemas.openxmlformats.org/drawingml/2006/diagram" xmlns:o="urn:schemas-microsoft-com:office:office" xmlns:v="urn:schemas-microsoft-com:vml" xmlns:pvml="urn:schemas-microsoft-com:office:powerpoint" xmlns:com="http://schemas.openxmlformats.org/drawingml/2006/compatibility" xmlns:p14="http://schemas.microsoft.com/office/powerpoint/2010/main" xmlns:p15="http://schemas.microsoft.com/office/powerpoint/2012/main" xmlns:ahyp="http://schemas.microsoft.com/office/drawing/2018/hyperlinkcolor" showMasterPhAnim="0" showMasterSp="0">
+<p:notes xmlns:a="http://schemas.openxmlformats.org/drawingml/2006/main" xmlns:r="http://schemas.openxmlformats.org/officeDocument/2006/relationships" xmlns:p="http://schemas.openxmlformats.org/presentationml/2006/main" showMasterSp="0" showMasterPhAnim="0">
   <p:cSld>
     <p:spTree>
       <p:nvGrpSpPr>
-        <p:cNvPr id="197" name="Shape 197"/>
+        <p:cNvPr id="1" name="Shape 197"/>
         <p:cNvGrpSpPr/>
         <p:nvPr/>
       </p:nvGrpSpPr>
@@ -1629,9 +1741,11 @@
       <p:sp>
         <p:nvSpPr>
           <p:cNvPr id="198" name="Google Shape;198;g303321e4c1c_0_213:notes"/>
-          <p:cNvSpPr/>
+          <p:cNvSpPr>
+            <a:spLocks noGrp="1" noRot="1" noChangeAspect="1"/>
+          </p:cNvSpPr>
           <p:nvPr>
-            <p:ph idx="2" type="sldImg"/>
+            <p:ph type="sldImg" idx="2"/>
           </p:nvPr>
         </p:nvSpPr>
         <p:spPr>
@@ -1640,9 +1754,13 @@
             <a:ext cx="6096000" cy="3429000"/>
           </a:xfrm>
           <a:custGeom>
-            <a:rect b="b" l="l" r="r" t="t"/>
+            <a:avLst/>
+            <a:gdLst/>
+            <a:ahLst/>
+            <a:cxnLst/>
+            <a:rect l="l" t="t" r="r" b="b"/>
             <a:pathLst>
-              <a:path extrusionOk="0" h="120000" w="120000">
+              <a:path w="120000" h="120000" extrusionOk="0">
                 <a:moveTo>
                   <a:pt x="0" y="0"/>
                 </a:moveTo>
@@ -1664,9 +1782,11 @@
       <p:sp>
         <p:nvSpPr>
           <p:cNvPr id="199" name="Google Shape;199;g303321e4c1c_0_213:notes"/>
-          <p:cNvSpPr txBox="1"/>
+          <p:cNvSpPr txBox="1">
+            <a:spLocks noGrp="1"/>
+          </p:cNvSpPr>
           <p:nvPr>
-            <p:ph idx="1" type="body"/>
+            <p:ph type="body" idx="1"/>
           </p:nvPr>
         </p:nvSpPr>
         <p:spPr>
@@ -1679,12 +1799,12 @@
           </a:prstGeom>
         </p:spPr>
         <p:txBody>
-          <a:bodyPr anchorCtr="0" anchor="t" bIns="91425" lIns="91425" spcFirstLastPara="1" rIns="91425" wrap="square" tIns="91425">
+          <a:bodyPr spcFirstLastPara="1" wrap="square" lIns="91425" tIns="91425" rIns="91425" bIns="91425" anchor="t" anchorCtr="0">
             <a:noAutofit/>
           </a:bodyPr>
           <a:lstStyle/>
           <a:p>
-            <a:pPr indent="0" lvl="0" marL="0" rtl="0" algn="l">
+            <a:pPr marL="0" lvl="0" indent="0" algn="l" rtl="0">
               <a:spcBef>
                 <a:spcPts val="0"/>
               </a:spcBef>
@@ -1699,7 +1819,7 @@
               <a:buNone/>
             </a:pPr>
             <a:r>
-              <a:rPr lang="sr" sz="1150">
+              <a:rPr lang="sr" sz="1150" dirty="0">
                 <a:solidFill>
                   <a:srgbClr val="D1D2D3"/>
                 </a:solidFill>
@@ -1709,7 +1829,7 @@
               </a:rPr>
               <a:t>kafka-topics.sh --create --bootstrap-server localhost:9092 --topic berlin-fcd</a:t>
             </a:r>
-            <a:endParaRPr sz="1150">
+            <a:endParaRPr sz="1150" dirty="0">
               <a:solidFill>
                 <a:srgbClr val="D1D2D3"/>
               </a:solidFill>
@@ -1719,7 +1839,7 @@
             </a:endParaRPr>
           </a:p>
           <a:p>
-            <a:pPr indent="0" lvl="0" marL="0" rtl="0" algn="l">
+            <a:pPr marL="0" lvl="0" indent="0" algn="l" rtl="0">
               <a:spcBef>
                 <a:spcPts val="0"/>
               </a:spcBef>
@@ -1734,7 +1854,7 @@
               <a:buNone/>
             </a:pPr>
             <a:r>
-              <a:rPr lang="sr" sz="1150">
+              <a:rPr lang="sr" sz="1150" dirty="0">
                 <a:solidFill>
                   <a:srgbClr val="D1D2D3"/>
                 </a:solidFill>
@@ -1744,7 +1864,7 @@
               </a:rPr>
               <a:t>kafka-topics.sh --create --bootstrap-server localhost:9092 --topic berlin-emission</a:t>
             </a:r>
-            <a:endParaRPr sz="1150">
+            <a:endParaRPr sz="1150" dirty="0">
               <a:solidFill>
                 <a:srgbClr val="D1D2D3"/>
               </a:solidFill>
@@ -1754,7 +1874,7 @@
             </a:endParaRPr>
           </a:p>
           <a:p>
-            <a:pPr indent="0" lvl="0" marL="0" rtl="0" algn="l">
+            <a:pPr marL="0" lvl="0" indent="0" algn="l" rtl="0">
               <a:spcBef>
                 <a:spcPts val="0"/>
               </a:spcBef>
@@ -1769,7 +1889,7 @@
               <a:buNone/>
             </a:pPr>
             <a:r>
-              <a:rPr lang="sr" sz="1150">
+              <a:rPr lang="sr" sz="1150" dirty="0">
                 <a:solidFill>
                   <a:srgbClr val="D1D2D3"/>
                 </a:solidFill>
@@ -1779,7 +1899,7 @@
               </a:rPr>
               <a:t>kafka-topics.sh --create --bootstrap-server localhost:9092 --topic berlin-pollution</a:t>
             </a:r>
-            <a:endParaRPr sz="1150">
+            <a:endParaRPr sz="1150" dirty="0">
               <a:solidFill>
                 <a:srgbClr val="D1D2D3"/>
               </a:solidFill>
@@ -1789,7 +1909,7 @@
             </a:endParaRPr>
           </a:p>
           <a:p>
-            <a:pPr indent="0" lvl="0" marL="0" rtl="0" algn="l">
+            <a:pPr marL="0" lvl="0" indent="0" algn="l" rtl="0">
               <a:spcBef>
                 <a:spcPts val="0"/>
               </a:spcBef>
@@ -1799,7 +1919,7 @@
               <a:buNone/>
             </a:pPr>
             <a:r>
-              <a:rPr lang="sr" sz="1150">
+              <a:rPr lang="sr" sz="1150" dirty="0">
                 <a:solidFill>
                   <a:srgbClr val="D1D2D3"/>
                 </a:solidFill>
@@ -1807,13 +1927,88 @@
                   <a:srgbClr val="1A1D21"/>
                 </a:highlight>
               </a:rPr>
-              <a:t>kafka-topics.sh --create --bootstrap-server localhost:9092 --topic berlin-traffic</a:t>
+              <a:t>kafka-topics.sh --create --bootstrap-server localhost:9092 --topic </a:t>
             </a:r>
-            <a:endParaRPr/>
+            <a:r>
+              <a:rPr lang="sr" sz="1150" dirty="0" smtClean="0">
+                <a:solidFill>
+                  <a:srgbClr val="D1D2D3"/>
+                </a:solidFill>
+                <a:highlight>
+                  <a:srgbClr val="1A1D21"/>
+                </a:highlight>
+              </a:rPr>
+              <a:t>berlin-traffic</a:t>
+            </a:r>
+            <a:endParaRPr lang="en-US" sz="1150" dirty="0" smtClean="0">
+              <a:solidFill>
+                <a:srgbClr val="D1D2D3"/>
+              </a:solidFill>
+              <a:highlight>
+                <a:srgbClr val="1A1D21"/>
+              </a:highlight>
+            </a:endParaRPr>
+          </a:p>
+          <a:p>
+            <a:pPr marL="0" lvl="0" indent="0" algn="l" rtl="0">
+              <a:spcBef>
+                <a:spcPts val="0"/>
+              </a:spcBef>
+              <a:spcAft>
+                <a:spcPts val="0"/>
+              </a:spcAft>
+              <a:buNone/>
+            </a:pPr>
+            <a:endParaRPr lang="en-US" sz="1150" dirty="0" smtClean="0">
+              <a:solidFill>
+                <a:srgbClr val="D1D2D3"/>
+              </a:solidFill>
+              <a:highlight>
+                <a:srgbClr val="1A1D21"/>
+              </a:highlight>
+            </a:endParaRPr>
+          </a:p>
+          <a:p>
+            <a:pPr marL="0" marR="0" lvl="0" indent="0" algn="l" defTabSz="914400" rtl="0" eaLnBrk="1" fontAlgn="auto" latinLnBrk="0" hangingPunct="1">
+              <a:lnSpc>
+                <a:spcPct val="100000"/>
+              </a:lnSpc>
+              <a:spcBef>
+                <a:spcPts val="0"/>
+              </a:spcBef>
+              <a:spcAft>
+                <a:spcPts val="0"/>
+              </a:spcAft>
+              <a:buClr>
+                <a:srgbClr val="000000"/>
+              </a:buClr>
+              <a:buSzPts val="1100"/>
+              <a:buFont typeface="Arial"/>
+              <a:buNone/>
+              <a:tabLst/>
+              <a:defRPr/>
+            </a:pPr>
+            <a:r>
+              <a:rPr lang="en-US" sz="1100" dirty="0" smtClean="0">
+                <a:solidFill>
+                  <a:srgbClr val="D1D2D3"/>
+                </a:solidFill>
+                <a:highlight>
+                  <a:srgbClr val="1A1D21"/>
+                </a:highlight>
+              </a:rPr>
+              <a:t>kafka-topics.sh -–list --bootstrap-server localhost:9092</a:t>
+            </a:r>
+            <a:endParaRPr dirty="0"/>
           </a:p>
         </p:txBody>
       </p:sp>
     </p:spTree>
+    <p:extLst>
+      <p:ext uri="{BB962C8B-B14F-4D97-AF65-F5344CB8AC3E}">
+        <p14:creationId xmlns:p14="http://schemas.microsoft.com/office/powerpoint/2010/main" val="2168910719"/>
+      </p:ext>
+    </p:extLst>
   </p:cSld>
   <p:clrMapOvr>
     <a:masterClrMapping/>
@@ -1822,11 +2017,11 @@
 </file>
 
 <file path=ppt/notesSlides/notesSlide19.xml><?xml version="1.0" encoding="utf-8"?>
-<p:notes xmlns:a="http://schemas.openxmlformats.org/drawingml/2006/main" xmlns:r="http://schemas.openxmlformats.org/officeDocument/2006/relationships" xmlns:mc="http://schemas.openxmlformats.org/markup-compatibility/2006" xmlns:mv="urn:schemas-microsoft-com:mac:vml" xmlns:p="http://schemas.openxmlformats.org/presentationml/2006/main" xmlns:c="http://schemas.openxmlformats.org/drawingml/2006/chart" xmlns:dgm="http://schemas.openxmlformats.org/drawingml/2006/diagram" xmlns:o="urn:schemas-microsoft-com:office:office" xmlns:v="urn:schemas-microsoft-com:vml" xmlns:pvml="urn:schemas-microsoft-com:office:powerpoint" xmlns:com="http://schemas.openxmlformats.org/drawingml/2006/compatibility" xmlns:p14="http://schemas.microsoft.com/office/powerpoint/2010/main" xmlns:p15="http://schemas.microsoft.com/office/powerpoint/2012/main" xmlns:ahyp="http://schemas.microsoft.com/office/drawing/2018/hyperlinkcolor" showMasterPhAnim="0" showMasterSp="0">
+<p:notes xmlns:a="http://schemas.openxmlformats.org/drawingml/2006/main" xmlns:r="http://schemas.openxmlformats.org/officeDocument/2006/relationships" xmlns:p="http://schemas.openxmlformats.org/presentationml/2006/main" showMasterSp="0" showMasterPhAnim="0">
   <p:cSld>
     <p:spTree>
       <p:nvGrpSpPr>
-        <p:cNvPr id="205" name="Shape 205"/>
+        <p:cNvPr id="1" name="Shape 205"/>
         <p:cNvGrpSpPr/>
         <p:nvPr/>
       </p:nvGrpSpPr>
@@ -1841,20 +2036,26 @@
       <p:sp>
         <p:nvSpPr>
           <p:cNvPr id="206" name="Google Shape;206;g303321e4c1c_0_218:notes"/>
-          <p:cNvSpPr/>
+          <p:cNvSpPr>
+            <a:spLocks noGrp="1" noRot="1" noChangeAspect="1"/>
+          </p:cNvSpPr>
           <p:nvPr>
-            <p:ph idx="2" type="sldImg"/>
+            <p:ph type="sldImg" idx="2"/>
           </p:nvPr>
         </p:nvSpPr>
         <p:spPr>
           <a:xfrm>
-            <a:off x="381300" y="685800"/>
+            <a:off x="381000" y="685800"/>
             <a:ext cx="6096000" cy="3429000"/>
           </a:xfrm>
           <a:custGeom>
-            <a:rect b="b" l="l" r="r" t="t"/>
+            <a:avLst/>
+            <a:gdLst/>
+            <a:ahLst/>
+            <a:cxnLst/>
+            <a:rect l="l" t="t" r="r" b="b"/>
             <a:pathLst>
-              <a:path extrusionOk="0" h="120000" w="120000">
+              <a:path w="120000" h="120000" extrusionOk="0">
                 <a:moveTo>
                   <a:pt x="0" y="0"/>
                 </a:moveTo>
@@ -1876,9 +2077,11 @@
       <p:sp>
         <p:nvSpPr>
           <p:cNvPr id="207" name="Google Shape;207;g303321e4c1c_0_218:notes"/>
-          <p:cNvSpPr txBox="1"/>
+          <p:cNvSpPr txBox="1">
+            <a:spLocks noGrp="1"/>
+          </p:cNvSpPr>
           <p:nvPr>
-            <p:ph idx="1" type="body"/>
+            <p:ph type="body" idx="1"/>
           </p:nvPr>
         </p:nvSpPr>
         <p:spPr>
@@ -1891,12 +2094,12 @@
           </a:prstGeom>
         </p:spPr>
         <p:txBody>
-          <a:bodyPr anchorCtr="0" anchor="t" bIns="91425" lIns="91425" spcFirstLastPara="1" rIns="91425" wrap="square" tIns="91425">
+          <a:bodyPr spcFirstLastPara="1" wrap="square" lIns="91425" tIns="91425" rIns="91425" bIns="91425" anchor="t" anchorCtr="0">
             <a:noAutofit/>
           </a:bodyPr>
           <a:lstStyle/>
           <a:p>
-            <a:pPr indent="0" lvl="0" marL="0" rtl="0" algn="l">
+            <a:pPr marL="0" lvl="0" indent="0" algn="l" rtl="0">
               <a:spcBef>
                 <a:spcPts val="0"/>
               </a:spcBef>
@@ -1905,14 +2108,16 @@
               </a:spcAft>
               <a:buNone/>
             </a:pPr>
-            <a:r>
-              <a:t/>
-            </a:r>
             <a:endParaRPr/>
           </a:p>
         </p:txBody>
       </p:sp>
     </p:spTree>
+    <p:extLst>
+      <p:ext uri="{BB962C8B-B14F-4D97-AF65-F5344CB8AC3E}">
+        <p14:creationId xmlns:p14="http://schemas.microsoft.com/office/powerpoint/2010/main" val="4113726252"/>
+      </p:ext>
+    </p:extLst>
   </p:cSld>
   <p:clrMapOvr>
     <a:masterClrMapping/>
@@ -1921,11 +2126,11 @@
 </file>
 
 <file path=ppt/notesSlides/notesSlide2.xml><?xml version="1.0" encoding="utf-8"?>
-<p:notes xmlns:a="http://schemas.openxmlformats.org/drawingml/2006/main" xmlns:r="http://schemas.openxmlformats.org/officeDocument/2006/relationships" xmlns:mc="http://schemas.openxmlformats.org/markup-compatibility/2006" xmlns:mv="urn:schemas-microsoft-com:mac:vml" xmlns:p="http://schemas.openxmlformats.org/presentationml/2006/main" xmlns:c="http://schemas.openxmlformats.org/drawingml/2006/chart" xmlns:dgm="http://schemas.openxmlformats.org/drawingml/2006/diagram" xmlns:o="urn:schemas-microsoft-com:office:office" xmlns:v="urn:schemas-microsoft-com:vml" xmlns:pvml="urn:schemas-microsoft-com:office:powerpoint" xmlns:com="http://schemas.openxmlformats.org/drawingml/2006/compatibility" xmlns:p14="http://schemas.microsoft.com/office/powerpoint/2010/main" xmlns:p15="http://schemas.microsoft.com/office/powerpoint/2012/main" xmlns:ahyp="http://schemas.microsoft.com/office/drawing/2018/hyperlinkcolor" showMasterPhAnim="0" showMasterSp="0">
+<p:notes xmlns:a="http://schemas.openxmlformats.org/drawingml/2006/main" xmlns:r="http://schemas.openxmlformats.org/officeDocument/2006/relationships" xmlns:p="http://schemas.openxmlformats.org/presentationml/2006/main" showMasterSp="0" showMasterPhAnim="0">
   <p:cSld>
     <p:spTree>
       <p:nvGrpSpPr>
-        <p:cNvPr id="88" name="Shape 88"/>
+        <p:cNvPr id="1" name="Shape 88"/>
         <p:cNvGrpSpPr/>
         <p:nvPr/>
       </p:nvGrpSpPr>
@@ -1940,20 +2145,26 @@
       <p:sp>
         <p:nvSpPr>
           <p:cNvPr id="89" name="Google Shape;89;g303321e4c1c_0_79:notes"/>
-          <p:cNvSpPr/>
+          <p:cNvSpPr>
+            <a:spLocks noGrp="1" noRot="1" noChangeAspect="1"/>
+          </p:cNvSpPr>
           <p:nvPr>
-            <p:ph idx="2" type="sldImg"/>
+            <p:ph type="sldImg" idx="2"/>
           </p:nvPr>
         </p:nvSpPr>
         <p:spPr>
           <a:xfrm>
-            <a:off x="381300" y="685800"/>
+            <a:off x="381000" y="685800"/>
             <a:ext cx="6096000" cy="3429000"/>
           </a:xfrm>
           <a:custGeom>
-            <a:rect b="b" l="l" r="r" t="t"/>
+            <a:avLst/>
+            <a:gdLst/>
+            <a:ahLst/>
+            <a:cxnLst/>
+            <a:rect l="l" t="t" r="r" b="b"/>
             <a:pathLst>
-              <a:path extrusionOk="0" h="120000" w="120000">
+              <a:path w="120000" h="120000" extrusionOk="0">
                 <a:moveTo>
                   <a:pt x="0" y="0"/>
                 </a:moveTo>
@@ -1975,9 +2186,11 @@
       <p:sp>
         <p:nvSpPr>
           <p:cNvPr id="90" name="Google Shape;90;g303321e4c1c_0_79:notes"/>
-          <p:cNvSpPr txBox="1"/>
+          <p:cNvSpPr txBox="1">
+            <a:spLocks noGrp="1"/>
+          </p:cNvSpPr>
           <p:nvPr>
-            <p:ph idx="1" type="body"/>
+            <p:ph type="body" idx="1"/>
           </p:nvPr>
         </p:nvSpPr>
         <p:spPr>
@@ -1990,12 +2203,12 @@
           </a:prstGeom>
         </p:spPr>
         <p:txBody>
-          <a:bodyPr anchorCtr="0" anchor="t" bIns="91425" lIns="91425" spcFirstLastPara="1" rIns="91425" wrap="square" tIns="91425">
+          <a:bodyPr spcFirstLastPara="1" wrap="square" lIns="91425" tIns="91425" rIns="91425" bIns="91425" anchor="t" anchorCtr="0">
             <a:noAutofit/>
           </a:bodyPr>
           <a:lstStyle/>
           <a:p>
-            <a:pPr indent="0" lvl="0" marL="0" rtl="0" algn="l">
+            <a:pPr marL="0" lvl="0" indent="0" algn="l" rtl="0">
               <a:spcBef>
                 <a:spcPts val="0"/>
               </a:spcBef>
@@ -2004,14 +2217,16 @@
               </a:spcAft>
               <a:buNone/>
             </a:pPr>
-            <a:r>
-              <a:t/>
-            </a:r>
             <a:endParaRPr/>
           </a:p>
         </p:txBody>
       </p:sp>
     </p:spTree>
+    <p:extLst>
+      <p:ext uri="{BB962C8B-B14F-4D97-AF65-F5344CB8AC3E}">
+        <p14:creationId xmlns:p14="http://schemas.microsoft.com/office/powerpoint/2010/main" val="488691145"/>
+      </p:ext>
+    </p:extLst>
   </p:cSld>
   <p:clrMapOvr>
     <a:masterClrMapping/>
@@ -2020,11 +2235,11 @@
 </file>
 
 <file path=ppt/notesSlides/notesSlide20.xml><?xml version="1.0" encoding="utf-8"?>
-<p:notes xmlns:a="http://schemas.openxmlformats.org/drawingml/2006/main" xmlns:r="http://schemas.openxmlformats.org/officeDocument/2006/relationships" xmlns:mc="http://schemas.openxmlformats.org/markup-compatibility/2006" xmlns:mv="urn:schemas-microsoft-com:mac:vml" xmlns:p="http://schemas.openxmlformats.org/presentationml/2006/main" xmlns:c="http://schemas.openxmlformats.org/drawingml/2006/chart" xmlns:dgm="http://schemas.openxmlformats.org/drawingml/2006/diagram" xmlns:o="urn:schemas-microsoft-com:office:office" xmlns:v="urn:schemas-microsoft-com:vml" xmlns:pvml="urn:schemas-microsoft-com:office:powerpoint" xmlns:com="http://schemas.openxmlformats.org/drawingml/2006/compatibility" xmlns:p14="http://schemas.microsoft.com/office/powerpoint/2010/main" xmlns:p15="http://schemas.microsoft.com/office/powerpoint/2012/main" xmlns:ahyp="http://schemas.microsoft.com/office/drawing/2018/hyperlinkcolor" showMasterPhAnim="0" showMasterSp="0">
+<p:notes xmlns:a="http://schemas.openxmlformats.org/drawingml/2006/main" xmlns:r="http://schemas.openxmlformats.org/officeDocument/2006/relationships" xmlns:p="http://schemas.openxmlformats.org/presentationml/2006/main" showMasterSp="0" showMasterPhAnim="0">
   <p:cSld>
     <p:spTree>
       <p:nvGrpSpPr>
-        <p:cNvPr id="211" name="Shape 211"/>
+        <p:cNvPr id="1" name="Shape 211"/>
         <p:cNvGrpSpPr/>
         <p:nvPr/>
       </p:nvGrpSpPr>
@@ -2039,20 +2254,26 @@
       <p:sp>
         <p:nvSpPr>
           <p:cNvPr id="212" name="Google Shape;212;g303321e4c1c_0_223:notes"/>
-          <p:cNvSpPr/>
+          <p:cNvSpPr>
+            <a:spLocks noGrp="1" noRot="1" noChangeAspect="1"/>
+          </p:cNvSpPr>
           <p:nvPr>
-            <p:ph idx="2" type="sldImg"/>
+            <p:ph type="sldImg" idx="2"/>
           </p:nvPr>
         </p:nvSpPr>
         <p:spPr>
           <a:xfrm>
-            <a:off x="381300" y="685800"/>
+            <a:off x="381000" y="685800"/>
             <a:ext cx="6096000" cy="3429000"/>
           </a:xfrm>
           <a:custGeom>
-            <a:rect b="b" l="l" r="r" t="t"/>
+            <a:avLst/>
+            <a:gdLst/>
+            <a:ahLst/>
+            <a:cxnLst/>
+            <a:rect l="l" t="t" r="r" b="b"/>
             <a:pathLst>
-              <a:path extrusionOk="0" h="120000" w="120000">
+              <a:path w="120000" h="120000" extrusionOk="0">
                 <a:moveTo>
                   <a:pt x="0" y="0"/>
                 </a:moveTo>
@@ -2074,9 +2295,11 @@
       <p:sp>
         <p:nvSpPr>
           <p:cNvPr id="213" name="Google Shape;213;g303321e4c1c_0_223:notes"/>
-          <p:cNvSpPr txBox="1"/>
+          <p:cNvSpPr txBox="1">
+            <a:spLocks noGrp="1"/>
+          </p:cNvSpPr>
           <p:nvPr>
-            <p:ph idx="1" type="body"/>
+            <p:ph type="body" idx="1"/>
           </p:nvPr>
         </p:nvSpPr>
         <p:spPr>
@@ -2089,12 +2312,12 @@
           </a:prstGeom>
         </p:spPr>
         <p:txBody>
-          <a:bodyPr anchorCtr="0" anchor="t" bIns="91425" lIns="91425" spcFirstLastPara="1" rIns="91425" wrap="square" tIns="91425">
+          <a:bodyPr spcFirstLastPara="1" wrap="square" lIns="91425" tIns="91425" rIns="91425" bIns="91425" anchor="t" anchorCtr="0">
             <a:noAutofit/>
           </a:bodyPr>
           <a:lstStyle/>
           <a:p>
-            <a:pPr indent="0" lvl="0" marL="0" rtl="0" algn="l">
+            <a:pPr marL="0" lvl="0" indent="0" algn="l" rtl="0">
               <a:spcBef>
                 <a:spcPts val="0"/>
               </a:spcBef>
@@ -2103,14 +2326,16 @@
               </a:spcAft>
               <a:buNone/>
             </a:pPr>
-            <a:r>
-              <a:t/>
-            </a:r>
             <a:endParaRPr/>
           </a:p>
         </p:txBody>
       </p:sp>
     </p:spTree>
+    <p:extLst>
+      <p:ext uri="{BB962C8B-B14F-4D97-AF65-F5344CB8AC3E}">
+        <p14:creationId xmlns:p14="http://schemas.microsoft.com/office/powerpoint/2010/main" val="762269660"/>
+      </p:ext>
+    </p:extLst>
   </p:cSld>
   <p:clrMapOvr>
     <a:masterClrMapping/>
@@ -2119,11 +2344,11 @@
 </file>
 
 <file path=ppt/notesSlides/notesSlide21.xml><?xml version="1.0" encoding="utf-8"?>
-<p:notes xmlns:a="http://schemas.openxmlformats.org/drawingml/2006/main" xmlns:r="http://schemas.openxmlformats.org/officeDocument/2006/relationships" xmlns:mc="http://schemas.openxmlformats.org/markup-compatibility/2006" xmlns:mv="urn:schemas-microsoft-com:mac:vml" xmlns:p="http://schemas.openxmlformats.org/presentationml/2006/main" xmlns:c="http://schemas.openxmlformats.org/drawingml/2006/chart" xmlns:dgm="http://schemas.openxmlformats.org/drawingml/2006/diagram" xmlns:o="urn:schemas-microsoft-com:office:office" xmlns:v="urn:schemas-microsoft-com:vml" xmlns:pvml="urn:schemas-microsoft-com:office:powerpoint" xmlns:com="http://schemas.openxmlformats.org/drawingml/2006/compatibility" xmlns:p14="http://schemas.microsoft.com/office/powerpoint/2010/main" xmlns:p15="http://schemas.microsoft.com/office/powerpoint/2012/main" xmlns:ahyp="http://schemas.microsoft.com/office/drawing/2018/hyperlinkcolor" showMasterPhAnim="0" showMasterSp="0">
+<p:notes xmlns:a="http://schemas.openxmlformats.org/drawingml/2006/main" xmlns:r="http://schemas.openxmlformats.org/officeDocument/2006/relationships" xmlns:p="http://schemas.openxmlformats.org/presentationml/2006/main" showMasterSp="0" showMasterPhAnim="0">
   <p:cSld>
     <p:spTree>
       <p:nvGrpSpPr>
-        <p:cNvPr id="217" name="Shape 217"/>
+        <p:cNvPr id="1" name="Shape 217"/>
         <p:cNvGrpSpPr/>
         <p:nvPr/>
       </p:nvGrpSpPr>
@@ -2138,9 +2363,11 @@
       <p:sp>
         <p:nvSpPr>
           <p:cNvPr id="218" name="Google Shape;218;g303321e4c1c_0_228:notes"/>
-          <p:cNvSpPr/>
+          <p:cNvSpPr>
+            <a:spLocks noGrp="1" noRot="1" noChangeAspect="1"/>
+          </p:cNvSpPr>
           <p:nvPr>
-            <p:ph idx="2" type="sldImg"/>
+            <p:ph type="sldImg" idx="2"/>
           </p:nvPr>
         </p:nvSpPr>
         <p:spPr>
@@ -2149,9 +2376,13 @@
             <a:ext cx="6096000" cy="3429000"/>
           </a:xfrm>
           <a:custGeom>
-            <a:rect b="b" l="l" r="r" t="t"/>
+            <a:avLst/>
+            <a:gdLst/>
+            <a:ahLst/>
+            <a:cxnLst/>
+            <a:rect l="l" t="t" r="r" b="b"/>
             <a:pathLst>
-              <a:path extrusionOk="0" h="120000" w="120000">
+              <a:path w="120000" h="120000" extrusionOk="0">
                 <a:moveTo>
                   <a:pt x="0" y="0"/>
                 </a:moveTo>
@@ -2173,9 +2404,11 @@
       <p:sp>
         <p:nvSpPr>
           <p:cNvPr id="219" name="Google Shape;219;g303321e4c1c_0_228:notes"/>
-          <p:cNvSpPr txBox="1"/>
+          <p:cNvSpPr txBox="1">
+            <a:spLocks noGrp="1"/>
+          </p:cNvSpPr>
           <p:nvPr>
-            <p:ph idx="1" type="body"/>
+            <p:ph type="body" idx="1"/>
           </p:nvPr>
         </p:nvSpPr>
         <p:spPr>
@@ -2188,12 +2421,12 @@
           </a:prstGeom>
         </p:spPr>
         <p:txBody>
-          <a:bodyPr anchorCtr="0" anchor="t" bIns="91425" lIns="91425" spcFirstLastPara="1" rIns="91425" wrap="square" tIns="91425">
+          <a:bodyPr spcFirstLastPara="1" wrap="square" lIns="91425" tIns="91425" rIns="91425" bIns="91425" anchor="t" anchorCtr="0">
             <a:noAutofit/>
           </a:bodyPr>
           <a:lstStyle/>
           <a:p>
-            <a:pPr indent="0" lvl="0" marL="0" rtl="0" algn="l">
+            <a:pPr marL="0" lvl="0" indent="0" algn="l" rtl="0">
               <a:spcBef>
                 <a:spcPts val="0"/>
               </a:spcBef>
@@ -2228,7 +2461,7 @@
             </a:endParaRPr>
           </a:p>
           <a:p>
-            <a:pPr indent="0" lvl="0" marL="0" rtl="0" algn="l">
+            <a:pPr marL="0" lvl="0" indent="0" algn="l" rtl="0">
               <a:spcBef>
                 <a:spcPts val="0"/>
               </a:spcBef>
@@ -2253,6 +2486,11 @@
         </p:txBody>
       </p:sp>
     </p:spTree>
+    <p:extLst>
+      <p:ext uri="{BB962C8B-B14F-4D97-AF65-F5344CB8AC3E}">
+        <p14:creationId xmlns:p14="http://schemas.microsoft.com/office/powerpoint/2010/main" val="2118587371"/>
+      </p:ext>
+    </p:extLst>
   </p:cSld>
   <p:clrMapOvr>
     <a:masterClrMapping/>
@@ -2261,11 +2499,11 @@
 </file>
 
 <file path=ppt/notesSlides/notesSlide22.xml><?xml version="1.0" encoding="utf-8"?>
-<p:notes xmlns:a="http://schemas.openxmlformats.org/drawingml/2006/main" xmlns:r="http://schemas.openxmlformats.org/officeDocument/2006/relationships" xmlns:mc="http://schemas.openxmlformats.org/markup-compatibility/2006" xmlns:mv="urn:schemas-microsoft-com:mac:vml" xmlns:p="http://schemas.openxmlformats.org/presentationml/2006/main" xmlns:c="http://schemas.openxmlformats.org/drawingml/2006/chart" xmlns:dgm="http://schemas.openxmlformats.org/drawingml/2006/diagram" xmlns:o="urn:schemas-microsoft-com:office:office" xmlns:v="urn:schemas-microsoft-com:vml" xmlns:pvml="urn:schemas-microsoft-com:office:powerpoint" xmlns:com="http://schemas.openxmlformats.org/drawingml/2006/compatibility" xmlns:p14="http://schemas.microsoft.com/office/powerpoint/2010/main" xmlns:p15="http://schemas.microsoft.com/office/powerpoint/2012/main" xmlns:ahyp="http://schemas.microsoft.com/office/drawing/2018/hyperlinkcolor" showMasterPhAnim="0" showMasterSp="0">
+<p:notes xmlns:a="http://schemas.openxmlformats.org/drawingml/2006/main" xmlns:r="http://schemas.openxmlformats.org/officeDocument/2006/relationships" xmlns:p="http://schemas.openxmlformats.org/presentationml/2006/main" showMasterSp="0" showMasterPhAnim="0">
   <p:cSld>
     <p:spTree>
       <p:nvGrpSpPr>
-        <p:cNvPr id="223" name="Shape 223"/>
+        <p:cNvPr id="1" name="Shape 223"/>
         <p:cNvGrpSpPr/>
         <p:nvPr/>
       </p:nvGrpSpPr>
@@ -2280,20 +2518,26 @@
       <p:sp>
         <p:nvSpPr>
           <p:cNvPr id="224" name="Google Shape;224;g303321e4c1c_0_233:notes"/>
-          <p:cNvSpPr/>
+          <p:cNvSpPr>
+            <a:spLocks noGrp="1" noRot="1" noChangeAspect="1"/>
+          </p:cNvSpPr>
           <p:nvPr>
-            <p:ph idx="2" type="sldImg"/>
+            <p:ph type="sldImg" idx="2"/>
           </p:nvPr>
         </p:nvSpPr>
         <p:spPr>
           <a:xfrm>
-            <a:off x="381300" y="685800"/>
+            <a:off x="381000" y="685800"/>
             <a:ext cx="6096000" cy="3429000"/>
           </a:xfrm>
           <a:custGeom>
-            <a:rect b="b" l="l" r="r" t="t"/>
+            <a:avLst/>
+            <a:gdLst/>
+            <a:ahLst/>
+            <a:cxnLst/>
+            <a:rect l="l" t="t" r="r" b="b"/>
             <a:pathLst>
-              <a:path extrusionOk="0" h="120000" w="120000">
+              <a:path w="120000" h="120000" extrusionOk="0">
                 <a:moveTo>
                   <a:pt x="0" y="0"/>
                 </a:moveTo>
@@ -2315,9 +2559,11 @@
       <p:sp>
         <p:nvSpPr>
           <p:cNvPr id="225" name="Google Shape;225;g303321e4c1c_0_233:notes"/>
-          <p:cNvSpPr txBox="1"/>
+          <p:cNvSpPr txBox="1">
+            <a:spLocks noGrp="1"/>
+          </p:cNvSpPr>
           <p:nvPr>
-            <p:ph idx="1" type="body"/>
+            <p:ph type="body" idx="1"/>
           </p:nvPr>
         </p:nvSpPr>
         <p:spPr>
@@ -2330,12 +2576,12 @@
           </a:prstGeom>
         </p:spPr>
         <p:txBody>
-          <a:bodyPr anchorCtr="0" anchor="t" bIns="91425" lIns="91425" spcFirstLastPara="1" rIns="91425" wrap="square" tIns="91425">
+          <a:bodyPr spcFirstLastPara="1" wrap="square" lIns="91425" tIns="91425" rIns="91425" bIns="91425" anchor="t" anchorCtr="0">
             <a:noAutofit/>
           </a:bodyPr>
           <a:lstStyle/>
           <a:p>
-            <a:pPr indent="0" lvl="0" marL="0" rtl="0" algn="l">
+            <a:pPr marL="0" lvl="0" indent="0" algn="l" rtl="0">
               <a:spcBef>
                 <a:spcPts val="0"/>
               </a:spcBef>
@@ -2344,14 +2590,16 @@
               </a:spcAft>
               <a:buNone/>
             </a:pPr>
-            <a:r>
-              <a:t/>
-            </a:r>
             <a:endParaRPr/>
           </a:p>
         </p:txBody>
       </p:sp>
     </p:spTree>
+    <p:extLst>
+      <p:ext uri="{BB962C8B-B14F-4D97-AF65-F5344CB8AC3E}">
+        <p14:creationId xmlns:p14="http://schemas.microsoft.com/office/powerpoint/2010/main" val="2742601498"/>
+      </p:ext>
+    </p:extLst>
   </p:cSld>
   <p:clrMapOvr>
     <a:masterClrMapping/>
@@ -2360,11 +2608,11 @@
 </file>
 
 <file path=ppt/notesSlides/notesSlide23.xml><?xml version="1.0" encoding="utf-8"?>
-<p:notes xmlns:a="http://schemas.openxmlformats.org/drawingml/2006/main" xmlns:r="http://schemas.openxmlformats.org/officeDocument/2006/relationships" xmlns:mc="http://schemas.openxmlformats.org/markup-compatibility/2006" xmlns:mv="urn:schemas-microsoft-com:mac:vml" xmlns:p="http://schemas.openxmlformats.org/presentationml/2006/main" xmlns:c="http://schemas.openxmlformats.org/drawingml/2006/chart" xmlns:dgm="http://schemas.openxmlformats.org/drawingml/2006/diagram" xmlns:o="urn:schemas-microsoft-com:office:office" xmlns:v="urn:schemas-microsoft-com:vml" xmlns:pvml="urn:schemas-microsoft-com:office:powerpoint" xmlns:com="http://schemas.openxmlformats.org/drawingml/2006/compatibility" xmlns:p14="http://schemas.microsoft.com/office/powerpoint/2010/main" xmlns:p15="http://schemas.microsoft.com/office/powerpoint/2012/main" xmlns:ahyp="http://schemas.microsoft.com/office/drawing/2018/hyperlinkcolor" showMasterPhAnim="0" showMasterSp="0">
+<p:notes xmlns:a="http://schemas.openxmlformats.org/drawingml/2006/main" xmlns:r="http://schemas.openxmlformats.org/officeDocument/2006/relationships" xmlns:p="http://schemas.openxmlformats.org/presentationml/2006/main" showMasterSp="0" showMasterPhAnim="0">
   <p:cSld>
     <p:spTree>
       <p:nvGrpSpPr>
-        <p:cNvPr id="229" name="Shape 229"/>
+        <p:cNvPr id="1" name="Shape 229"/>
         <p:cNvGrpSpPr/>
         <p:nvPr/>
       </p:nvGrpSpPr>
@@ -2379,20 +2627,26 @@
       <p:sp>
         <p:nvSpPr>
           <p:cNvPr id="230" name="Google Shape;230;g303321e4c1c_0_238:notes"/>
-          <p:cNvSpPr/>
+          <p:cNvSpPr>
+            <a:spLocks noGrp="1" noRot="1" noChangeAspect="1"/>
+          </p:cNvSpPr>
           <p:nvPr>
-            <p:ph idx="2" type="sldImg"/>
+            <p:ph type="sldImg" idx="2"/>
           </p:nvPr>
         </p:nvSpPr>
         <p:spPr>
           <a:xfrm>
-            <a:off x="381300" y="685800"/>
+            <a:off x="381000" y="685800"/>
             <a:ext cx="6096000" cy="3429000"/>
           </a:xfrm>
           <a:custGeom>
-            <a:rect b="b" l="l" r="r" t="t"/>
+            <a:avLst/>
+            <a:gdLst/>
+            <a:ahLst/>
+            <a:cxnLst/>
+            <a:rect l="l" t="t" r="r" b="b"/>
             <a:pathLst>
-              <a:path extrusionOk="0" h="120000" w="120000">
+              <a:path w="120000" h="120000" extrusionOk="0">
                 <a:moveTo>
                   <a:pt x="0" y="0"/>
                 </a:moveTo>
@@ -2414,9 +2668,11 @@
       <p:sp>
         <p:nvSpPr>
           <p:cNvPr id="231" name="Google Shape;231;g303321e4c1c_0_238:notes"/>
-          <p:cNvSpPr txBox="1"/>
+          <p:cNvSpPr txBox="1">
+            <a:spLocks noGrp="1"/>
+          </p:cNvSpPr>
           <p:nvPr>
-            <p:ph idx="1" type="body"/>
+            <p:ph type="body" idx="1"/>
           </p:nvPr>
         </p:nvSpPr>
         <p:spPr>
@@ -2429,12 +2685,12 @@
           </a:prstGeom>
         </p:spPr>
         <p:txBody>
-          <a:bodyPr anchorCtr="0" anchor="t" bIns="91425" lIns="91425" spcFirstLastPara="1" rIns="91425" wrap="square" tIns="91425">
+          <a:bodyPr spcFirstLastPara="1" wrap="square" lIns="91425" tIns="91425" rIns="91425" bIns="91425" anchor="t" anchorCtr="0">
             <a:noAutofit/>
           </a:bodyPr>
           <a:lstStyle/>
           <a:p>
-            <a:pPr indent="0" lvl="0" marL="0" rtl="0" algn="l">
+            <a:pPr marL="0" lvl="0" indent="0" algn="l" rtl="0">
               <a:spcBef>
                 <a:spcPts val="0"/>
               </a:spcBef>
@@ -2443,14 +2699,16 @@
               </a:spcAft>
               <a:buNone/>
             </a:pPr>
-            <a:r>
-              <a:t/>
-            </a:r>
             <a:endParaRPr/>
           </a:p>
         </p:txBody>
       </p:sp>
     </p:spTree>
+    <p:extLst>
+      <p:ext uri="{BB962C8B-B14F-4D97-AF65-F5344CB8AC3E}">
+        <p14:creationId xmlns:p14="http://schemas.microsoft.com/office/powerpoint/2010/main" val="3554964448"/>
+      </p:ext>
+    </p:extLst>
   </p:cSld>
   <p:clrMapOvr>
     <a:masterClrMapping/>
@@ -2459,11 +2717,11 @@
 </file>
 
 <file path=ppt/notesSlides/notesSlide24.xml><?xml version="1.0" encoding="utf-8"?>
-<p:notes xmlns:a="http://schemas.openxmlformats.org/drawingml/2006/main" xmlns:r="http://schemas.openxmlformats.org/officeDocument/2006/relationships" xmlns:mc="http://schemas.openxmlformats.org/markup-compatibility/2006" xmlns:mv="urn:schemas-microsoft-com:mac:vml" xmlns:p="http://schemas.openxmlformats.org/presentationml/2006/main" xmlns:c="http://schemas.openxmlformats.org/drawingml/2006/chart" xmlns:dgm="http://schemas.openxmlformats.org/drawingml/2006/diagram" xmlns:o="urn:schemas-microsoft-com:office:office" xmlns:v="urn:schemas-microsoft-com:vml" xmlns:pvml="urn:schemas-microsoft-com:office:powerpoint" xmlns:com="http://schemas.openxmlformats.org/drawingml/2006/compatibility" xmlns:p14="http://schemas.microsoft.com/office/powerpoint/2010/main" xmlns:p15="http://schemas.microsoft.com/office/powerpoint/2012/main" xmlns:ahyp="http://schemas.microsoft.com/office/drawing/2018/hyperlinkcolor" showMasterPhAnim="0" showMasterSp="0">
+<p:notes xmlns:a="http://schemas.openxmlformats.org/drawingml/2006/main" xmlns:r="http://schemas.openxmlformats.org/officeDocument/2006/relationships" xmlns:p="http://schemas.openxmlformats.org/presentationml/2006/main" showMasterSp="0" showMasterPhAnim="0">
   <p:cSld>
     <p:spTree>
       <p:nvGrpSpPr>
-        <p:cNvPr id="235" name="Shape 235"/>
+        <p:cNvPr id="1" name="Shape 235"/>
         <p:cNvGrpSpPr/>
         <p:nvPr/>
       </p:nvGrpSpPr>
@@ -2478,9 +2736,11 @@
       <p:sp>
         <p:nvSpPr>
           <p:cNvPr id="236" name="Google Shape;236;g303321e4c1c_0_243:notes"/>
-          <p:cNvSpPr/>
+          <p:cNvSpPr>
+            <a:spLocks noGrp="1" noRot="1" noChangeAspect="1"/>
+          </p:cNvSpPr>
           <p:nvPr>
-            <p:ph idx="2" type="sldImg"/>
+            <p:ph type="sldImg" idx="2"/>
           </p:nvPr>
         </p:nvSpPr>
         <p:spPr>
@@ -2489,9 +2749,13 @@
             <a:ext cx="6096000" cy="3429000"/>
           </a:xfrm>
           <a:custGeom>
-            <a:rect b="b" l="l" r="r" t="t"/>
+            <a:avLst/>
+            <a:gdLst/>
+            <a:ahLst/>
+            <a:cxnLst/>
+            <a:rect l="l" t="t" r="r" b="b"/>
             <a:pathLst>
-              <a:path extrusionOk="0" h="120000" w="120000">
+              <a:path w="120000" h="120000" extrusionOk="0">
                 <a:moveTo>
                   <a:pt x="0" y="0"/>
                 </a:moveTo>
@@ -2513,9 +2777,11 @@
       <p:sp>
         <p:nvSpPr>
           <p:cNvPr id="237" name="Google Shape;237;g303321e4c1c_0_243:notes"/>
-          <p:cNvSpPr txBox="1"/>
+          <p:cNvSpPr txBox="1">
+            <a:spLocks noGrp="1"/>
+          </p:cNvSpPr>
           <p:nvPr>
-            <p:ph idx="1" type="body"/>
+            <p:ph type="body" idx="1"/>
           </p:nvPr>
         </p:nvSpPr>
         <p:spPr>
@@ -2528,12 +2794,12 @@
           </a:prstGeom>
         </p:spPr>
         <p:txBody>
-          <a:bodyPr anchorCtr="0" anchor="t" bIns="91425" lIns="91425" spcFirstLastPara="1" rIns="91425" wrap="square" tIns="91425">
+          <a:bodyPr spcFirstLastPara="1" wrap="square" lIns="91425" tIns="91425" rIns="91425" bIns="91425" anchor="t" anchorCtr="0">
             <a:noAutofit/>
           </a:bodyPr>
           <a:lstStyle/>
           <a:p>
-            <a:pPr indent="0" lvl="0" marL="0" rtl="0" algn="l">
+            <a:pPr marL="0" lvl="0" indent="0" algn="l" rtl="0">
               <a:spcBef>
                 <a:spcPts val="0"/>
               </a:spcBef>
@@ -2542,14 +2808,16 @@
               </a:spcAft>
               <a:buNone/>
             </a:pPr>
-            <a:r>
-              <a:t/>
-            </a:r>
             <a:endParaRPr/>
           </a:p>
         </p:txBody>
       </p:sp>
     </p:spTree>
+    <p:extLst>
+      <p:ext uri="{BB962C8B-B14F-4D97-AF65-F5344CB8AC3E}">
+        <p14:creationId xmlns:p14="http://schemas.microsoft.com/office/powerpoint/2010/main" val="1896899922"/>
+      </p:ext>
+    </p:extLst>
   </p:cSld>
   <p:clrMapOvr>
     <a:masterClrMapping/>
@@ -2558,11 +2826,11 @@
 </file>
 
 <file path=ppt/notesSlides/notesSlide3.xml><?xml version="1.0" encoding="utf-8"?>
-<p:notes xmlns:a="http://schemas.openxmlformats.org/drawingml/2006/main" xmlns:r="http://schemas.openxmlformats.org/officeDocument/2006/relationships" xmlns:mc="http://schemas.openxmlformats.org/markup-compatibility/2006" xmlns:mv="urn:schemas-microsoft-com:mac:vml" xmlns:p="http://schemas.openxmlformats.org/presentationml/2006/main" xmlns:c="http://schemas.openxmlformats.org/drawingml/2006/chart" xmlns:dgm="http://schemas.openxmlformats.org/drawingml/2006/diagram" xmlns:o="urn:schemas-microsoft-com:office:office" xmlns:v="urn:schemas-microsoft-com:vml" xmlns:pvml="urn:schemas-microsoft-com:office:powerpoint" xmlns:com="http://schemas.openxmlformats.org/drawingml/2006/compatibility" xmlns:p14="http://schemas.microsoft.com/office/powerpoint/2010/main" xmlns:p15="http://schemas.microsoft.com/office/powerpoint/2012/main" xmlns:ahyp="http://schemas.microsoft.com/office/drawing/2018/hyperlinkcolor" showMasterPhAnim="0" showMasterSp="0">
+<p:notes xmlns:a="http://schemas.openxmlformats.org/drawingml/2006/main" xmlns:r="http://schemas.openxmlformats.org/officeDocument/2006/relationships" xmlns:p="http://schemas.openxmlformats.org/presentationml/2006/main" showMasterSp="0" showMasterPhAnim="0">
   <p:cSld>
     <p:spTree>
       <p:nvGrpSpPr>
-        <p:cNvPr id="94" name="Shape 94"/>
+        <p:cNvPr id="1" name="Shape 94"/>
         <p:cNvGrpSpPr/>
         <p:nvPr/>
       </p:nvGrpSpPr>
@@ -2577,20 +2845,26 @@
       <p:sp>
         <p:nvSpPr>
           <p:cNvPr id="95" name="Google Shape;95;g303321e4c1c_0_85:notes"/>
-          <p:cNvSpPr/>
+          <p:cNvSpPr>
+            <a:spLocks noGrp="1" noRot="1" noChangeAspect="1"/>
+          </p:cNvSpPr>
           <p:nvPr>
-            <p:ph idx="2" type="sldImg"/>
+            <p:ph type="sldImg" idx="2"/>
           </p:nvPr>
         </p:nvSpPr>
         <p:spPr>
           <a:xfrm>
-            <a:off x="381300" y="685800"/>
+            <a:off x="381000" y="685800"/>
             <a:ext cx="6096000" cy="3429000"/>
           </a:xfrm>
           <a:custGeom>
-            <a:rect b="b" l="l" r="r" t="t"/>
+            <a:avLst/>
+            <a:gdLst/>
+            <a:ahLst/>
+            <a:cxnLst/>
+            <a:rect l="l" t="t" r="r" b="b"/>
             <a:pathLst>
-              <a:path extrusionOk="0" h="120000" w="120000">
+              <a:path w="120000" h="120000" extrusionOk="0">
                 <a:moveTo>
                   <a:pt x="0" y="0"/>
                 </a:moveTo>
@@ -2612,9 +2886,11 @@
       <p:sp>
         <p:nvSpPr>
           <p:cNvPr id="96" name="Google Shape;96;g303321e4c1c_0_85:notes"/>
-          <p:cNvSpPr txBox="1"/>
+          <p:cNvSpPr txBox="1">
+            <a:spLocks noGrp="1"/>
+          </p:cNvSpPr>
           <p:nvPr>
-            <p:ph idx="1" type="body"/>
+            <p:ph type="body" idx="1"/>
           </p:nvPr>
         </p:nvSpPr>
         <p:spPr>
@@ -2627,12 +2903,12 @@
           </a:prstGeom>
         </p:spPr>
         <p:txBody>
-          <a:bodyPr anchorCtr="0" anchor="t" bIns="91425" lIns="91425" spcFirstLastPara="1" rIns="91425" wrap="square" tIns="91425">
+          <a:bodyPr spcFirstLastPara="1" wrap="square" lIns="91425" tIns="91425" rIns="91425" bIns="91425" anchor="t" anchorCtr="0">
             <a:noAutofit/>
           </a:bodyPr>
           <a:lstStyle/>
           <a:p>
-            <a:pPr indent="0" lvl="0" marL="0" rtl="0" algn="l">
+            <a:pPr marL="0" lvl="0" indent="0" algn="l" rtl="0">
               <a:spcBef>
                 <a:spcPts val="0"/>
               </a:spcBef>
@@ -2641,14 +2917,16 @@
               </a:spcAft>
               <a:buNone/>
             </a:pPr>
-            <a:r>
-              <a:t/>
-            </a:r>
             <a:endParaRPr/>
           </a:p>
         </p:txBody>
       </p:sp>
     </p:spTree>
+    <p:extLst>
+      <p:ext uri="{BB962C8B-B14F-4D97-AF65-F5344CB8AC3E}">
+        <p14:creationId xmlns:p14="http://schemas.microsoft.com/office/powerpoint/2010/main" val="1544925210"/>
+      </p:ext>
+    </p:extLst>
   </p:cSld>
   <p:clrMapOvr>
     <a:masterClrMapping/>
@@ -2657,11 +2935,11 @@
 </file>
 
 <file path=ppt/notesSlides/notesSlide4.xml><?xml version="1.0" encoding="utf-8"?>
-<p:notes xmlns:a="http://schemas.openxmlformats.org/drawingml/2006/main" xmlns:r="http://schemas.openxmlformats.org/officeDocument/2006/relationships" xmlns:mc="http://schemas.openxmlformats.org/markup-compatibility/2006" xmlns:mv="urn:schemas-microsoft-com:mac:vml" xmlns:p="http://schemas.openxmlformats.org/presentationml/2006/main" xmlns:c="http://schemas.openxmlformats.org/drawingml/2006/chart" xmlns:dgm="http://schemas.openxmlformats.org/drawingml/2006/diagram" xmlns:o="urn:schemas-microsoft-com:office:office" xmlns:v="urn:schemas-microsoft-com:vml" xmlns:pvml="urn:schemas-microsoft-com:office:powerpoint" xmlns:com="http://schemas.openxmlformats.org/drawingml/2006/compatibility" xmlns:p14="http://schemas.microsoft.com/office/powerpoint/2010/main" xmlns:p15="http://schemas.microsoft.com/office/powerpoint/2012/main" xmlns:ahyp="http://schemas.microsoft.com/office/drawing/2018/hyperlinkcolor" showMasterPhAnim="0" showMasterSp="0">
+<p:notes xmlns:a="http://schemas.openxmlformats.org/drawingml/2006/main" xmlns:r="http://schemas.openxmlformats.org/officeDocument/2006/relationships" xmlns:p="http://schemas.openxmlformats.org/presentationml/2006/main" showMasterSp="0" showMasterPhAnim="0">
   <p:cSld>
     <p:spTree>
       <p:nvGrpSpPr>
-        <p:cNvPr id="102" name="Shape 102"/>
+        <p:cNvPr id="1" name="Shape 102"/>
         <p:cNvGrpSpPr/>
         <p:nvPr/>
       </p:nvGrpSpPr>
@@ -2676,9 +2954,11 @@
       <p:sp>
         <p:nvSpPr>
           <p:cNvPr id="103" name="Google Shape;103;g303321e4c1c_0_103:notes"/>
-          <p:cNvSpPr/>
+          <p:cNvSpPr>
+            <a:spLocks noGrp="1" noRot="1" noChangeAspect="1"/>
+          </p:cNvSpPr>
           <p:nvPr>
-            <p:ph idx="2" type="sldImg"/>
+            <p:ph type="sldImg" idx="2"/>
           </p:nvPr>
         </p:nvSpPr>
         <p:spPr>
@@ -2687,9 +2967,13 @@
             <a:ext cx="6096000" cy="3429000"/>
           </a:xfrm>
           <a:custGeom>
-            <a:rect b="b" l="l" r="r" t="t"/>
+            <a:avLst/>
+            <a:gdLst/>
+            <a:ahLst/>
+            <a:cxnLst/>
+            <a:rect l="l" t="t" r="r" b="b"/>
             <a:pathLst>
-              <a:path extrusionOk="0" h="120000" w="120000">
+              <a:path w="120000" h="120000" extrusionOk="0">
                 <a:moveTo>
                   <a:pt x="0" y="0"/>
                 </a:moveTo>
@@ -2711,9 +2995,11 @@
       <p:sp>
         <p:nvSpPr>
           <p:cNvPr id="104" name="Google Shape;104;g303321e4c1c_0_103:notes"/>
-          <p:cNvSpPr txBox="1"/>
+          <p:cNvSpPr txBox="1">
+            <a:spLocks noGrp="1"/>
+          </p:cNvSpPr>
           <p:nvPr>
-            <p:ph idx="1" type="body"/>
+            <p:ph type="body" idx="1"/>
           </p:nvPr>
         </p:nvSpPr>
         <p:spPr>
@@ -2726,12 +3012,12 @@
           </a:prstGeom>
         </p:spPr>
         <p:txBody>
-          <a:bodyPr anchorCtr="0" anchor="t" bIns="91425" lIns="91425" spcFirstLastPara="1" rIns="91425" wrap="square" tIns="91425">
+          <a:bodyPr spcFirstLastPara="1" wrap="square" lIns="91425" tIns="91425" rIns="91425" bIns="91425" anchor="t" anchorCtr="0">
             <a:noAutofit/>
           </a:bodyPr>
           <a:lstStyle/>
           <a:p>
-            <a:pPr indent="0" lvl="0" marL="0" rtl="0" algn="l">
+            <a:pPr marL="0" lvl="0" indent="0" algn="l" rtl="0">
               <a:spcBef>
                 <a:spcPts val="0"/>
               </a:spcBef>
@@ -2740,14 +3026,16 @@
               </a:spcAft>
               <a:buNone/>
             </a:pPr>
-            <a:r>
-              <a:t/>
-            </a:r>
             <a:endParaRPr/>
           </a:p>
         </p:txBody>
       </p:sp>
     </p:spTree>
+    <p:extLst>
+      <p:ext uri="{BB962C8B-B14F-4D97-AF65-F5344CB8AC3E}">
+        <p14:creationId xmlns:p14="http://schemas.microsoft.com/office/powerpoint/2010/main" val="1271279822"/>
+      </p:ext>
+    </p:extLst>
   </p:cSld>
   <p:clrMapOvr>
     <a:masterClrMapping/>
@@ -2756,11 +3044,11 @@
 </file>
 
 <file path=ppt/notesSlides/notesSlide5.xml><?xml version="1.0" encoding="utf-8"?>
-<p:notes xmlns:a="http://schemas.openxmlformats.org/drawingml/2006/main" xmlns:r="http://schemas.openxmlformats.org/officeDocument/2006/relationships" xmlns:mc="http://schemas.openxmlformats.org/markup-compatibility/2006" xmlns:mv="urn:schemas-microsoft-com:mac:vml" xmlns:p="http://schemas.openxmlformats.org/presentationml/2006/main" xmlns:c="http://schemas.openxmlformats.org/drawingml/2006/chart" xmlns:dgm="http://schemas.openxmlformats.org/drawingml/2006/diagram" xmlns:o="urn:schemas-microsoft-com:office:office" xmlns:v="urn:schemas-microsoft-com:vml" xmlns:pvml="urn:schemas-microsoft-com:office:powerpoint" xmlns:com="http://schemas.openxmlformats.org/drawingml/2006/compatibility" xmlns:p14="http://schemas.microsoft.com/office/powerpoint/2010/main" xmlns:p15="http://schemas.microsoft.com/office/powerpoint/2012/main" xmlns:ahyp="http://schemas.microsoft.com/office/drawing/2018/hyperlinkcolor" showMasterPhAnim="0" showMasterSp="0">
+<p:notes xmlns:a="http://schemas.openxmlformats.org/drawingml/2006/main" xmlns:r="http://schemas.openxmlformats.org/officeDocument/2006/relationships" xmlns:p="http://schemas.openxmlformats.org/presentationml/2006/main" showMasterSp="0" showMasterPhAnim="0">
   <p:cSld>
     <p:spTree>
       <p:nvGrpSpPr>
-        <p:cNvPr id="107" name="Shape 107"/>
+        <p:cNvPr id="1" name="Shape 107"/>
         <p:cNvGrpSpPr/>
         <p:nvPr/>
       </p:nvGrpSpPr>
@@ -2775,9 +3063,11 @@
       <p:sp>
         <p:nvSpPr>
           <p:cNvPr id="108" name="Google Shape;108;g303321e4c1c_0_125:notes"/>
-          <p:cNvSpPr/>
+          <p:cNvSpPr>
+            <a:spLocks noGrp="1" noRot="1" noChangeAspect="1"/>
+          </p:cNvSpPr>
           <p:nvPr>
-            <p:ph idx="2" type="sldImg"/>
+            <p:ph type="sldImg" idx="2"/>
           </p:nvPr>
         </p:nvSpPr>
         <p:spPr>
@@ -2786,9 +3076,13 @@
             <a:ext cx="6096000" cy="3429000"/>
           </a:xfrm>
           <a:custGeom>
-            <a:rect b="b" l="l" r="r" t="t"/>
+            <a:avLst/>
+            <a:gdLst/>
+            <a:ahLst/>
+            <a:cxnLst/>
+            <a:rect l="l" t="t" r="r" b="b"/>
             <a:pathLst>
-              <a:path extrusionOk="0" h="120000" w="120000">
+              <a:path w="120000" h="120000" extrusionOk="0">
                 <a:moveTo>
                   <a:pt x="0" y="0"/>
                 </a:moveTo>
@@ -2810,9 +3104,11 @@
       <p:sp>
         <p:nvSpPr>
           <p:cNvPr id="109" name="Google Shape;109;g303321e4c1c_0_125:notes"/>
-          <p:cNvSpPr txBox="1"/>
+          <p:cNvSpPr txBox="1">
+            <a:spLocks noGrp="1"/>
+          </p:cNvSpPr>
           <p:nvPr>
-            <p:ph idx="1" type="body"/>
+            <p:ph type="body" idx="1"/>
           </p:nvPr>
         </p:nvSpPr>
         <p:spPr>
@@ -2825,12 +3121,12 @@
           </a:prstGeom>
         </p:spPr>
         <p:txBody>
-          <a:bodyPr anchorCtr="0" anchor="t" bIns="91425" lIns="91425" spcFirstLastPara="1" rIns="91425" wrap="square" tIns="91425">
+          <a:bodyPr spcFirstLastPara="1" wrap="square" lIns="91425" tIns="91425" rIns="91425" bIns="91425" anchor="t" anchorCtr="0">
             <a:noAutofit/>
           </a:bodyPr>
           <a:lstStyle/>
           <a:p>
-            <a:pPr indent="0" lvl="0" marL="0" rtl="0" algn="l">
+            <a:pPr marL="0" lvl="0" indent="0" algn="l" rtl="0">
               <a:spcBef>
                 <a:spcPts val="0"/>
               </a:spcBef>
@@ -2839,14 +3135,16 @@
               </a:spcAft>
               <a:buNone/>
             </a:pPr>
-            <a:r>
-              <a:t/>
-            </a:r>
             <a:endParaRPr/>
           </a:p>
         </p:txBody>
       </p:sp>
     </p:spTree>
+    <p:extLst>
+      <p:ext uri="{BB962C8B-B14F-4D97-AF65-F5344CB8AC3E}">
+        <p14:creationId xmlns:p14="http://schemas.microsoft.com/office/powerpoint/2010/main" val="1086785906"/>
+      </p:ext>
+    </p:extLst>
   </p:cSld>
   <p:clrMapOvr>
     <a:masterClrMapping/>
@@ -2855,11 +3153,11 @@
 </file>
 
 <file path=ppt/notesSlides/notesSlide6.xml><?xml version="1.0" encoding="utf-8"?>
-<p:notes xmlns:a="http://schemas.openxmlformats.org/drawingml/2006/main" xmlns:r="http://schemas.openxmlformats.org/officeDocument/2006/relationships" xmlns:mc="http://schemas.openxmlformats.org/markup-compatibility/2006" xmlns:mv="urn:schemas-microsoft-com:mac:vml" xmlns:p="http://schemas.openxmlformats.org/presentationml/2006/main" xmlns:c="http://schemas.openxmlformats.org/drawingml/2006/chart" xmlns:dgm="http://schemas.openxmlformats.org/drawingml/2006/diagram" xmlns:o="urn:schemas-microsoft-com:office:office" xmlns:v="urn:schemas-microsoft-com:vml" xmlns:pvml="urn:schemas-microsoft-com:office:powerpoint" xmlns:com="http://schemas.openxmlformats.org/drawingml/2006/compatibility" xmlns:p14="http://schemas.microsoft.com/office/powerpoint/2010/main" xmlns:p15="http://schemas.microsoft.com/office/powerpoint/2012/main" xmlns:ahyp="http://schemas.microsoft.com/office/drawing/2018/hyperlinkcolor" showMasterPhAnim="0" showMasterSp="0">
+<p:notes xmlns:a="http://schemas.openxmlformats.org/drawingml/2006/main" xmlns:r="http://schemas.openxmlformats.org/officeDocument/2006/relationships" xmlns:p="http://schemas.openxmlformats.org/presentationml/2006/main" showMasterSp="0" showMasterPhAnim="0">
   <p:cSld>
     <p:spTree>
       <p:nvGrpSpPr>
-        <p:cNvPr id="114" name="Shape 114"/>
+        <p:cNvPr id="1" name="Shape 114"/>
         <p:cNvGrpSpPr/>
         <p:nvPr/>
       </p:nvGrpSpPr>
@@ -2874,9 +3172,11 @@
       <p:sp>
         <p:nvSpPr>
           <p:cNvPr id="115" name="Google Shape;115;g303321e4c1c_0_109:notes"/>
-          <p:cNvSpPr/>
+          <p:cNvSpPr>
+            <a:spLocks noGrp="1" noRot="1" noChangeAspect="1"/>
+          </p:cNvSpPr>
           <p:nvPr>
-            <p:ph idx="2" type="sldImg"/>
+            <p:ph type="sldImg" idx="2"/>
           </p:nvPr>
         </p:nvSpPr>
         <p:spPr>
@@ -2885,9 +3185,13 @@
             <a:ext cx="6096000" cy="3429000"/>
           </a:xfrm>
           <a:custGeom>
-            <a:rect b="b" l="l" r="r" t="t"/>
+            <a:avLst/>
+            <a:gdLst/>
+            <a:ahLst/>
+            <a:cxnLst/>
+            <a:rect l="l" t="t" r="r" b="b"/>
             <a:pathLst>
-              <a:path extrusionOk="0" h="120000" w="120000">
+              <a:path w="120000" h="120000" extrusionOk="0">
                 <a:moveTo>
                   <a:pt x="0" y="0"/>
                 </a:moveTo>
@@ -2909,9 +3213,11 @@
       <p:sp>
         <p:nvSpPr>
           <p:cNvPr id="116" name="Google Shape;116;g303321e4c1c_0_109:notes"/>
-          <p:cNvSpPr txBox="1"/>
+          <p:cNvSpPr txBox="1">
+            <a:spLocks noGrp="1"/>
+          </p:cNvSpPr>
           <p:nvPr>
-            <p:ph idx="1" type="body"/>
+            <p:ph type="body" idx="1"/>
           </p:nvPr>
         </p:nvSpPr>
         <p:spPr>
@@ -2924,12 +3230,12 @@
           </a:prstGeom>
         </p:spPr>
         <p:txBody>
-          <a:bodyPr anchorCtr="0" anchor="t" bIns="91425" lIns="91425" spcFirstLastPara="1" rIns="91425" wrap="square" tIns="91425">
+          <a:bodyPr spcFirstLastPara="1" wrap="square" lIns="91425" tIns="91425" rIns="91425" bIns="91425" anchor="t" anchorCtr="0">
             <a:noAutofit/>
           </a:bodyPr>
           <a:lstStyle/>
           <a:p>
-            <a:pPr indent="0" lvl="0" marL="0" rtl="0" algn="l">
+            <a:pPr marL="0" lvl="0" indent="0" algn="l" rtl="0">
               <a:spcBef>
                 <a:spcPts val="0"/>
               </a:spcBef>
@@ -2938,14 +3244,16 @@
               </a:spcAft>
               <a:buNone/>
             </a:pPr>
-            <a:r>
-              <a:t/>
-            </a:r>
             <a:endParaRPr/>
           </a:p>
         </p:txBody>
       </p:sp>
     </p:spTree>
+    <p:extLst>
+      <p:ext uri="{BB962C8B-B14F-4D97-AF65-F5344CB8AC3E}">
+        <p14:creationId xmlns:p14="http://schemas.microsoft.com/office/powerpoint/2010/main" val="1646465170"/>
+      </p:ext>
+    </p:extLst>
   </p:cSld>
   <p:clrMapOvr>
     <a:masterClrMapping/>
@@ -2954,11 +3262,11 @@
 </file>
 
 <file path=ppt/notesSlides/notesSlide7.xml><?xml version="1.0" encoding="utf-8"?>
-<p:notes xmlns:a="http://schemas.openxmlformats.org/drawingml/2006/main" xmlns:r="http://schemas.openxmlformats.org/officeDocument/2006/relationships" xmlns:mc="http://schemas.openxmlformats.org/markup-compatibility/2006" xmlns:mv="urn:schemas-microsoft-com:mac:vml" xmlns:p="http://schemas.openxmlformats.org/presentationml/2006/main" xmlns:c="http://schemas.openxmlformats.org/drawingml/2006/chart" xmlns:dgm="http://schemas.openxmlformats.org/drawingml/2006/diagram" xmlns:o="urn:schemas-microsoft-com:office:office" xmlns:v="urn:schemas-microsoft-com:vml" xmlns:pvml="urn:schemas-microsoft-com:office:powerpoint" xmlns:com="http://schemas.openxmlformats.org/drawingml/2006/compatibility" xmlns:p14="http://schemas.microsoft.com/office/powerpoint/2010/main" xmlns:p15="http://schemas.microsoft.com/office/powerpoint/2012/main" xmlns:ahyp="http://schemas.microsoft.com/office/drawing/2018/hyperlinkcolor" showMasterPhAnim="0" showMasterSp="0">
+<p:notes xmlns:a="http://schemas.openxmlformats.org/drawingml/2006/main" xmlns:r="http://schemas.openxmlformats.org/officeDocument/2006/relationships" xmlns:p="http://schemas.openxmlformats.org/presentationml/2006/main" showMasterSp="0" showMasterPhAnim="0">
   <p:cSld>
     <p:spTree>
       <p:nvGrpSpPr>
-        <p:cNvPr id="121" name="Shape 121"/>
+        <p:cNvPr id="1" name="Shape 121"/>
         <p:cNvGrpSpPr/>
         <p:nvPr/>
       </p:nvGrpSpPr>
@@ -2973,9 +3281,11 @@
       <p:sp>
         <p:nvSpPr>
           <p:cNvPr id="122" name="Google Shape;122;g303321e4c1c_0_115:notes"/>
-          <p:cNvSpPr/>
+          <p:cNvSpPr>
+            <a:spLocks noGrp="1" noRot="1" noChangeAspect="1"/>
+          </p:cNvSpPr>
           <p:nvPr>
-            <p:ph idx="2" type="sldImg"/>
+            <p:ph type="sldImg" idx="2"/>
           </p:nvPr>
         </p:nvSpPr>
         <p:spPr>
@@ -2984,9 +3294,13 @@
             <a:ext cx="6096000" cy="3429000"/>
           </a:xfrm>
           <a:custGeom>
-            <a:rect b="b" l="l" r="r" t="t"/>
+            <a:avLst/>
+            <a:gdLst/>
+            <a:ahLst/>
+            <a:cxnLst/>
+            <a:rect l="l" t="t" r="r" b="b"/>
             <a:pathLst>
-              <a:path extrusionOk="0" h="120000" w="120000">
+              <a:path w="120000" h="120000" extrusionOk="0">
                 <a:moveTo>
                   <a:pt x="0" y="0"/>
                 </a:moveTo>
@@ -3008,9 +3322,11 @@
       <p:sp>
         <p:nvSpPr>
           <p:cNvPr id="123" name="Google Shape;123;g303321e4c1c_0_115:notes"/>
-          <p:cNvSpPr txBox="1"/>
+          <p:cNvSpPr txBox="1">
+            <a:spLocks noGrp="1"/>
+          </p:cNvSpPr>
           <p:nvPr>
-            <p:ph idx="1" type="body"/>
+            <p:ph type="body" idx="1"/>
           </p:nvPr>
         </p:nvSpPr>
         <p:spPr>
@@ -3023,12 +3339,12 @@
           </a:prstGeom>
         </p:spPr>
         <p:txBody>
-          <a:bodyPr anchorCtr="0" anchor="t" bIns="91425" lIns="91425" spcFirstLastPara="1" rIns="91425" wrap="square" tIns="91425">
+          <a:bodyPr spcFirstLastPara="1" wrap="square" lIns="91425" tIns="91425" rIns="91425" bIns="91425" anchor="t" anchorCtr="0">
             <a:noAutofit/>
           </a:bodyPr>
           <a:lstStyle/>
           <a:p>
-            <a:pPr indent="0" lvl="0" marL="0" rtl="0" algn="l">
+            <a:pPr marL="0" lvl="0" indent="0" algn="l" rtl="0">
               <a:spcBef>
                 <a:spcPts val="0"/>
               </a:spcBef>
@@ -3037,14 +3353,16 @@
               </a:spcAft>
               <a:buNone/>
             </a:pPr>
-            <a:r>
-              <a:t/>
-            </a:r>
             <a:endParaRPr/>
           </a:p>
         </p:txBody>
       </p:sp>
     </p:spTree>
+    <p:extLst>
+      <p:ext uri="{BB962C8B-B14F-4D97-AF65-F5344CB8AC3E}">
+        <p14:creationId xmlns:p14="http://schemas.microsoft.com/office/powerpoint/2010/main" val="2016048936"/>
+      </p:ext>
+    </p:extLst>
   </p:cSld>
   <p:clrMapOvr>
     <a:masterClrMapping/>
@@ -3053,11 +3371,11 @@
 </file>
 
 <file path=ppt/notesSlides/notesSlide8.xml><?xml version="1.0" encoding="utf-8"?>
-<p:notes xmlns:a="http://schemas.openxmlformats.org/drawingml/2006/main" xmlns:r="http://schemas.openxmlformats.org/officeDocument/2006/relationships" xmlns:mc="http://schemas.openxmlformats.org/markup-compatibility/2006" xmlns:mv="urn:schemas-microsoft-com:mac:vml" xmlns:p="http://schemas.openxmlformats.org/presentationml/2006/main" xmlns:c="http://schemas.openxmlformats.org/drawingml/2006/chart" xmlns:dgm="http://schemas.openxmlformats.org/drawingml/2006/diagram" xmlns:o="urn:schemas-microsoft-com:office:office" xmlns:v="urn:schemas-microsoft-com:vml" xmlns:pvml="urn:schemas-microsoft-com:office:powerpoint" xmlns:com="http://schemas.openxmlformats.org/drawingml/2006/compatibility" xmlns:p14="http://schemas.microsoft.com/office/powerpoint/2010/main" xmlns:p15="http://schemas.microsoft.com/office/powerpoint/2012/main" xmlns:ahyp="http://schemas.microsoft.com/office/drawing/2018/hyperlinkcolor" showMasterPhAnim="0" showMasterSp="0">
+<p:notes xmlns:a="http://schemas.openxmlformats.org/drawingml/2006/main" xmlns:r="http://schemas.openxmlformats.org/officeDocument/2006/relationships" xmlns:p="http://schemas.openxmlformats.org/presentationml/2006/main" showMasterSp="0" showMasterPhAnim="0">
   <p:cSld>
     <p:spTree>
       <p:nvGrpSpPr>
-        <p:cNvPr id="128" name="Shape 128"/>
+        <p:cNvPr id="1" name="Shape 128"/>
         <p:cNvGrpSpPr/>
         <p:nvPr/>
       </p:nvGrpSpPr>
@@ -3072,9 +3390,11 @@
       <p:sp>
         <p:nvSpPr>
           <p:cNvPr id="129" name="Google Shape;129;g303321e4c1c_0_250:notes"/>
-          <p:cNvSpPr/>
+          <p:cNvSpPr>
+            <a:spLocks noGrp="1" noRot="1" noChangeAspect="1"/>
+          </p:cNvSpPr>
           <p:nvPr>
-            <p:ph idx="2" type="sldImg"/>
+            <p:ph type="sldImg" idx="2"/>
           </p:nvPr>
         </p:nvSpPr>
         <p:spPr>
@@ -3083,9 +3403,13 @@
             <a:ext cx="6096000" cy="3429000"/>
           </a:xfrm>
           <a:custGeom>
-            <a:rect b="b" l="l" r="r" t="t"/>
+            <a:avLst/>
+            <a:gdLst/>
+            <a:ahLst/>
+            <a:cxnLst/>
+            <a:rect l="l" t="t" r="r" b="b"/>
             <a:pathLst>
-              <a:path extrusionOk="0" h="120000" w="120000">
+              <a:path w="120000" h="120000" extrusionOk="0">
                 <a:moveTo>
                   <a:pt x="0" y="0"/>
                 </a:moveTo>
@@ -3107,9 +3431,11 @@
       <p:sp>
         <p:nvSpPr>
           <p:cNvPr id="130" name="Google Shape;130;g303321e4c1c_0_250:notes"/>
-          <p:cNvSpPr txBox="1"/>
+          <p:cNvSpPr txBox="1">
+            <a:spLocks noGrp="1"/>
+          </p:cNvSpPr>
           <p:nvPr>
-            <p:ph idx="1" type="body"/>
+            <p:ph type="body" idx="1"/>
           </p:nvPr>
         </p:nvSpPr>
         <p:spPr>
@@ -3122,12 +3448,12 @@
           </a:prstGeom>
         </p:spPr>
         <p:txBody>
-          <a:bodyPr anchorCtr="0" anchor="t" bIns="91425" lIns="91425" spcFirstLastPara="1" rIns="91425" wrap="square" tIns="91425">
+          <a:bodyPr spcFirstLastPara="1" wrap="square" lIns="91425" tIns="91425" rIns="91425" bIns="91425" anchor="t" anchorCtr="0">
             <a:noAutofit/>
           </a:bodyPr>
           <a:lstStyle/>
           <a:p>
-            <a:pPr indent="0" lvl="0" marL="0" rtl="0" algn="l">
+            <a:pPr marL="0" lvl="0" indent="0" algn="l" rtl="0">
               <a:spcBef>
                 <a:spcPts val="0"/>
               </a:spcBef>
@@ -3136,14 +3462,16 @@
               </a:spcAft>
               <a:buNone/>
             </a:pPr>
-            <a:r>
-              <a:t/>
-            </a:r>
             <a:endParaRPr/>
           </a:p>
         </p:txBody>
       </p:sp>
     </p:spTree>
+    <p:extLst>
+      <p:ext uri="{BB962C8B-B14F-4D97-AF65-F5344CB8AC3E}">
+        <p14:creationId xmlns:p14="http://schemas.microsoft.com/office/powerpoint/2010/main" val="2178221013"/>
+      </p:ext>
+    </p:extLst>
   </p:cSld>
   <p:clrMapOvr>
     <a:masterClrMapping/>
@@ -3152,11 +3480,11 @@
 </file>
 
 <file path=ppt/notesSlides/notesSlide9.xml><?xml version="1.0" encoding="utf-8"?>
-<p:notes xmlns:a="http://schemas.openxmlformats.org/drawingml/2006/main" xmlns:r="http://schemas.openxmlformats.org/officeDocument/2006/relationships" xmlns:mc="http://schemas.openxmlformats.org/markup-compatibility/2006" xmlns:mv="urn:schemas-microsoft-com:mac:vml" xmlns:p="http://schemas.openxmlformats.org/presentationml/2006/main" xmlns:c="http://schemas.openxmlformats.org/drawingml/2006/chart" xmlns:dgm="http://schemas.openxmlformats.org/drawingml/2006/diagram" xmlns:o="urn:schemas-microsoft-com:office:office" xmlns:v="urn:schemas-microsoft-com:vml" xmlns:pvml="urn:schemas-microsoft-com:office:powerpoint" xmlns:com="http://schemas.openxmlformats.org/drawingml/2006/compatibility" xmlns:p14="http://schemas.microsoft.com/office/powerpoint/2010/main" xmlns:p15="http://schemas.microsoft.com/office/powerpoint/2012/main" xmlns:ahyp="http://schemas.microsoft.com/office/drawing/2018/hyperlinkcolor" showMasterPhAnim="0" showMasterSp="0">
+<p:notes xmlns:a="http://schemas.openxmlformats.org/drawingml/2006/main" xmlns:r="http://schemas.openxmlformats.org/officeDocument/2006/relationships" xmlns:p="http://schemas.openxmlformats.org/presentationml/2006/main" showMasterSp="0" showMasterPhAnim="0">
   <p:cSld>
     <p:spTree>
       <p:nvGrpSpPr>
-        <p:cNvPr id="135" name="Shape 135"/>
+        <p:cNvPr id="1" name="Shape 135"/>
         <p:cNvGrpSpPr/>
         <p:nvPr/>
       </p:nvGrpSpPr>
@@ -3171,9 +3499,11 @@
       <p:sp>
         <p:nvSpPr>
           <p:cNvPr id="136" name="Google Shape;136;g303321e4c1c_0_93:notes"/>
-          <p:cNvSpPr/>
+          <p:cNvSpPr>
+            <a:spLocks noGrp="1" noRot="1" noChangeAspect="1"/>
+          </p:cNvSpPr>
           <p:nvPr>
-            <p:ph idx="2" type="sldImg"/>
+            <p:ph type="sldImg" idx="2"/>
           </p:nvPr>
         </p:nvSpPr>
         <p:spPr>
@@ -3182,9 +3512,13 @@
             <a:ext cx="6096000" cy="3429000"/>
           </a:xfrm>
           <a:custGeom>
-            <a:rect b="b" l="l" r="r" t="t"/>
+            <a:avLst/>
+            <a:gdLst/>
+            <a:ahLst/>
+            <a:cxnLst/>
+            <a:rect l="l" t="t" r="r" b="b"/>
             <a:pathLst>
-              <a:path extrusionOk="0" h="120000" w="120000">
+              <a:path w="120000" h="120000" extrusionOk="0">
                 <a:moveTo>
                   <a:pt x="0" y="0"/>
                 </a:moveTo>
@@ -3206,9 +3540,11 @@
       <p:sp>
         <p:nvSpPr>
           <p:cNvPr id="137" name="Google Shape;137;g303321e4c1c_0_93:notes"/>
-          <p:cNvSpPr txBox="1"/>
+          <p:cNvSpPr txBox="1">
+            <a:spLocks noGrp="1"/>
+          </p:cNvSpPr>
           <p:nvPr>
-            <p:ph idx="1" type="body"/>
+            <p:ph type="body" idx="1"/>
           </p:nvPr>
         </p:nvSpPr>
         <p:spPr>
@@ -3221,12 +3557,12 @@
           </a:prstGeom>
         </p:spPr>
         <p:txBody>
-          <a:bodyPr anchorCtr="0" anchor="t" bIns="91425" lIns="91425" spcFirstLastPara="1" rIns="91425" wrap="square" tIns="91425">
+          <a:bodyPr spcFirstLastPara="1" wrap="square" lIns="91425" tIns="91425" rIns="91425" bIns="91425" anchor="t" anchorCtr="0">
             <a:noAutofit/>
           </a:bodyPr>
           <a:lstStyle/>
           <a:p>
-            <a:pPr indent="0" lvl="0" marL="0" rtl="0" algn="l">
+            <a:pPr marL="0" lvl="0" indent="0" algn="l" rtl="0">
               <a:spcBef>
                 <a:spcPts val="0"/>
               </a:spcBef>
@@ -3235,14 +3571,16 @@
               </a:spcAft>
               <a:buNone/>
             </a:pPr>
-            <a:r>
-              <a:t/>
-            </a:r>
             <a:endParaRPr/>
           </a:p>
         </p:txBody>
       </p:sp>
     </p:spTree>
+    <p:extLst>
+      <p:ext uri="{BB962C8B-B14F-4D97-AF65-F5344CB8AC3E}">
+        <p14:creationId xmlns:p14="http://schemas.microsoft.com/office/powerpoint/2010/main" val="3868384823"/>
+      </p:ext>
+    </p:extLst>
   </p:cSld>
   <p:clrMapOvr>
     <a:masterClrMapping/>
@@ -3251,18 +3589,19 @@
 </file>
 
 <file path=ppt/slideLayouts/slideLayout1.xml><?xml version="1.0" encoding="utf-8"?>
-<p:sldLayout xmlns:a="http://schemas.openxmlformats.org/drawingml/2006/main" xmlns:r="http://schemas.openxmlformats.org/officeDocument/2006/relationships" xmlns:mc="http://schemas.openxmlformats.org/markup-compatibility/2006" xmlns:mv="urn:schemas-microsoft-com:mac:vml" xmlns:p="http://schemas.openxmlformats.org/presentationml/2006/main" xmlns:c="http://schemas.openxmlformats.org/drawingml/2006/chart" xmlns:dgm="http://schemas.openxmlformats.org/drawingml/2006/diagram" xmlns:o="urn:schemas-microsoft-com:office:office" xmlns:v="urn:schemas-microsoft-com:vml" xmlns:pvml="urn:schemas-microsoft-com:office:powerpoint" xmlns:com="http://schemas.openxmlformats.org/drawingml/2006/compatibility" xmlns:p14="http://schemas.microsoft.com/office/powerpoint/2010/main" xmlns:p15="http://schemas.microsoft.com/office/powerpoint/2012/main" xmlns:ahyp="http://schemas.microsoft.com/office/drawing/2018/hyperlinkcolor" matchingName="Title slide" type="title">
+<p:sldLayout xmlns:a="http://schemas.openxmlformats.org/drawingml/2006/main" xmlns:r="http://schemas.openxmlformats.org/officeDocument/2006/relationships" xmlns:p="http://schemas.openxmlformats.org/presentationml/2006/main" matchingName="Title slide" type="title">
   <p:cSld name="TITLE">
     <p:bg>
       <p:bgPr>
         <a:solidFill>
           <a:schemeClr val="dk1"/>
         </a:solidFill>
+        <a:effectLst/>
       </p:bgPr>
     </p:bg>
     <p:spTree>
       <p:nvGrpSpPr>
-        <p:cNvPr id="9" name="Shape 9"/>
+        <p:cNvPr id="1" name="Shape 9"/>
         <p:cNvGrpSpPr/>
         <p:nvPr/>
       </p:nvGrpSpPr>
@@ -3310,12 +3649,12 @@
             </a:ln>
           </p:spPr>
           <p:txBody>
-            <a:bodyPr anchorCtr="0" anchor="ctr" bIns="91425" lIns="91425" spcFirstLastPara="1" rIns="91425" wrap="square" tIns="91425">
+            <a:bodyPr spcFirstLastPara="1" wrap="square" lIns="91425" tIns="91425" rIns="91425" bIns="91425" anchor="ctr" anchorCtr="0">
               <a:noAutofit/>
             </a:bodyPr>
             <a:lstStyle/>
             <a:p>
-              <a:pPr indent="0" lvl="0" marL="0" rtl="0" algn="l">
+              <a:pPr marL="0" lvl="0" indent="0" algn="l" rtl="0">
                 <a:spcBef>
                   <a:spcPts val="0"/>
                 </a:spcBef>
@@ -3324,9 +3663,6 @@
                 </a:spcAft>
                 <a:buNone/>
               </a:pPr>
-              <a:r>
-                <a:t/>
-              </a:r>
               <a:endParaRPr/>
             </a:p>
           </p:txBody>
@@ -3353,12 +3689,12 @@
             </a:ln>
           </p:spPr>
           <p:txBody>
-            <a:bodyPr anchorCtr="0" anchor="ctr" bIns="91425" lIns="91425" spcFirstLastPara="1" rIns="91425" wrap="square" tIns="91425">
+            <a:bodyPr spcFirstLastPara="1" wrap="square" lIns="91425" tIns="91425" rIns="91425" bIns="91425" anchor="ctr" anchorCtr="0">
               <a:noAutofit/>
             </a:bodyPr>
             <a:lstStyle/>
             <a:p>
-              <a:pPr indent="0" lvl="0" marL="0" rtl="0" algn="l">
+              <a:pPr marL="0" lvl="0" indent="0" algn="l" rtl="0">
                 <a:spcBef>
                   <a:spcPts val="0"/>
                 </a:spcBef>
@@ -3367,9 +3703,6 @@
                 </a:spcAft>
                 <a:buNone/>
               </a:pPr>
-              <a:r>
-                <a:t/>
-              </a:r>
               <a:endParaRPr/>
             </a:p>
           </p:txBody>
@@ -3381,7 +3714,7 @@
             <p:nvPr/>
           </p:nvSpPr>
           <p:spPr>
-            <a:xfrm flipH="1" rot="10800000">
+            <a:xfrm rot="10800000" flipH="1">
               <a:off x="7113588" y="107"/>
               <a:ext cx="1015200" cy="1015200"/>
             </a:xfrm>
@@ -3396,12 +3729,12 @@
             </a:ln>
           </p:spPr>
           <p:txBody>
-            <a:bodyPr anchorCtr="0" anchor="ctr" bIns="91425" lIns="91425" spcFirstLastPara="1" rIns="91425" wrap="square" tIns="91425">
+            <a:bodyPr spcFirstLastPara="1" wrap="square" lIns="91425" tIns="91425" rIns="91425" bIns="91425" anchor="ctr" anchorCtr="0">
               <a:noAutofit/>
             </a:bodyPr>
             <a:lstStyle/>
             <a:p>
-              <a:pPr indent="0" lvl="0" marL="0" rtl="0" algn="l">
+              <a:pPr marL="0" lvl="0" indent="0" algn="l" rtl="0">
                 <a:spcBef>
                   <a:spcPts val="0"/>
                 </a:spcBef>
@@ -3410,9 +3743,6 @@
                 </a:spcAft>
                 <a:buNone/>
               </a:pPr>
-              <a:r>
-                <a:t/>
-              </a:r>
               <a:endParaRPr/>
             </a:p>
           </p:txBody>
@@ -3439,12 +3769,12 @@
             </a:ln>
           </p:spPr>
           <p:txBody>
-            <a:bodyPr anchorCtr="0" anchor="ctr" bIns="91425" lIns="91425" spcFirstLastPara="1" rIns="91425" wrap="square" tIns="91425">
+            <a:bodyPr spcFirstLastPara="1" wrap="square" lIns="91425" tIns="91425" rIns="91425" bIns="91425" anchor="ctr" anchorCtr="0">
               <a:noAutofit/>
             </a:bodyPr>
             <a:lstStyle/>
             <a:p>
-              <a:pPr indent="0" lvl="0" marL="0" rtl="0" algn="l">
+              <a:pPr marL="0" lvl="0" indent="0" algn="l" rtl="0">
                 <a:spcBef>
                   <a:spcPts val="0"/>
                 </a:spcBef>
@@ -3453,9 +3783,6 @@
                 </a:spcAft>
                 <a:buNone/>
               </a:pPr>
-              <a:r>
-                <a:t/>
-              </a:r>
               <a:endParaRPr/>
             </a:p>
           </p:txBody>
@@ -3482,12 +3809,12 @@
             </a:ln>
           </p:spPr>
           <p:txBody>
-            <a:bodyPr anchorCtr="0" anchor="ctr" bIns="91425" lIns="91425" spcFirstLastPara="1" rIns="91425" wrap="square" tIns="91425">
+            <a:bodyPr spcFirstLastPara="1" wrap="square" lIns="91425" tIns="91425" rIns="91425" bIns="91425" anchor="ctr" anchorCtr="0">
               <a:noAutofit/>
             </a:bodyPr>
             <a:lstStyle/>
             <a:p>
-              <a:pPr indent="0" lvl="0" marL="0" rtl="0" algn="l">
+              <a:pPr marL="0" lvl="0" indent="0" algn="l" rtl="0">
                 <a:spcBef>
                   <a:spcPts val="0"/>
                 </a:spcBef>
@@ -3496,9 +3823,6 @@
                 </a:spcAft>
                 <a:buNone/>
               </a:pPr>
-              <a:r>
-                <a:t/>
-              </a:r>
               <a:endParaRPr/>
             </a:p>
           </p:txBody>
@@ -3507,7 +3831,9 @@
       <p:sp>
         <p:nvSpPr>
           <p:cNvPr id="16" name="Google Shape;16;p2"/>
-          <p:cNvSpPr txBox="1"/>
+          <p:cNvSpPr txBox="1">
+            <a:spLocks noGrp="1"/>
+          </p:cNvSpPr>
           <p:nvPr>
             <p:ph type="ctrTitle"/>
           </p:nvPr>
@@ -3522,7 +3848,7 @@
           </a:prstGeom>
         </p:spPr>
         <p:txBody>
-          <a:bodyPr anchorCtr="0" anchor="b" bIns="91425" lIns="91425" spcFirstLastPara="1" rIns="91425" wrap="square" tIns="91425">
+          <a:bodyPr spcFirstLastPara="1" wrap="square" lIns="91425" tIns="91425" rIns="91425" bIns="91425" anchor="b" anchorCtr="0">
             <a:normAutofit/>
           </a:bodyPr>
           <a:lstStyle>
@@ -3689,15 +4015,19 @@
               </a:defRPr>
             </a:lvl9pPr>
           </a:lstStyle>
-          <a:p/>
+          <a:p>
+            <a:endParaRPr/>
+          </a:p>
         </p:txBody>
       </p:sp>
       <p:sp>
         <p:nvSpPr>
           <p:cNvPr id="17" name="Google Shape;17;p2"/>
-          <p:cNvSpPr txBox="1"/>
+          <p:cNvSpPr txBox="1">
+            <a:spLocks noGrp="1"/>
+          </p:cNvSpPr>
           <p:nvPr>
-            <p:ph idx="1" type="subTitle"/>
+            <p:ph type="subTitle" idx="1"/>
           </p:nvPr>
         </p:nvSpPr>
         <p:spPr>
@@ -3710,7 +4040,7 @@
           </a:prstGeom>
         </p:spPr>
         <p:txBody>
-          <a:bodyPr anchorCtr="0" anchor="t" bIns="91425" lIns="91425" spcFirstLastPara="1" rIns="91425" wrap="square" tIns="91425">
+          <a:bodyPr spcFirstLastPara="1" wrap="square" lIns="91425" tIns="91425" rIns="91425" bIns="91425" anchor="t" anchorCtr="0">
             <a:normAutofit/>
           </a:bodyPr>
           <a:lstStyle>
@@ -3904,15 +4234,19 @@
               </a:defRPr>
             </a:lvl9pPr>
           </a:lstStyle>
-          <a:p/>
+          <a:p>
+            <a:endParaRPr/>
+          </a:p>
         </p:txBody>
       </p:sp>
       <p:sp>
         <p:nvSpPr>
           <p:cNvPr id="18" name="Google Shape;18;p2"/>
-          <p:cNvSpPr txBox="1"/>
+          <p:cNvSpPr txBox="1">
+            <a:spLocks noGrp="1"/>
+          </p:cNvSpPr>
           <p:nvPr>
-            <p:ph idx="12" type="sldNum"/>
+            <p:ph type="sldNum" idx="12"/>
           </p:nvPr>
         </p:nvSpPr>
         <p:spPr>
@@ -3925,7 +4259,7 @@
           </a:prstGeom>
         </p:spPr>
         <p:txBody>
-          <a:bodyPr anchorCtr="0" anchor="ctr" bIns="91425" lIns="91425" spcFirstLastPara="1" rIns="91425" wrap="square" tIns="91425">
+          <a:bodyPr spcFirstLastPara="1" wrap="square" lIns="91425" tIns="91425" rIns="91425" bIns="91425" anchor="ctr" anchorCtr="0">
             <a:normAutofit/>
           </a:bodyPr>
           <a:lstStyle>
@@ -3967,7 +4301,7 @@
             </a:lvl9pPr>
           </a:lstStyle>
           <a:p>
-            <a:pPr indent="0" lvl="0" marL="0" rtl="0" algn="r">
+            <a:pPr marL="0" lvl="0" indent="0" algn="r" rtl="0">
               <a:spcBef>
                 <a:spcPts val="0"/>
               </a:spcBef>
@@ -3993,18 +4327,19 @@
 </file>
 
 <file path=ppt/slideLayouts/slideLayout10.xml><?xml version="1.0" encoding="utf-8"?>
-<p:sldLayout xmlns:a="http://schemas.openxmlformats.org/drawingml/2006/main" xmlns:r="http://schemas.openxmlformats.org/officeDocument/2006/relationships" xmlns:mc="http://schemas.openxmlformats.org/markup-compatibility/2006" xmlns:mv="urn:schemas-microsoft-com:mac:vml" xmlns:p="http://schemas.openxmlformats.org/presentationml/2006/main" xmlns:c="http://schemas.openxmlformats.org/drawingml/2006/chart" xmlns:dgm="http://schemas.openxmlformats.org/drawingml/2006/diagram" xmlns:o="urn:schemas-microsoft-com:office:office" xmlns:v="urn:schemas-microsoft-com:vml" xmlns:pvml="urn:schemas-microsoft-com:office:powerpoint" xmlns:com="http://schemas.openxmlformats.org/drawingml/2006/compatibility" xmlns:p14="http://schemas.microsoft.com/office/powerpoint/2010/main" xmlns:p15="http://schemas.microsoft.com/office/powerpoint/2012/main" xmlns:ahyp="http://schemas.microsoft.com/office/drawing/2018/hyperlinkcolor" matchingName="Big number">
+<p:sldLayout xmlns:a="http://schemas.openxmlformats.org/drawingml/2006/main" xmlns:r="http://schemas.openxmlformats.org/officeDocument/2006/relationships" xmlns:p="http://schemas.openxmlformats.org/presentationml/2006/main" matchingName="Big number">
   <p:cSld name="BIG_NUMBER">
     <p:bg>
       <p:bgPr>
         <a:solidFill>
           <a:schemeClr val="dk1"/>
         </a:solidFill>
+        <a:effectLst/>
       </p:bgPr>
     </p:bg>
     <p:spTree>
       <p:nvGrpSpPr>
-        <p:cNvPr id="69" name="Shape 69"/>
+        <p:cNvPr id="1" name="Shape 69"/>
         <p:cNvGrpSpPr/>
         <p:nvPr/>
       </p:nvGrpSpPr>
@@ -4052,12 +4387,12 @@
             </a:ln>
           </p:spPr>
           <p:txBody>
-            <a:bodyPr anchorCtr="0" anchor="ctr" bIns="91425" lIns="91425" spcFirstLastPara="1" rIns="91425" wrap="square" tIns="91425">
+            <a:bodyPr spcFirstLastPara="1" wrap="square" lIns="91425" tIns="91425" rIns="91425" bIns="91425" anchor="ctr" anchorCtr="0">
               <a:noAutofit/>
             </a:bodyPr>
             <a:lstStyle/>
             <a:p>
-              <a:pPr indent="0" lvl="0" marL="0" rtl="0" algn="l">
+              <a:pPr marL="0" lvl="0" indent="0" algn="l" rtl="0">
                 <a:spcBef>
                   <a:spcPts val="0"/>
                 </a:spcBef>
@@ -4066,9 +4401,6 @@
                 </a:spcAft>
                 <a:buNone/>
               </a:pPr>
-              <a:r>
-                <a:t/>
-              </a:r>
               <a:endParaRPr/>
             </a:p>
           </p:txBody>
@@ -4095,12 +4427,12 @@
             </a:ln>
           </p:spPr>
           <p:txBody>
-            <a:bodyPr anchorCtr="0" anchor="ctr" bIns="91425" lIns="91425" spcFirstLastPara="1" rIns="91425" wrap="square" tIns="91425">
+            <a:bodyPr spcFirstLastPara="1" wrap="square" lIns="91425" tIns="91425" rIns="91425" bIns="91425" anchor="ctr" anchorCtr="0">
               <a:noAutofit/>
             </a:bodyPr>
             <a:lstStyle/>
             <a:p>
-              <a:pPr indent="0" lvl="0" marL="0" rtl="0" algn="l">
+              <a:pPr marL="0" lvl="0" indent="0" algn="l" rtl="0">
                 <a:spcBef>
                   <a:spcPts val="0"/>
                 </a:spcBef>
@@ -4109,9 +4441,6 @@
                 </a:spcAft>
                 <a:buNone/>
               </a:pPr>
-              <a:r>
-                <a:t/>
-              </a:r>
               <a:endParaRPr/>
             </a:p>
           </p:txBody>
@@ -4123,7 +4452,7 @@
             <p:nvPr/>
           </p:nvSpPr>
           <p:spPr>
-            <a:xfrm flipH="1" rot="10800000">
+            <a:xfrm rot="10800000" flipH="1">
               <a:off x="7113588" y="107"/>
               <a:ext cx="1015200" cy="1015200"/>
             </a:xfrm>
@@ -4138,12 +4467,12 @@
             </a:ln>
           </p:spPr>
           <p:txBody>
-            <a:bodyPr anchorCtr="0" anchor="ctr" bIns="91425" lIns="91425" spcFirstLastPara="1" rIns="91425" wrap="square" tIns="91425">
+            <a:bodyPr spcFirstLastPara="1" wrap="square" lIns="91425" tIns="91425" rIns="91425" bIns="91425" anchor="ctr" anchorCtr="0">
               <a:noAutofit/>
             </a:bodyPr>
             <a:lstStyle/>
             <a:p>
-              <a:pPr indent="0" lvl="0" marL="0" rtl="0" algn="l">
+              <a:pPr marL="0" lvl="0" indent="0" algn="l" rtl="0">
                 <a:spcBef>
                   <a:spcPts val="0"/>
                 </a:spcBef>
@@ -4152,9 +4481,6 @@
                 </a:spcAft>
                 <a:buNone/>
               </a:pPr>
-              <a:r>
-                <a:t/>
-              </a:r>
               <a:endParaRPr/>
             </a:p>
           </p:txBody>
@@ -4181,12 +4507,12 @@
             </a:ln>
           </p:spPr>
           <p:txBody>
-            <a:bodyPr anchorCtr="0" anchor="ctr" bIns="91425" lIns="91425" spcFirstLastPara="1" rIns="91425" wrap="square" tIns="91425">
+            <a:bodyPr spcFirstLastPara="1" wrap="square" lIns="91425" tIns="91425" rIns="91425" bIns="91425" anchor="ctr" anchorCtr="0">
               <a:noAutofit/>
             </a:bodyPr>
             <a:lstStyle/>
             <a:p>
-              <a:pPr indent="0" lvl="0" marL="0" rtl="0" algn="l">
+              <a:pPr marL="0" lvl="0" indent="0" algn="l" rtl="0">
                 <a:spcBef>
                   <a:spcPts val="0"/>
                 </a:spcBef>
@@ -4195,9 +4521,6 @@
                 </a:spcAft>
                 <a:buNone/>
               </a:pPr>
-              <a:r>
-                <a:t/>
-              </a:r>
               <a:endParaRPr/>
             </a:p>
           </p:txBody>
@@ -4224,12 +4547,12 @@
             </a:ln>
           </p:spPr>
           <p:txBody>
-            <a:bodyPr anchorCtr="0" anchor="ctr" bIns="91425" lIns="91425" spcFirstLastPara="1" rIns="91425" wrap="square" tIns="91425">
+            <a:bodyPr spcFirstLastPara="1" wrap="square" lIns="91425" tIns="91425" rIns="91425" bIns="91425" anchor="ctr" anchorCtr="0">
               <a:noAutofit/>
             </a:bodyPr>
             <a:lstStyle/>
             <a:p>
-              <a:pPr indent="0" lvl="0" marL="0" rtl="0" algn="l">
+              <a:pPr marL="0" lvl="0" indent="0" algn="l" rtl="0">
                 <a:spcBef>
                   <a:spcPts val="0"/>
                 </a:spcBef>
@@ -4238,9 +4561,6 @@
                 </a:spcAft>
                 <a:buNone/>
               </a:pPr>
-              <a:r>
-                <a:t/>
-              </a:r>
               <a:endParaRPr/>
             </a:p>
           </p:txBody>
@@ -4249,9 +4569,11 @@
       <p:sp>
         <p:nvSpPr>
           <p:cNvPr id="76" name="Google Shape;76;p11"/>
-          <p:cNvSpPr txBox="1"/>
+          <p:cNvSpPr txBox="1">
+            <a:spLocks noGrp="1"/>
+          </p:cNvSpPr>
           <p:nvPr>
-            <p:ph hasCustomPrompt="1" type="title"/>
+            <p:ph type="title" hasCustomPrompt="1"/>
           </p:nvPr>
         </p:nvSpPr>
         <p:spPr>
@@ -4264,7 +4586,7 @@
           </a:prstGeom>
         </p:spPr>
         <p:txBody>
-          <a:bodyPr anchorCtr="0" anchor="b" bIns="91425" lIns="91425" spcFirstLastPara="1" rIns="91425" wrap="square" tIns="91425">
+          <a:bodyPr spcFirstLastPara="1" wrap="square" lIns="91425" tIns="91425" rIns="91425" bIns="91425" anchor="b" anchorCtr="0">
             <a:normAutofit/>
           </a:bodyPr>
           <a:lstStyle>
@@ -4441,9 +4763,11 @@
       <p:sp>
         <p:nvSpPr>
           <p:cNvPr id="77" name="Google Shape;77;p11"/>
-          <p:cNvSpPr txBox="1"/>
+          <p:cNvSpPr txBox="1">
+            <a:spLocks noGrp="1"/>
+          </p:cNvSpPr>
           <p:nvPr>
-            <p:ph idx="1" type="body"/>
+            <p:ph type="body" idx="1"/>
           </p:nvPr>
         </p:nvSpPr>
         <p:spPr>
@@ -4456,11 +4780,11 @@
           </a:prstGeom>
         </p:spPr>
         <p:txBody>
-          <a:bodyPr anchorCtr="0" anchor="t" bIns="91425" lIns="91425" spcFirstLastPara="1" rIns="91425" wrap="square" tIns="91425">
+          <a:bodyPr spcFirstLastPara="1" wrap="square" lIns="91425" tIns="91425" rIns="91425" bIns="91425" anchor="t" anchorCtr="0">
             <a:normAutofit/>
           </a:bodyPr>
           <a:lstStyle>
-            <a:lvl1pPr indent="-342900" lvl="0" marL="457200" algn="ctr">
+            <a:lvl1pPr marL="457200" lvl="0" indent="-342900" algn="ctr">
               <a:spcBef>
                 <a:spcPts val="0"/>
               </a:spcBef>
@@ -4478,7 +4802,7 @@
                 </a:solidFill>
               </a:defRPr>
             </a:lvl1pPr>
-            <a:lvl2pPr indent="-317500" lvl="1" marL="914400" algn="ctr">
+            <a:lvl2pPr marL="914400" lvl="1" indent="-317500" algn="ctr">
               <a:spcBef>
                 <a:spcPts val="0"/>
               </a:spcBef>
@@ -4496,7 +4820,7 @@
                 </a:solidFill>
               </a:defRPr>
             </a:lvl2pPr>
-            <a:lvl3pPr indent="-317500" lvl="2" marL="1371600" algn="ctr">
+            <a:lvl3pPr marL="1371600" lvl="2" indent="-317500" algn="ctr">
               <a:spcBef>
                 <a:spcPts val="0"/>
               </a:spcBef>
@@ -4514,7 +4838,7 @@
                 </a:solidFill>
               </a:defRPr>
             </a:lvl3pPr>
-            <a:lvl4pPr indent="-317500" lvl="3" marL="1828800" algn="ctr">
+            <a:lvl4pPr marL="1828800" lvl="3" indent="-317500" algn="ctr">
               <a:spcBef>
                 <a:spcPts val="0"/>
               </a:spcBef>
@@ -4532,7 +4856,7 @@
                 </a:solidFill>
               </a:defRPr>
             </a:lvl4pPr>
-            <a:lvl5pPr indent="-317500" lvl="4" marL="2286000" algn="ctr">
+            <a:lvl5pPr marL="2286000" lvl="4" indent="-317500" algn="ctr">
               <a:spcBef>
                 <a:spcPts val="0"/>
               </a:spcBef>
@@ -4550,7 +4874,7 @@
                 </a:solidFill>
               </a:defRPr>
             </a:lvl5pPr>
-            <a:lvl6pPr indent="-317500" lvl="5" marL="2743200" algn="ctr">
+            <a:lvl6pPr marL="2743200" lvl="5" indent="-317500" algn="ctr">
               <a:spcBef>
                 <a:spcPts val="0"/>
               </a:spcBef>
@@ -4568,7 +4892,7 @@
                 </a:solidFill>
               </a:defRPr>
             </a:lvl6pPr>
-            <a:lvl7pPr indent="-317500" lvl="6" marL="3200400" algn="ctr">
+            <a:lvl7pPr marL="3200400" lvl="6" indent="-317500" algn="ctr">
               <a:spcBef>
                 <a:spcPts val="0"/>
               </a:spcBef>
@@ -4586,7 +4910,7 @@
                 </a:solidFill>
               </a:defRPr>
             </a:lvl7pPr>
-            <a:lvl8pPr indent="-317500" lvl="7" marL="3657600" algn="ctr">
+            <a:lvl8pPr marL="3657600" lvl="7" indent="-317500" algn="ctr">
               <a:spcBef>
                 <a:spcPts val="0"/>
               </a:spcBef>
@@ -4604,7 +4928,7 @@
                 </a:solidFill>
               </a:defRPr>
             </a:lvl8pPr>
-            <a:lvl9pPr indent="-317500" lvl="8" marL="4114800" algn="ctr">
+            <a:lvl9pPr marL="4114800" lvl="8" indent="-317500" algn="ctr">
               <a:spcBef>
                 <a:spcPts val="0"/>
               </a:spcBef>
@@ -4623,15 +4947,19 @@
               </a:defRPr>
             </a:lvl9pPr>
           </a:lstStyle>
-          <a:p/>
+          <a:p>
+            <a:endParaRPr/>
+          </a:p>
         </p:txBody>
       </p:sp>
       <p:sp>
         <p:nvSpPr>
           <p:cNvPr id="78" name="Google Shape;78;p11"/>
-          <p:cNvSpPr txBox="1"/>
+          <p:cNvSpPr txBox="1">
+            <a:spLocks noGrp="1"/>
+          </p:cNvSpPr>
           <p:nvPr>
-            <p:ph idx="12" type="sldNum"/>
+            <p:ph type="sldNum" idx="12"/>
           </p:nvPr>
         </p:nvSpPr>
         <p:spPr>
@@ -4644,7 +4972,7 @@
           </a:prstGeom>
         </p:spPr>
         <p:txBody>
-          <a:bodyPr anchorCtr="0" anchor="ctr" bIns="91425" lIns="91425" spcFirstLastPara="1" rIns="91425" wrap="square" tIns="91425">
+          <a:bodyPr spcFirstLastPara="1" wrap="square" lIns="91425" tIns="91425" rIns="91425" bIns="91425" anchor="ctr" anchorCtr="0">
             <a:normAutofit/>
           </a:bodyPr>
           <a:lstStyle>
@@ -4686,7 +5014,7 @@
             </a:lvl9pPr>
           </a:lstStyle>
           <a:p>
-            <a:pPr indent="0" lvl="0" marL="0" rtl="0" algn="r">
+            <a:pPr marL="0" lvl="0" indent="0" algn="r" rtl="0">
               <a:spcBef>
                 <a:spcPts val="0"/>
               </a:spcBef>
@@ -4712,11 +5040,11 @@
 </file>
 
 <file path=ppt/slideLayouts/slideLayout11.xml><?xml version="1.0" encoding="utf-8"?>
-<p:sldLayout xmlns:a="http://schemas.openxmlformats.org/drawingml/2006/main" xmlns:r="http://schemas.openxmlformats.org/officeDocument/2006/relationships" xmlns:mc="http://schemas.openxmlformats.org/markup-compatibility/2006" xmlns:mv="urn:schemas-microsoft-com:mac:vml" xmlns:p="http://schemas.openxmlformats.org/presentationml/2006/main" xmlns:c="http://schemas.openxmlformats.org/drawingml/2006/chart" xmlns:dgm="http://schemas.openxmlformats.org/drawingml/2006/diagram" xmlns:o="urn:schemas-microsoft-com:office:office" xmlns:v="urn:schemas-microsoft-com:vml" xmlns:pvml="urn:schemas-microsoft-com:office:powerpoint" xmlns:com="http://schemas.openxmlformats.org/drawingml/2006/compatibility" xmlns:p14="http://schemas.microsoft.com/office/powerpoint/2010/main" xmlns:p15="http://schemas.microsoft.com/office/powerpoint/2012/main" xmlns:ahyp="http://schemas.microsoft.com/office/drawing/2018/hyperlinkcolor" matchingName="Blank" type="blank">
+<p:sldLayout xmlns:a="http://schemas.openxmlformats.org/drawingml/2006/main" xmlns:r="http://schemas.openxmlformats.org/officeDocument/2006/relationships" xmlns:p="http://schemas.openxmlformats.org/presentationml/2006/main" matchingName="Blank" type="blank">
   <p:cSld name="BLANK">
     <p:spTree>
       <p:nvGrpSpPr>
-        <p:cNvPr id="79" name="Shape 79"/>
+        <p:cNvPr id="1" name="Shape 79"/>
         <p:cNvGrpSpPr/>
         <p:nvPr/>
       </p:nvGrpSpPr>
@@ -4731,9 +5059,11 @@
       <p:sp>
         <p:nvSpPr>
           <p:cNvPr id="80" name="Google Shape;80;p12"/>
-          <p:cNvSpPr txBox="1"/>
+          <p:cNvSpPr txBox="1">
+            <a:spLocks noGrp="1"/>
+          </p:cNvSpPr>
           <p:nvPr>
-            <p:ph idx="12" type="sldNum"/>
+            <p:ph type="sldNum" idx="12"/>
           </p:nvPr>
         </p:nvSpPr>
         <p:spPr>
@@ -4746,7 +5076,7 @@
           </a:prstGeom>
         </p:spPr>
         <p:txBody>
-          <a:bodyPr anchorCtr="0" anchor="ctr" bIns="91425" lIns="91425" spcFirstLastPara="1" rIns="91425" wrap="square" tIns="91425">
+          <a:bodyPr spcFirstLastPara="1" wrap="square" lIns="91425" tIns="91425" rIns="91425" bIns="91425" anchor="ctr" anchorCtr="0">
             <a:normAutofit/>
           </a:bodyPr>
           <a:lstStyle>
@@ -4824,7 +5154,7 @@
             </a:lvl9pPr>
           </a:lstStyle>
           <a:p>
-            <a:pPr indent="0" lvl="0" marL="0" rtl="0" algn="r">
+            <a:pPr marL="0" lvl="0" indent="0" algn="r" rtl="0">
               <a:spcBef>
                 <a:spcPts val="0"/>
               </a:spcBef>
@@ -4850,18 +5180,19 @@
 </file>
 
 <file path=ppt/slideLayouts/slideLayout2.xml><?xml version="1.0" encoding="utf-8"?>
-<p:sldLayout xmlns:a="http://schemas.openxmlformats.org/drawingml/2006/main" xmlns:r="http://schemas.openxmlformats.org/officeDocument/2006/relationships" xmlns:mc="http://schemas.openxmlformats.org/markup-compatibility/2006" xmlns:mv="urn:schemas-microsoft-com:mac:vml" xmlns:p="http://schemas.openxmlformats.org/presentationml/2006/main" xmlns:c="http://schemas.openxmlformats.org/drawingml/2006/chart" xmlns:dgm="http://schemas.openxmlformats.org/drawingml/2006/diagram" xmlns:o="urn:schemas-microsoft-com:office:office" xmlns:v="urn:schemas-microsoft-com:vml" xmlns:pvml="urn:schemas-microsoft-com:office:powerpoint" xmlns:com="http://schemas.openxmlformats.org/drawingml/2006/compatibility" xmlns:p14="http://schemas.microsoft.com/office/powerpoint/2010/main" xmlns:p15="http://schemas.microsoft.com/office/powerpoint/2012/main" xmlns:ahyp="http://schemas.microsoft.com/office/drawing/2018/hyperlinkcolor" matchingName="Section header" type="secHead">
+<p:sldLayout xmlns:a="http://schemas.openxmlformats.org/drawingml/2006/main" xmlns:r="http://schemas.openxmlformats.org/officeDocument/2006/relationships" xmlns:p="http://schemas.openxmlformats.org/presentationml/2006/main" matchingName="Section header" type="secHead">
   <p:cSld name="SECTION_HEADER">
     <p:bg>
       <p:bgPr>
         <a:solidFill>
           <a:schemeClr val="dk1"/>
         </a:solidFill>
+        <a:effectLst/>
       </p:bgPr>
     </p:bg>
     <p:spTree>
       <p:nvGrpSpPr>
-        <p:cNvPr id="19" name="Shape 19"/>
+        <p:cNvPr id="1" name="Shape 19"/>
         <p:cNvGrpSpPr/>
         <p:nvPr/>
       </p:nvGrpSpPr>
@@ -4909,12 +5240,12 @@
             </a:ln>
           </p:spPr>
           <p:txBody>
-            <a:bodyPr anchorCtr="0" anchor="ctr" bIns="91425" lIns="91425" spcFirstLastPara="1" rIns="91425" wrap="square" tIns="91425">
+            <a:bodyPr spcFirstLastPara="1" wrap="square" lIns="91425" tIns="91425" rIns="91425" bIns="91425" anchor="ctr" anchorCtr="0">
               <a:noAutofit/>
             </a:bodyPr>
             <a:lstStyle/>
             <a:p>
-              <a:pPr indent="0" lvl="0" marL="0" rtl="0" algn="l">
+              <a:pPr marL="0" lvl="0" indent="0" algn="l" rtl="0">
                 <a:spcBef>
                   <a:spcPts val="0"/>
                 </a:spcBef>
@@ -4923,9 +5254,6 @@
                 </a:spcAft>
                 <a:buNone/>
               </a:pPr>
-              <a:r>
-                <a:t/>
-              </a:r>
               <a:endParaRPr/>
             </a:p>
           </p:txBody>
@@ -4952,12 +5280,12 @@
             </a:ln>
           </p:spPr>
           <p:txBody>
-            <a:bodyPr anchorCtr="0" anchor="ctr" bIns="91425" lIns="91425" spcFirstLastPara="1" rIns="91425" wrap="square" tIns="91425">
+            <a:bodyPr spcFirstLastPara="1" wrap="square" lIns="91425" tIns="91425" rIns="91425" bIns="91425" anchor="ctr" anchorCtr="0">
               <a:noAutofit/>
             </a:bodyPr>
             <a:lstStyle/>
             <a:p>
-              <a:pPr indent="0" lvl="0" marL="0" rtl="0" algn="l">
+              <a:pPr marL="0" lvl="0" indent="0" algn="l" rtl="0">
                 <a:spcBef>
                   <a:spcPts val="0"/>
                 </a:spcBef>
@@ -4966,9 +5294,6 @@
                 </a:spcAft>
                 <a:buNone/>
               </a:pPr>
-              <a:r>
-                <a:t/>
-              </a:r>
               <a:endParaRPr/>
             </a:p>
           </p:txBody>
@@ -4980,7 +5305,7 @@
             <p:nvPr/>
           </p:nvSpPr>
           <p:spPr>
-            <a:xfrm flipH="1" rot="10800000">
+            <a:xfrm rot="10800000" flipH="1">
               <a:off x="7113588" y="107"/>
               <a:ext cx="1015200" cy="1015200"/>
             </a:xfrm>
@@ -4995,12 +5320,12 @@
             </a:ln>
           </p:spPr>
           <p:txBody>
-            <a:bodyPr anchorCtr="0" anchor="ctr" bIns="91425" lIns="91425" spcFirstLastPara="1" rIns="91425" wrap="square" tIns="91425">
+            <a:bodyPr spcFirstLastPara="1" wrap="square" lIns="91425" tIns="91425" rIns="91425" bIns="91425" anchor="ctr" anchorCtr="0">
               <a:noAutofit/>
             </a:bodyPr>
             <a:lstStyle/>
             <a:p>
-              <a:pPr indent="0" lvl="0" marL="0" rtl="0" algn="l">
+              <a:pPr marL="0" lvl="0" indent="0" algn="l" rtl="0">
                 <a:spcBef>
                   <a:spcPts val="0"/>
                 </a:spcBef>
@@ -5009,9 +5334,6 @@
                 </a:spcAft>
                 <a:buNone/>
               </a:pPr>
-              <a:r>
-                <a:t/>
-              </a:r>
               <a:endParaRPr/>
             </a:p>
           </p:txBody>
@@ -5038,12 +5360,12 @@
             </a:ln>
           </p:spPr>
           <p:txBody>
-            <a:bodyPr anchorCtr="0" anchor="ctr" bIns="91425" lIns="91425" spcFirstLastPara="1" rIns="91425" wrap="square" tIns="91425">
+            <a:bodyPr spcFirstLastPara="1" wrap="square" lIns="91425" tIns="91425" rIns="91425" bIns="91425" anchor="ctr" anchorCtr="0">
               <a:noAutofit/>
             </a:bodyPr>
             <a:lstStyle/>
             <a:p>
-              <a:pPr indent="0" lvl="0" marL="0" rtl="0" algn="l">
+              <a:pPr marL="0" lvl="0" indent="0" algn="l" rtl="0">
                 <a:spcBef>
                   <a:spcPts val="0"/>
                 </a:spcBef>
@@ -5052,9 +5374,6 @@
                 </a:spcAft>
                 <a:buNone/>
               </a:pPr>
-              <a:r>
-                <a:t/>
-              </a:r>
               <a:endParaRPr/>
             </a:p>
           </p:txBody>
@@ -5081,12 +5400,12 @@
             </a:ln>
           </p:spPr>
           <p:txBody>
-            <a:bodyPr anchorCtr="0" anchor="ctr" bIns="91425" lIns="91425" spcFirstLastPara="1" rIns="91425" wrap="square" tIns="91425">
+            <a:bodyPr spcFirstLastPara="1" wrap="square" lIns="91425" tIns="91425" rIns="91425" bIns="91425" anchor="ctr" anchorCtr="0">
               <a:noAutofit/>
             </a:bodyPr>
             <a:lstStyle/>
             <a:p>
-              <a:pPr indent="0" lvl="0" marL="0" rtl="0" algn="l">
+              <a:pPr marL="0" lvl="0" indent="0" algn="l" rtl="0">
                 <a:spcBef>
                   <a:spcPts val="0"/>
                 </a:spcBef>
@@ -5095,9 +5414,6 @@
                 </a:spcAft>
                 <a:buNone/>
               </a:pPr>
-              <a:r>
-                <a:t/>
-              </a:r>
               <a:endParaRPr/>
             </a:p>
           </p:txBody>
@@ -5106,7 +5422,9 @@
       <p:sp>
         <p:nvSpPr>
           <p:cNvPr id="26" name="Google Shape;26;p3"/>
-          <p:cNvSpPr txBox="1"/>
+          <p:cNvSpPr txBox="1">
+            <a:spLocks noGrp="1"/>
+          </p:cNvSpPr>
           <p:nvPr>
             <p:ph type="title"/>
           </p:nvPr>
@@ -5121,7 +5439,7 @@
           </a:prstGeom>
         </p:spPr>
         <p:txBody>
-          <a:bodyPr anchorCtr="0" anchor="ctr" bIns="91425" lIns="91425" spcFirstLastPara="1" rIns="91425" wrap="square" tIns="91425">
+          <a:bodyPr spcFirstLastPara="1" wrap="square" lIns="91425" tIns="91425" rIns="91425" bIns="91425" anchor="ctr" anchorCtr="0">
             <a:normAutofit/>
           </a:bodyPr>
           <a:lstStyle>
@@ -5288,15 +5606,19 @@
               </a:defRPr>
             </a:lvl9pPr>
           </a:lstStyle>
-          <a:p/>
+          <a:p>
+            <a:endParaRPr/>
+          </a:p>
         </p:txBody>
       </p:sp>
       <p:sp>
         <p:nvSpPr>
           <p:cNvPr id="27" name="Google Shape;27;p3"/>
-          <p:cNvSpPr txBox="1"/>
+          <p:cNvSpPr txBox="1">
+            <a:spLocks noGrp="1"/>
+          </p:cNvSpPr>
           <p:nvPr>
-            <p:ph idx="12" type="sldNum"/>
+            <p:ph type="sldNum" idx="12"/>
           </p:nvPr>
         </p:nvSpPr>
         <p:spPr>
@@ -5309,7 +5631,7 @@
           </a:prstGeom>
         </p:spPr>
         <p:txBody>
-          <a:bodyPr anchorCtr="0" anchor="ctr" bIns="91425" lIns="91425" spcFirstLastPara="1" rIns="91425" wrap="square" tIns="91425">
+          <a:bodyPr spcFirstLastPara="1" wrap="square" lIns="91425" tIns="91425" rIns="91425" bIns="91425" anchor="ctr" anchorCtr="0">
             <a:normAutofit/>
           </a:bodyPr>
           <a:lstStyle>
@@ -5351,7 +5673,7 @@
             </a:lvl9pPr>
           </a:lstStyle>
           <a:p>
-            <a:pPr indent="0" lvl="0" marL="0" rtl="0" algn="r">
+            <a:pPr marL="0" lvl="0" indent="0" algn="r" rtl="0">
               <a:spcBef>
                 <a:spcPts val="0"/>
               </a:spcBef>
@@ -5377,11 +5699,11 @@
 </file>
 
 <file path=ppt/slideLayouts/slideLayout3.xml><?xml version="1.0" encoding="utf-8"?>
-<p:sldLayout xmlns:a="http://schemas.openxmlformats.org/drawingml/2006/main" xmlns:r="http://schemas.openxmlformats.org/officeDocument/2006/relationships" xmlns:mc="http://schemas.openxmlformats.org/markup-compatibility/2006" xmlns:mv="urn:schemas-microsoft-com:mac:vml" xmlns:p="http://schemas.openxmlformats.org/presentationml/2006/main" xmlns:c="http://schemas.openxmlformats.org/drawingml/2006/chart" xmlns:dgm="http://schemas.openxmlformats.org/drawingml/2006/diagram" xmlns:o="urn:schemas-microsoft-com:office:office" xmlns:v="urn:schemas-microsoft-com:vml" xmlns:pvml="urn:schemas-microsoft-com:office:powerpoint" xmlns:com="http://schemas.openxmlformats.org/drawingml/2006/compatibility" xmlns:p14="http://schemas.microsoft.com/office/powerpoint/2010/main" xmlns:p15="http://schemas.microsoft.com/office/powerpoint/2012/main" xmlns:ahyp="http://schemas.microsoft.com/office/drawing/2018/hyperlinkcolor" matchingName="Title and body" type="tx">
+<p:sldLayout xmlns:a="http://schemas.openxmlformats.org/drawingml/2006/main" xmlns:r="http://schemas.openxmlformats.org/officeDocument/2006/relationships" xmlns:p="http://schemas.openxmlformats.org/presentationml/2006/main" matchingName="Title and body" type="tx">
   <p:cSld name="TITLE_AND_BODY">
     <p:spTree>
       <p:nvGrpSpPr>
-        <p:cNvPr id="28" name="Shape 28"/>
+        <p:cNvPr id="1" name="Shape 28"/>
         <p:cNvGrpSpPr/>
         <p:nvPr/>
       </p:nvGrpSpPr>
@@ -5429,12 +5751,12 @@
             </a:ln>
           </p:spPr>
           <p:txBody>
-            <a:bodyPr anchorCtr="0" anchor="ctr" bIns="91425" lIns="91425" spcFirstLastPara="1" rIns="91425" wrap="square" tIns="91425">
+            <a:bodyPr spcFirstLastPara="1" wrap="square" lIns="91425" tIns="91425" rIns="91425" bIns="91425" anchor="ctr" anchorCtr="0">
               <a:noAutofit/>
             </a:bodyPr>
             <a:lstStyle/>
             <a:p>
-              <a:pPr indent="0" lvl="0" marL="0" rtl="0" algn="l">
+              <a:pPr marL="0" lvl="0" indent="0" algn="l" rtl="0">
                 <a:spcBef>
                   <a:spcPts val="0"/>
                 </a:spcBef>
@@ -5443,9 +5765,6 @@
                 </a:spcAft>
                 <a:buNone/>
               </a:pPr>
-              <a:r>
-                <a:t/>
-              </a:r>
               <a:endParaRPr/>
             </a:p>
           </p:txBody>
@@ -5472,12 +5791,12 @@
             </a:ln>
           </p:spPr>
           <p:txBody>
-            <a:bodyPr anchorCtr="0" anchor="ctr" bIns="91425" lIns="91425" spcFirstLastPara="1" rIns="91425" wrap="square" tIns="91425">
+            <a:bodyPr spcFirstLastPara="1" wrap="square" lIns="91425" tIns="91425" rIns="91425" bIns="91425" anchor="ctr" anchorCtr="0">
               <a:noAutofit/>
             </a:bodyPr>
             <a:lstStyle/>
             <a:p>
-              <a:pPr indent="0" lvl="0" marL="0" rtl="0" algn="l">
+              <a:pPr marL="0" lvl="0" indent="0" algn="l" rtl="0">
                 <a:spcBef>
                   <a:spcPts val="0"/>
                 </a:spcBef>
@@ -5486,9 +5805,6 @@
                 </a:spcAft>
                 <a:buNone/>
               </a:pPr>
-              <a:r>
-                <a:t/>
-              </a:r>
               <a:endParaRPr/>
             </a:p>
           </p:txBody>
@@ -5515,12 +5831,12 @@
             </a:ln>
           </p:spPr>
           <p:txBody>
-            <a:bodyPr anchorCtr="0" anchor="ctr" bIns="91425" lIns="91425" spcFirstLastPara="1" rIns="91425" wrap="square" tIns="91425">
+            <a:bodyPr spcFirstLastPara="1" wrap="square" lIns="91425" tIns="91425" rIns="91425" bIns="91425" anchor="ctr" anchorCtr="0">
               <a:noAutofit/>
             </a:bodyPr>
             <a:lstStyle/>
             <a:p>
-              <a:pPr indent="0" lvl="0" marL="0" rtl="0" algn="l">
+              <a:pPr marL="0" lvl="0" indent="0" algn="l" rtl="0">
                 <a:spcBef>
                   <a:spcPts val="0"/>
                 </a:spcBef>
@@ -5529,9 +5845,6 @@
                 </a:spcAft>
                 <a:buNone/>
               </a:pPr>
-              <a:r>
-                <a:t/>
-              </a:r>
               <a:endParaRPr/>
             </a:p>
           </p:txBody>
@@ -5558,12 +5871,12 @@
             </a:ln>
           </p:spPr>
           <p:txBody>
-            <a:bodyPr anchorCtr="0" anchor="ctr" bIns="91425" lIns="91425" spcFirstLastPara="1" rIns="91425" wrap="square" tIns="91425">
+            <a:bodyPr spcFirstLastPara="1" wrap="square" lIns="91425" tIns="91425" rIns="91425" bIns="91425" anchor="ctr" anchorCtr="0">
               <a:noAutofit/>
             </a:bodyPr>
             <a:lstStyle/>
             <a:p>
-              <a:pPr indent="0" lvl="0" marL="0" rtl="0" algn="l">
+              <a:pPr marL="0" lvl="0" indent="0" algn="l" rtl="0">
                 <a:spcBef>
                   <a:spcPts val="0"/>
                 </a:spcBef>
@@ -5572,9 +5885,6 @@
                 </a:spcAft>
                 <a:buNone/>
               </a:pPr>
-              <a:r>
-                <a:t/>
-              </a:r>
               <a:endParaRPr/>
             </a:p>
           </p:txBody>
@@ -5601,12 +5911,12 @@
             </a:ln>
           </p:spPr>
           <p:txBody>
-            <a:bodyPr anchorCtr="0" anchor="ctr" bIns="91425" lIns="91425" spcFirstLastPara="1" rIns="91425" wrap="square" tIns="91425">
+            <a:bodyPr spcFirstLastPara="1" wrap="square" lIns="91425" tIns="91425" rIns="91425" bIns="91425" anchor="ctr" anchorCtr="0">
               <a:noAutofit/>
             </a:bodyPr>
             <a:lstStyle/>
             <a:p>
-              <a:pPr indent="0" lvl="0" marL="0" rtl="0" algn="l">
+              <a:pPr marL="0" lvl="0" indent="0" algn="l" rtl="0">
                 <a:spcBef>
                   <a:spcPts val="0"/>
                 </a:spcBef>
@@ -5615,9 +5925,6 @@
                 </a:spcAft>
                 <a:buNone/>
               </a:pPr>
-              <a:r>
-                <a:t/>
-              </a:r>
               <a:endParaRPr/>
             </a:p>
           </p:txBody>
@@ -5626,7 +5933,9 @@
       <p:sp>
         <p:nvSpPr>
           <p:cNvPr id="35" name="Google Shape;35;p4"/>
-          <p:cNvSpPr txBox="1"/>
+          <p:cNvSpPr txBox="1">
+            <a:spLocks noGrp="1"/>
+          </p:cNvSpPr>
           <p:nvPr>
             <p:ph type="title"/>
           </p:nvPr>
@@ -5641,7 +5950,7 @@
           </a:prstGeom>
         </p:spPr>
         <p:txBody>
-          <a:bodyPr anchorCtr="0" anchor="t" bIns="91425" lIns="91425" spcFirstLastPara="1" rIns="91425" wrap="square" tIns="91425">
+          <a:bodyPr spcFirstLastPara="1" wrap="square" lIns="91425" tIns="91425" rIns="91425" bIns="91425" anchor="t" anchorCtr="0">
             <a:normAutofit/>
           </a:bodyPr>
           <a:lstStyle>
@@ -5745,15 +6054,19 @@
               <a:defRPr/>
             </a:lvl9pPr>
           </a:lstStyle>
-          <a:p/>
+          <a:p>
+            <a:endParaRPr/>
+          </a:p>
         </p:txBody>
       </p:sp>
       <p:sp>
         <p:nvSpPr>
           <p:cNvPr id="36" name="Google Shape;36;p4"/>
-          <p:cNvSpPr txBox="1"/>
+          <p:cNvSpPr txBox="1">
+            <a:spLocks noGrp="1"/>
+          </p:cNvSpPr>
           <p:nvPr>
-            <p:ph idx="1" type="body"/>
+            <p:ph type="body" idx="1"/>
           </p:nvPr>
         </p:nvSpPr>
         <p:spPr>
@@ -5766,11 +6079,11 @@
           </a:prstGeom>
         </p:spPr>
         <p:txBody>
-          <a:bodyPr anchorCtr="0" anchor="t" bIns="91425" lIns="91425" spcFirstLastPara="1" rIns="91425" wrap="square" tIns="91425">
+          <a:bodyPr spcFirstLastPara="1" wrap="square" lIns="91425" tIns="91425" rIns="91425" bIns="91425" anchor="t" anchorCtr="0">
             <a:normAutofit/>
           </a:bodyPr>
           <a:lstStyle>
-            <a:lvl1pPr indent="-342900" lvl="0" marL="457200">
+            <a:lvl1pPr marL="457200" lvl="0" indent="-342900">
               <a:spcBef>
                 <a:spcPts val="0"/>
               </a:spcBef>
@@ -5781,7 +6094,7 @@
               <a:buChar char="●"/>
               <a:defRPr/>
             </a:lvl1pPr>
-            <a:lvl2pPr indent="-317500" lvl="1" marL="914400">
+            <a:lvl2pPr marL="914400" lvl="1" indent="-317500">
               <a:spcBef>
                 <a:spcPts val="0"/>
               </a:spcBef>
@@ -5792,7 +6105,7 @@
               <a:buChar char="○"/>
               <a:defRPr/>
             </a:lvl2pPr>
-            <a:lvl3pPr indent="-317500" lvl="2" marL="1371600">
+            <a:lvl3pPr marL="1371600" lvl="2" indent="-317500">
               <a:spcBef>
                 <a:spcPts val="0"/>
               </a:spcBef>
@@ -5803,7 +6116,7 @@
               <a:buChar char="■"/>
               <a:defRPr/>
             </a:lvl3pPr>
-            <a:lvl4pPr indent="-317500" lvl="3" marL="1828800">
+            <a:lvl4pPr marL="1828800" lvl="3" indent="-317500">
               <a:spcBef>
                 <a:spcPts val="0"/>
               </a:spcBef>
@@ -5814,7 +6127,7 @@
               <a:buChar char="●"/>
               <a:defRPr/>
             </a:lvl4pPr>
-            <a:lvl5pPr indent="-317500" lvl="4" marL="2286000">
+            <a:lvl5pPr marL="2286000" lvl="4" indent="-317500">
               <a:spcBef>
                 <a:spcPts val="0"/>
               </a:spcBef>
@@ -5825,7 +6138,7 @@
               <a:buChar char="○"/>
               <a:defRPr/>
             </a:lvl5pPr>
-            <a:lvl6pPr indent="-317500" lvl="5" marL="2743200">
+            <a:lvl6pPr marL="2743200" lvl="5" indent="-317500">
               <a:spcBef>
                 <a:spcPts val="0"/>
               </a:spcBef>
@@ -5836,7 +6149,7 @@
               <a:buChar char="■"/>
               <a:defRPr/>
             </a:lvl6pPr>
-            <a:lvl7pPr indent="-317500" lvl="6" marL="3200400">
+            <a:lvl7pPr marL="3200400" lvl="6" indent="-317500">
               <a:spcBef>
                 <a:spcPts val="0"/>
               </a:spcBef>
@@ -5847,7 +6160,7 @@
               <a:buChar char="●"/>
               <a:defRPr/>
             </a:lvl7pPr>
-            <a:lvl8pPr indent="-317500" lvl="7" marL="3657600">
+            <a:lvl8pPr marL="3657600" lvl="7" indent="-317500">
               <a:spcBef>
                 <a:spcPts val="0"/>
               </a:spcBef>
@@ -5858,7 +6171,7 @@
               <a:buChar char="○"/>
               <a:defRPr/>
             </a:lvl8pPr>
-            <a:lvl9pPr indent="-317500" lvl="8" marL="4114800">
+            <a:lvl9pPr marL="4114800" lvl="8" indent="-317500">
               <a:spcBef>
                 <a:spcPts val="0"/>
               </a:spcBef>
@@ -5870,15 +6183,19 @@
               <a:defRPr/>
             </a:lvl9pPr>
           </a:lstStyle>
-          <a:p/>
+          <a:p>
+            <a:endParaRPr/>
+          </a:p>
         </p:txBody>
       </p:sp>
       <p:sp>
         <p:nvSpPr>
           <p:cNvPr id="37" name="Google Shape;37;p4"/>
-          <p:cNvSpPr txBox="1"/>
+          <p:cNvSpPr txBox="1">
+            <a:spLocks noGrp="1"/>
+          </p:cNvSpPr>
           <p:nvPr>
-            <p:ph idx="12" type="sldNum"/>
+            <p:ph type="sldNum" idx="12"/>
           </p:nvPr>
         </p:nvSpPr>
         <p:spPr>
@@ -5891,7 +6208,7 @@
           </a:prstGeom>
         </p:spPr>
         <p:txBody>
-          <a:bodyPr anchorCtr="0" anchor="ctr" bIns="91425" lIns="91425" spcFirstLastPara="1" rIns="91425" wrap="square" tIns="91425">
+          <a:bodyPr spcFirstLastPara="1" wrap="square" lIns="91425" tIns="91425" rIns="91425" bIns="91425" anchor="ctr" anchorCtr="0">
             <a:normAutofit/>
           </a:bodyPr>
           <a:lstStyle>
@@ -5933,7 +6250,7 @@
             </a:lvl9pPr>
           </a:lstStyle>
           <a:p>
-            <a:pPr indent="0" lvl="0" marL="0" rtl="0" algn="r">
+            <a:pPr marL="0" lvl="0" indent="0" algn="r" rtl="0">
               <a:spcBef>
                 <a:spcPts val="0"/>
               </a:spcBef>
@@ -5959,11 +6276,11 @@
 </file>
 
 <file path=ppt/slideLayouts/slideLayout4.xml><?xml version="1.0" encoding="utf-8"?>
-<p:sldLayout xmlns:a="http://schemas.openxmlformats.org/drawingml/2006/main" xmlns:r="http://schemas.openxmlformats.org/officeDocument/2006/relationships" xmlns:mc="http://schemas.openxmlformats.org/markup-compatibility/2006" xmlns:mv="urn:schemas-microsoft-com:mac:vml" xmlns:p="http://schemas.openxmlformats.org/presentationml/2006/main" xmlns:c="http://schemas.openxmlformats.org/drawingml/2006/chart" xmlns:dgm="http://schemas.openxmlformats.org/drawingml/2006/diagram" xmlns:o="urn:schemas-microsoft-com:office:office" xmlns:v="urn:schemas-microsoft-com:vml" xmlns:pvml="urn:schemas-microsoft-com:office:powerpoint" xmlns:com="http://schemas.openxmlformats.org/drawingml/2006/compatibility" xmlns:p14="http://schemas.microsoft.com/office/powerpoint/2010/main" xmlns:p15="http://schemas.microsoft.com/office/powerpoint/2012/main" xmlns:ahyp="http://schemas.microsoft.com/office/drawing/2018/hyperlinkcolor" matchingName="Title and two columns" type="twoColTx">
+<p:sldLayout xmlns:a="http://schemas.openxmlformats.org/drawingml/2006/main" xmlns:r="http://schemas.openxmlformats.org/officeDocument/2006/relationships" xmlns:p="http://schemas.openxmlformats.org/presentationml/2006/main" matchingName="Title and two columns" type="twoColTx">
   <p:cSld name="TITLE_AND_TWO_COLUMNS">
     <p:spTree>
       <p:nvGrpSpPr>
-        <p:cNvPr id="38" name="Shape 38"/>
+        <p:cNvPr id="1" name="Shape 38"/>
         <p:cNvGrpSpPr/>
         <p:nvPr/>
       </p:nvGrpSpPr>
@@ -5978,7 +6295,9 @@
       <p:sp>
         <p:nvSpPr>
           <p:cNvPr id="39" name="Google Shape;39;p5"/>
-          <p:cNvSpPr txBox="1"/>
+          <p:cNvSpPr txBox="1">
+            <a:spLocks noGrp="1"/>
+          </p:cNvSpPr>
           <p:nvPr>
             <p:ph type="title"/>
           </p:nvPr>
@@ -5993,7 +6312,7 @@
           </a:prstGeom>
         </p:spPr>
         <p:txBody>
-          <a:bodyPr anchorCtr="0" anchor="t" bIns="91425" lIns="91425" spcFirstLastPara="1" rIns="91425" wrap="square" tIns="91425">
+          <a:bodyPr spcFirstLastPara="1" wrap="square" lIns="91425" tIns="91425" rIns="91425" bIns="91425" anchor="t" anchorCtr="0">
             <a:normAutofit/>
           </a:bodyPr>
           <a:lstStyle>
@@ -6097,15 +6416,19 @@
               <a:defRPr/>
             </a:lvl9pPr>
           </a:lstStyle>
-          <a:p/>
+          <a:p>
+            <a:endParaRPr/>
+          </a:p>
         </p:txBody>
       </p:sp>
       <p:sp>
         <p:nvSpPr>
           <p:cNvPr id="40" name="Google Shape;40;p5"/>
-          <p:cNvSpPr txBox="1"/>
+          <p:cNvSpPr txBox="1">
+            <a:spLocks noGrp="1"/>
+          </p:cNvSpPr>
           <p:nvPr>
-            <p:ph idx="1" type="body"/>
+            <p:ph type="body" idx="1"/>
           </p:nvPr>
         </p:nvSpPr>
         <p:spPr>
@@ -6118,11 +6441,11 @@
           </a:prstGeom>
         </p:spPr>
         <p:txBody>
-          <a:bodyPr anchorCtr="0" anchor="t" bIns="91425" lIns="91425" spcFirstLastPara="1" rIns="91425" wrap="square" tIns="91425">
+          <a:bodyPr spcFirstLastPara="1" wrap="square" lIns="91425" tIns="91425" rIns="91425" bIns="91425" anchor="t" anchorCtr="0">
             <a:normAutofit/>
           </a:bodyPr>
           <a:lstStyle>
-            <a:lvl1pPr indent="-317500" lvl="0" marL="457200">
+            <a:lvl1pPr marL="457200" lvl="0" indent="-317500">
               <a:spcBef>
                 <a:spcPts val="0"/>
               </a:spcBef>
@@ -6133,7 +6456,7 @@
               <a:buChar char="●"/>
               <a:defRPr sz="1400"/>
             </a:lvl1pPr>
-            <a:lvl2pPr indent="-304800" lvl="1" marL="914400">
+            <a:lvl2pPr marL="914400" lvl="1" indent="-304800">
               <a:spcBef>
                 <a:spcPts val="0"/>
               </a:spcBef>
@@ -6144,7 +6467,7 @@
               <a:buChar char="○"/>
               <a:defRPr sz="1200"/>
             </a:lvl2pPr>
-            <a:lvl3pPr indent="-304800" lvl="2" marL="1371600">
+            <a:lvl3pPr marL="1371600" lvl="2" indent="-304800">
               <a:spcBef>
                 <a:spcPts val="0"/>
               </a:spcBef>
@@ -6155,7 +6478,7 @@
               <a:buChar char="■"/>
               <a:defRPr sz="1200"/>
             </a:lvl3pPr>
-            <a:lvl4pPr indent="-304800" lvl="3" marL="1828800">
+            <a:lvl4pPr marL="1828800" lvl="3" indent="-304800">
               <a:spcBef>
                 <a:spcPts val="0"/>
               </a:spcBef>
@@ -6166,7 +6489,7 @@
               <a:buChar char="●"/>
               <a:defRPr sz="1200"/>
             </a:lvl4pPr>
-            <a:lvl5pPr indent="-304800" lvl="4" marL="2286000">
+            <a:lvl5pPr marL="2286000" lvl="4" indent="-304800">
               <a:spcBef>
                 <a:spcPts val="0"/>
               </a:spcBef>
@@ -6177,7 +6500,7 @@
               <a:buChar char="○"/>
               <a:defRPr sz="1200"/>
             </a:lvl5pPr>
-            <a:lvl6pPr indent="-304800" lvl="5" marL="2743200">
+            <a:lvl6pPr marL="2743200" lvl="5" indent="-304800">
               <a:spcBef>
                 <a:spcPts val="0"/>
               </a:spcBef>
@@ -6188,7 +6511,7 @@
               <a:buChar char="■"/>
               <a:defRPr sz="1200"/>
             </a:lvl6pPr>
-            <a:lvl7pPr indent="-304800" lvl="6" marL="3200400">
+            <a:lvl7pPr marL="3200400" lvl="6" indent="-304800">
               <a:spcBef>
                 <a:spcPts val="0"/>
               </a:spcBef>
@@ -6199,7 +6522,7 @@
               <a:buChar char="●"/>
               <a:defRPr sz="1200"/>
             </a:lvl7pPr>
-            <a:lvl8pPr indent="-304800" lvl="7" marL="3657600">
+            <a:lvl8pPr marL="3657600" lvl="7" indent="-304800">
               <a:spcBef>
                 <a:spcPts val="0"/>
               </a:spcBef>
@@ -6210,7 +6533,7 @@
               <a:buChar char="○"/>
               <a:defRPr sz="1200"/>
             </a:lvl8pPr>
-            <a:lvl9pPr indent="-304800" lvl="8" marL="4114800">
+            <a:lvl9pPr marL="4114800" lvl="8" indent="-304800">
               <a:spcBef>
                 <a:spcPts val="0"/>
               </a:spcBef>
@@ -6222,15 +6545,19 @@
               <a:defRPr sz="1200"/>
             </a:lvl9pPr>
           </a:lstStyle>
-          <a:p/>
+          <a:p>
+            <a:endParaRPr/>
+          </a:p>
         </p:txBody>
       </p:sp>
       <p:sp>
         <p:nvSpPr>
           <p:cNvPr id="41" name="Google Shape;41;p5"/>
-          <p:cNvSpPr txBox="1"/>
+          <p:cNvSpPr txBox="1">
+            <a:spLocks noGrp="1"/>
+          </p:cNvSpPr>
           <p:nvPr>
-            <p:ph idx="2" type="body"/>
+            <p:ph type="body" idx="2"/>
           </p:nvPr>
         </p:nvSpPr>
         <p:spPr>
@@ -6243,11 +6570,11 @@
           </a:prstGeom>
         </p:spPr>
         <p:txBody>
-          <a:bodyPr anchorCtr="0" anchor="t" bIns="91425" lIns="91425" spcFirstLastPara="1" rIns="91425" wrap="square" tIns="91425">
+          <a:bodyPr spcFirstLastPara="1" wrap="square" lIns="91425" tIns="91425" rIns="91425" bIns="91425" anchor="t" anchorCtr="0">
             <a:normAutofit/>
           </a:bodyPr>
           <a:lstStyle>
-            <a:lvl1pPr indent="-317500" lvl="0" marL="457200">
+            <a:lvl1pPr marL="457200" lvl="0" indent="-317500">
               <a:spcBef>
                 <a:spcPts val="0"/>
               </a:spcBef>
@@ -6258,7 +6585,7 @@
               <a:buChar char="●"/>
               <a:defRPr sz="1400"/>
             </a:lvl1pPr>
-            <a:lvl2pPr indent="-304800" lvl="1" marL="914400">
+            <a:lvl2pPr marL="914400" lvl="1" indent="-304800">
               <a:spcBef>
                 <a:spcPts val="0"/>
               </a:spcBef>
@@ -6269,7 +6596,7 @@
               <a:buChar char="○"/>
               <a:defRPr sz="1200"/>
             </a:lvl2pPr>
-            <a:lvl3pPr indent="-304800" lvl="2" marL="1371600">
+            <a:lvl3pPr marL="1371600" lvl="2" indent="-304800">
               <a:spcBef>
                 <a:spcPts val="0"/>
               </a:spcBef>
@@ -6280,7 +6607,7 @@
               <a:buChar char="■"/>
               <a:defRPr sz="1200"/>
             </a:lvl3pPr>
-            <a:lvl4pPr indent="-304800" lvl="3" marL="1828800">
+            <a:lvl4pPr marL="1828800" lvl="3" indent="-304800">
               <a:spcBef>
                 <a:spcPts val="0"/>
               </a:spcBef>
@@ -6291,7 +6618,7 @@
               <a:buChar char="●"/>
               <a:defRPr sz="1200"/>
             </a:lvl4pPr>
-            <a:lvl5pPr indent="-304800" lvl="4" marL="2286000">
+            <a:lvl5pPr marL="2286000" lvl="4" indent="-304800">
               <a:spcBef>
                 <a:spcPts val="0"/>
               </a:spcBef>
@@ -6302,7 +6629,7 @@
               <a:buChar char="○"/>
               <a:defRPr sz="1200"/>
             </a:lvl5pPr>
-            <a:lvl6pPr indent="-304800" lvl="5" marL="2743200">
+            <a:lvl6pPr marL="2743200" lvl="5" indent="-304800">
               <a:spcBef>
                 <a:spcPts val="0"/>
               </a:spcBef>
@@ -6313,7 +6640,7 @@
               <a:buChar char="■"/>
               <a:defRPr sz="1200"/>
             </a:lvl6pPr>
-            <a:lvl7pPr indent="-304800" lvl="6" marL="3200400">
+            <a:lvl7pPr marL="3200400" lvl="6" indent="-304800">
               <a:spcBef>
                 <a:spcPts val="0"/>
               </a:spcBef>
@@ -6324,7 +6651,7 @@
               <a:buChar char="●"/>
               <a:defRPr sz="1200"/>
             </a:lvl7pPr>
-            <a:lvl8pPr indent="-304800" lvl="7" marL="3657600">
+            <a:lvl8pPr marL="3657600" lvl="7" indent="-304800">
               <a:spcBef>
                 <a:spcPts val="0"/>
               </a:spcBef>
@@ -6335,7 +6662,7 @@
               <a:buChar char="○"/>
               <a:defRPr sz="1200"/>
             </a:lvl8pPr>
-            <a:lvl9pPr indent="-304800" lvl="8" marL="4114800">
+            <a:lvl9pPr marL="4114800" lvl="8" indent="-304800">
               <a:spcBef>
                 <a:spcPts val="0"/>
               </a:spcBef>
@@ -6347,15 +6674,19 @@
               <a:defRPr sz="1200"/>
             </a:lvl9pPr>
           </a:lstStyle>
-          <a:p/>
+          <a:p>
+            <a:endParaRPr/>
+          </a:p>
         </p:txBody>
       </p:sp>
       <p:sp>
         <p:nvSpPr>
           <p:cNvPr id="42" name="Google Shape;42;p5"/>
-          <p:cNvSpPr txBox="1"/>
+          <p:cNvSpPr txBox="1">
+            <a:spLocks noGrp="1"/>
+          </p:cNvSpPr>
           <p:nvPr>
-            <p:ph idx="12" type="sldNum"/>
+            <p:ph type="sldNum" idx="12"/>
           </p:nvPr>
         </p:nvSpPr>
         <p:spPr>
@@ -6368,7 +6699,7 @@
           </a:prstGeom>
         </p:spPr>
         <p:txBody>
-          <a:bodyPr anchorCtr="0" anchor="ctr" bIns="91425" lIns="91425" spcFirstLastPara="1" rIns="91425" wrap="square" tIns="91425">
+          <a:bodyPr spcFirstLastPara="1" wrap="square" lIns="91425" tIns="91425" rIns="91425" bIns="91425" anchor="ctr" anchorCtr="0">
             <a:normAutofit/>
           </a:bodyPr>
           <a:lstStyle>
@@ -6446,7 +6777,7 @@
             </a:lvl9pPr>
           </a:lstStyle>
           <a:p>
-            <a:pPr indent="0" lvl="0" marL="0" rtl="0" algn="r">
+            <a:pPr marL="0" lvl="0" indent="0" algn="r" rtl="0">
               <a:spcBef>
                 <a:spcPts val="0"/>
               </a:spcBef>
@@ -6472,11 +6803,11 @@
 </file>
 
 <file path=ppt/slideLayouts/slideLayout5.xml><?xml version="1.0" encoding="utf-8"?>
-<p:sldLayout xmlns:a="http://schemas.openxmlformats.org/drawingml/2006/main" xmlns:r="http://schemas.openxmlformats.org/officeDocument/2006/relationships" xmlns:mc="http://schemas.openxmlformats.org/markup-compatibility/2006" xmlns:mv="urn:schemas-microsoft-com:mac:vml" xmlns:p="http://schemas.openxmlformats.org/presentationml/2006/main" xmlns:c="http://schemas.openxmlformats.org/drawingml/2006/chart" xmlns:dgm="http://schemas.openxmlformats.org/drawingml/2006/diagram" xmlns:o="urn:schemas-microsoft-com:office:office" xmlns:v="urn:schemas-microsoft-com:vml" xmlns:pvml="urn:schemas-microsoft-com:office:powerpoint" xmlns:com="http://schemas.openxmlformats.org/drawingml/2006/compatibility" xmlns:p14="http://schemas.microsoft.com/office/powerpoint/2010/main" xmlns:p15="http://schemas.microsoft.com/office/powerpoint/2012/main" xmlns:ahyp="http://schemas.microsoft.com/office/drawing/2018/hyperlinkcolor" matchingName="Title only" type="titleOnly">
+<p:sldLayout xmlns:a="http://schemas.openxmlformats.org/drawingml/2006/main" xmlns:r="http://schemas.openxmlformats.org/officeDocument/2006/relationships" xmlns:p="http://schemas.openxmlformats.org/presentationml/2006/main" matchingName="Title only" type="titleOnly">
   <p:cSld name="TITLE_ONLY">
     <p:spTree>
       <p:nvGrpSpPr>
-        <p:cNvPr id="43" name="Shape 43"/>
+        <p:cNvPr id="1" name="Shape 43"/>
         <p:cNvGrpSpPr/>
         <p:nvPr/>
       </p:nvGrpSpPr>
@@ -6491,7 +6822,9 @@
       <p:sp>
         <p:nvSpPr>
           <p:cNvPr id="44" name="Google Shape;44;p6"/>
-          <p:cNvSpPr txBox="1"/>
+          <p:cNvSpPr txBox="1">
+            <a:spLocks noGrp="1"/>
+          </p:cNvSpPr>
           <p:nvPr>
             <p:ph type="title"/>
           </p:nvPr>
@@ -6506,7 +6839,7 @@
           </a:prstGeom>
         </p:spPr>
         <p:txBody>
-          <a:bodyPr anchorCtr="0" anchor="t" bIns="91425" lIns="91425" spcFirstLastPara="1" rIns="91425" wrap="square" tIns="91425">
+          <a:bodyPr spcFirstLastPara="1" wrap="square" lIns="91425" tIns="91425" rIns="91425" bIns="91425" anchor="t" anchorCtr="0">
             <a:normAutofit/>
           </a:bodyPr>
           <a:lstStyle>
@@ -6610,15 +6943,19 @@
               <a:defRPr/>
             </a:lvl9pPr>
           </a:lstStyle>
-          <a:p/>
+          <a:p>
+            <a:endParaRPr/>
+          </a:p>
         </p:txBody>
       </p:sp>
       <p:sp>
         <p:nvSpPr>
           <p:cNvPr id="45" name="Google Shape;45;p6"/>
-          <p:cNvSpPr txBox="1"/>
+          <p:cNvSpPr txBox="1">
+            <a:spLocks noGrp="1"/>
+          </p:cNvSpPr>
           <p:nvPr>
-            <p:ph idx="12" type="sldNum"/>
+            <p:ph type="sldNum" idx="12"/>
           </p:nvPr>
         </p:nvSpPr>
         <p:spPr>
@@ -6631,7 +6968,7 @@
           </a:prstGeom>
         </p:spPr>
         <p:txBody>
-          <a:bodyPr anchorCtr="0" anchor="ctr" bIns="91425" lIns="91425" spcFirstLastPara="1" rIns="91425" wrap="square" tIns="91425">
+          <a:bodyPr spcFirstLastPara="1" wrap="square" lIns="91425" tIns="91425" rIns="91425" bIns="91425" anchor="ctr" anchorCtr="0">
             <a:normAutofit/>
           </a:bodyPr>
           <a:lstStyle>
@@ -6709,7 +7046,7 @@
             </a:lvl9pPr>
           </a:lstStyle>
           <a:p>
-            <a:pPr indent="0" lvl="0" marL="0" rtl="0" algn="r">
+            <a:pPr marL="0" lvl="0" indent="0" algn="r" rtl="0">
               <a:spcBef>
                 <a:spcPts val="0"/>
               </a:spcBef>
@@ -6735,11 +7072,11 @@
 </file>
 
 <file path=ppt/slideLayouts/slideLayout6.xml><?xml version="1.0" encoding="utf-8"?>
-<p:sldLayout xmlns:a="http://schemas.openxmlformats.org/drawingml/2006/main" xmlns:r="http://schemas.openxmlformats.org/officeDocument/2006/relationships" xmlns:mc="http://schemas.openxmlformats.org/markup-compatibility/2006" xmlns:mv="urn:schemas-microsoft-com:mac:vml" xmlns:p="http://schemas.openxmlformats.org/presentationml/2006/main" xmlns:c="http://schemas.openxmlformats.org/drawingml/2006/chart" xmlns:dgm="http://schemas.openxmlformats.org/drawingml/2006/diagram" xmlns:o="urn:schemas-microsoft-com:office:office" xmlns:v="urn:schemas-microsoft-com:vml" xmlns:pvml="urn:schemas-microsoft-com:office:powerpoint" xmlns:com="http://schemas.openxmlformats.org/drawingml/2006/compatibility" xmlns:p14="http://schemas.microsoft.com/office/powerpoint/2010/main" xmlns:p15="http://schemas.microsoft.com/office/powerpoint/2012/main" xmlns:ahyp="http://schemas.microsoft.com/office/drawing/2018/hyperlinkcolor" matchingName="One column text">
+<p:sldLayout xmlns:a="http://schemas.openxmlformats.org/drawingml/2006/main" xmlns:r="http://schemas.openxmlformats.org/officeDocument/2006/relationships" xmlns:p="http://schemas.openxmlformats.org/presentationml/2006/main" matchingName="One column text">
   <p:cSld name="ONE_COLUMN_TEXT">
     <p:spTree>
       <p:nvGrpSpPr>
-        <p:cNvPr id="46" name="Shape 46"/>
+        <p:cNvPr id="1" name="Shape 46"/>
         <p:cNvGrpSpPr/>
         <p:nvPr/>
       </p:nvGrpSpPr>
@@ -6754,7 +7091,9 @@
       <p:sp>
         <p:nvSpPr>
           <p:cNvPr id="47" name="Google Shape;47;p7"/>
-          <p:cNvSpPr txBox="1"/>
+          <p:cNvSpPr txBox="1">
+            <a:spLocks noGrp="1"/>
+          </p:cNvSpPr>
           <p:nvPr>
             <p:ph type="title"/>
           </p:nvPr>
@@ -6769,7 +7108,7 @@
           </a:prstGeom>
         </p:spPr>
         <p:txBody>
-          <a:bodyPr anchorCtr="0" anchor="b" bIns="91425" lIns="91425" spcFirstLastPara="1" rIns="91425" wrap="square" tIns="91425">
+          <a:bodyPr spcFirstLastPara="1" wrap="square" lIns="91425" tIns="91425" rIns="91425" bIns="91425" anchor="b" anchorCtr="0">
             <a:normAutofit/>
           </a:bodyPr>
           <a:lstStyle>
@@ -6873,15 +7212,19 @@
               <a:defRPr sz="2400"/>
             </a:lvl9pPr>
           </a:lstStyle>
-          <a:p/>
+          <a:p>
+            <a:endParaRPr/>
+          </a:p>
         </p:txBody>
       </p:sp>
       <p:sp>
         <p:nvSpPr>
           <p:cNvPr id="48" name="Google Shape;48;p7"/>
-          <p:cNvSpPr txBox="1"/>
+          <p:cNvSpPr txBox="1">
+            <a:spLocks noGrp="1"/>
+          </p:cNvSpPr>
           <p:nvPr>
-            <p:ph idx="1" type="body"/>
+            <p:ph type="body" idx="1"/>
           </p:nvPr>
         </p:nvSpPr>
         <p:spPr>
@@ -6894,11 +7237,11 @@
           </a:prstGeom>
         </p:spPr>
         <p:txBody>
-          <a:bodyPr anchorCtr="0" anchor="t" bIns="91425" lIns="91425" spcFirstLastPara="1" rIns="91425" wrap="square" tIns="91425">
+          <a:bodyPr spcFirstLastPara="1" wrap="square" lIns="91425" tIns="91425" rIns="91425" bIns="91425" anchor="t" anchorCtr="0">
             <a:normAutofit/>
           </a:bodyPr>
           <a:lstStyle>
-            <a:lvl1pPr indent="-304800" lvl="0" marL="457200">
+            <a:lvl1pPr marL="457200" lvl="0" indent="-304800">
               <a:spcBef>
                 <a:spcPts val="0"/>
               </a:spcBef>
@@ -6909,7 +7252,7 @@
               <a:buChar char="●"/>
               <a:defRPr sz="1200"/>
             </a:lvl1pPr>
-            <a:lvl2pPr indent="-304800" lvl="1" marL="914400">
+            <a:lvl2pPr marL="914400" lvl="1" indent="-304800">
               <a:spcBef>
                 <a:spcPts val="0"/>
               </a:spcBef>
@@ -6920,7 +7263,7 @@
               <a:buChar char="○"/>
               <a:defRPr sz="1200"/>
             </a:lvl2pPr>
-            <a:lvl3pPr indent="-304800" lvl="2" marL="1371600">
+            <a:lvl3pPr marL="1371600" lvl="2" indent="-304800">
               <a:spcBef>
                 <a:spcPts val="0"/>
               </a:spcBef>
@@ -6931,7 +7274,7 @@
               <a:buChar char="■"/>
               <a:defRPr sz="1200"/>
             </a:lvl3pPr>
-            <a:lvl4pPr indent="-304800" lvl="3" marL="1828800">
+            <a:lvl4pPr marL="1828800" lvl="3" indent="-304800">
               <a:spcBef>
                 <a:spcPts val="0"/>
               </a:spcBef>
@@ -6942,7 +7285,7 @@
               <a:buChar char="●"/>
               <a:defRPr sz="1200"/>
             </a:lvl4pPr>
-            <a:lvl5pPr indent="-304800" lvl="4" marL="2286000">
+            <a:lvl5pPr marL="2286000" lvl="4" indent="-304800">
               <a:spcBef>
                 <a:spcPts val="0"/>
               </a:spcBef>
@@ -6953,7 +7296,7 @@
               <a:buChar char="○"/>
               <a:defRPr sz="1200"/>
             </a:lvl5pPr>
-            <a:lvl6pPr indent="-304800" lvl="5" marL="2743200">
+            <a:lvl6pPr marL="2743200" lvl="5" indent="-304800">
               <a:spcBef>
                 <a:spcPts val="0"/>
               </a:spcBef>
@@ -6964,7 +7307,7 @@
               <a:buChar char="■"/>
               <a:defRPr sz="1200"/>
             </a:lvl6pPr>
-            <a:lvl7pPr indent="-304800" lvl="6" marL="3200400">
+            <a:lvl7pPr marL="3200400" lvl="6" indent="-304800">
               <a:spcBef>
                 <a:spcPts val="0"/>
               </a:spcBef>
@@ -6975,7 +7318,7 @@
               <a:buChar char="●"/>
               <a:defRPr sz="1200"/>
             </a:lvl7pPr>
-            <a:lvl8pPr indent="-304800" lvl="7" marL="3657600">
+            <a:lvl8pPr marL="3657600" lvl="7" indent="-304800">
               <a:spcBef>
                 <a:spcPts val="0"/>
               </a:spcBef>
@@ -6986,7 +7329,7 @@
               <a:buChar char="○"/>
               <a:defRPr sz="1200"/>
             </a:lvl8pPr>
-            <a:lvl9pPr indent="-304800" lvl="8" marL="4114800">
+            <a:lvl9pPr marL="4114800" lvl="8" indent="-304800">
               <a:spcBef>
                 <a:spcPts val="0"/>
               </a:spcBef>
@@ -6998,15 +7341,19 @@
               <a:defRPr sz="1200"/>
             </a:lvl9pPr>
           </a:lstStyle>
-          <a:p/>
+          <a:p>
+            <a:endParaRPr/>
+          </a:p>
         </p:txBody>
       </p:sp>
       <p:sp>
         <p:nvSpPr>
           <p:cNvPr id="49" name="Google Shape;49;p7"/>
-          <p:cNvSpPr txBox="1"/>
+          <p:cNvSpPr txBox="1">
+            <a:spLocks noGrp="1"/>
+          </p:cNvSpPr>
           <p:nvPr>
-            <p:ph idx="12" type="sldNum"/>
+            <p:ph type="sldNum" idx="12"/>
           </p:nvPr>
         </p:nvSpPr>
         <p:spPr>
@@ -7019,7 +7366,7 @@
           </a:prstGeom>
         </p:spPr>
         <p:txBody>
-          <a:bodyPr anchorCtr="0" anchor="ctr" bIns="91425" lIns="91425" spcFirstLastPara="1" rIns="91425" wrap="square" tIns="91425">
+          <a:bodyPr spcFirstLastPara="1" wrap="square" lIns="91425" tIns="91425" rIns="91425" bIns="91425" anchor="ctr" anchorCtr="0">
             <a:normAutofit/>
           </a:bodyPr>
           <a:lstStyle>
@@ -7097,7 +7444,7 @@
             </a:lvl9pPr>
           </a:lstStyle>
           <a:p>
-            <a:pPr indent="0" lvl="0" marL="0" rtl="0" algn="r">
+            <a:pPr marL="0" lvl="0" indent="0" algn="r" rtl="0">
               <a:spcBef>
                 <a:spcPts val="0"/>
               </a:spcBef>
@@ -7123,18 +7470,19 @@
 </file>
 
 <file path=ppt/slideLayouts/slideLayout7.xml><?xml version="1.0" encoding="utf-8"?>
-<p:sldLayout xmlns:a="http://schemas.openxmlformats.org/drawingml/2006/main" xmlns:r="http://schemas.openxmlformats.org/officeDocument/2006/relationships" xmlns:mc="http://schemas.openxmlformats.org/markup-compatibility/2006" xmlns:mv="urn:schemas-microsoft-com:mac:vml" xmlns:p="http://schemas.openxmlformats.org/presentationml/2006/main" xmlns:c="http://schemas.openxmlformats.org/drawingml/2006/chart" xmlns:dgm="http://schemas.openxmlformats.org/drawingml/2006/diagram" xmlns:o="urn:schemas-microsoft-com:office:office" xmlns:v="urn:schemas-microsoft-com:vml" xmlns:pvml="urn:schemas-microsoft-com:office:powerpoint" xmlns:com="http://schemas.openxmlformats.org/drawingml/2006/compatibility" xmlns:p14="http://schemas.microsoft.com/office/powerpoint/2010/main" xmlns:p15="http://schemas.microsoft.com/office/powerpoint/2012/main" xmlns:ahyp="http://schemas.microsoft.com/office/drawing/2018/hyperlinkcolor" matchingName="Main point">
+<p:sldLayout xmlns:a="http://schemas.openxmlformats.org/drawingml/2006/main" xmlns:r="http://schemas.openxmlformats.org/officeDocument/2006/relationships" xmlns:p="http://schemas.openxmlformats.org/presentationml/2006/main" matchingName="Main point">
   <p:cSld name="MAIN_POINT">
     <p:bg>
       <p:bgPr>
         <a:solidFill>
           <a:schemeClr val="accent4"/>
         </a:solidFill>
+        <a:effectLst/>
       </p:bgPr>
     </p:bg>
     <p:spTree>
       <p:nvGrpSpPr>
-        <p:cNvPr id="50" name="Shape 50"/>
+        <p:cNvPr id="1" name="Shape 50"/>
         <p:cNvGrpSpPr/>
         <p:nvPr/>
       </p:nvGrpSpPr>
@@ -7182,12 +7530,12 @@
             </a:ln>
           </p:spPr>
           <p:txBody>
-            <a:bodyPr anchorCtr="0" anchor="ctr" bIns="91425" lIns="91425" spcFirstLastPara="1" rIns="91425" wrap="square" tIns="91425">
+            <a:bodyPr spcFirstLastPara="1" wrap="square" lIns="91425" tIns="91425" rIns="91425" bIns="91425" anchor="ctr" anchorCtr="0">
               <a:noAutofit/>
             </a:bodyPr>
             <a:lstStyle/>
             <a:p>
-              <a:pPr indent="0" lvl="0" marL="0" rtl="0" algn="l">
+              <a:pPr marL="0" lvl="0" indent="0" algn="l" rtl="0">
                 <a:spcBef>
                   <a:spcPts val="0"/>
                 </a:spcBef>
@@ -7196,9 +7544,6 @@
                 </a:spcAft>
                 <a:buNone/>
               </a:pPr>
-              <a:r>
-                <a:t/>
-              </a:r>
               <a:endParaRPr/>
             </a:p>
           </p:txBody>
@@ -7225,12 +7570,12 @@
             </a:ln>
           </p:spPr>
           <p:txBody>
-            <a:bodyPr anchorCtr="0" anchor="ctr" bIns="91425" lIns="91425" spcFirstLastPara="1" rIns="91425" wrap="square" tIns="91425">
+            <a:bodyPr spcFirstLastPara="1" wrap="square" lIns="91425" tIns="91425" rIns="91425" bIns="91425" anchor="ctr" anchorCtr="0">
               <a:noAutofit/>
             </a:bodyPr>
             <a:lstStyle/>
             <a:p>
-              <a:pPr indent="0" lvl="0" marL="0" rtl="0" algn="l">
+              <a:pPr marL="0" lvl="0" indent="0" algn="l" rtl="0">
                 <a:spcBef>
                   <a:spcPts val="0"/>
                 </a:spcBef>
@@ -7239,9 +7584,6 @@
                 </a:spcAft>
                 <a:buNone/>
               </a:pPr>
-              <a:r>
-                <a:t/>
-              </a:r>
               <a:endParaRPr/>
             </a:p>
           </p:txBody>
@@ -7253,7 +7595,7 @@
             <p:nvPr/>
           </p:nvSpPr>
           <p:spPr>
-            <a:xfrm flipH="1" rot="10800000">
+            <a:xfrm rot="10800000" flipH="1">
               <a:off x="7113588" y="107"/>
               <a:ext cx="1015200" cy="1015200"/>
             </a:xfrm>
@@ -7268,12 +7610,12 @@
             </a:ln>
           </p:spPr>
           <p:txBody>
-            <a:bodyPr anchorCtr="0" anchor="ctr" bIns="91425" lIns="91425" spcFirstLastPara="1" rIns="91425" wrap="square" tIns="91425">
+            <a:bodyPr spcFirstLastPara="1" wrap="square" lIns="91425" tIns="91425" rIns="91425" bIns="91425" anchor="ctr" anchorCtr="0">
               <a:noAutofit/>
             </a:bodyPr>
             <a:lstStyle/>
             <a:p>
-              <a:pPr indent="0" lvl="0" marL="0" rtl="0" algn="l">
+              <a:pPr marL="0" lvl="0" indent="0" algn="l" rtl="0">
                 <a:spcBef>
                   <a:spcPts val="0"/>
                 </a:spcBef>
@@ -7282,9 +7624,6 @@
                 </a:spcAft>
                 <a:buNone/>
               </a:pPr>
-              <a:r>
-                <a:t/>
-              </a:r>
               <a:endParaRPr/>
             </a:p>
           </p:txBody>
@@ -7311,12 +7650,12 @@
             </a:ln>
           </p:spPr>
           <p:txBody>
-            <a:bodyPr anchorCtr="0" anchor="ctr" bIns="91425" lIns="91425" spcFirstLastPara="1" rIns="91425" wrap="square" tIns="91425">
+            <a:bodyPr spcFirstLastPara="1" wrap="square" lIns="91425" tIns="91425" rIns="91425" bIns="91425" anchor="ctr" anchorCtr="0">
               <a:noAutofit/>
             </a:bodyPr>
             <a:lstStyle/>
             <a:p>
-              <a:pPr indent="0" lvl="0" marL="0" rtl="0" algn="l">
+              <a:pPr marL="0" lvl="0" indent="0" algn="l" rtl="0">
                 <a:spcBef>
                   <a:spcPts val="0"/>
                 </a:spcBef>
@@ -7325,9 +7664,6 @@
                 </a:spcAft>
                 <a:buNone/>
               </a:pPr>
-              <a:r>
-                <a:t/>
-              </a:r>
               <a:endParaRPr/>
             </a:p>
           </p:txBody>
@@ -7354,12 +7690,12 @@
             </a:ln>
           </p:spPr>
           <p:txBody>
-            <a:bodyPr anchorCtr="0" anchor="ctr" bIns="91425" lIns="91425" spcFirstLastPara="1" rIns="91425" wrap="square" tIns="91425">
+            <a:bodyPr spcFirstLastPara="1" wrap="square" lIns="91425" tIns="91425" rIns="91425" bIns="91425" anchor="ctr" anchorCtr="0">
               <a:noAutofit/>
             </a:bodyPr>
             <a:lstStyle/>
             <a:p>
-              <a:pPr indent="0" lvl="0" marL="0" rtl="0" algn="l">
+              <a:pPr marL="0" lvl="0" indent="0" algn="l" rtl="0">
                 <a:spcBef>
                   <a:spcPts val="0"/>
                 </a:spcBef>
@@ -7368,9 +7704,6 @@
                 </a:spcAft>
                 <a:buNone/>
               </a:pPr>
-              <a:r>
-                <a:t/>
-              </a:r>
               <a:endParaRPr/>
             </a:p>
           </p:txBody>
@@ -7379,7 +7712,9 @@
       <p:sp>
         <p:nvSpPr>
           <p:cNvPr id="57" name="Google Shape;57;p8"/>
-          <p:cNvSpPr txBox="1"/>
+          <p:cNvSpPr txBox="1">
+            <a:spLocks noGrp="1"/>
+          </p:cNvSpPr>
           <p:nvPr>
             <p:ph type="title"/>
           </p:nvPr>
@@ -7394,7 +7729,7 @@
           </a:prstGeom>
         </p:spPr>
         <p:txBody>
-          <a:bodyPr anchorCtr="0" anchor="ctr" bIns="91425" lIns="91425" spcFirstLastPara="1" rIns="91425" wrap="square" tIns="91425">
+          <a:bodyPr spcFirstLastPara="1" wrap="square" lIns="91425" tIns="91425" rIns="91425" bIns="91425" anchor="ctr" anchorCtr="0">
             <a:normAutofit/>
           </a:bodyPr>
           <a:lstStyle>
@@ -7561,15 +7896,19 @@
               </a:defRPr>
             </a:lvl9pPr>
           </a:lstStyle>
-          <a:p/>
+          <a:p>
+            <a:endParaRPr/>
+          </a:p>
         </p:txBody>
       </p:sp>
       <p:sp>
         <p:nvSpPr>
           <p:cNvPr id="58" name="Google Shape;58;p8"/>
-          <p:cNvSpPr txBox="1"/>
+          <p:cNvSpPr txBox="1">
+            <a:spLocks noGrp="1"/>
+          </p:cNvSpPr>
           <p:nvPr>
-            <p:ph idx="12" type="sldNum"/>
+            <p:ph type="sldNum" idx="12"/>
           </p:nvPr>
         </p:nvSpPr>
         <p:spPr>
@@ -7582,7 +7921,7 @@
           </a:prstGeom>
         </p:spPr>
         <p:txBody>
-          <a:bodyPr anchorCtr="0" anchor="ctr" bIns="91425" lIns="91425" spcFirstLastPara="1" rIns="91425" wrap="square" tIns="91425">
+          <a:bodyPr spcFirstLastPara="1" wrap="square" lIns="91425" tIns="91425" rIns="91425" bIns="91425" anchor="ctr" anchorCtr="0">
             <a:normAutofit/>
           </a:bodyPr>
           <a:lstStyle>
@@ -7624,7 +7963,7 @@
             </a:lvl9pPr>
           </a:lstStyle>
           <a:p>
-            <a:pPr indent="0" lvl="0" marL="0" rtl="0" algn="r">
+            <a:pPr marL="0" lvl="0" indent="0" algn="r" rtl="0">
               <a:spcBef>
                 <a:spcPts val="0"/>
               </a:spcBef>
@@ -7650,11 +7989,11 @@
 </file>
 
 <file path=ppt/slideLayouts/slideLayout8.xml><?xml version="1.0" encoding="utf-8"?>
-<p:sldLayout xmlns:a="http://schemas.openxmlformats.org/drawingml/2006/main" xmlns:r="http://schemas.openxmlformats.org/officeDocument/2006/relationships" xmlns:mc="http://schemas.openxmlformats.org/markup-compatibility/2006" xmlns:mv="urn:schemas-microsoft-com:mac:vml" xmlns:p="http://schemas.openxmlformats.org/presentationml/2006/main" xmlns:c="http://schemas.openxmlformats.org/drawingml/2006/chart" xmlns:dgm="http://schemas.openxmlformats.org/drawingml/2006/diagram" xmlns:o="urn:schemas-microsoft-com:office:office" xmlns:v="urn:schemas-microsoft-com:vml" xmlns:pvml="urn:schemas-microsoft-com:office:powerpoint" xmlns:com="http://schemas.openxmlformats.org/drawingml/2006/compatibility" xmlns:p14="http://schemas.microsoft.com/office/powerpoint/2010/main" xmlns:p15="http://schemas.microsoft.com/office/powerpoint/2012/main" xmlns:ahyp="http://schemas.microsoft.com/office/drawing/2018/hyperlinkcolor" matchingName="Section title and description">
+<p:sldLayout xmlns:a="http://schemas.openxmlformats.org/drawingml/2006/main" xmlns:r="http://schemas.openxmlformats.org/officeDocument/2006/relationships" xmlns:p="http://schemas.openxmlformats.org/presentationml/2006/main" matchingName="Section title and description">
   <p:cSld name="SECTION_TITLE_AND_DESCRIPTION">
     <p:spTree>
       <p:nvGrpSpPr>
-        <p:cNvPr id="59" name="Shape 59"/>
+        <p:cNvPr id="1" name="Shape 59"/>
         <p:cNvGrpSpPr/>
         <p:nvPr/>
       </p:nvGrpSpPr>
@@ -7688,12 +8027,12 @@
           </a:ln>
         </p:spPr>
         <p:txBody>
-          <a:bodyPr anchorCtr="0" anchor="ctr" bIns="91425" lIns="91425" spcFirstLastPara="1" rIns="91425" wrap="square" tIns="91425">
+          <a:bodyPr spcFirstLastPara="1" wrap="square" lIns="91425" tIns="91425" rIns="91425" bIns="91425" anchor="ctr" anchorCtr="0">
             <a:noAutofit/>
           </a:bodyPr>
           <a:lstStyle/>
           <a:p>
-            <a:pPr indent="0" lvl="0" marL="0" rtl="0" algn="l">
+            <a:pPr marL="0" lvl="0" indent="0" algn="l" rtl="0">
               <a:spcBef>
                 <a:spcPts val="0"/>
               </a:spcBef>
@@ -7702,9 +8041,6 @@
               </a:spcAft>
               <a:buNone/>
             </a:pPr>
-            <a:r>
-              <a:t/>
-            </a:r>
             <a:endParaRPr/>
           </a:p>
         </p:txBody>
@@ -7724,21 +8060,23 @@
             <a:avLst/>
           </a:prstGeom>
           <a:noFill/>
-          <a:ln cap="flat" cmpd="sng" w="19050">
+          <a:ln w="19050" cap="flat" cmpd="sng">
             <a:solidFill>
               <a:schemeClr val="lt1"/>
             </a:solidFill>
             <a:prstDash val="solid"/>
             <a:round/>
-            <a:headEnd len="sm" w="sm" type="none"/>
-            <a:tailEnd len="sm" w="sm" type="none"/>
+            <a:headEnd type="none" w="sm" len="sm"/>
+            <a:tailEnd type="none" w="sm" len="sm"/>
           </a:ln>
         </p:spPr>
       </p:cxnSp>
       <p:sp>
         <p:nvSpPr>
           <p:cNvPr id="62" name="Google Shape;62;p9"/>
-          <p:cNvSpPr txBox="1"/>
+          <p:cNvSpPr txBox="1">
+            <a:spLocks noGrp="1"/>
+          </p:cNvSpPr>
           <p:nvPr>
             <p:ph type="title"/>
           </p:nvPr>
@@ -7753,7 +8091,7 @@
           </a:prstGeom>
         </p:spPr>
         <p:txBody>
-          <a:bodyPr anchorCtr="0" anchor="b" bIns="91425" lIns="91425" spcFirstLastPara="1" rIns="91425" wrap="square" tIns="91425">
+          <a:bodyPr spcFirstLastPara="1" wrap="square" lIns="91425" tIns="91425" rIns="91425" bIns="91425" anchor="b" anchorCtr="0">
             <a:normAutofit/>
           </a:bodyPr>
           <a:lstStyle>
@@ -7857,15 +8195,19 @@
               <a:defRPr sz="4200"/>
             </a:lvl9pPr>
           </a:lstStyle>
-          <a:p/>
+          <a:p>
+            <a:endParaRPr/>
+          </a:p>
         </p:txBody>
       </p:sp>
       <p:sp>
         <p:nvSpPr>
           <p:cNvPr id="63" name="Google Shape;63;p9"/>
-          <p:cNvSpPr txBox="1"/>
+          <p:cNvSpPr txBox="1">
+            <a:spLocks noGrp="1"/>
+          </p:cNvSpPr>
           <p:nvPr>
-            <p:ph idx="1" type="subTitle"/>
+            <p:ph type="subTitle" idx="1"/>
           </p:nvPr>
         </p:nvSpPr>
         <p:spPr>
@@ -7878,7 +8220,7 @@
           </a:prstGeom>
         </p:spPr>
         <p:txBody>
-          <a:bodyPr anchorCtr="0" anchor="t" bIns="91425" lIns="91425" spcFirstLastPara="1" rIns="91425" wrap="square" tIns="91425">
+          <a:bodyPr spcFirstLastPara="1" wrap="square" lIns="91425" tIns="91425" rIns="91425" bIns="91425" anchor="t" anchorCtr="0">
             <a:normAutofit/>
           </a:bodyPr>
           <a:lstStyle>
@@ -8009,15 +8351,19 @@
               <a:defRPr sz="2100"/>
             </a:lvl9pPr>
           </a:lstStyle>
-          <a:p/>
+          <a:p>
+            <a:endParaRPr/>
+          </a:p>
         </p:txBody>
       </p:sp>
       <p:sp>
         <p:nvSpPr>
           <p:cNvPr id="64" name="Google Shape;64;p9"/>
-          <p:cNvSpPr txBox="1"/>
+          <p:cNvSpPr txBox="1">
+            <a:spLocks noGrp="1"/>
+          </p:cNvSpPr>
           <p:nvPr>
-            <p:ph idx="2" type="body"/>
+            <p:ph type="body" idx="2"/>
           </p:nvPr>
         </p:nvSpPr>
         <p:spPr>
@@ -8030,11 +8376,11 @@
           </a:prstGeom>
         </p:spPr>
         <p:txBody>
-          <a:bodyPr anchorCtr="0" anchor="ctr" bIns="91425" lIns="91425" spcFirstLastPara="1" rIns="91425" wrap="square" tIns="91425">
+          <a:bodyPr spcFirstLastPara="1" wrap="square" lIns="91425" tIns="91425" rIns="91425" bIns="91425" anchor="ctr" anchorCtr="0">
             <a:normAutofit/>
           </a:bodyPr>
           <a:lstStyle>
-            <a:lvl1pPr indent="-342900" lvl="0" marL="457200">
+            <a:lvl1pPr marL="457200" lvl="0" indent="-342900">
               <a:spcBef>
                 <a:spcPts val="0"/>
               </a:spcBef>
@@ -8052,7 +8398,7 @@
                 </a:solidFill>
               </a:defRPr>
             </a:lvl1pPr>
-            <a:lvl2pPr indent="-317500" lvl="1" marL="914400">
+            <a:lvl2pPr marL="914400" lvl="1" indent="-317500">
               <a:spcBef>
                 <a:spcPts val="0"/>
               </a:spcBef>
@@ -8070,7 +8416,7 @@
                 </a:solidFill>
               </a:defRPr>
             </a:lvl2pPr>
-            <a:lvl3pPr indent="-317500" lvl="2" marL="1371600">
+            <a:lvl3pPr marL="1371600" lvl="2" indent="-317500">
               <a:spcBef>
                 <a:spcPts val="0"/>
               </a:spcBef>
@@ -8088,7 +8434,7 @@
                 </a:solidFill>
               </a:defRPr>
             </a:lvl3pPr>
-            <a:lvl4pPr indent="-317500" lvl="3" marL="1828800">
+            <a:lvl4pPr marL="1828800" lvl="3" indent="-317500">
               <a:spcBef>
                 <a:spcPts val="0"/>
               </a:spcBef>
@@ -8106,7 +8452,7 @@
                 </a:solidFill>
               </a:defRPr>
             </a:lvl4pPr>
-            <a:lvl5pPr indent="-317500" lvl="4" marL="2286000">
+            <a:lvl5pPr marL="2286000" lvl="4" indent="-317500">
               <a:spcBef>
                 <a:spcPts val="0"/>
               </a:spcBef>
@@ -8124,7 +8470,7 @@
                 </a:solidFill>
               </a:defRPr>
             </a:lvl5pPr>
-            <a:lvl6pPr indent="-317500" lvl="5" marL="2743200">
+            <a:lvl6pPr marL="2743200" lvl="5" indent="-317500">
               <a:spcBef>
                 <a:spcPts val="0"/>
               </a:spcBef>
@@ -8142,7 +8488,7 @@
                 </a:solidFill>
               </a:defRPr>
             </a:lvl6pPr>
-            <a:lvl7pPr indent="-317500" lvl="6" marL="3200400">
+            <a:lvl7pPr marL="3200400" lvl="6" indent="-317500">
               <a:spcBef>
                 <a:spcPts val="0"/>
               </a:spcBef>
@@ -8160,7 +8506,7 @@
                 </a:solidFill>
               </a:defRPr>
             </a:lvl7pPr>
-            <a:lvl8pPr indent="-317500" lvl="7" marL="3657600">
+            <a:lvl8pPr marL="3657600" lvl="7" indent="-317500">
               <a:spcBef>
                 <a:spcPts val="0"/>
               </a:spcBef>
@@ -8178,7 +8524,7 @@
                 </a:solidFill>
               </a:defRPr>
             </a:lvl8pPr>
-            <a:lvl9pPr indent="-317500" lvl="8" marL="4114800">
+            <a:lvl9pPr marL="4114800" lvl="8" indent="-317500">
               <a:spcBef>
                 <a:spcPts val="0"/>
               </a:spcBef>
@@ -8197,15 +8543,19 @@
               </a:defRPr>
             </a:lvl9pPr>
           </a:lstStyle>
-          <a:p/>
+          <a:p>
+            <a:endParaRPr/>
+          </a:p>
         </p:txBody>
       </p:sp>
       <p:sp>
         <p:nvSpPr>
           <p:cNvPr id="65" name="Google Shape;65;p9"/>
-          <p:cNvSpPr txBox="1"/>
+          <p:cNvSpPr txBox="1">
+            <a:spLocks noGrp="1"/>
+          </p:cNvSpPr>
           <p:nvPr>
-            <p:ph idx="12" type="sldNum"/>
+            <p:ph type="sldNum" idx="12"/>
           </p:nvPr>
         </p:nvSpPr>
         <p:spPr>
@@ -8218,7 +8568,7 @@
           </a:prstGeom>
         </p:spPr>
         <p:txBody>
-          <a:bodyPr anchorCtr="0" anchor="ctr" bIns="91425" lIns="91425" spcFirstLastPara="1" rIns="91425" wrap="square" tIns="91425">
+          <a:bodyPr spcFirstLastPara="1" wrap="square" lIns="91425" tIns="91425" rIns="91425" bIns="91425" anchor="ctr" anchorCtr="0">
             <a:normAutofit/>
           </a:bodyPr>
           <a:lstStyle>
@@ -8260,7 +8610,7 @@
             </a:lvl9pPr>
           </a:lstStyle>
           <a:p>
-            <a:pPr indent="0" lvl="0" marL="0" rtl="0" algn="r">
+            <a:pPr marL="0" lvl="0" indent="0" algn="r" rtl="0">
               <a:spcBef>
                 <a:spcPts val="0"/>
               </a:spcBef>
@@ -8286,11 +8636,11 @@
 </file>
 
 <file path=ppt/slideLayouts/slideLayout9.xml><?xml version="1.0" encoding="utf-8"?>
-<p:sldLayout xmlns:a="http://schemas.openxmlformats.org/drawingml/2006/main" xmlns:r="http://schemas.openxmlformats.org/officeDocument/2006/relationships" xmlns:mc="http://schemas.openxmlformats.org/markup-compatibility/2006" xmlns:mv="urn:schemas-microsoft-com:mac:vml" xmlns:p="http://schemas.openxmlformats.org/presentationml/2006/main" xmlns:c="http://schemas.openxmlformats.org/drawingml/2006/chart" xmlns:dgm="http://schemas.openxmlformats.org/drawingml/2006/diagram" xmlns:o="urn:schemas-microsoft-com:office:office" xmlns:v="urn:schemas-microsoft-com:vml" xmlns:pvml="urn:schemas-microsoft-com:office:powerpoint" xmlns:com="http://schemas.openxmlformats.org/drawingml/2006/compatibility" xmlns:p14="http://schemas.microsoft.com/office/powerpoint/2010/main" xmlns:p15="http://schemas.microsoft.com/office/powerpoint/2012/main" xmlns:ahyp="http://schemas.microsoft.com/office/drawing/2018/hyperlinkcolor" matchingName="Caption">
+<p:sldLayout xmlns:a="http://schemas.openxmlformats.org/drawingml/2006/main" xmlns:r="http://schemas.openxmlformats.org/officeDocument/2006/relationships" xmlns:p="http://schemas.openxmlformats.org/presentationml/2006/main" matchingName="Caption">
   <p:cSld name="CAPTION_ONLY">
     <p:spTree>
       <p:nvGrpSpPr>
-        <p:cNvPr id="66" name="Shape 66"/>
+        <p:cNvPr id="1" name="Shape 66"/>
         <p:cNvGrpSpPr/>
         <p:nvPr/>
       </p:nvGrpSpPr>
@@ -8305,9 +8655,11 @@
       <p:sp>
         <p:nvSpPr>
           <p:cNvPr id="67" name="Google Shape;67;p10"/>
-          <p:cNvSpPr txBox="1"/>
+          <p:cNvSpPr txBox="1">
+            <a:spLocks noGrp="1"/>
+          </p:cNvSpPr>
           <p:nvPr>
-            <p:ph idx="1" type="body"/>
+            <p:ph type="body" idx="1"/>
           </p:nvPr>
         </p:nvSpPr>
         <p:spPr>
@@ -8320,11 +8672,11 @@
           </a:prstGeom>
         </p:spPr>
         <p:txBody>
-          <a:bodyPr anchorCtr="0" anchor="ctr" bIns="91425" lIns="91425" spcFirstLastPara="1" rIns="91425" wrap="square" tIns="91425">
+          <a:bodyPr spcFirstLastPara="1" wrap="square" lIns="91425" tIns="91425" rIns="91425" bIns="91425" anchor="ctr" anchorCtr="0">
             <a:normAutofit/>
           </a:bodyPr>
           <a:lstStyle>
-            <a:lvl1pPr indent="-228600" lvl="0" marL="457200">
+            <a:lvl1pPr marL="457200" lvl="0" indent="-228600">
               <a:lnSpc>
                 <a:spcPct val="100000"/>
               </a:lnSpc>
@@ -8339,15 +8691,19 @@
               <a:defRPr/>
             </a:lvl1pPr>
           </a:lstStyle>
-          <a:p/>
+          <a:p>
+            <a:endParaRPr/>
+          </a:p>
         </p:txBody>
       </p:sp>
       <p:sp>
         <p:nvSpPr>
           <p:cNvPr id="68" name="Google Shape;68;p10"/>
-          <p:cNvSpPr txBox="1"/>
+          <p:cNvSpPr txBox="1">
+            <a:spLocks noGrp="1"/>
+          </p:cNvSpPr>
           <p:nvPr>
-            <p:ph idx="12" type="sldNum"/>
+            <p:ph type="sldNum" idx="12"/>
           </p:nvPr>
         </p:nvSpPr>
         <p:spPr>
@@ -8360,7 +8716,7 @@
           </a:prstGeom>
         </p:spPr>
         <p:txBody>
-          <a:bodyPr anchorCtr="0" anchor="ctr" bIns="91425" lIns="91425" spcFirstLastPara="1" rIns="91425" wrap="square" tIns="91425">
+          <a:bodyPr spcFirstLastPara="1" wrap="square" lIns="91425" tIns="91425" rIns="91425" bIns="91425" anchor="ctr" anchorCtr="0">
             <a:normAutofit/>
           </a:bodyPr>
           <a:lstStyle>
@@ -8438,7 +8794,7 @@
             </a:lvl9pPr>
           </a:lstStyle>
           <a:p>
-            <a:pPr indent="0" lvl="0" marL="0" rtl="0" algn="r">
+            <a:pPr marL="0" lvl="0" indent="0" algn="r" rtl="0">
               <a:spcBef>
                 <a:spcPts val="0"/>
               </a:spcBef>
@@ -8464,18 +8820,19 @@
 </file>
 
 <file path=ppt/slideMasters/slideMaster1.xml><?xml version="1.0" encoding="utf-8"?>
-<p:sldMaster xmlns:a="http://schemas.openxmlformats.org/drawingml/2006/main" xmlns:r="http://schemas.openxmlformats.org/officeDocument/2006/relationships" xmlns:mc="http://schemas.openxmlformats.org/markup-compatibility/2006" xmlns:mv="urn:schemas-microsoft-com:mac:vml" xmlns:p="http://schemas.openxmlformats.org/presentationml/2006/main" xmlns:c="http://schemas.openxmlformats.org/drawingml/2006/chart" xmlns:dgm="http://schemas.openxmlformats.org/drawingml/2006/diagram" xmlns:o="urn:schemas-microsoft-com:office:office" xmlns:v="urn:schemas-microsoft-com:vml" xmlns:pvml="urn:schemas-microsoft-com:office:powerpoint" xmlns:com="http://schemas.openxmlformats.org/drawingml/2006/compatibility" xmlns:p14="http://schemas.microsoft.com/office/powerpoint/2010/main" xmlns:p15="http://schemas.microsoft.com/office/powerpoint/2012/main" xmlns:ahyp="http://schemas.microsoft.com/office/drawing/2018/hyperlinkcolor">
+<p:sldMaster xmlns:a="http://schemas.openxmlformats.org/drawingml/2006/main" xmlns:r="http://schemas.openxmlformats.org/officeDocument/2006/relationships" xmlns:p="http://schemas.openxmlformats.org/presentationml/2006/main">
   <p:cSld name="geometric">
     <p:bg>
       <p:bgPr>
         <a:solidFill>
           <a:schemeClr val="lt1"/>
         </a:solidFill>
+        <a:effectLst/>
       </p:bgPr>
     </p:bg>
     <p:spTree>
       <p:nvGrpSpPr>
-        <p:cNvPr id="5" name="Shape 5"/>
+        <p:cNvPr id="1" name="Shape 5"/>
         <p:cNvGrpSpPr/>
         <p:nvPr/>
       </p:nvGrpSpPr>
@@ -8490,7 +8847,9 @@
       <p:sp>
         <p:nvSpPr>
           <p:cNvPr id="6" name="Google Shape;6;p1"/>
-          <p:cNvSpPr txBox="1"/>
+          <p:cNvSpPr txBox="1">
+            <a:spLocks noGrp="1"/>
+          </p:cNvSpPr>
           <p:nvPr>
             <p:ph type="title"/>
           </p:nvPr>
@@ -8509,7 +8868,7 @@
           </a:ln>
         </p:spPr>
         <p:txBody>
-          <a:bodyPr anchorCtr="0" anchor="t" bIns="91425" lIns="91425" spcFirstLastPara="1" rIns="91425" wrap="square" tIns="91425">
+          <a:bodyPr spcFirstLastPara="1" wrap="square" lIns="91425" tIns="91425" rIns="91425" bIns="91425" anchor="t" anchorCtr="0">
             <a:normAutofit/>
           </a:bodyPr>
           <a:lstStyle>
@@ -8721,15 +9080,19 @@
               </a:defRPr>
             </a:lvl9pPr>
           </a:lstStyle>
-          <a:p/>
+          <a:p>
+            <a:endParaRPr/>
+          </a:p>
         </p:txBody>
       </p:sp>
       <p:sp>
         <p:nvSpPr>
           <p:cNvPr id="7" name="Google Shape;7;p1"/>
-          <p:cNvSpPr txBox="1"/>
+          <p:cNvSpPr txBox="1">
+            <a:spLocks noGrp="1"/>
+          </p:cNvSpPr>
           <p:nvPr>
-            <p:ph idx="1" type="body"/>
+            <p:ph type="body" idx="1"/>
           </p:nvPr>
         </p:nvSpPr>
         <p:spPr>
@@ -8746,11 +9109,11 @@
           </a:ln>
         </p:spPr>
         <p:txBody>
-          <a:bodyPr anchorCtr="0" anchor="t" bIns="91425" lIns="91425" spcFirstLastPara="1" rIns="91425" wrap="square" tIns="91425">
+          <a:bodyPr spcFirstLastPara="1" wrap="square" lIns="91425" tIns="91425" rIns="91425" bIns="91425" anchor="t" anchorCtr="0">
             <a:normAutofit/>
           </a:bodyPr>
           <a:lstStyle>
-            <a:lvl1pPr indent="-342900" lvl="0" marL="457200">
+            <a:lvl1pPr marL="457200" lvl="0" indent="-342900">
               <a:lnSpc>
                 <a:spcPct val="115000"/>
               </a:lnSpc>
@@ -8776,7 +9139,7 @@
                 <a:sym typeface="Roboto"/>
               </a:defRPr>
             </a:lvl1pPr>
-            <a:lvl2pPr indent="-317500" lvl="1" marL="914400">
+            <a:lvl2pPr marL="914400" lvl="1" indent="-317500">
               <a:lnSpc>
                 <a:spcPct val="115000"/>
               </a:lnSpc>
@@ -8802,7 +9165,7 @@
                 <a:sym typeface="Roboto"/>
               </a:defRPr>
             </a:lvl2pPr>
-            <a:lvl3pPr indent="-317500" lvl="2" marL="1371600">
+            <a:lvl3pPr marL="1371600" lvl="2" indent="-317500">
               <a:lnSpc>
                 <a:spcPct val="115000"/>
               </a:lnSpc>
@@ -8828,7 +9191,7 @@
                 <a:sym typeface="Roboto"/>
               </a:defRPr>
             </a:lvl3pPr>
-            <a:lvl4pPr indent="-317500" lvl="3" marL="1828800">
+            <a:lvl4pPr marL="1828800" lvl="3" indent="-317500">
               <a:lnSpc>
                 <a:spcPct val="115000"/>
               </a:lnSpc>
@@ -8854,7 +9217,7 @@
                 <a:sym typeface="Roboto"/>
               </a:defRPr>
             </a:lvl4pPr>
-            <a:lvl5pPr indent="-317500" lvl="4" marL="2286000">
+            <a:lvl5pPr marL="2286000" lvl="4" indent="-317500">
               <a:lnSpc>
                 <a:spcPct val="115000"/>
               </a:lnSpc>
@@ -8880,7 +9243,7 @@
                 <a:sym typeface="Roboto"/>
               </a:defRPr>
             </a:lvl5pPr>
-            <a:lvl6pPr indent="-317500" lvl="5" marL="2743200">
+            <a:lvl6pPr marL="2743200" lvl="5" indent="-317500">
               <a:lnSpc>
                 <a:spcPct val="115000"/>
               </a:lnSpc>
@@ -8906,7 +9269,7 @@
                 <a:sym typeface="Roboto"/>
               </a:defRPr>
             </a:lvl6pPr>
-            <a:lvl7pPr indent="-317500" lvl="6" marL="3200400">
+            <a:lvl7pPr marL="3200400" lvl="6" indent="-317500">
               <a:lnSpc>
                 <a:spcPct val="115000"/>
               </a:lnSpc>
@@ -8932,7 +9295,7 @@
                 <a:sym typeface="Roboto"/>
               </a:defRPr>
             </a:lvl7pPr>
-            <a:lvl8pPr indent="-317500" lvl="7" marL="3657600">
+            <a:lvl8pPr marL="3657600" lvl="7" indent="-317500">
               <a:lnSpc>
                 <a:spcPct val="115000"/>
               </a:lnSpc>
@@ -8958,7 +9321,7 @@
                 <a:sym typeface="Roboto"/>
               </a:defRPr>
             </a:lvl8pPr>
-            <a:lvl9pPr indent="-317500" lvl="8" marL="4114800">
+            <a:lvl9pPr marL="4114800" lvl="8" indent="-317500">
               <a:lnSpc>
                 <a:spcPct val="115000"/>
               </a:lnSpc>
@@ -8985,15 +9348,19 @@
               </a:defRPr>
             </a:lvl9pPr>
           </a:lstStyle>
-          <a:p/>
+          <a:p>
+            <a:endParaRPr/>
+          </a:p>
         </p:txBody>
       </p:sp>
       <p:sp>
         <p:nvSpPr>
           <p:cNvPr id="8" name="Google Shape;8;p1"/>
-          <p:cNvSpPr txBox="1"/>
+          <p:cNvSpPr txBox="1">
+            <a:spLocks noGrp="1"/>
+          </p:cNvSpPr>
           <p:nvPr>
-            <p:ph idx="12" type="sldNum"/>
+            <p:ph type="sldNum" idx="12"/>
           </p:nvPr>
         </p:nvSpPr>
         <p:spPr>
@@ -9010,7 +9377,7 @@
           </a:ln>
         </p:spPr>
         <p:txBody>
-          <a:bodyPr anchorCtr="0" anchor="ctr" bIns="91425" lIns="91425" spcFirstLastPara="1" rIns="91425" wrap="square" tIns="91425">
+          <a:bodyPr spcFirstLastPara="1" wrap="square" lIns="91425" tIns="91425" rIns="91425" bIns="91425" anchor="ctr" anchorCtr="0">
             <a:normAutofit/>
           </a:bodyPr>
           <a:lstStyle>
@@ -9124,7 +9491,7 @@
             </a:lvl9pPr>
           </a:lstStyle>
           <a:p>
-            <a:pPr indent="0" lvl="0" marL="0" rtl="0" algn="r">
+            <a:pPr marL="0" lvl="0" indent="0" algn="r" rtl="0">
               <a:spcBef>
                 <a:spcPts val="0"/>
               </a:spcBef>
@@ -9143,7 +9510,7 @@
       </p:sp>
     </p:spTree>
   </p:cSld>
-  <p:clrMap accent1="accent1" accent2="accent2" accent3="accent3" accent4="accent4" accent5="accent5" accent6="accent6" bg1="lt1" bg2="dk2" tx1="dk1" tx2="lt2" folHlink="folHlink" hlink="hlink"/>
+  <p:clrMap bg1="lt1" tx1="dk1" bg2="dk2" tx2="lt2" accent1="accent1" accent2="accent2" accent3="accent3" accent4="accent4" accent5="accent5" accent6="accent6" hlink="hlink" folHlink="folHlink"/>
   <p:sldLayoutIdLst>
     <p:sldLayoutId id="2147483648" r:id="rId1"/>
     <p:sldLayoutId id="2147483649" r:id="rId2"/>
@@ -9157,10 +9524,10 @@
     <p:sldLayoutId id="2147483657" r:id="rId10"/>
     <p:sldLayoutId id="2147483658" r:id="rId11"/>
   </p:sldLayoutIdLst>
-  <p:hf dt="0" ftr="0" hdr="0" sldNum="0"/>
+  <p:hf sldNum="0" hdr="0" ftr="0" dt="0"/>
   <p:txStyles>
     <p:titleStyle>
-      <a:defPPr lvl="0" marR="0" rtl="0" algn="l">
+      <a:defPPr marR="0" lvl="0" algn="l" rtl="0">
         <a:lnSpc>
           <a:spcPct val="100000"/>
         </a:lnSpc>
@@ -9171,7 +9538,7 @@
           <a:spcPts val="0"/>
         </a:spcAft>
       </a:defPPr>
-      <a:lvl1pPr lvl="0" marR="0" rtl="0" algn="l">
+      <a:lvl1pPr marR="0" lvl="0" algn="l" rtl="0">
         <a:lnSpc>
           <a:spcPct val="100000"/>
         </a:lnSpc>
@@ -9185,7 +9552,7 @@
           <a:srgbClr val="000000"/>
         </a:buClr>
         <a:buFont typeface="Arial"/>
-        <a:defRPr b="0" i="0" sz="1400" u="none" cap="none" strike="noStrike">
+        <a:defRPr sz="1400" b="0" i="0" u="none" strike="noStrike" cap="none">
           <a:solidFill>
             <a:srgbClr val="000000"/>
           </a:solidFill>
@@ -9195,7 +9562,7 @@
           <a:sym typeface="Arial"/>
         </a:defRPr>
       </a:lvl1pPr>
-      <a:lvl2pPr lvl="1" marR="0" rtl="0" algn="l">
+      <a:lvl2pPr marR="0" lvl="1" algn="l" rtl="0">
         <a:lnSpc>
           <a:spcPct val="100000"/>
         </a:lnSpc>
@@ -9209,7 +9576,7 @@
           <a:srgbClr val="000000"/>
         </a:buClr>
         <a:buFont typeface="Arial"/>
-        <a:defRPr b="0" i="0" sz="1400" u="none" cap="none" strike="noStrike">
+        <a:defRPr sz="1400" b="0" i="0" u="none" strike="noStrike" cap="none">
           <a:solidFill>
             <a:srgbClr val="000000"/>
           </a:solidFill>
@@ -9219,7 +9586,7 @@
           <a:sym typeface="Arial"/>
         </a:defRPr>
       </a:lvl2pPr>
-      <a:lvl3pPr lvl="2" marR="0" rtl="0" algn="l">
+      <a:lvl3pPr marR="0" lvl="2" algn="l" rtl="0">
         <a:lnSpc>
           <a:spcPct val="100000"/>
         </a:lnSpc>
@@ -9233,7 +9600,7 @@
           <a:srgbClr val="000000"/>
         </a:buClr>
         <a:buFont typeface="Arial"/>
-        <a:defRPr b="0" i="0" sz="1400" u="none" cap="none" strike="noStrike">
+        <a:defRPr sz="1400" b="0" i="0" u="none" strike="noStrike" cap="none">
           <a:solidFill>
             <a:srgbClr val="000000"/>
           </a:solidFill>
@@ -9243,7 +9610,7 @@
           <a:sym typeface="Arial"/>
         </a:defRPr>
       </a:lvl3pPr>
-      <a:lvl4pPr lvl="3" marR="0" rtl="0" algn="l">
+      <a:lvl4pPr marR="0" lvl="3" algn="l" rtl="0">
         <a:lnSpc>
           <a:spcPct val="100000"/>
         </a:lnSpc>
@@ -9257,7 +9624,7 @@
           <a:srgbClr val="000000"/>
         </a:buClr>
         <a:buFont typeface="Arial"/>
-        <a:defRPr b="0" i="0" sz="1400" u="none" cap="none" strike="noStrike">
+        <a:defRPr sz="1400" b="0" i="0" u="none" strike="noStrike" cap="none">
           <a:solidFill>
             <a:srgbClr val="000000"/>
           </a:solidFill>
@@ -9267,7 +9634,7 @@
           <a:sym typeface="Arial"/>
         </a:defRPr>
       </a:lvl4pPr>
-      <a:lvl5pPr lvl="4" marR="0" rtl="0" algn="l">
+      <a:lvl5pPr marR="0" lvl="4" algn="l" rtl="0">
         <a:lnSpc>
           <a:spcPct val="100000"/>
         </a:lnSpc>
@@ -9281,7 +9648,7 @@
           <a:srgbClr val="000000"/>
         </a:buClr>
         <a:buFont typeface="Arial"/>
-        <a:defRPr b="0" i="0" sz="1400" u="none" cap="none" strike="noStrike">
+        <a:defRPr sz="1400" b="0" i="0" u="none" strike="noStrike" cap="none">
           <a:solidFill>
             <a:srgbClr val="000000"/>
           </a:solidFill>
@@ -9291,7 +9658,7 @@
           <a:sym typeface="Arial"/>
         </a:defRPr>
       </a:lvl5pPr>
-      <a:lvl6pPr lvl="5" marR="0" rtl="0" algn="l">
+      <a:lvl6pPr marR="0" lvl="5" algn="l" rtl="0">
         <a:lnSpc>
           <a:spcPct val="100000"/>
         </a:lnSpc>
@@ -9305,7 +9672,7 @@
           <a:srgbClr val="000000"/>
         </a:buClr>
         <a:buFont typeface="Arial"/>
-        <a:defRPr b="0" i="0" sz="1400" u="none" cap="none" strike="noStrike">
+        <a:defRPr sz="1400" b="0" i="0" u="none" strike="noStrike" cap="none">
           <a:solidFill>
             <a:srgbClr val="000000"/>
           </a:solidFill>
@@ -9315,7 +9682,7 @@
           <a:sym typeface="Arial"/>
         </a:defRPr>
       </a:lvl6pPr>
-      <a:lvl7pPr lvl="6" marR="0" rtl="0" algn="l">
+      <a:lvl7pPr marR="0" lvl="6" algn="l" rtl="0">
         <a:lnSpc>
           <a:spcPct val="100000"/>
         </a:lnSpc>
@@ -9329,7 +9696,7 @@
           <a:srgbClr val="000000"/>
         </a:buClr>
         <a:buFont typeface="Arial"/>
-        <a:defRPr b="0" i="0" sz="1400" u="none" cap="none" strike="noStrike">
+        <a:defRPr sz="1400" b="0" i="0" u="none" strike="noStrike" cap="none">
           <a:solidFill>
             <a:srgbClr val="000000"/>
           </a:solidFill>
@@ -9339,7 +9706,7 @@
           <a:sym typeface="Arial"/>
         </a:defRPr>
       </a:lvl7pPr>
-      <a:lvl8pPr lvl="7" marR="0" rtl="0" algn="l">
+      <a:lvl8pPr marR="0" lvl="7" algn="l" rtl="0">
         <a:lnSpc>
           <a:spcPct val="100000"/>
         </a:lnSpc>
@@ -9353,7 +9720,7 @@
           <a:srgbClr val="000000"/>
         </a:buClr>
         <a:buFont typeface="Arial"/>
-        <a:defRPr b="0" i="0" sz="1400" u="none" cap="none" strike="noStrike">
+        <a:defRPr sz="1400" b="0" i="0" u="none" strike="noStrike" cap="none">
           <a:solidFill>
             <a:srgbClr val="000000"/>
           </a:solidFill>
@@ -9363,7 +9730,7 @@
           <a:sym typeface="Arial"/>
         </a:defRPr>
       </a:lvl8pPr>
-      <a:lvl9pPr lvl="8" marR="0" rtl="0" algn="l">
+      <a:lvl9pPr marR="0" lvl="8" algn="l" rtl="0">
         <a:lnSpc>
           <a:spcPct val="100000"/>
         </a:lnSpc>
@@ -9377,7 +9744,7 @@
           <a:srgbClr val="000000"/>
         </a:buClr>
         <a:buFont typeface="Arial"/>
-        <a:defRPr b="0" i="0" sz="1400" u="none" cap="none" strike="noStrike">
+        <a:defRPr sz="1400" b="0" i="0" u="none" strike="noStrike" cap="none">
           <a:solidFill>
             <a:srgbClr val="000000"/>
           </a:solidFill>
@@ -9389,7 +9756,7 @@
       </a:lvl9pPr>
     </p:titleStyle>
     <p:bodyStyle>
-      <a:defPPr lvl="0" marR="0" rtl="0" algn="l">
+      <a:defPPr marR="0" lvl="0" algn="l" rtl="0">
         <a:lnSpc>
           <a:spcPct val="100000"/>
         </a:lnSpc>
@@ -9400,7 +9767,7 @@
           <a:spcPts val="0"/>
         </a:spcAft>
       </a:defPPr>
-      <a:lvl1pPr lvl="0" marR="0" rtl="0" algn="l">
+      <a:lvl1pPr marR="0" lvl="0" algn="l" rtl="0">
         <a:lnSpc>
           <a:spcPct val="100000"/>
         </a:lnSpc>
@@ -9414,7 +9781,7 @@
           <a:srgbClr val="000000"/>
         </a:buClr>
         <a:buFont typeface="Arial"/>
-        <a:defRPr b="0" i="0" sz="1400" u="none" cap="none" strike="noStrike">
+        <a:defRPr sz="1400" b="0" i="0" u="none" strike="noStrike" cap="none">
           <a:solidFill>
             <a:srgbClr val="000000"/>
           </a:solidFill>
@@ -9424,7 +9791,7 @@
           <a:sym typeface="Arial"/>
         </a:defRPr>
       </a:lvl1pPr>
-      <a:lvl2pPr lvl="1" marR="0" rtl="0" algn="l">
+      <a:lvl2pPr marR="0" lvl="1" algn="l" rtl="0">
         <a:lnSpc>
           <a:spcPct val="100000"/>
         </a:lnSpc>
@@ -9438,7 +9805,7 @@
           <a:srgbClr val="000000"/>
         </a:buClr>
         <a:buFont typeface="Arial"/>
-        <a:defRPr b="0" i="0" sz="1400" u="none" cap="none" strike="noStrike">
+        <a:defRPr sz="1400" b="0" i="0" u="none" strike="noStrike" cap="none">
           <a:solidFill>
             <a:srgbClr val="000000"/>
           </a:solidFill>
@@ -9448,7 +9815,7 @@
           <a:sym typeface="Arial"/>
         </a:defRPr>
       </a:lvl2pPr>
-      <a:lvl3pPr lvl="2" marR="0" rtl="0" algn="l">
+      <a:lvl3pPr marR="0" lvl="2" algn="l" rtl="0">
         <a:lnSpc>
           <a:spcPct val="100000"/>
         </a:lnSpc>
@@ -9462,7 +9829,7 @@
           <a:srgbClr val="000000"/>
         </a:buClr>
         <a:buFont typeface="Arial"/>
-        <a:defRPr b="0" i="0" sz="1400" u="none" cap="none" strike="noStrike">
+        <a:defRPr sz="1400" b="0" i="0" u="none" strike="noStrike" cap="none">
           <a:solidFill>
             <a:srgbClr val="000000"/>
           </a:solidFill>
@@ -9472,7 +9839,7 @@
           <a:sym typeface="Arial"/>
         </a:defRPr>
       </a:lvl3pPr>
-      <a:lvl4pPr lvl="3" marR="0" rtl="0" algn="l">
+      <a:lvl4pPr marR="0" lvl="3" algn="l" rtl="0">
         <a:lnSpc>
           <a:spcPct val="100000"/>
         </a:lnSpc>
@@ -9486,7 +9853,7 @@
           <a:srgbClr val="000000"/>
         </a:buClr>
         <a:buFont typeface="Arial"/>
-        <a:defRPr b="0" i="0" sz="1400" u="none" cap="none" strike="noStrike">
+        <a:defRPr sz="1400" b="0" i="0" u="none" strike="noStrike" cap="none">
           <a:solidFill>
             <a:srgbClr val="000000"/>
           </a:solidFill>
@@ -9496,7 +9863,7 @@
           <a:sym typeface="Arial"/>
         </a:defRPr>
       </a:lvl4pPr>
-      <a:lvl5pPr lvl="4" marR="0" rtl="0" algn="l">
+      <a:lvl5pPr marR="0" lvl="4" algn="l" rtl="0">
         <a:lnSpc>
           <a:spcPct val="100000"/>
         </a:lnSpc>
@@ -9510,7 +9877,7 @@
           <a:srgbClr val="000000"/>
         </a:buClr>
         <a:buFont typeface="Arial"/>
-        <a:defRPr b="0" i="0" sz="1400" u="none" cap="none" strike="noStrike">
+        <a:defRPr sz="1400" b="0" i="0" u="none" strike="noStrike" cap="none">
           <a:solidFill>
             <a:srgbClr val="000000"/>
           </a:solidFill>
@@ -9520,7 +9887,7 @@
           <a:sym typeface="Arial"/>
         </a:defRPr>
       </a:lvl5pPr>
-      <a:lvl6pPr lvl="5" marR="0" rtl="0" algn="l">
+      <a:lvl6pPr marR="0" lvl="5" algn="l" rtl="0">
         <a:lnSpc>
           <a:spcPct val="100000"/>
         </a:lnSpc>
@@ -9534,7 +9901,7 @@
           <a:srgbClr val="000000"/>
         </a:buClr>
         <a:buFont typeface="Arial"/>
-        <a:defRPr b="0" i="0" sz="1400" u="none" cap="none" strike="noStrike">
+        <a:defRPr sz="1400" b="0" i="0" u="none" strike="noStrike" cap="none">
           <a:solidFill>
             <a:srgbClr val="000000"/>
           </a:solidFill>
@@ -9544,7 +9911,7 @@
           <a:sym typeface="Arial"/>
         </a:defRPr>
       </a:lvl6pPr>
-      <a:lvl7pPr lvl="6" marR="0" rtl="0" algn="l">
+      <a:lvl7pPr marR="0" lvl="6" algn="l" rtl="0">
         <a:lnSpc>
           <a:spcPct val="100000"/>
         </a:lnSpc>
@@ -9558,7 +9925,7 @@
           <a:srgbClr val="000000"/>
         </a:buClr>
         <a:buFont typeface="Arial"/>
-        <a:defRPr b="0" i="0" sz="1400" u="none" cap="none" strike="noStrike">
+        <a:defRPr sz="1400" b="0" i="0" u="none" strike="noStrike" cap="none">
           <a:solidFill>
             <a:srgbClr val="000000"/>
           </a:solidFill>
@@ -9568,7 +9935,7 @@
           <a:sym typeface="Arial"/>
         </a:defRPr>
       </a:lvl7pPr>
-      <a:lvl8pPr lvl="7" marR="0" rtl="0" algn="l">
+      <a:lvl8pPr marR="0" lvl="7" algn="l" rtl="0">
         <a:lnSpc>
           <a:spcPct val="100000"/>
         </a:lnSpc>
@@ -9582,7 +9949,7 @@
           <a:srgbClr val="000000"/>
         </a:buClr>
         <a:buFont typeface="Arial"/>
-        <a:defRPr b="0" i="0" sz="1400" u="none" cap="none" strike="noStrike">
+        <a:defRPr sz="1400" b="0" i="0" u="none" strike="noStrike" cap="none">
           <a:solidFill>
             <a:srgbClr val="000000"/>
           </a:solidFill>
@@ -9592,7 +9959,7 @@
           <a:sym typeface="Arial"/>
         </a:defRPr>
       </a:lvl8pPr>
-      <a:lvl9pPr lvl="8" marR="0" rtl="0" algn="l">
+      <a:lvl9pPr marR="0" lvl="8" algn="l" rtl="0">
         <a:lnSpc>
           <a:spcPct val="100000"/>
         </a:lnSpc>
@@ -9606,7 +9973,7 @@
           <a:srgbClr val="000000"/>
         </a:buClr>
         <a:buFont typeface="Arial"/>
-        <a:defRPr b="0" i="0" sz="1400" u="none" cap="none" strike="noStrike">
+        <a:defRPr sz="1400" b="0" i="0" u="none" strike="noStrike" cap="none">
           <a:solidFill>
             <a:srgbClr val="000000"/>
           </a:solidFill>
@@ -9618,7 +9985,7 @@
       </a:lvl9pPr>
     </p:bodyStyle>
     <p:otherStyle>
-      <a:defPPr lvl="0" marR="0" rtl="0" algn="l">
+      <a:defPPr marR="0" lvl="0" algn="l" rtl="0">
         <a:lnSpc>
           <a:spcPct val="100000"/>
         </a:lnSpc>
@@ -9629,7 +9996,7 @@
           <a:spcPts val="0"/>
         </a:spcAft>
       </a:defPPr>
-      <a:lvl1pPr lvl="0" marR="0" rtl="0" algn="l">
+      <a:lvl1pPr marR="0" lvl="0" algn="l" rtl="0">
         <a:lnSpc>
           <a:spcPct val="100000"/>
         </a:lnSpc>
@@ -9643,7 +10010,7 @@
           <a:srgbClr val="000000"/>
         </a:buClr>
         <a:buFont typeface="Arial"/>
-        <a:defRPr b="0" i="0" sz="1400" u="none" cap="none" strike="noStrike">
+        <a:defRPr sz="1400" b="0" i="0" u="none" strike="noStrike" cap="none">
           <a:solidFill>
             <a:srgbClr val="000000"/>
           </a:solidFill>
@@ -9653,7 +10020,7 @@
           <a:sym typeface="Arial"/>
         </a:defRPr>
       </a:lvl1pPr>
-      <a:lvl2pPr lvl="1" marR="0" rtl="0" algn="l">
+      <a:lvl2pPr marR="0" lvl="1" algn="l" rtl="0">
         <a:lnSpc>
           <a:spcPct val="100000"/>
         </a:lnSpc>
@@ -9667,7 +10034,7 @@
           <a:srgbClr val="000000"/>
         </a:buClr>
         <a:buFont typeface="Arial"/>
-        <a:defRPr b="0" i="0" sz="1400" u="none" cap="none" strike="noStrike">
+        <a:defRPr sz="1400" b="0" i="0" u="none" strike="noStrike" cap="none">
           <a:solidFill>
             <a:srgbClr val="000000"/>
           </a:solidFill>
@@ -9677,7 +10044,7 @@
           <a:sym typeface="Arial"/>
         </a:defRPr>
       </a:lvl2pPr>
-      <a:lvl3pPr lvl="2" marR="0" rtl="0" algn="l">
+      <a:lvl3pPr marR="0" lvl="2" algn="l" rtl="0">
         <a:lnSpc>
           <a:spcPct val="100000"/>
         </a:lnSpc>
@@ -9691,7 +10058,7 @@
           <a:srgbClr val="000000"/>
         </a:buClr>
         <a:buFont typeface="Arial"/>
-        <a:defRPr b="0" i="0" sz="1400" u="none" cap="none" strike="noStrike">
+        <a:defRPr sz="1400" b="0" i="0" u="none" strike="noStrike" cap="none">
           <a:solidFill>
             <a:srgbClr val="000000"/>
           </a:solidFill>
@@ -9701,7 +10068,7 @@
           <a:sym typeface="Arial"/>
         </a:defRPr>
       </a:lvl3pPr>
-      <a:lvl4pPr lvl="3" marR="0" rtl="0" algn="l">
+      <a:lvl4pPr marR="0" lvl="3" algn="l" rtl="0">
         <a:lnSpc>
           <a:spcPct val="100000"/>
         </a:lnSpc>
@@ -9715,7 +10082,7 @@
           <a:srgbClr val="000000"/>
         </a:buClr>
         <a:buFont typeface="Arial"/>
-        <a:defRPr b="0" i="0" sz="1400" u="none" cap="none" strike="noStrike">
+        <a:defRPr sz="1400" b="0" i="0" u="none" strike="noStrike" cap="none">
           <a:solidFill>
             <a:srgbClr val="000000"/>
           </a:solidFill>
@@ -9725,7 +10092,7 @@
           <a:sym typeface="Arial"/>
         </a:defRPr>
       </a:lvl4pPr>
-      <a:lvl5pPr lvl="4" marR="0" rtl="0" algn="l">
+      <a:lvl5pPr marR="0" lvl="4" algn="l" rtl="0">
         <a:lnSpc>
           <a:spcPct val="100000"/>
         </a:lnSpc>
@@ -9739,7 +10106,7 @@
           <a:srgbClr val="000000"/>
         </a:buClr>
         <a:buFont typeface="Arial"/>
-        <a:defRPr b="0" i="0" sz="1400" u="none" cap="none" strike="noStrike">
+        <a:defRPr sz="1400" b="0" i="0" u="none" strike="noStrike" cap="none">
           <a:solidFill>
             <a:srgbClr val="000000"/>
           </a:solidFill>
@@ -9749,7 +10116,7 @@
           <a:sym typeface="Arial"/>
         </a:defRPr>
       </a:lvl5pPr>
-      <a:lvl6pPr lvl="5" marR="0" rtl="0" algn="l">
+      <a:lvl6pPr marR="0" lvl="5" algn="l" rtl="0">
         <a:lnSpc>
           <a:spcPct val="100000"/>
         </a:lnSpc>
@@ -9763,7 +10130,7 @@
           <a:srgbClr val="000000"/>
         </a:buClr>
         <a:buFont typeface="Arial"/>
-        <a:defRPr b="0" i="0" sz="1400" u="none" cap="none" strike="noStrike">
+        <a:defRPr sz="1400" b="0" i="0" u="none" strike="noStrike" cap="none">
           <a:solidFill>
             <a:srgbClr val="000000"/>
           </a:solidFill>
@@ -9773,7 +10140,7 @@
           <a:sym typeface="Arial"/>
         </a:defRPr>
       </a:lvl6pPr>
-      <a:lvl7pPr lvl="6" marR="0" rtl="0" algn="l">
+      <a:lvl7pPr marR="0" lvl="6" algn="l" rtl="0">
         <a:lnSpc>
           <a:spcPct val="100000"/>
         </a:lnSpc>
@@ -9787,7 +10154,7 @@
           <a:srgbClr val="000000"/>
         </a:buClr>
         <a:buFont typeface="Arial"/>
-        <a:defRPr b="0" i="0" sz="1400" u="none" cap="none" strike="noStrike">
+        <a:defRPr sz="1400" b="0" i="0" u="none" strike="noStrike" cap="none">
           <a:solidFill>
             <a:srgbClr val="000000"/>
           </a:solidFill>
@@ -9797,7 +10164,7 @@
           <a:sym typeface="Arial"/>
         </a:defRPr>
       </a:lvl7pPr>
-      <a:lvl8pPr lvl="7" marR="0" rtl="0" algn="l">
+      <a:lvl8pPr marR="0" lvl="7" algn="l" rtl="0">
         <a:lnSpc>
           <a:spcPct val="100000"/>
         </a:lnSpc>
@@ -9811,7 +10178,7 @@
           <a:srgbClr val="000000"/>
         </a:buClr>
         <a:buFont typeface="Arial"/>
-        <a:defRPr b="0" i="0" sz="1400" u="none" cap="none" strike="noStrike">
+        <a:defRPr sz="1400" b="0" i="0" u="none" strike="noStrike" cap="none">
           <a:solidFill>
             <a:srgbClr val="000000"/>
           </a:solidFill>
@@ -9821,7 +10188,7 @@
           <a:sym typeface="Arial"/>
         </a:defRPr>
       </a:lvl8pPr>
-      <a:lvl9pPr lvl="8" marR="0" rtl="0" algn="l">
+      <a:lvl9pPr marR="0" lvl="8" algn="l" rtl="0">
         <a:lnSpc>
           <a:spcPct val="100000"/>
         </a:lnSpc>
@@ -9835,7 +10202,7 @@
           <a:srgbClr val="000000"/>
         </a:buClr>
         <a:buFont typeface="Arial"/>
-        <a:defRPr b="0" i="0" sz="1400" u="none" cap="none" strike="noStrike">
+        <a:defRPr sz="1400" b="0" i="0" u="none" strike="noStrike" cap="none">
           <a:solidFill>
             <a:srgbClr val="000000"/>
           </a:solidFill>
@@ -9851,11 +10218,11 @@
 </file>
 
 <file path=ppt/slides/slide1.xml><?xml version="1.0" encoding="utf-8"?>
-<p:sld xmlns:a="http://schemas.openxmlformats.org/drawingml/2006/main" xmlns:r="http://schemas.openxmlformats.org/officeDocument/2006/relationships" xmlns:mc="http://schemas.openxmlformats.org/markup-compatibility/2006" xmlns:mv="urn:schemas-microsoft-com:mac:vml" xmlns:p="http://schemas.openxmlformats.org/presentationml/2006/main" xmlns:c="http://schemas.openxmlformats.org/drawingml/2006/chart" xmlns:dgm="http://schemas.openxmlformats.org/drawingml/2006/diagram" xmlns:o="urn:schemas-microsoft-com:office:office" xmlns:v="urn:schemas-microsoft-com:vml" xmlns:pvml="urn:schemas-microsoft-com:office:powerpoint" xmlns:com="http://schemas.openxmlformats.org/drawingml/2006/compatibility" xmlns:p14="http://schemas.microsoft.com/office/powerpoint/2010/main" xmlns:p15="http://schemas.microsoft.com/office/powerpoint/2012/main" xmlns:ahyp="http://schemas.microsoft.com/office/drawing/2018/hyperlinkcolor">
+<p:sld xmlns:a="http://schemas.openxmlformats.org/drawingml/2006/main" xmlns:r="http://schemas.openxmlformats.org/officeDocument/2006/relationships" xmlns:p="http://schemas.openxmlformats.org/presentationml/2006/main">
   <p:cSld>
     <p:spTree>
       <p:nvGrpSpPr>
-        <p:cNvPr id="84" name="Shape 84"/>
+        <p:cNvPr id="1" name="Shape 84"/>
         <p:cNvGrpSpPr/>
         <p:nvPr/>
       </p:nvGrpSpPr>
@@ -9870,7 +10237,9 @@
       <p:sp>
         <p:nvSpPr>
           <p:cNvPr id="85" name="Google Shape;85;p13"/>
-          <p:cNvSpPr txBox="1"/>
+          <p:cNvSpPr txBox="1">
+            <a:spLocks noGrp="1"/>
+          </p:cNvSpPr>
           <p:nvPr>
             <p:ph type="ctrTitle"/>
           </p:nvPr>
@@ -9885,12 +10254,12 @@
           </a:prstGeom>
         </p:spPr>
         <p:txBody>
-          <a:bodyPr anchorCtr="0" anchor="b" bIns="91425" lIns="91425" spcFirstLastPara="1" rIns="91425" wrap="square" tIns="91425">
+          <a:bodyPr spcFirstLastPara="1" wrap="square" lIns="91425" tIns="91425" rIns="91425" bIns="91425" anchor="b" anchorCtr="0">
             <a:normAutofit/>
           </a:bodyPr>
           <a:lstStyle/>
           <a:p>
-            <a:pPr indent="0" lvl="0" marL="0" rtl="0" algn="l">
+            <a:pPr marL="0" lvl="0" indent="0" algn="l" rtl="0">
               <a:spcBef>
                 <a:spcPts val="0"/>
               </a:spcBef>
@@ -9910,9 +10279,11 @@
       <p:sp>
         <p:nvSpPr>
           <p:cNvPr id="86" name="Google Shape;86;p13"/>
-          <p:cNvSpPr txBox="1"/>
+          <p:cNvSpPr txBox="1">
+            <a:spLocks noGrp="1"/>
+          </p:cNvSpPr>
           <p:nvPr>
-            <p:ph idx="1" type="subTitle"/>
+            <p:ph type="subTitle" idx="1"/>
           </p:nvPr>
         </p:nvSpPr>
         <p:spPr>
@@ -9925,12 +10296,12 @@
           </a:prstGeom>
         </p:spPr>
         <p:txBody>
-          <a:bodyPr anchorCtr="0" anchor="t" bIns="91425" lIns="91425" spcFirstLastPara="1" rIns="91425" wrap="square" tIns="91425">
+          <a:bodyPr spcFirstLastPara="1" wrap="square" lIns="91425" tIns="91425" rIns="91425" bIns="91425" anchor="t" anchorCtr="0">
             <a:normAutofit fontScale="92500" lnSpcReduction="20000"/>
           </a:bodyPr>
           <a:lstStyle/>
           <a:p>
-            <a:pPr indent="0" lvl="0" marL="0" rtl="0" algn="l">
+            <a:pPr marL="0" lvl="0" indent="0" algn="l" rtl="0">
               <a:spcBef>
                 <a:spcPts val="0"/>
               </a:spcBef>
@@ -9967,12 +10338,12 @@
           </a:ln>
         </p:spPr>
         <p:txBody>
-          <a:bodyPr anchorCtr="0" anchor="t" bIns="91425" lIns="91425" spcFirstLastPara="1" rIns="91425" wrap="square" tIns="91425">
+          <a:bodyPr spcFirstLastPara="1" wrap="square" lIns="91425" tIns="91425" rIns="91425" bIns="91425" anchor="t" anchorCtr="0">
             <a:spAutoFit/>
           </a:bodyPr>
           <a:lstStyle/>
           <a:p>
-            <a:pPr indent="0" lvl="0" marL="0" rtl="0" algn="l">
+            <a:pPr marL="0" lvl="0" indent="0" algn="l" rtl="0">
               <a:spcBef>
                 <a:spcPts val="0"/>
               </a:spcBef>
@@ -10014,11 +10385,11 @@
 </file>
 
 <file path=ppt/slides/slide10.xml><?xml version="1.0" encoding="utf-8"?>
-<p:sld xmlns:a="http://schemas.openxmlformats.org/drawingml/2006/main" xmlns:r="http://schemas.openxmlformats.org/officeDocument/2006/relationships" xmlns:mc="http://schemas.openxmlformats.org/markup-compatibility/2006" xmlns:mv="urn:schemas-microsoft-com:mac:vml" xmlns:p="http://schemas.openxmlformats.org/presentationml/2006/main" xmlns:c="http://schemas.openxmlformats.org/drawingml/2006/chart" xmlns:dgm="http://schemas.openxmlformats.org/drawingml/2006/diagram" xmlns:o="urn:schemas-microsoft-com:office:office" xmlns:v="urn:schemas-microsoft-com:vml" xmlns:pvml="urn:schemas-microsoft-com:office:powerpoint" xmlns:com="http://schemas.openxmlformats.org/drawingml/2006/compatibility" xmlns:p14="http://schemas.microsoft.com/office/powerpoint/2010/main" xmlns:p15="http://schemas.microsoft.com/office/powerpoint/2012/main" xmlns:ahyp="http://schemas.microsoft.com/office/drawing/2018/hyperlinkcolor">
+<p:sld xmlns:a="http://schemas.openxmlformats.org/drawingml/2006/main" xmlns:r="http://schemas.openxmlformats.org/officeDocument/2006/relationships" xmlns:p="http://schemas.openxmlformats.org/presentationml/2006/main">
   <p:cSld>
     <p:spTree>
       <p:nvGrpSpPr>
-        <p:cNvPr id="146" name="Shape 146"/>
+        <p:cNvPr id="1" name="Shape 146"/>
         <p:cNvGrpSpPr/>
         <p:nvPr/>
       </p:nvGrpSpPr>
@@ -10033,7 +10404,9 @@
       <p:sp>
         <p:nvSpPr>
           <p:cNvPr id="147" name="Google Shape;147;p22"/>
-          <p:cNvSpPr txBox="1"/>
+          <p:cNvSpPr txBox="1">
+            <a:spLocks noGrp="1"/>
+          </p:cNvSpPr>
           <p:nvPr>
             <p:ph type="title"/>
           </p:nvPr>
@@ -10048,12 +10421,12 @@
           </a:prstGeom>
         </p:spPr>
         <p:txBody>
-          <a:bodyPr anchorCtr="0" anchor="t" bIns="91425" lIns="91425" spcFirstLastPara="1" rIns="91425" wrap="square" tIns="91425">
+          <a:bodyPr spcFirstLastPara="1" wrap="square" lIns="91425" tIns="91425" rIns="91425" bIns="91425" anchor="t" anchorCtr="0">
             <a:normAutofit fontScale="90000"/>
           </a:bodyPr>
           <a:lstStyle/>
           <a:p>
-            <a:pPr indent="0" lvl="0" marL="0" rtl="0" algn="l">
+            <a:pPr marL="0" lvl="0" indent="0" algn="l" rtl="0">
               <a:spcBef>
                 <a:spcPts val="0"/>
               </a:spcBef>
@@ -10073,9 +10446,11 @@
       <p:sp>
         <p:nvSpPr>
           <p:cNvPr id="148" name="Google Shape;148;p22"/>
-          <p:cNvSpPr txBox="1"/>
+          <p:cNvSpPr txBox="1">
+            <a:spLocks noGrp="1"/>
+          </p:cNvSpPr>
           <p:nvPr>
-            <p:ph idx="1" type="body"/>
+            <p:ph type="body" idx="1"/>
           </p:nvPr>
         </p:nvSpPr>
         <p:spPr>
@@ -10088,12 +10463,12 @@
           </a:prstGeom>
         </p:spPr>
         <p:txBody>
-          <a:bodyPr anchorCtr="0" anchor="t" bIns="91425" lIns="91425" spcFirstLastPara="1" rIns="91425" wrap="square" tIns="91425">
+          <a:bodyPr spcFirstLastPara="1" wrap="square" lIns="91425" tIns="91425" rIns="91425" bIns="91425" anchor="t" anchorCtr="0">
             <a:normAutofit fontScale="25000" lnSpcReduction="20000"/>
           </a:bodyPr>
           <a:lstStyle/>
           <a:p>
-            <a:pPr indent="-317500" lvl="0" marL="457200" rtl="0" algn="just">
+            <a:pPr marL="457200" lvl="0" indent="-317500" algn="just" rtl="0">
               <a:spcBef>
                 <a:spcPts val="0"/>
               </a:spcBef>
@@ -10126,7 +10501,7 @@
             </a:endParaRPr>
           </a:p>
           <a:p>
-            <a:pPr indent="0" lvl="0" marL="0" rtl="0" algn="just">
+            <a:pPr marL="0" lvl="0" indent="0" algn="just" rtl="0">
               <a:spcBef>
                 <a:spcPts val="1200"/>
               </a:spcBef>
@@ -10135,9 +10510,6 @@
               </a:spcAft>
               <a:buNone/>
             </a:pPr>
-            <a:r>
-              <a:t/>
-            </a:r>
             <a:endParaRPr sz="1500">
               <a:solidFill>
                 <a:srgbClr val="000000"/>
@@ -10149,7 +10521,7 @@
             </a:endParaRPr>
           </a:p>
           <a:p>
-            <a:pPr indent="0" lvl="0" marL="457200" rtl="0" algn="l">
+            <a:pPr marL="457200" lvl="0" indent="0" algn="l" rtl="0">
               <a:spcBef>
                 <a:spcPts val="1200"/>
               </a:spcBef>
@@ -10158,9 +10530,6 @@
               </a:spcAft>
               <a:buNone/>
             </a:pPr>
-            <a:r>
-              <a:t/>
-            </a:r>
             <a:endParaRPr/>
           </a:p>
         </p:txBody>
@@ -10213,12 +10582,12 @@
           </a:ln>
         </p:spPr>
         <p:txBody>
-          <a:bodyPr anchorCtr="0" anchor="t" bIns="91425" lIns="91425" spcFirstLastPara="1" rIns="91425" wrap="square" tIns="91425">
+          <a:bodyPr spcFirstLastPara="1" wrap="square" lIns="91425" tIns="91425" rIns="91425" bIns="91425" anchor="t" anchorCtr="0">
             <a:noAutofit/>
           </a:bodyPr>
           <a:lstStyle/>
           <a:p>
-            <a:pPr indent="-342900" lvl="0" marL="457200" rtl="0" algn="l">
+            <a:pPr marL="457200" lvl="0" indent="-342900" algn="l" rtl="0">
               <a:spcBef>
                 <a:spcPts val="0"/>
               </a:spcBef>
@@ -10265,11 +10634,11 @@
 </file>
 
 <file path=ppt/slides/slide11.xml><?xml version="1.0" encoding="utf-8"?>
-<p:sld xmlns:a="http://schemas.openxmlformats.org/drawingml/2006/main" xmlns:r="http://schemas.openxmlformats.org/officeDocument/2006/relationships" xmlns:mc="http://schemas.openxmlformats.org/markup-compatibility/2006" xmlns:mv="urn:schemas-microsoft-com:mac:vml" xmlns:p="http://schemas.openxmlformats.org/presentationml/2006/main" xmlns:c="http://schemas.openxmlformats.org/drawingml/2006/chart" xmlns:dgm="http://schemas.openxmlformats.org/drawingml/2006/diagram" xmlns:o="urn:schemas-microsoft-com:office:office" xmlns:v="urn:schemas-microsoft-com:vml" xmlns:pvml="urn:schemas-microsoft-com:office:powerpoint" xmlns:com="http://schemas.openxmlformats.org/drawingml/2006/compatibility" xmlns:p14="http://schemas.microsoft.com/office/powerpoint/2010/main" xmlns:p15="http://schemas.microsoft.com/office/powerpoint/2012/main" xmlns:ahyp="http://schemas.microsoft.com/office/drawing/2018/hyperlinkcolor">
+<p:sld xmlns:a="http://schemas.openxmlformats.org/drawingml/2006/main" xmlns:r="http://schemas.openxmlformats.org/officeDocument/2006/relationships" xmlns:p="http://schemas.openxmlformats.org/presentationml/2006/main">
   <p:cSld>
     <p:spTree>
       <p:nvGrpSpPr>
-        <p:cNvPr id="154" name="Shape 154"/>
+        <p:cNvPr id="1" name="Shape 154"/>
         <p:cNvGrpSpPr/>
         <p:nvPr/>
       </p:nvGrpSpPr>
@@ -10284,7 +10653,9 @@
       <p:sp>
         <p:nvSpPr>
           <p:cNvPr id="155" name="Google Shape;155;p23"/>
-          <p:cNvSpPr txBox="1"/>
+          <p:cNvSpPr txBox="1">
+            <a:spLocks noGrp="1"/>
+          </p:cNvSpPr>
           <p:nvPr>
             <p:ph type="title"/>
           </p:nvPr>
@@ -10299,12 +10670,12 @@
           </a:prstGeom>
         </p:spPr>
         <p:txBody>
-          <a:bodyPr anchorCtr="0" anchor="t" bIns="91425" lIns="91425" spcFirstLastPara="1" rIns="91425" wrap="square" tIns="91425">
+          <a:bodyPr spcFirstLastPara="1" wrap="square" lIns="91425" tIns="91425" rIns="91425" bIns="91425" anchor="t" anchorCtr="0">
             <a:normAutofit fontScale="90000"/>
           </a:bodyPr>
           <a:lstStyle/>
           <a:p>
-            <a:pPr indent="0" lvl="0" marL="0" rtl="0" algn="l">
+            <a:pPr marL="0" lvl="0" indent="0" algn="l" rtl="0">
               <a:spcBef>
                 <a:spcPts val="0"/>
               </a:spcBef>
@@ -10320,7 +10691,7 @@
             <a:endParaRPr/>
           </a:p>
           <a:p>
-            <a:pPr indent="0" lvl="0" marL="0" rtl="0" algn="l">
+            <a:pPr marL="0" lvl="0" indent="0" algn="l" rtl="0">
               <a:spcBef>
                 <a:spcPts val="0"/>
               </a:spcBef>
@@ -10329,9 +10700,6 @@
               </a:spcAft>
               <a:buNone/>
             </a:pPr>
-            <a:r>
-              <a:t/>
-            </a:r>
             <a:endParaRPr/>
           </a:p>
         </p:txBody>
@@ -10339,9 +10707,11 @@
       <p:sp>
         <p:nvSpPr>
           <p:cNvPr id="156" name="Google Shape;156;p23"/>
-          <p:cNvSpPr txBox="1"/>
+          <p:cNvSpPr txBox="1">
+            <a:spLocks noGrp="1"/>
+          </p:cNvSpPr>
           <p:nvPr>
-            <p:ph idx="1" type="body"/>
+            <p:ph type="body" idx="1"/>
           </p:nvPr>
         </p:nvSpPr>
         <p:spPr>
@@ -10354,12 +10724,12 @@
           </a:prstGeom>
         </p:spPr>
         <p:txBody>
-          <a:bodyPr anchorCtr="0" anchor="t" bIns="91425" lIns="91425" spcFirstLastPara="1" rIns="91425" wrap="square" tIns="91425">
+          <a:bodyPr spcFirstLastPara="1" wrap="square" lIns="91425" tIns="91425" rIns="91425" bIns="91425" anchor="t" anchorCtr="0">
             <a:normAutofit/>
           </a:bodyPr>
           <a:lstStyle/>
           <a:p>
-            <a:pPr indent="-317500" lvl="0" marL="457200" rtl="0" algn="just">
+            <a:pPr marL="457200" lvl="0" indent="-317500" algn="just" rtl="0">
               <a:spcBef>
                 <a:spcPts val="0"/>
               </a:spcBef>
@@ -10396,7 +10766,7 @@
             </a:endParaRPr>
           </a:p>
           <a:p>
-            <a:pPr indent="0" lvl="0" marL="0" rtl="0" algn="l">
+            <a:pPr marL="0" lvl="0" indent="0" algn="l" rtl="0">
               <a:spcBef>
                 <a:spcPts val="1200"/>
               </a:spcBef>
@@ -10405,9 +10775,6 @@
               </a:spcAft>
               <a:buNone/>
             </a:pPr>
-            <a:r>
-              <a:t/>
-            </a:r>
             <a:endParaRPr sz="1400"/>
           </a:p>
         </p:txBody>
@@ -10449,11 +10816,11 @@
 </file>
 
 <file path=ppt/slides/slide12.xml><?xml version="1.0" encoding="utf-8"?>
-<p:sld xmlns:a="http://schemas.openxmlformats.org/drawingml/2006/main" xmlns:r="http://schemas.openxmlformats.org/officeDocument/2006/relationships" xmlns:mc="http://schemas.openxmlformats.org/markup-compatibility/2006" xmlns:mv="urn:schemas-microsoft-com:mac:vml" xmlns:p="http://schemas.openxmlformats.org/presentationml/2006/main" xmlns:c="http://schemas.openxmlformats.org/drawingml/2006/chart" xmlns:dgm="http://schemas.openxmlformats.org/drawingml/2006/diagram" xmlns:o="urn:schemas-microsoft-com:office:office" xmlns:v="urn:schemas-microsoft-com:vml" xmlns:pvml="urn:schemas-microsoft-com:office:powerpoint" xmlns:com="http://schemas.openxmlformats.org/drawingml/2006/compatibility" xmlns:p14="http://schemas.microsoft.com/office/powerpoint/2010/main" xmlns:p15="http://schemas.microsoft.com/office/powerpoint/2012/main" xmlns:ahyp="http://schemas.microsoft.com/office/drawing/2018/hyperlinkcolor">
+<p:sld xmlns:a="http://schemas.openxmlformats.org/drawingml/2006/main" xmlns:r="http://schemas.openxmlformats.org/officeDocument/2006/relationships" xmlns:p="http://schemas.openxmlformats.org/presentationml/2006/main">
   <p:cSld>
     <p:spTree>
       <p:nvGrpSpPr>
-        <p:cNvPr id="161" name="Shape 161"/>
+        <p:cNvPr id="1" name="Shape 161"/>
         <p:cNvGrpSpPr/>
         <p:nvPr/>
       </p:nvGrpSpPr>
@@ -10468,7 +10835,9 @@
       <p:sp>
         <p:nvSpPr>
           <p:cNvPr id="162" name="Google Shape;162;p24"/>
-          <p:cNvSpPr txBox="1"/>
+          <p:cNvSpPr txBox="1">
+            <a:spLocks noGrp="1"/>
+          </p:cNvSpPr>
           <p:nvPr>
             <p:ph type="title"/>
           </p:nvPr>
@@ -10483,12 +10852,12 @@
           </a:prstGeom>
         </p:spPr>
         <p:txBody>
-          <a:bodyPr anchorCtr="0" anchor="t" bIns="91425" lIns="91425" spcFirstLastPara="1" rIns="91425" wrap="square" tIns="91425">
+          <a:bodyPr spcFirstLastPara="1" wrap="square" lIns="91425" tIns="91425" rIns="91425" bIns="91425" anchor="t" anchorCtr="0">
             <a:normAutofit fontScale="90000"/>
           </a:bodyPr>
           <a:lstStyle/>
           <a:p>
-            <a:pPr indent="0" lvl="0" marL="0" rtl="0" algn="l">
+            <a:pPr marL="0" lvl="0" indent="0" algn="l" rtl="0">
               <a:spcBef>
                 <a:spcPts val="0"/>
               </a:spcBef>
@@ -10508,9 +10877,11 @@
       <p:sp>
         <p:nvSpPr>
           <p:cNvPr id="163" name="Google Shape;163;p24"/>
-          <p:cNvSpPr txBox="1"/>
+          <p:cNvSpPr txBox="1">
+            <a:spLocks noGrp="1"/>
+          </p:cNvSpPr>
           <p:nvPr>
-            <p:ph idx="1" type="body"/>
+            <p:ph type="body" idx="1"/>
           </p:nvPr>
         </p:nvSpPr>
         <p:spPr>
@@ -10523,12 +10894,12 @@
           </a:prstGeom>
         </p:spPr>
         <p:txBody>
-          <a:bodyPr anchorCtr="0" anchor="t" bIns="91425" lIns="91425" spcFirstLastPara="1" rIns="91425" wrap="square" tIns="91425">
+          <a:bodyPr spcFirstLastPara="1" wrap="square" lIns="91425" tIns="91425" rIns="91425" bIns="91425" anchor="t" anchorCtr="0">
             <a:normAutofit/>
           </a:bodyPr>
           <a:lstStyle/>
           <a:p>
-            <a:pPr indent="0" lvl="0" marL="0" rtl="0" algn="just">
+            <a:pPr marL="0" lvl="0" indent="0" algn="just" rtl="0">
               <a:spcBef>
                 <a:spcPts val="0"/>
               </a:spcBef>
@@ -10549,7 +10920,7 @@
               </a:rPr>
               <a:t>•Rezultati primene modela čuvaju se na namenode-u</a:t>
             </a:r>
-            <a:endParaRPr i="1" sz="2000">
+            <a:endParaRPr sz="2000" i="1">
               <a:solidFill>
                 <a:srgbClr val="000000"/>
               </a:solidFill>
@@ -10560,7 +10931,7 @@
             </a:endParaRPr>
           </a:p>
           <a:p>
-            <a:pPr indent="0" lvl="0" marL="0" rtl="0" algn="l">
+            <a:pPr marL="0" lvl="0" indent="0" algn="l" rtl="0">
               <a:spcBef>
                 <a:spcPts val="1200"/>
               </a:spcBef>
@@ -10569,9 +10940,6 @@
               </a:spcAft>
               <a:buNone/>
             </a:pPr>
-            <a:r>
-              <a:t/>
-            </a:r>
             <a:endParaRPr/>
           </a:p>
         </p:txBody>
@@ -10613,11 +10981,11 @@
 </file>
 
 <file path=ppt/slides/slide13.xml><?xml version="1.0" encoding="utf-8"?>
-<p:sld xmlns:a="http://schemas.openxmlformats.org/drawingml/2006/main" xmlns:r="http://schemas.openxmlformats.org/officeDocument/2006/relationships" xmlns:mc="http://schemas.openxmlformats.org/markup-compatibility/2006" xmlns:mv="urn:schemas-microsoft-com:mac:vml" xmlns:p="http://schemas.openxmlformats.org/presentationml/2006/main" xmlns:c="http://schemas.openxmlformats.org/drawingml/2006/chart" xmlns:dgm="http://schemas.openxmlformats.org/drawingml/2006/diagram" xmlns:o="urn:schemas-microsoft-com:office:office" xmlns:v="urn:schemas-microsoft-com:vml" xmlns:pvml="urn:schemas-microsoft-com:office:powerpoint" xmlns:com="http://schemas.openxmlformats.org/drawingml/2006/compatibility" xmlns:p14="http://schemas.microsoft.com/office/powerpoint/2010/main" xmlns:p15="http://schemas.microsoft.com/office/powerpoint/2012/main" xmlns:ahyp="http://schemas.microsoft.com/office/drawing/2018/hyperlinkcolor">
+<p:sld xmlns:a="http://schemas.openxmlformats.org/drawingml/2006/main" xmlns:r="http://schemas.openxmlformats.org/officeDocument/2006/relationships" xmlns:p="http://schemas.openxmlformats.org/presentationml/2006/main">
   <p:cSld>
     <p:spTree>
       <p:nvGrpSpPr>
-        <p:cNvPr id="168" name="Shape 168"/>
+        <p:cNvPr id="1" name="Shape 168"/>
         <p:cNvGrpSpPr/>
         <p:nvPr/>
       </p:nvGrpSpPr>
@@ -10632,7 +11000,9 @@
       <p:sp>
         <p:nvSpPr>
           <p:cNvPr id="169" name="Google Shape;169;p25"/>
-          <p:cNvSpPr txBox="1"/>
+          <p:cNvSpPr txBox="1">
+            <a:spLocks noGrp="1"/>
+          </p:cNvSpPr>
           <p:nvPr>
             <p:ph type="title"/>
           </p:nvPr>
@@ -10647,12 +11017,12 @@
           </a:prstGeom>
         </p:spPr>
         <p:txBody>
-          <a:bodyPr anchorCtr="0" anchor="t" bIns="91425" lIns="91425" spcFirstLastPara="1" rIns="91425" wrap="square" tIns="91425">
+          <a:bodyPr spcFirstLastPara="1" wrap="square" lIns="91425" tIns="91425" rIns="91425" bIns="91425" anchor="t" anchorCtr="0">
             <a:normAutofit fontScale="90000"/>
           </a:bodyPr>
           <a:lstStyle/>
           <a:p>
-            <a:pPr indent="0" lvl="0" marL="0" rtl="0" algn="l">
+            <a:pPr marL="0" lvl="0" indent="0" algn="l" rtl="0">
               <a:spcBef>
                 <a:spcPts val="0"/>
               </a:spcBef>
@@ -10672,9 +11042,11 @@
       <p:sp>
         <p:nvSpPr>
           <p:cNvPr id="170" name="Google Shape;170;p25"/>
-          <p:cNvSpPr txBox="1"/>
+          <p:cNvSpPr txBox="1">
+            <a:spLocks noGrp="1"/>
+          </p:cNvSpPr>
           <p:nvPr>
-            <p:ph idx="1" type="body"/>
+            <p:ph type="body" idx="1"/>
           </p:nvPr>
         </p:nvSpPr>
         <p:spPr>
@@ -10687,12 +11059,12 @@
           </a:prstGeom>
         </p:spPr>
         <p:txBody>
-          <a:bodyPr anchorCtr="0" anchor="t" bIns="91425" lIns="91425" spcFirstLastPara="1" rIns="91425" wrap="square" tIns="91425">
+          <a:bodyPr spcFirstLastPara="1" wrap="square" lIns="91425" tIns="91425" rIns="91425" bIns="91425" anchor="t" anchorCtr="0">
             <a:normAutofit/>
           </a:bodyPr>
           <a:lstStyle/>
           <a:p>
-            <a:pPr indent="0" lvl="0" marL="0" rtl="0" algn="l">
+            <a:pPr marL="0" lvl="0" indent="0" algn="l" rtl="0">
               <a:spcBef>
                 <a:spcPts val="0"/>
               </a:spcBef>
@@ -10701,9 +11073,6 @@
               </a:spcAft>
               <a:buNone/>
             </a:pPr>
-            <a:r>
-              <a:t/>
-            </a:r>
             <a:endParaRPr/>
           </a:p>
         </p:txBody>
@@ -10773,11 +11142,11 @@
 </file>
 
 <file path=ppt/slides/slide14.xml><?xml version="1.0" encoding="utf-8"?>
-<p:sld xmlns:a="http://schemas.openxmlformats.org/drawingml/2006/main" xmlns:r="http://schemas.openxmlformats.org/officeDocument/2006/relationships" xmlns:mc="http://schemas.openxmlformats.org/markup-compatibility/2006" xmlns:mv="urn:schemas-microsoft-com:mac:vml" xmlns:p="http://schemas.openxmlformats.org/presentationml/2006/main" xmlns:c="http://schemas.openxmlformats.org/drawingml/2006/chart" xmlns:dgm="http://schemas.openxmlformats.org/drawingml/2006/diagram" xmlns:o="urn:schemas-microsoft-com:office:office" xmlns:v="urn:schemas-microsoft-com:vml" xmlns:pvml="urn:schemas-microsoft-com:office:powerpoint" xmlns:com="http://schemas.openxmlformats.org/drawingml/2006/compatibility" xmlns:p14="http://schemas.microsoft.com/office/powerpoint/2010/main" xmlns:p15="http://schemas.microsoft.com/office/powerpoint/2012/main" xmlns:ahyp="http://schemas.microsoft.com/office/drawing/2018/hyperlinkcolor">
+<p:sld xmlns:a="http://schemas.openxmlformats.org/drawingml/2006/main" xmlns:r="http://schemas.openxmlformats.org/officeDocument/2006/relationships" xmlns:p="http://schemas.openxmlformats.org/presentationml/2006/main">
   <p:cSld>
     <p:spTree>
       <p:nvGrpSpPr>
-        <p:cNvPr id="176" name="Shape 176"/>
+        <p:cNvPr id="1" name="Shape 176"/>
         <p:cNvGrpSpPr/>
         <p:nvPr/>
       </p:nvGrpSpPr>
@@ -10792,7 +11161,9 @@
       <p:sp>
         <p:nvSpPr>
           <p:cNvPr id="177" name="Google Shape;177;p26"/>
-          <p:cNvSpPr txBox="1"/>
+          <p:cNvSpPr txBox="1">
+            <a:spLocks noGrp="1"/>
+          </p:cNvSpPr>
           <p:nvPr>
             <p:ph type="title"/>
           </p:nvPr>
@@ -10807,12 +11178,12 @@
           </a:prstGeom>
         </p:spPr>
         <p:txBody>
-          <a:bodyPr anchorCtr="0" anchor="t" bIns="91425" lIns="91425" spcFirstLastPara="1" rIns="91425" wrap="square" tIns="91425">
+          <a:bodyPr spcFirstLastPara="1" wrap="square" lIns="91425" tIns="91425" rIns="91425" bIns="91425" anchor="t" anchorCtr="0">
             <a:normAutofit fontScale="90000"/>
           </a:bodyPr>
           <a:lstStyle/>
           <a:p>
-            <a:pPr indent="0" lvl="0" marL="0" rtl="0" algn="l">
+            <a:pPr marL="0" lvl="0" indent="0" algn="l" rtl="0">
               <a:spcBef>
                 <a:spcPts val="0"/>
               </a:spcBef>
@@ -10832,9 +11203,11 @@
       <p:sp>
         <p:nvSpPr>
           <p:cNvPr id="178" name="Google Shape;178;p26"/>
-          <p:cNvSpPr txBox="1"/>
+          <p:cNvSpPr txBox="1">
+            <a:spLocks noGrp="1"/>
+          </p:cNvSpPr>
           <p:nvPr>
-            <p:ph idx="1" type="body"/>
+            <p:ph type="body" idx="1"/>
           </p:nvPr>
         </p:nvSpPr>
         <p:spPr>
@@ -10847,12 +11220,12 @@
           </a:prstGeom>
         </p:spPr>
         <p:txBody>
-          <a:bodyPr anchorCtr="0" anchor="t" bIns="91425" lIns="91425" spcFirstLastPara="1" rIns="91425" wrap="square" tIns="91425">
+          <a:bodyPr spcFirstLastPara="1" wrap="square" lIns="91425" tIns="91425" rIns="91425" bIns="91425" anchor="t" anchorCtr="0">
             <a:normAutofit lnSpcReduction="10000"/>
           </a:bodyPr>
           <a:lstStyle/>
           <a:p>
-            <a:pPr indent="-317500" lvl="0" marL="457200" rtl="0" algn="l">
+            <a:pPr marL="457200" lvl="0" indent="-317500" algn="l" rtl="0">
               <a:spcBef>
                 <a:spcPts val="0"/>
               </a:spcBef>
@@ -10869,7 +11242,7 @@
             <a:endParaRPr sz="1400"/>
           </a:p>
           <a:p>
-            <a:pPr indent="-317500" lvl="0" marL="457200" rtl="0" algn="l">
+            <a:pPr marL="457200" lvl="0" indent="-317500" algn="l" rtl="0">
               <a:spcBef>
                 <a:spcPts val="0"/>
               </a:spcBef>
@@ -10892,7 +11265,7 @@
               <a:t>a </a:t>
             </a:r>
             <a:r>
-              <a:rPr i="1" lang="sr" sz="1400">
+              <a:rPr lang="sr" sz="1400" i="1">
                 <a:highlight>
                   <a:schemeClr val="lt1"/>
                 </a:highlight>
@@ -10908,7 +11281,7 @@
               <a:t> i </a:t>
             </a:r>
             <a:r>
-              <a:rPr i="1" lang="sr" sz="1400">
+              <a:rPr lang="sr" sz="1400" i="1">
                 <a:highlight>
                   <a:schemeClr val="lt1"/>
                 </a:highlight>
@@ -10930,7 +11303,7 @@
             </a:endParaRPr>
           </a:p>
           <a:p>
-            <a:pPr indent="-317500" lvl="0" marL="457200" rtl="0" algn="l">
+            <a:pPr marL="457200" lvl="0" indent="-317500" algn="l" rtl="0">
               <a:spcBef>
                 <a:spcPts val="0"/>
               </a:spcBef>
@@ -10955,7 +11328,7 @@
             </a:endParaRPr>
           </a:p>
           <a:p>
-            <a:pPr indent="-317500" lvl="0" marL="457200" rtl="0" algn="l">
+            <a:pPr marL="457200" lvl="0" indent="-317500" algn="l" rtl="0">
               <a:spcBef>
                 <a:spcPts val="0"/>
               </a:spcBef>
@@ -10974,7 +11347,7 @@
               <a:t>nakon cega se koriscenjem </a:t>
             </a:r>
             <a:r>
-              <a:rPr b="1" i="1" lang="sr" sz="1400">
+              <a:rPr lang="sr" sz="1400" b="1" i="1">
                 <a:solidFill>
                   <a:srgbClr val="000000"/>
                 </a:solidFill>
@@ -11037,11 +11410,11 @@
 </file>
 
 <file path=ppt/slides/slide15.xml><?xml version="1.0" encoding="utf-8"?>
-<p:sld xmlns:a="http://schemas.openxmlformats.org/drawingml/2006/main" xmlns:r="http://schemas.openxmlformats.org/officeDocument/2006/relationships" xmlns:mc="http://schemas.openxmlformats.org/markup-compatibility/2006" xmlns:mv="urn:schemas-microsoft-com:mac:vml" xmlns:p="http://schemas.openxmlformats.org/presentationml/2006/main" xmlns:c="http://schemas.openxmlformats.org/drawingml/2006/chart" xmlns:dgm="http://schemas.openxmlformats.org/drawingml/2006/diagram" xmlns:o="urn:schemas-microsoft-com:office:office" xmlns:v="urn:schemas-microsoft-com:vml" xmlns:pvml="urn:schemas-microsoft-com:office:powerpoint" xmlns:com="http://schemas.openxmlformats.org/drawingml/2006/compatibility" xmlns:p14="http://schemas.microsoft.com/office/powerpoint/2010/main" xmlns:p15="http://schemas.microsoft.com/office/powerpoint/2012/main" xmlns:ahyp="http://schemas.microsoft.com/office/drawing/2018/hyperlinkcolor">
+<p:sld xmlns:a="http://schemas.openxmlformats.org/drawingml/2006/main" xmlns:r="http://schemas.openxmlformats.org/officeDocument/2006/relationships" xmlns:p="http://schemas.openxmlformats.org/presentationml/2006/main">
   <p:cSld>
     <p:spTree>
       <p:nvGrpSpPr>
-        <p:cNvPr id="183" name="Shape 183"/>
+        <p:cNvPr id="1" name="Shape 183"/>
         <p:cNvGrpSpPr/>
         <p:nvPr/>
       </p:nvGrpSpPr>
@@ -11056,7 +11429,9 @@
       <p:sp>
         <p:nvSpPr>
           <p:cNvPr id="184" name="Google Shape;184;p27"/>
-          <p:cNvSpPr txBox="1"/>
+          <p:cNvSpPr txBox="1">
+            <a:spLocks noGrp="1"/>
+          </p:cNvSpPr>
           <p:nvPr>
             <p:ph type="title"/>
           </p:nvPr>
@@ -11071,12 +11446,12 @@
           </a:prstGeom>
         </p:spPr>
         <p:txBody>
-          <a:bodyPr anchorCtr="0" anchor="ctr" bIns="91425" lIns="91425" spcFirstLastPara="1" rIns="91425" wrap="square" tIns="91425">
+          <a:bodyPr spcFirstLastPara="1" wrap="square" lIns="91425" tIns="91425" rIns="91425" bIns="91425" anchor="ctr" anchorCtr="0">
             <a:normAutofit/>
           </a:bodyPr>
           <a:lstStyle/>
           <a:p>
-            <a:pPr indent="0" lvl="0" marL="0" rtl="0" algn="l">
+            <a:pPr marL="0" lvl="0" indent="0" algn="l" rtl="0">
               <a:spcBef>
                 <a:spcPts val="0"/>
               </a:spcBef>
@@ -11102,11 +11477,11 @@
 </file>
 
 <file path=ppt/slides/slide16.xml><?xml version="1.0" encoding="utf-8"?>
-<p:sld xmlns:a="http://schemas.openxmlformats.org/drawingml/2006/main" xmlns:r="http://schemas.openxmlformats.org/officeDocument/2006/relationships" xmlns:mc="http://schemas.openxmlformats.org/markup-compatibility/2006" xmlns:mv="urn:schemas-microsoft-com:mac:vml" xmlns:p="http://schemas.openxmlformats.org/presentationml/2006/main" xmlns:c="http://schemas.openxmlformats.org/drawingml/2006/chart" xmlns:dgm="http://schemas.openxmlformats.org/drawingml/2006/diagram" xmlns:o="urn:schemas-microsoft-com:office:office" xmlns:v="urn:schemas-microsoft-com:vml" xmlns:pvml="urn:schemas-microsoft-com:office:powerpoint" xmlns:com="http://schemas.openxmlformats.org/drawingml/2006/compatibility" xmlns:p14="http://schemas.microsoft.com/office/powerpoint/2010/main" xmlns:p15="http://schemas.microsoft.com/office/powerpoint/2012/main" xmlns:ahyp="http://schemas.microsoft.com/office/drawing/2018/hyperlinkcolor">
+<p:sld xmlns:a="http://schemas.openxmlformats.org/drawingml/2006/main" xmlns:r="http://schemas.openxmlformats.org/officeDocument/2006/relationships" xmlns:p="http://schemas.openxmlformats.org/presentationml/2006/main">
   <p:cSld>
     <p:spTree>
       <p:nvGrpSpPr>
-        <p:cNvPr id="188" name="Shape 188"/>
+        <p:cNvPr id="1" name="Shape 188"/>
         <p:cNvGrpSpPr/>
         <p:nvPr/>
       </p:nvGrpSpPr>
@@ -11121,7 +11496,9 @@
       <p:sp>
         <p:nvSpPr>
           <p:cNvPr id="189" name="Google Shape;189;p28"/>
-          <p:cNvSpPr txBox="1"/>
+          <p:cNvSpPr txBox="1">
+            <a:spLocks noGrp="1"/>
+          </p:cNvSpPr>
           <p:nvPr>
             <p:ph type="title"/>
           </p:nvPr>
@@ -11136,12 +11513,12 @@
           </a:prstGeom>
         </p:spPr>
         <p:txBody>
-          <a:bodyPr anchorCtr="0" anchor="t" bIns="91425" lIns="91425" spcFirstLastPara="1" rIns="91425" wrap="square" tIns="91425">
-            <a:normAutofit fontScale="90000"/>
+          <a:bodyPr spcFirstLastPara="1" wrap="square" lIns="91425" tIns="91425" rIns="91425" bIns="91425" anchor="t" anchorCtr="0">
+            <a:normAutofit/>
           </a:bodyPr>
           <a:lstStyle/>
           <a:p>
-            <a:pPr indent="0" lvl="0" marL="0" rtl="0" algn="l">
+            <a:pPr marL="0" lvl="0" indent="0" algn="l" rtl="0">
               <a:spcBef>
                 <a:spcPts val="0"/>
               </a:spcBef>
@@ -11165,9 +11542,11 @@
       <p:sp>
         <p:nvSpPr>
           <p:cNvPr id="190" name="Google Shape;190;p28"/>
-          <p:cNvSpPr txBox="1"/>
+          <p:cNvSpPr txBox="1">
+            <a:spLocks noGrp="1"/>
+          </p:cNvSpPr>
           <p:nvPr>
-            <p:ph idx="1" type="body"/>
+            <p:ph type="body" idx="1"/>
           </p:nvPr>
         </p:nvSpPr>
         <p:spPr>
@@ -11180,12 +11559,12 @@
           </a:prstGeom>
         </p:spPr>
         <p:txBody>
-          <a:bodyPr anchorCtr="0" anchor="t" bIns="91425" lIns="91425" spcFirstLastPara="1" rIns="91425" wrap="square" tIns="91425">
+          <a:bodyPr spcFirstLastPara="1" wrap="square" lIns="91425" tIns="91425" rIns="91425" bIns="91425" anchor="t" anchorCtr="0">
             <a:normAutofit/>
           </a:bodyPr>
           <a:lstStyle/>
           <a:p>
-            <a:pPr indent="-342900" lvl="0" marL="457200" rtl="0" algn="l">
+            <a:pPr marL="457200" lvl="0" indent="-342900" algn="l" rtl="0">
               <a:lnSpc>
                 <a:spcPct val="115000"/>
               </a:lnSpc>
@@ -11205,7 +11584,7 @@
             <a:endParaRPr/>
           </a:p>
           <a:p>
-            <a:pPr indent="-342900" lvl="0" marL="457200" rtl="0" algn="l">
+            <a:pPr marL="457200" lvl="0" indent="-342900" algn="l" rtl="0">
               <a:lnSpc>
                 <a:spcPct val="115000"/>
               </a:lnSpc>
@@ -11225,7 +11604,7 @@
             <a:endParaRPr/>
           </a:p>
           <a:p>
-            <a:pPr indent="-342900" lvl="0" marL="457200" rtl="0" algn="l">
+            <a:pPr marL="457200" lvl="0" indent="-342900" algn="l" rtl="0">
               <a:lnSpc>
                 <a:spcPct val="115000"/>
               </a:lnSpc>
@@ -11245,7 +11624,7 @@
             <a:endParaRPr/>
           </a:p>
           <a:p>
-            <a:pPr indent="-342900" lvl="0" marL="457200" rtl="0" algn="l">
+            <a:pPr marL="457200" lvl="0" indent="-342900" algn="l" rtl="0">
               <a:lnSpc>
                 <a:spcPct val="115000"/>
               </a:lnSpc>
@@ -11265,7 +11644,7 @@
             <a:endParaRPr/>
           </a:p>
           <a:p>
-            <a:pPr indent="-342900" lvl="0" marL="457200" rtl="0" algn="l">
+            <a:pPr marL="457200" lvl="0" indent="-342900" algn="l" rtl="0">
               <a:lnSpc>
                 <a:spcPct val="115000"/>
               </a:lnSpc>
@@ -11285,7 +11664,7 @@
             <a:endParaRPr/>
           </a:p>
           <a:p>
-            <a:pPr indent="-342900" lvl="0" marL="457200" rtl="0" algn="l">
+            <a:pPr marL="457200" lvl="0" indent="-342900" algn="l" rtl="0">
               <a:lnSpc>
                 <a:spcPct val="115000"/>
               </a:lnSpc>
@@ -11305,7 +11684,7 @@
             <a:endParaRPr/>
           </a:p>
           <a:p>
-            <a:pPr indent="0" lvl="0" marL="0" rtl="0" algn="l">
+            <a:pPr marL="0" lvl="0" indent="0" algn="l" rtl="0">
               <a:spcBef>
                 <a:spcPts val="0"/>
               </a:spcBef>
@@ -11314,9 +11693,6 @@
               </a:spcAft>
               <a:buNone/>
             </a:pPr>
-            <a:r>
-              <a:t/>
-            </a:r>
             <a:endParaRPr/>
           </a:p>
         </p:txBody>
@@ -11330,11 +11706,11 @@
 </file>
 
 <file path=ppt/slides/slide17.xml><?xml version="1.0" encoding="utf-8"?>
-<p:sld xmlns:a="http://schemas.openxmlformats.org/drawingml/2006/main" xmlns:r="http://schemas.openxmlformats.org/officeDocument/2006/relationships" xmlns:mc="http://schemas.openxmlformats.org/markup-compatibility/2006" xmlns:mv="urn:schemas-microsoft-com:mac:vml" xmlns:p="http://schemas.openxmlformats.org/presentationml/2006/main" xmlns:c="http://schemas.openxmlformats.org/drawingml/2006/chart" xmlns:dgm="http://schemas.openxmlformats.org/drawingml/2006/diagram" xmlns:o="urn:schemas-microsoft-com:office:office" xmlns:v="urn:schemas-microsoft-com:vml" xmlns:pvml="urn:schemas-microsoft-com:office:powerpoint" xmlns:com="http://schemas.openxmlformats.org/drawingml/2006/compatibility" xmlns:p14="http://schemas.microsoft.com/office/powerpoint/2010/main" xmlns:p15="http://schemas.microsoft.com/office/powerpoint/2012/main" xmlns:ahyp="http://schemas.microsoft.com/office/drawing/2018/hyperlinkcolor">
+<p:sld xmlns:a="http://schemas.openxmlformats.org/drawingml/2006/main" xmlns:r="http://schemas.openxmlformats.org/officeDocument/2006/relationships" xmlns:p="http://schemas.openxmlformats.org/presentationml/2006/main">
   <p:cSld>
     <p:spTree>
       <p:nvGrpSpPr>
-        <p:cNvPr id="194" name="Shape 194"/>
+        <p:cNvPr id="1" name="Shape 194"/>
         <p:cNvGrpSpPr/>
         <p:nvPr/>
       </p:nvGrpSpPr>
@@ -11349,7 +11725,9 @@
       <p:sp>
         <p:nvSpPr>
           <p:cNvPr id="195" name="Google Shape;195;p29"/>
-          <p:cNvSpPr txBox="1"/>
+          <p:cNvSpPr txBox="1">
+            <a:spLocks noGrp="1"/>
+          </p:cNvSpPr>
           <p:nvPr>
             <p:ph type="title"/>
           </p:nvPr>
@@ -11364,12 +11742,12 @@
           </a:prstGeom>
         </p:spPr>
         <p:txBody>
-          <a:bodyPr anchorCtr="0" anchor="t" bIns="91425" lIns="91425" spcFirstLastPara="1" rIns="91425" wrap="square" tIns="91425">
+          <a:bodyPr spcFirstLastPara="1" wrap="square" lIns="91425" tIns="91425" rIns="91425" bIns="91425" anchor="t" anchorCtr="0">
             <a:normAutofit fontScale="90000"/>
           </a:bodyPr>
           <a:lstStyle/>
           <a:p>
-            <a:pPr indent="0" lvl="0" marL="0" rtl="0" algn="l">
+            <a:pPr marL="0" lvl="0" indent="0" algn="l" rtl="0">
               <a:spcBef>
                 <a:spcPts val="0"/>
               </a:spcBef>
@@ -11389,9 +11767,11 @@
       <p:sp>
         <p:nvSpPr>
           <p:cNvPr id="196" name="Google Shape;196;p29"/>
-          <p:cNvSpPr txBox="1"/>
+          <p:cNvSpPr txBox="1">
+            <a:spLocks noGrp="1"/>
+          </p:cNvSpPr>
           <p:nvPr>
-            <p:ph idx="1" type="body"/>
+            <p:ph type="body" idx="1"/>
           </p:nvPr>
         </p:nvSpPr>
         <p:spPr>
@@ -11404,12 +11784,12 @@
           </a:prstGeom>
         </p:spPr>
         <p:txBody>
-          <a:bodyPr anchorCtr="0" anchor="t" bIns="91425" lIns="91425" spcFirstLastPara="1" rIns="91425" wrap="square" tIns="91425">
+          <a:bodyPr spcFirstLastPara="1" wrap="square" lIns="91425" tIns="91425" rIns="91425" bIns="91425" anchor="t" anchorCtr="0">
             <a:normAutofit/>
           </a:bodyPr>
           <a:lstStyle/>
           <a:p>
-            <a:pPr indent="-317500" lvl="0" marL="457200" rtl="0" algn="l">
+            <a:pPr marL="457200" lvl="0" indent="-317500" algn="l" rtl="0">
               <a:lnSpc>
                 <a:spcPct val="115000"/>
               </a:lnSpc>
@@ -11423,13 +11803,13 @@
               <a:buChar char="●"/>
             </a:pPr>
             <a:r>
-              <a:rPr lang="sr" sz="1400"/>
+              <a:rPr lang="sr" sz="1400" dirty="0"/>
               <a:t>Kroz docker se pokreću Kafka, Spark, Hadoop i Producer</a:t>
             </a:r>
-            <a:endParaRPr sz="1400"/>
-          </a:p>
-          <a:p>
-            <a:pPr indent="0" lvl="0" marL="0" rtl="0" algn="l">
+            <a:endParaRPr sz="1400" dirty="0"/>
+          </a:p>
+          <a:p>
+            <a:pPr marL="0" lvl="0" indent="0" algn="l" rtl="0">
               <a:spcBef>
                 <a:spcPts val="0"/>
               </a:spcBef>
@@ -11438,13 +11818,34 @@
               </a:spcAft>
               <a:buNone/>
             </a:pPr>
-            <a:r>
-              <a:t/>
-            </a:r>
-            <a:endParaRPr sz="1400"/>
+            <a:endParaRPr sz="1400" dirty="0"/>
           </a:p>
         </p:txBody>
       </p:sp>
+      <p:pic>
+        <p:nvPicPr>
+          <p:cNvPr id="3" name="Picture 2"/>
+          <p:cNvPicPr>
+            <a:picLocks noChangeAspect="1"/>
+          </p:cNvPicPr>
+          <p:nvPr/>
+        </p:nvPicPr>
+        <p:blipFill>
+          <a:blip r:embed="rId3"/>
+          <a:stretch>
+            <a:fillRect/>
+          </a:stretch>
+        </p:blipFill>
+        <p:spPr>
+          <a:xfrm>
+            <a:off x="430300" y="1562830"/>
+            <a:ext cx="8575499" cy="3348885"/>
+          </a:xfrm>
+          <a:prstGeom prst="rect">
+            <a:avLst/>
+          </a:prstGeom>
+        </p:spPr>
+      </p:pic>
     </p:spTree>
   </p:cSld>
   <p:clrMapOvr>
@@ -11454,11 +11855,11 @@
 </file>
 
 <file path=ppt/slides/slide18.xml><?xml version="1.0" encoding="utf-8"?>
-<p:sld xmlns:a="http://schemas.openxmlformats.org/drawingml/2006/main" xmlns:r="http://schemas.openxmlformats.org/officeDocument/2006/relationships" xmlns:mc="http://schemas.openxmlformats.org/markup-compatibility/2006" xmlns:mv="urn:schemas-microsoft-com:mac:vml" xmlns:p="http://schemas.openxmlformats.org/presentationml/2006/main" xmlns:c="http://schemas.openxmlformats.org/drawingml/2006/chart" xmlns:dgm="http://schemas.openxmlformats.org/drawingml/2006/diagram" xmlns:o="urn:schemas-microsoft-com:office:office" xmlns:v="urn:schemas-microsoft-com:vml" xmlns:pvml="urn:schemas-microsoft-com:office:powerpoint" xmlns:com="http://schemas.openxmlformats.org/drawingml/2006/compatibility" xmlns:p14="http://schemas.microsoft.com/office/powerpoint/2010/main" xmlns:p15="http://schemas.microsoft.com/office/powerpoint/2012/main" xmlns:ahyp="http://schemas.microsoft.com/office/drawing/2018/hyperlinkcolor">
+<p:sld xmlns:a="http://schemas.openxmlformats.org/drawingml/2006/main" xmlns:r="http://schemas.openxmlformats.org/officeDocument/2006/relationships" xmlns:p="http://schemas.openxmlformats.org/presentationml/2006/main">
   <p:cSld>
     <p:spTree>
       <p:nvGrpSpPr>
-        <p:cNvPr id="200" name="Shape 200"/>
+        <p:cNvPr id="1" name="Shape 200"/>
         <p:cNvGrpSpPr/>
         <p:nvPr/>
       </p:nvGrpSpPr>
@@ -11473,7 +11874,9 @@
       <p:sp>
         <p:nvSpPr>
           <p:cNvPr id="201" name="Google Shape;201;p30"/>
-          <p:cNvSpPr txBox="1"/>
+          <p:cNvSpPr txBox="1">
+            <a:spLocks noGrp="1"/>
+          </p:cNvSpPr>
           <p:nvPr>
             <p:ph type="title"/>
           </p:nvPr>
@@ -11488,12 +11891,12 @@
           </a:prstGeom>
         </p:spPr>
         <p:txBody>
-          <a:bodyPr anchorCtr="0" anchor="t" bIns="91425" lIns="91425" spcFirstLastPara="1" rIns="91425" wrap="square" tIns="91425">
+          <a:bodyPr spcFirstLastPara="1" wrap="square" lIns="91425" tIns="91425" rIns="91425" bIns="91425" anchor="t" anchorCtr="0">
             <a:normAutofit fontScale="90000"/>
           </a:bodyPr>
           <a:lstStyle/>
           <a:p>
-            <a:pPr indent="0" lvl="0" marL="0" rtl="0" algn="l">
+            <a:pPr marL="0" lvl="0" indent="0" algn="l" rtl="0">
               <a:spcBef>
                 <a:spcPts val="0"/>
               </a:spcBef>
@@ -11513,9 +11916,11 @@
       <p:sp>
         <p:nvSpPr>
           <p:cNvPr id="202" name="Google Shape;202;p30"/>
-          <p:cNvSpPr txBox="1"/>
+          <p:cNvSpPr txBox="1">
+            <a:spLocks noGrp="1"/>
+          </p:cNvSpPr>
           <p:nvPr>
-            <p:ph idx="1" type="body"/>
+            <p:ph type="body" idx="1"/>
           </p:nvPr>
         </p:nvSpPr>
         <p:spPr>
@@ -11528,12 +11933,12 @@
           </a:prstGeom>
         </p:spPr>
         <p:txBody>
-          <a:bodyPr anchorCtr="0" anchor="t" bIns="91425" lIns="91425" spcFirstLastPara="1" rIns="91425" wrap="square" tIns="91425">
+          <a:bodyPr spcFirstLastPara="1" wrap="square" lIns="91425" tIns="91425" rIns="91425" bIns="91425" anchor="t" anchorCtr="0">
             <a:normAutofit/>
           </a:bodyPr>
           <a:lstStyle/>
           <a:p>
-            <a:pPr indent="0" lvl="0" marL="0" rtl="0" algn="l">
+            <a:pPr marL="0" lvl="0" indent="0" algn="l" rtl="0">
               <a:spcBef>
                 <a:spcPts val="0"/>
               </a:spcBef>
@@ -11542,9 +11947,6 @@
               </a:spcAft>
               <a:buNone/>
             </a:pPr>
-            <a:r>
-              <a:t/>
-            </a:r>
             <a:endParaRPr/>
           </a:p>
         </p:txBody>
@@ -11614,11 +12016,11 @@
 </file>
 
 <file path=ppt/slides/slide19.xml><?xml version="1.0" encoding="utf-8"?>
-<p:sld xmlns:a="http://schemas.openxmlformats.org/drawingml/2006/main" xmlns:r="http://schemas.openxmlformats.org/officeDocument/2006/relationships" xmlns:mc="http://schemas.openxmlformats.org/markup-compatibility/2006" xmlns:mv="urn:schemas-microsoft-com:mac:vml" xmlns:p="http://schemas.openxmlformats.org/presentationml/2006/main" xmlns:c="http://schemas.openxmlformats.org/drawingml/2006/chart" xmlns:dgm="http://schemas.openxmlformats.org/drawingml/2006/diagram" xmlns:o="urn:schemas-microsoft-com:office:office" xmlns:v="urn:schemas-microsoft-com:vml" xmlns:pvml="urn:schemas-microsoft-com:office:powerpoint" xmlns:com="http://schemas.openxmlformats.org/drawingml/2006/compatibility" xmlns:p14="http://schemas.microsoft.com/office/powerpoint/2010/main" xmlns:p15="http://schemas.microsoft.com/office/powerpoint/2012/main" xmlns:ahyp="http://schemas.microsoft.com/office/drawing/2018/hyperlinkcolor">
+<p:sld xmlns:a="http://schemas.openxmlformats.org/drawingml/2006/main" xmlns:r="http://schemas.openxmlformats.org/officeDocument/2006/relationships" xmlns:p="http://schemas.openxmlformats.org/presentationml/2006/main">
   <p:cSld>
     <p:spTree>
       <p:nvGrpSpPr>
-        <p:cNvPr id="208" name="Shape 208"/>
+        <p:cNvPr id="1" name="Shape 208"/>
         <p:cNvGrpSpPr/>
         <p:nvPr/>
       </p:nvGrpSpPr>
@@ -11633,7 +12035,9 @@
       <p:sp>
         <p:nvSpPr>
           <p:cNvPr id="209" name="Google Shape;209;p31"/>
-          <p:cNvSpPr txBox="1"/>
+          <p:cNvSpPr txBox="1">
+            <a:spLocks noGrp="1"/>
+          </p:cNvSpPr>
           <p:nvPr>
             <p:ph type="title"/>
           </p:nvPr>
@@ -11648,12 +12052,12 @@
           </a:prstGeom>
         </p:spPr>
         <p:txBody>
-          <a:bodyPr anchorCtr="0" anchor="t" bIns="91425" lIns="91425" spcFirstLastPara="1" rIns="91425" wrap="square" tIns="91425">
+          <a:bodyPr spcFirstLastPara="1" wrap="square" lIns="91425" tIns="91425" rIns="91425" bIns="91425" anchor="t" anchorCtr="0">
             <a:normAutofit fontScale="90000"/>
           </a:bodyPr>
           <a:lstStyle/>
           <a:p>
-            <a:pPr indent="0" lvl="0" marL="0" rtl="0" algn="l">
+            <a:pPr marL="0" lvl="0" indent="0" algn="l" rtl="0">
               <a:spcBef>
                 <a:spcPts val="0"/>
               </a:spcBef>
@@ -11673,9 +12077,11 @@
       <p:sp>
         <p:nvSpPr>
           <p:cNvPr id="210" name="Google Shape;210;p31"/>
-          <p:cNvSpPr txBox="1"/>
+          <p:cNvSpPr txBox="1">
+            <a:spLocks noGrp="1"/>
+          </p:cNvSpPr>
           <p:nvPr>
-            <p:ph idx="1" type="body"/>
+            <p:ph type="body" idx="1"/>
           </p:nvPr>
         </p:nvSpPr>
         <p:spPr>
@@ -11688,12 +12094,12 @@
           </a:prstGeom>
         </p:spPr>
         <p:txBody>
-          <a:bodyPr anchorCtr="0" anchor="t" bIns="91425" lIns="91425" spcFirstLastPara="1" rIns="91425" wrap="square" tIns="91425">
+          <a:bodyPr spcFirstLastPara="1" wrap="square" lIns="91425" tIns="91425" rIns="91425" bIns="91425" anchor="t" anchorCtr="0">
             <a:normAutofit/>
           </a:bodyPr>
           <a:lstStyle/>
           <a:p>
-            <a:pPr indent="-342900" lvl="0" marL="457200" rtl="0" algn="l">
+            <a:pPr marL="457200" lvl="0" indent="-342900" algn="l" rtl="0">
               <a:lnSpc>
                 <a:spcPct val="115000"/>
               </a:lnSpc>
@@ -11707,13 +12113,13 @@
               <a:buChar char="●"/>
             </a:pPr>
             <a:r>
-              <a:rPr lang="sr"/>
+              <a:rPr lang="sr" dirty="0"/>
               <a:t>Prvo na namenode:</a:t>
             </a:r>
-            <a:endParaRPr/>
-          </a:p>
-          <a:p>
-            <a:pPr indent="-317500" lvl="1" marL="914400" rtl="0" algn="l">
+            <a:endParaRPr dirty="0"/>
+          </a:p>
+          <a:p>
+            <a:pPr marL="914400" lvl="1" indent="-317500" algn="l" rtl="0">
               <a:lnSpc>
                 <a:spcPct val="115000"/>
               </a:lnSpc>
@@ -11727,13 +12133,13 @@
               <a:buChar char="○"/>
             </a:pPr>
             <a:r>
-              <a:rPr lang="sr" sz="1400"/>
+              <a:rPr lang="sr" sz="1400" dirty="0"/>
               <a:t>docker cp b_emissions.csv namenode:/data</a:t>
             </a:r>
-            <a:endParaRPr/>
-          </a:p>
-          <a:p>
-            <a:pPr indent="0" lvl="0" marL="914400" rtl="0" algn="l">
+            <a:endParaRPr dirty="0"/>
+          </a:p>
+          <a:p>
+            <a:pPr marL="914400" lvl="0" indent="0" algn="l" rtl="0">
               <a:lnSpc>
                 <a:spcPct val="115000"/>
               </a:lnSpc>
@@ -11745,13 +12151,10 @@
               </a:spcAft>
               <a:buNone/>
             </a:pPr>
-            <a:r>
-              <a:t/>
-            </a:r>
-            <a:endParaRPr sz="1400"/>
-          </a:p>
-          <a:p>
-            <a:pPr indent="-342900" lvl="0" marL="457200" rtl="0" algn="l">
+            <a:endParaRPr sz="1400" dirty="0"/>
+          </a:p>
+          <a:p>
+            <a:pPr marL="457200" lvl="0" indent="-342900" algn="l" rtl="0">
               <a:lnSpc>
                 <a:spcPct val="115000"/>
               </a:lnSpc>
@@ -11765,13 +12168,13 @@
               <a:buChar char="●"/>
             </a:pPr>
             <a:r>
-              <a:rPr lang="sr"/>
+              <a:rPr lang="sr" dirty="0"/>
               <a:t>A zatim i na HDFS:</a:t>
             </a:r>
-            <a:endParaRPr/>
-          </a:p>
-          <a:p>
-            <a:pPr indent="-317500" lvl="1" marL="914400" rtl="0" algn="l">
+            <a:endParaRPr dirty="0"/>
+          </a:p>
+          <a:p>
+            <a:pPr marL="914400" lvl="1" indent="-317500" algn="l" rtl="0">
               <a:lnSpc>
                 <a:spcPct val="115000"/>
               </a:lnSpc>
@@ -11785,13 +12188,13 @@
               <a:buChar char="○"/>
             </a:pPr>
             <a:r>
-              <a:rPr lang="sr" sz="1400"/>
+              <a:rPr lang="sr" sz="1400" dirty="0"/>
               <a:t>docker exec -it namenode bash</a:t>
             </a:r>
-            <a:endParaRPr/>
-          </a:p>
-          <a:p>
-            <a:pPr indent="-317500" lvl="1" marL="914400" rtl="0" algn="l">
+            <a:endParaRPr dirty="0"/>
+          </a:p>
+          <a:p>
+            <a:pPr marL="914400" lvl="1" indent="-317500" algn="l" rtl="0">
               <a:lnSpc>
                 <a:spcPct val="115000"/>
               </a:lnSpc>
@@ -11805,17 +12208,17 @@
               <a:buChar char="○"/>
             </a:pPr>
             <a:r>
-              <a:rPr lang="sr" sz="1400"/>
+              <a:rPr lang="sr" sz="1400" dirty="0"/>
               <a:t>hdfs dfs -mkdir /</a:t>
             </a:r>
             <a:r>
-              <a:rPr lang="sr"/>
+              <a:rPr lang="sr" dirty="0"/>
               <a:t>dir</a:t>
             </a:r>
-            <a:endParaRPr/>
-          </a:p>
-          <a:p>
-            <a:pPr indent="-317500" lvl="1" marL="914400" rtl="0" algn="l">
+            <a:endParaRPr dirty="0"/>
+          </a:p>
+          <a:p>
+            <a:pPr marL="914400" lvl="1" indent="-317500" algn="l" rtl="0">
               <a:lnSpc>
                 <a:spcPct val="115000"/>
               </a:lnSpc>
@@ -11829,17 +12232,17 @@
               <a:buChar char="○"/>
             </a:pPr>
             <a:r>
-              <a:rPr lang="sr" sz="1400"/>
+              <a:rPr lang="sr" sz="1400" dirty="0"/>
               <a:t>hdfs dfs -put /data/b_emission.csv /</a:t>
             </a:r>
             <a:r>
-              <a:rPr lang="sr"/>
+              <a:rPr lang="sr" dirty="0"/>
               <a:t>dir</a:t>
             </a:r>
-            <a:endParaRPr/>
-          </a:p>
-          <a:p>
-            <a:pPr indent="0" lvl="0" marL="914400" rtl="0" algn="l">
+            <a:endParaRPr dirty="0"/>
+          </a:p>
+          <a:p>
+            <a:pPr marL="914400" lvl="0" indent="0" algn="l" rtl="0">
               <a:lnSpc>
                 <a:spcPct val="115000"/>
               </a:lnSpc>
@@ -11851,13 +12254,10 @@
               </a:spcAft>
               <a:buNone/>
             </a:pPr>
-            <a:r>
-              <a:t/>
-            </a:r>
-            <a:endParaRPr sz="1400"/>
-          </a:p>
-          <a:p>
-            <a:pPr indent="0" lvl="0" marL="0" rtl="0" algn="l">
+            <a:endParaRPr sz="1400" dirty="0"/>
+          </a:p>
+          <a:p>
+            <a:pPr marL="0" lvl="0" indent="0" algn="l" rtl="0">
               <a:spcBef>
                 <a:spcPts val="0"/>
               </a:spcBef>
@@ -11866,13 +12266,34 @@
               </a:spcAft>
               <a:buNone/>
             </a:pPr>
-            <a:r>
-              <a:t/>
-            </a:r>
-            <a:endParaRPr/>
+            <a:endParaRPr dirty="0"/>
           </a:p>
         </p:txBody>
       </p:sp>
+      <p:pic>
+        <p:nvPicPr>
+          <p:cNvPr id="2" name="Picture 1"/>
+          <p:cNvPicPr>
+            <a:picLocks noChangeAspect="1"/>
+          </p:cNvPicPr>
+          <p:nvPr/>
+        </p:nvPicPr>
+        <p:blipFill>
+          <a:blip r:embed="rId3"/>
+          <a:stretch>
+            <a:fillRect/>
+          </a:stretch>
+        </p:blipFill>
+        <p:spPr>
+          <a:xfrm>
+            <a:off x="677436" y="3288728"/>
+            <a:ext cx="6381285" cy="1492222"/>
+          </a:xfrm>
+          <a:prstGeom prst="rect">
+            <a:avLst/>
+          </a:prstGeom>
+        </p:spPr>
+      </p:pic>
     </p:spTree>
   </p:cSld>
   <p:clrMapOvr>
@@ -11882,11 +12303,11 @@
 </file>
 
 <file path=ppt/slides/slide2.xml><?xml version="1.0" encoding="utf-8"?>
-<p:sld xmlns:a="http://schemas.openxmlformats.org/drawingml/2006/main" xmlns:r="http://schemas.openxmlformats.org/officeDocument/2006/relationships" xmlns:mc="http://schemas.openxmlformats.org/markup-compatibility/2006" xmlns:mv="urn:schemas-microsoft-com:mac:vml" xmlns:p="http://schemas.openxmlformats.org/presentationml/2006/main" xmlns:c="http://schemas.openxmlformats.org/drawingml/2006/chart" xmlns:dgm="http://schemas.openxmlformats.org/drawingml/2006/diagram" xmlns:o="urn:schemas-microsoft-com:office:office" xmlns:v="urn:schemas-microsoft-com:vml" xmlns:pvml="urn:schemas-microsoft-com:office:powerpoint" xmlns:com="http://schemas.openxmlformats.org/drawingml/2006/compatibility" xmlns:p14="http://schemas.microsoft.com/office/powerpoint/2010/main" xmlns:p15="http://schemas.microsoft.com/office/powerpoint/2012/main" xmlns:ahyp="http://schemas.microsoft.com/office/drawing/2018/hyperlinkcolor">
+<p:sld xmlns:a="http://schemas.openxmlformats.org/drawingml/2006/main" xmlns:r="http://schemas.openxmlformats.org/officeDocument/2006/relationships" xmlns:p="http://schemas.openxmlformats.org/presentationml/2006/main">
   <p:cSld>
     <p:spTree>
       <p:nvGrpSpPr>
-        <p:cNvPr id="91" name="Shape 91"/>
+        <p:cNvPr id="1" name="Shape 91"/>
         <p:cNvGrpSpPr/>
         <p:nvPr/>
       </p:nvGrpSpPr>
@@ -11901,7 +12322,9 @@
       <p:sp>
         <p:nvSpPr>
           <p:cNvPr id="92" name="Google Shape;92;p14"/>
-          <p:cNvSpPr txBox="1"/>
+          <p:cNvSpPr txBox="1">
+            <a:spLocks noGrp="1"/>
+          </p:cNvSpPr>
           <p:nvPr>
             <p:ph type="title"/>
           </p:nvPr>
@@ -11916,12 +12339,12 @@
           </a:prstGeom>
         </p:spPr>
         <p:txBody>
-          <a:bodyPr anchorCtr="0" anchor="t" bIns="91425" lIns="91425" spcFirstLastPara="1" rIns="91425" wrap="square" tIns="91425">
+          <a:bodyPr spcFirstLastPara="1" wrap="square" lIns="91425" tIns="91425" rIns="91425" bIns="91425" anchor="t" anchorCtr="0">
             <a:normAutofit fontScale="90000"/>
           </a:bodyPr>
           <a:lstStyle/>
           <a:p>
-            <a:pPr indent="0" lvl="0" marL="0" rtl="0" algn="l">
+            <a:pPr marL="0" lvl="0" indent="0" algn="l" rtl="0">
               <a:spcBef>
                 <a:spcPts val="0"/>
               </a:spcBef>
@@ -11941,9 +12364,11 @@
       <p:sp>
         <p:nvSpPr>
           <p:cNvPr id="93" name="Google Shape;93;p14"/>
-          <p:cNvSpPr txBox="1"/>
+          <p:cNvSpPr txBox="1">
+            <a:spLocks noGrp="1"/>
+          </p:cNvSpPr>
           <p:nvPr>
-            <p:ph idx="1" type="body"/>
+            <p:ph type="body" idx="1"/>
           </p:nvPr>
         </p:nvSpPr>
         <p:spPr>
@@ -11956,12 +12381,12 @@
           </a:prstGeom>
         </p:spPr>
         <p:txBody>
-          <a:bodyPr anchorCtr="0" anchor="t" bIns="91425" lIns="91425" spcFirstLastPara="1" rIns="91425" wrap="square" tIns="91425">
-            <a:normAutofit fontScale="77500" lnSpcReduction="10000"/>
+          <a:bodyPr spcFirstLastPara="1" wrap="square" lIns="91425" tIns="91425" rIns="91425" bIns="91425" anchor="t" anchorCtr="0">
+            <a:normAutofit fontScale="77500" lnSpcReduction="20000"/>
           </a:bodyPr>
           <a:lstStyle/>
           <a:p>
-            <a:pPr indent="-317182" lvl="0" marL="457200" rtl="0" algn="l">
+            <a:pPr marL="457200" lvl="0" indent="-317182" algn="l" rtl="0">
               <a:spcBef>
                 <a:spcPts val="0"/>
               </a:spcBef>
@@ -11978,7 +12403,7 @@
             <a:endParaRPr/>
           </a:p>
           <a:p>
-            <a:pPr indent="-297497" lvl="1" marL="914400" rtl="0" algn="l">
+            <a:pPr marL="914400" lvl="1" indent="-297497" algn="l" rtl="0">
               <a:spcBef>
                 <a:spcPts val="0"/>
               </a:spcBef>
@@ -11995,7 +12420,7 @@
             <a:endParaRPr/>
           </a:p>
           <a:p>
-            <a:pPr indent="-297497" lvl="1" marL="914400" rtl="0" algn="l">
+            <a:pPr marL="914400" lvl="1" indent="-297497" algn="l" rtl="0">
               <a:spcBef>
                 <a:spcPts val="0"/>
               </a:spcBef>
@@ -12012,7 +12437,7 @@
             <a:endParaRPr/>
           </a:p>
           <a:p>
-            <a:pPr indent="-317182" lvl="0" marL="457200" rtl="0" algn="l">
+            <a:pPr marL="457200" lvl="0" indent="-317182" algn="l" rtl="0">
               <a:spcBef>
                 <a:spcPts val="0"/>
               </a:spcBef>
@@ -12029,7 +12454,7 @@
             <a:endParaRPr/>
           </a:p>
           <a:p>
-            <a:pPr indent="-317182" lvl="0" marL="457200" rtl="0" algn="l">
+            <a:pPr marL="457200" lvl="0" indent="-317182" algn="l" rtl="0">
               <a:spcBef>
                 <a:spcPts val="0"/>
               </a:spcBef>
@@ -12056,11 +12481,11 @@
 </file>
 
 <file path=ppt/slides/slide20.xml><?xml version="1.0" encoding="utf-8"?>
-<p:sld xmlns:a="http://schemas.openxmlformats.org/drawingml/2006/main" xmlns:r="http://schemas.openxmlformats.org/officeDocument/2006/relationships" xmlns:mc="http://schemas.openxmlformats.org/markup-compatibility/2006" xmlns:mv="urn:schemas-microsoft-com:mac:vml" xmlns:p="http://schemas.openxmlformats.org/presentationml/2006/main" xmlns:c="http://schemas.openxmlformats.org/drawingml/2006/chart" xmlns:dgm="http://schemas.openxmlformats.org/drawingml/2006/diagram" xmlns:o="urn:schemas-microsoft-com:office:office" xmlns:v="urn:schemas-microsoft-com:vml" xmlns:pvml="urn:schemas-microsoft-com:office:powerpoint" xmlns:com="http://schemas.openxmlformats.org/drawingml/2006/compatibility" xmlns:p14="http://schemas.microsoft.com/office/powerpoint/2010/main" xmlns:p15="http://schemas.microsoft.com/office/powerpoint/2012/main" xmlns:ahyp="http://schemas.microsoft.com/office/drawing/2018/hyperlinkcolor">
+<p:sld xmlns:a="http://schemas.openxmlformats.org/drawingml/2006/main" xmlns:r="http://schemas.openxmlformats.org/officeDocument/2006/relationships" xmlns:p="http://schemas.openxmlformats.org/presentationml/2006/main">
   <p:cSld>
     <p:spTree>
       <p:nvGrpSpPr>
-        <p:cNvPr id="214" name="Shape 214"/>
+        <p:cNvPr id="1" name="Shape 214"/>
         <p:cNvGrpSpPr/>
         <p:nvPr/>
       </p:nvGrpSpPr>
@@ -12075,7 +12500,9 @@
       <p:sp>
         <p:nvSpPr>
           <p:cNvPr id="215" name="Google Shape;215;p32"/>
-          <p:cNvSpPr txBox="1"/>
+          <p:cNvSpPr txBox="1">
+            <a:spLocks noGrp="1"/>
+          </p:cNvSpPr>
           <p:nvPr>
             <p:ph type="title"/>
           </p:nvPr>
@@ -12090,12 +12517,12 @@
           </a:prstGeom>
         </p:spPr>
         <p:txBody>
-          <a:bodyPr anchorCtr="0" anchor="t" bIns="91425" lIns="91425" spcFirstLastPara="1" rIns="91425" wrap="square" tIns="91425">
+          <a:bodyPr spcFirstLastPara="1" wrap="square" lIns="91425" tIns="91425" rIns="91425" bIns="91425" anchor="t" anchorCtr="0">
             <a:normAutofit fontScale="90000"/>
           </a:bodyPr>
           <a:lstStyle/>
           <a:p>
-            <a:pPr indent="0" lvl="0" marL="0" rtl="0" algn="l">
+            <a:pPr marL="0" lvl="0" indent="0" algn="l" rtl="0">
               <a:spcBef>
                 <a:spcPts val="0"/>
               </a:spcBef>
@@ -12115,9 +12542,11 @@
       <p:sp>
         <p:nvSpPr>
           <p:cNvPr id="216" name="Google Shape;216;p32"/>
-          <p:cNvSpPr txBox="1"/>
+          <p:cNvSpPr txBox="1">
+            <a:spLocks noGrp="1"/>
+          </p:cNvSpPr>
           <p:nvPr>
-            <p:ph idx="1" type="body"/>
+            <p:ph type="body" idx="1"/>
           </p:nvPr>
         </p:nvSpPr>
         <p:spPr>
@@ -12130,12 +12559,12 @@
           </a:prstGeom>
         </p:spPr>
         <p:txBody>
-          <a:bodyPr anchorCtr="0" anchor="t" bIns="91425" lIns="91425" spcFirstLastPara="1" rIns="91425" wrap="square" tIns="91425">
+          <a:bodyPr spcFirstLastPara="1" wrap="square" lIns="91425" tIns="91425" rIns="91425" bIns="91425" anchor="t" anchorCtr="0">
             <a:normAutofit/>
           </a:bodyPr>
           <a:lstStyle/>
           <a:p>
-            <a:pPr indent="-342900" lvl="0" marL="457200" rtl="0" algn="l">
+            <a:pPr marL="457200" lvl="0" indent="-342900" algn="l" rtl="0">
               <a:spcBef>
                 <a:spcPts val="0"/>
               </a:spcBef>
@@ -12146,13 +12575,13 @@
               <a:buChar char="●"/>
             </a:pPr>
             <a:r>
-              <a:rPr lang="sr"/>
+              <a:rPr lang="sr" dirty="0"/>
               <a:t>docker build --rm -t models-app .</a:t>
             </a:r>
-            <a:endParaRPr/>
-          </a:p>
-          <a:p>
-            <a:pPr indent="-342900" lvl="0" marL="457200" rtl="0" algn="l">
+            <a:endParaRPr dirty="0"/>
+          </a:p>
+          <a:p>
+            <a:pPr marL="457200" lvl="0" indent="-342900" algn="l" rtl="0">
               <a:spcBef>
                 <a:spcPts val="0"/>
               </a:spcBef>
@@ -12163,13 +12592,37 @@
               <a:buChar char="●"/>
             </a:pPr>
             <a:r>
-              <a:rPr lang="sr"/>
+              <a:rPr lang="sr" dirty="0"/>
               <a:t>docker run --net bigdata --rm --name models models-app</a:t>
             </a:r>
-            <a:endParaRPr/>
+            <a:endParaRPr dirty="0"/>
           </a:p>
         </p:txBody>
       </p:sp>
+      <p:pic>
+        <p:nvPicPr>
+          <p:cNvPr id="2" name="Picture 1"/>
+          <p:cNvPicPr>
+            <a:picLocks noChangeAspect="1"/>
+          </p:cNvPicPr>
+          <p:nvPr/>
+        </p:nvPicPr>
+        <p:blipFill>
+          <a:blip r:embed="rId3"/>
+          <a:stretch>
+            <a:fillRect/>
+          </a:stretch>
+        </p:blipFill>
+        <p:spPr>
+          <a:xfrm>
+            <a:off x="1828568" y="2155901"/>
+            <a:ext cx="6902837" cy="2704288"/>
+          </a:xfrm>
+          <a:prstGeom prst="rect">
+            <a:avLst/>
+          </a:prstGeom>
+        </p:spPr>
+      </p:pic>
     </p:spTree>
   </p:cSld>
   <p:clrMapOvr>
@@ -12179,11 +12632,105 @@
 </file>
 
 <file path=ppt/slides/slide21.xml><?xml version="1.0" encoding="utf-8"?>
-<p:sld xmlns:a="http://schemas.openxmlformats.org/drawingml/2006/main" xmlns:r="http://schemas.openxmlformats.org/officeDocument/2006/relationships" xmlns:mc="http://schemas.openxmlformats.org/markup-compatibility/2006" xmlns:mv="urn:schemas-microsoft-com:mac:vml" xmlns:p="http://schemas.openxmlformats.org/presentationml/2006/main" xmlns:c="http://schemas.openxmlformats.org/drawingml/2006/chart" xmlns:dgm="http://schemas.openxmlformats.org/drawingml/2006/diagram" xmlns:o="urn:schemas-microsoft-com:office:office" xmlns:v="urn:schemas-microsoft-com:vml" xmlns:pvml="urn:schemas-microsoft-com:office:powerpoint" xmlns:com="http://schemas.openxmlformats.org/drawingml/2006/compatibility" xmlns:p14="http://schemas.microsoft.com/office/powerpoint/2010/main" xmlns:p15="http://schemas.microsoft.com/office/powerpoint/2012/main" xmlns:ahyp="http://schemas.microsoft.com/office/drawing/2018/hyperlinkcolor">
+<p:sld xmlns:a="http://schemas.openxmlformats.org/drawingml/2006/main" xmlns:r="http://schemas.openxmlformats.org/officeDocument/2006/relationships" xmlns:p="http://schemas.openxmlformats.org/presentationml/2006/main">
   <p:cSld>
     <p:spTree>
       <p:nvGrpSpPr>
-        <p:cNvPr id="220" name="Shape 220"/>
+        <p:cNvPr id="1" name=""/>
+        <p:cNvGrpSpPr/>
+        <p:nvPr/>
+      </p:nvGrpSpPr>
+      <p:grpSpPr>
+        <a:xfrm>
+          <a:off x="0" y="0"/>
+          <a:ext cx="0" cy="0"/>
+          <a:chOff x="0" y="0"/>
+          <a:chExt cx="0" cy="0"/>
+        </a:xfrm>
+      </p:grpSpPr>
+      <p:sp>
+        <p:nvSpPr>
+          <p:cNvPr id="2" name="Title 1"/>
+          <p:cNvSpPr>
+            <a:spLocks noGrp="1"/>
+          </p:cNvSpPr>
+          <p:nvPr>
+            <p:ph type="title"/>
+          </p:nvPr>
+        </p:nvSpPr>
+        <p:spPr/>
+        <p:txBody>
+          <a:bodyPr>
+            <a:normAutofit fontScale="90000"/>
+          </a:bodyPr>
+          <a:lstStyle/>
+          <a:p>
+            <a:endParaRPr lang="en-US"/>
+          </a:p>
+        </p:txBody>
+      </p:sp>
+      <p:pic>
+        <p:nvPicPr>
+          <p:cNvPr id="4" name="Picture 3"/>
+          <p:cNvPicPr>
+            <a:picLocks noChangeAspect="1"/>
+          </p:cNvPicPr>
+          <p:nvPr/>
+        </p:nvPicPr>
+        <p:blipFill>
+          <a:blip r:embed="rId2"/>
+          <a:stretch>
+            <a:fillRect/>
+          </a:stretch>
+        </p:blipFill>
+        <p:spPr>
+          <a:xfrm>
+            <a:off x="0" y="1233542"/>
+            <a:ext cx="7627434" cy="2290707"/>
+          </a:xfrm>
+          <a:prstGeom prst="rect">
+            <a:avLst/>
+          </a:prstGeom>
+        </p:spPr>
+      </p:pic>
+      <p:sp>
+        <p:nvSpPr>
+          <p:cNvPr id="3" name="Text Placeholder 2"/>
+          <p:cNvSpPr>
+            <a:spLocks noGrp="1"/>
+          </p:cNvSpPr>
+          <p:nvPr>
+            <p:ph type="body" idx="1"/>
+          </p:nvPr>
+        </p:nvSpPr>
+        <p:spPr/>
+        <p:txBody>
+          <a:bodyPr/>
+          <a:lstStyle/>
+          <a:p>
+            <a:endParaRPr lang="en-US" dirty="0"/>
+          </a:p>
+        </p:txBody>
+      </p:sp>
+    </p:spTree>
+    <p:extLst>
+      <p:ext uri="{BB962C8B-B14F-4D97-AF65-F5344CB8AC3E}">
+        <p14:creationId xmlns:p14="http://schemas.microsoft.com/office/powerpoint/2010/main" val="2231143676"/>
+      </p:ext>
+    </p:extLst>
+  </p:cSld>
+  <p:clrMapOvr>
+    <a:masterClrMapping/>
+  </p:clrMapOvr>
+</p:sld>
+</file>
+
+<file path=ppt/slides/slide22.xml><?xml version="1.0" encoding="utf-8"?>
+<p:sld xmlns:a="http://schemas.openxmlformats.org/drawingml/2006/main" xmlns:r="http://schemas.openxmlformats.org/officeDocument/2006/relationships" xmlns:p="http://schemas.openxmlformats.org/presentationml/2006/main">
+  <p:cSld>
+    <p:spTree>
+      <p:nvGrpSpPr>
+        <p:cNvPr id="1" name="Shape 220"/>
         <p:cNvGrpSpPr/>
         <p:nvPr/>
       </p:nvGrpSpPr>
@@ -12198,7 +12745,9 @@
       <p:sp>
         <p:nvSpPr>
           <p:cNvPr id="221" name="Google Shape;221;p33"/>
-          <p:cNvSpPr txBox="1"/>
+          <p:cNvSpPr txBox="1">
+            <a:spLocks noGrp="1"/>
+          </p:cNvSpPr>
           <p:nvPr>
             <p:ph type="title"/>
           </p:nvPr>
@@ -12213,12 +12762,12 @@
           </a:prstGeom>
         </p:spPr>
         <p:txBody>
-          <a:bodyPr anchorCtr="0" anchor="t" bIns="91425" lIns="91425" spcFirstLastPara="1" rIns="91425" wrap="square" tIns="91425">
+          <a:bodyPr spcFirstLastPara="1" wrap="square" lIns="91425" tIns="91425" rIns="91425" bIns="91425" anchor="t" anchorCtr="0">
             <a:normAutofit fontScale="90000"/>
           </a:bodyPr>
           <a:lstStyle/>
           <a:p>
-            <a:pPr indent="0" lvl="0" marL="0" rtl="0" algn="l">
+            <a:pPr marL="0" lvl="0" indent="0" algn="l" rtl="0">
               <a:spcBef>
                 <a:spcPts val="0"/>
               </a:spcBef>
@@ -12238,9 +12787,11 @@
       <p:sp>
         <p:nvSpPr>
           <p:cNvPr id="222" name="Google Shape;222;p33"/>
-          <p:cNvSpPr txBox="1"/>
+          <p:cNvSpPr txBox="1">
+            <a:spLocks noGrp="1"/>
+          </p:cNvSpPr>
           <p:nvPr>
-            <p:ph idx="1" type="body"/>
+            <p:ph type="body" idx="1"/>
           </p:nvPr>
         </p:nvSpPr>
         <p:spPr>
@@ -12253,12 +12804,12 @@
           </a:prstGeom>
         </p:spPr>
         <p:txBody>
-          <a:bodyPr anchorCtr="0" anchor="t" bIns="91425" lIns="91425" spcFirstLastPara="1" rIns="91425" wrap="square" tIns="91425">
+          <a:bodyPr spcFirstLastPara="1" wrap="square" lIns="91425" tIns="91425" rIns="91425" bIns="91425" anchor="t" anchorCtr="0">
             <a:normAutofit/>
           </a:bodyPr>
           <a:lstStyle/>
           <a:p>
-            <a:pPr indent="-342900" lvl="0" marL="457200" rtl="0" algn="l">
+            <a:pPr marL="457200" lvl="0" indent="-342900" algn="l" rtl="0">
               <a:spcBef>
                 <a:spcPts val="0"/>
               </a:spcBef>
@@ -12269,13 +12820,13 @@
               <a:buChar char="●"/>
             </a:pPr>
             <a:r>
-              <a:rPr lang="sr"/>
+              <a:rPr lang="sr" dirty="0"/>
               <a:t>docker build --rm -t streaming-app .</a:t>
             </a:r>
-            <a:endParaRPr/>
-          </a:p>
-          <a:p>
-            <a:pPr indent="-342900" lvl="0" marL="457200" rtl="0" algn="l">
+            <a:endParaRPr dirty="0"/>
+          </a:p>
+          <a:p>
+            <a:pPr marL="457200" lvl="0" indent="-342900" algn="l" rtl="0">
               <a:spcBef>
                 <a:spcPts val="0"/>
               </a:spcBef>
@@ -12286,10 +12837,10 @@
               <a:buChar char="●"/>
             </a:pPr>
             <a:r>
-              <a:rPr lang="sr"/>
+              <a:rPr lang="sr" dirty="0"/>
               <a:t>docker run --net bigdata --rm --name spark-streaming streaming-app</a:t>
             </a:r>
-            <a:endParaRPr/>
+            <a:endParaRPr dirty="0"/>
           </a:p>
         </p:txBody>
       </p:sp>
@@ -12301,12 +12852,106 @@
 </p:sld>
 </file>
 
-<file path=ppt/slides/slide22.xml><?xml version="1.0" encoding="utf-8"?>
-<p:sld xmlns:a="http://schemas.openxmlformats.org/drawingml/2006/main" xmlns:r="http://schemas.openxmlformats.org/officeDocument/2006/relationships" xmlns:mc="http://schemas.openxmlformats.org/markup-compatibility/2006" xmlns:mv="urn:schemas-microsoft-com:mac:vml" xmlns:p="http://schemas.openxmlformats.org/presentationml/2006/main" xmlns:c="http://schemas.openxmlformats.org/drawingml/2006/chart" xmlns:dgm="http://schemas.openxmlformats.org/drawingml/2006/diagram" xmlns:o="urn:schemas-microsoft-com:office:office" xmlns:v="urn:schemas-microsoft-com:vml" xmlns:pvml="urn:schemas-microsoft-com:office:powerpoint" xmlns:com="http://schemas.openxmlformats.org/drawingml/2006/compatibility" xmlns:p14="http://schemas.microsoft.com/office/powerpoint/2010/main" xmlns:p15="http://schemas.microsoft.com/office/powerpoint/2012/main" xmlns:ahyp="http://schemas.microsoft.com/office/drawing/2018/hyperlinkcolor">
+<file path=ppt/slides/slide23.xml><?xml version="1.0" encoding="utf-8"?>
+<p:sld xmlns:a="http://schemas.openxmlformats.org/drawingml/2006/main" xmlns:r="http://schemas.openxmlformats.org/officeDocument/2006/relationships" xmlns:p="http://schemas.openxmlformats.org/presentationml/2006/main">
   <p:cSld>
     <p:spTree>
       <p:nvGrpSpPr>
-        <p:cNvPr id="226" name="Shape 226"/>
+        <p:cNvPr id="1" name=""/>
+        <p:cNvGrpSpPr/>
+        <p:nvPr/>
+      </p:nvGrpSpPr>
+      <p:grpSpPr>
+        <a:xfrm>
+          <a:off x="0" y="0"/>
+          <a:ext cx="0" cy="0"/>
+          <a:chOff x="0" y="0"/>
+          <a:chExt cx="0" cy="0"/>
+        </a:xfrm>
+      </p:grpSpPr>
+      <p:sp>
+        <p:nvSpPr>
+          <p:cNvPr id="2" name="Title 1"/>
+          <p:cNvSpPr>
+            <a:spLocks noGrp="1"/>
+          </p:cNvSpPr>
+          <p:nvPr>
+            <p:ph type="title"/>
+          </p:nvPr>
+        </p:nvSpPr>
+        <p:spPr/>
+        <p:txBody>
+          <a:bodyPr>
+            <a:normAutofit fontScale="90000"/>
+          </a:bodyPr>
+          <a:lstStyle/>
+          <a:p>
+            <a:endParaRPr lang="en-US"/>
+          </a:p>
+        </p:txBody>
+      </p:sp>
+      <p:pic>
+        <p:nvPicPr>
+          <p:cNvPr id="4" name="Picture 3"/>
+          <p:cNvPicPr>
+            <a:picLocks noChangeAspect="1"/>
+          </p:cNvPicPr>
+          <p:nvPr/>
+        </p:nvPicPr>
+        <p:blipFill>
+          <a:blip r:embed="rId2"/>
+          <a:stretch>
+            <a:fillRect/>
+          </a:stretch>
+        </p:blipFill>
+        <p:spPr>
+          <a:xfrm>
+            <a:off x="0" y="1229875"/>
+            <a:ext cx="7549376" cy="3526416"/>
+          </a:xfrm>
+          <a:prstGeom prst="rect">
+            <a:avLst/>
+          </a:prstGeom>
+        </p:spPr>
+      </p:pic>
+      <p:sp>
+        <p:nvSpPr>
+          <p:cNvPr id="3" name="Text Placeholder 2"/>
+          <p:cNvSpPr>
+            <a:spLocks noGrp="1"/>
+          </p:cNvSpPr>
+          <p:nvPr>
+            <p:ph type="body" idx="1"/>
+          </p:nvPr>
+        </p:nvSpPr>
+        <p:spPr/>
+        <p:txBody>
+          <a:bodyPr/>
+          <a:lstStyle/>
+          <a:p>
+            <a:endParaRPr lang="en-US" dirty="0"/>
+          </a:p>
+        </p:txBody>
+      </p:sp>
+    </p:spTree>
+    <p:extLst>
+      <p:ext uri="{BB962C8B-B14F-4D97-AF65-F5344CB8AC3E}">
+        <p14:creationId xmlns:p14="http://schemas.microsoft.com/office/powerpoint/2010/main" val="1185284667"/>
+      </p:ext>
+    </p:extLst>
+  </p:cSld>
+  <p:clrMapOvr>
+    <a:masterClrMapping/>
+  </p:clrMapOvr>
+</p:sld>
+</file>
+
+<file path=ppt/slides/slide24.xml><?xml version="1.0" encoding="utf-8"?>
+<p:sld xmlns:a="http://schemas.openxmlformats.org/drawingml/2006/main" xmlns:r="http://schemas.openxmlformats.org/officeDocument/2006/relationships" xmlns:p="http://schemas.openxmlformats.org/presentationml/2006/main">
+  <p:cSld>
+    <p:spTree>
+      <p:nvGrpSpPr>
+        <p:cNvPr id="1" name="Shape 226"/>
         <p:cNvGrpSpPr/>
         <p:nvPr/>
       </p:nvGrpSpPr>
@@ -12321,7 +12966,9 @@
       <p:sp>
         <p:nvSpPr>
           <p:cNvPr id="227" name="Google Shape;227;p34"/>
-          <p:cNvSpPr txBox="1"/>
+          <p:cNvSpPr txBox="1">
+            <a:spLocks noGrp="1"/>
+          </p:cNvSpPr>
           <p:nvPr>
             <p:ph type="title"/>
           </p:nvPr>
@@ -12336,12 +12983,12 @@
           </a:prstGeom>
         </p:spPr>
         <p:txBody>
-          <a:bodyPr anchorCtr="0" anchor="t" bIns="91425" lIns="91425" spcFirstLastPara="1" rIns="91425" wrap="square" tIns="91425">
+          <a:bodyPr spcFirstLastPara="1" wrap="square" lIns="91425" tIns="91425" rIns="91425" bIns="91425" anchor="t" anchorCtr="0">
             <a:normAutofit fontScale="90000"/>
           </a:bodyPr>
           <a:lstStyle/>
           <a:p>
-            <a:pPr indent="0" lvl="0" marL="0" rtl="0" algn="l">
+            <a:pPr marL="0" lvl="0" indent="0" algn="l" rtl="0">
               <a:spcBef>
                 <a:spcPts val="0"/>
               </a:spcBef>
@@ -12361,9 +13008,11 @@
       <p:sp>
         <p:nvSpPr>
           <p:cNvPr id="228" name="Google Shape;228;p34"/>
-          <p:cNvSpPr txBox="1"/>
+          <p:cNvSpPr txBox="1">
+            <a:spLocks noGrp="1"/>
+          </p:cNvSpPr>
           <p:nvPr>
-            <p:ph idx="1" type="body"/>
+            <p:ph type="body" idx="1"/>
           </p:nvPr>
         </p:nvSpPr>
         <p:spPr>
@@ -12376,12 +13025,12 @@
           </a:prstGeom>
         </p:spPr>
         <p:txBody>
-          <a:bodyPr anchorCtr="0" anchor="t" bIns="91425" lIns="91425" spcFirstLastPara="1" rIns="91425" wrap="square" tIns="91425">
+          <a:bodyPr spcFirstLastPara="1" wrap="square" lIns="91425" tIns="91425" rIns="91425" bIns="91425" anchor="t" anchorCtr="0">
             <a:normAutofit/>
           </a:bodyPr>
           <a:lstStyle/>
           <a:p>
-            <a:pPr indent="-342900" lvl="0" marL="457200" rtl="0" algn="l">
+            <a:pPr marL="457200" lvl="0" indent="-342900" algn="l" rtl="0">
               <a:spcBef>
                 <a:spcPts val="0"/>
               </a:spcBef>
@@ -12392,13 +13041,13 @@
               <a:buChar char="●"/>
             </a:pPr>
             <a:r>
-              <a:rPr lang="sr"/>
+              <a:rPr lang="sr" dirty="0"/>
               <a:t>kako se rezulat spark aplikacije cuva u vidu vise delova, potebno je da ih spojimo u jedan csv fajl</a:t>
             </a:r>
-            <a:endParaRPr/>
-          </a:p>
-          <a:p>
-            <a:pPr indent="-317500" lvl="1" marL="914400" rtl="0" algn="l">
+            <a:endParaRPr dirty="0"/>
+          </a:p>
+          <a:p>
+            <a:pPr marL="914400" lvl="1" indent="-317500" algn="l" rtl="0">
               <a:spcBef>
                 <a:spcPts val="0"/>
               </a:spcBef>
@@ -12409,13 +13058,13 @@
               <a:buChar char="○"/>
             </a:pPr>
             <a:r>
-              <a:rPr lang="sr"/>
+              <a:rPr lang="sr" dirty="0"/>
               <a:t>hadoop fs -getmerge /output/claster /data/final_emissions.csv</a:t>
             </a:r>
-            <a:endParaRPr/>
-          </a:p>
-          <a:p>
-            <a:pPr indent="-317500" lvl="1" marL="914400" rtl="0" algn="l">
+            <a:endParaRPr dirty="0"/>
+          </a:p>
+          <a:p>
+            <a:pPr marL="914400" lvl="1" indent="-317500" algn="l" rtl="0">
               <a:spcBef>
                 <a:spcPts val="0"/>
               </a:spcBef>
@@ -12426,13 +13075,62 @@
               <a:buChar char="○"/>
             </a:pPr>
             <a:r>
-              <a:rPr lang="sr"/>
-              <a:t>hadoop fs -getmerge /output/predicted /data/final_fcd.csv</a:t>
+              <a:rPr lang="sr" dirty="0"/>
+              <a:t>hadoop fs -getmerge /output/predicted /</a:t>
             </a:r>
-            <a:endParaRPr/>
-          </a:p>
-          <a:p>
-            <a:pPr indent="0" lvl="0" marL="0" rtl="0" algn="l">
+            <a:r>
+              <a:rPr lang="sr" dirty="0" smtClean="0"/>
+              <a:t>data/final_fcd.csv</a:t>
+            </a:r>
+            <a:endParaRPr lang="en-US" dirty="0" smtClean="0"/>
+          </a:p>
+          <a:p>
+            <a:pPr lvl="1"/>
+            <a:r>
+              <a:rPr lang="en-US" dirty="0" err="1"/>
+              <a:t>docker</a:t>
+            </a:r>
+            <a:r>
+              <a:rPr lang="en-US" dirty="0"/>
+              <a:t> </a:t>
+            </a:r>
+            <a:r>
+              <a:rPr lang="en-US" dirty="0" err="1"/>
+              <a:t>cp</a:t>
+            </a:r>
+            <a:r>
+              <a:rPr lang="en-US" dirty="0"/>
+              <a:t> </a:t>
+            </a:r>
+            <a:r>
+              <a:rPr lang="en-US" dirty="0" err="1" smtClean="0"/>
+              <a:t>namenode</a:t>
+            </a:r>
+            <a:r>
+              <a:rPr lang="en-US" dirty="0"/>
+              <a:t>:/</a:t>
+            </a:r>
+            <a:r>
+              <a:rPr lang="en-US" dirty="0" smtClean="0"/>
+              <a:t>data /visualization</a:t>
+            </a:r>
+            <a:endParaRPr lang="en-US" dirty="0"/>
+          </a:p>
+          <a:p>
+            <a:pPr marL="914400" lvl="1" indent="-317500" algn="l" rtl="0">
+              <a:spcBef>
+                <a:spcPts val="0"/>
+              </a:spcBef>
+              <a:spcAft>
+                <a:spcPts val="0"/>
+              </a:spcAft>
+              <a:buSzPts val="1400"/>
+              <a:buChar char="○"/>
+            </a:pPr>
+            <a:endParaRPr dirty="0"/>
+          </a:p>
+          <a:p>
+            <a:pPr marL="0" lvl="0" indent="0" algn="l" rtl="0">
               <a:spcBef>
                 <a:spcPts val="1200"/>
               </a:spcBef>
@@ -12441,10 +13139,7 @@
               </a:spcAft>
               <a:buNone/>
             </a:pPr>
-            <a:r>
-              <a:t/>
-            </a:r>
-            <a:endParaRPr/>
+            <a:endParaRPr dirty="0"/>
           </a:p>
         </p:txBody>
       </p:sp>
@@ -12456,12 +13151,12 @@
 </p:sld>
 </file>
 
-<file path=ppt/slides/slide23.xml><?xml version="1.0" encoding="utf-8"?>
-<p:sld xmlns:a="http://schemas.openxmlformats.org/drawingml/2006/main" xmlns:r="http://schemas.openxmlformats.org/officeDocument/2006/relationships" xmlns:mc="http://schemas.openxmlformats.org/markup-compatibility/2006" xmlns:mv="urn:schemas-microsoft-com:mac:vml" xmlns:p="http://schemas.openxmlformats.org/presentationml/2006/main" xmlns:c="http://schemas.openxmlformats.org/drawingml/2006/chart" xmlns:dgm="http://schemas.openxmlformats.org/drawingml/2006/diagram" xmlns:o="urn:schemas-microsoft-com:office:office" xmlns:v="urn:schemas-microsoft-com:vml" xmlns:pvml="urn:schemas-microsoft-com:office:powerpoint" xmlns:com="http://schemas.openxmlformats.org/drawingml/2006/compatibility" xmlns:p14="http://schemas.microsoft.com/office/powerpoint/2010/main" xmlns:p15="http://schemas.microsoft.com/office/powerpoint/2012/main" xmlns:ahyp="http://schemas.microsoft.com/office/drawing/2018/hyperlinkcolor">
+<file path=ppt/slides/slide25.xml><?xml version="1.0" encoding="utf-8"?>
+<p:sld xmlns:a="http://schemas.openxmlformats.org/drawingml/2006/main" xmlns:r="http://schemas.openxmlformats.org/officeDocument/2006/relationships" xmlns:p="http://schemas.openxmlformats.org/presentationml/2006/main">
   <p:cSld>
     <p:spTree>
       <p:nvGrpSpPr>
-        <p:cNvPr id="232" name="Shape 232"/>
+        <p:cNvPr id="1" name="Shape 232"/>
         <p:cNvGrpSpPr/>
         <p:nvPr/>
       </p:nvGrpSpPr>
@@ -12476,7 +13171,9 @@
       <p:sp>
         <p:nvSpPr>
           <p:cNvPr id="233" name="Google Shape;233;p35"/>
-          <p:cNvSpPr txBox="1"/>
+          <p:cNvSpPr txBox="1">
+            <a:spLocks noGrp="1"/>
+          </p:cNvSpPr>
           <p:nvPr>
             <p:ph type="title"/>
           </p:nvPr>
@@ -12491,12 +13188,12 @@
           </a:prstGeom>
         </p:spPr>
         <p:txBody>
-          <a:bodyPr anchorCtr="0" anchor="t" bIns="91425" lIns="91425" spcFirstLastPara="1" rIns="91425" wrap="square" tIns="91425">
+          <a:bodyPr spcFirstLastPara="1" wrap="square" lIns="91425" tIns="91425" rIns="91425" bIns="91425" anchor="t" anchorCtr="0">
             <a:normAutofit fontScale="90000"/>
           </a:bodyPr>
           <a:lstStyle/>
           <a:p>
-            <a:pPr indent="0" lvl="0" marL="0" rtl="0" algn="l">
+            <a:pPr marL="0" lvl="0" indent="0" algn="l" rtl="0">
               <a:spcBef>
                 <a:spcPts val="0"/>
               </a:spcBef>
@@ -12513,12 +13210,38 @@
           </a:p>
         </p:txBody>
       </p:sp>
+      <p:pic>
+        <p:nvPicPr>
+          <p:cNvPr id="2" name="Picture 1"/>
+          <p:cNvPicPr>
+            <a:picLocks noChangeAspect="1"/>
+          </p:cNvPicPr>
+          <p:nvPr/>
+        </p:nvPicPr>
+        <p:blipFill>
+          <a:blip r:embed="rId3"/>
+          <a:stretch>
+            <a:fillRect/>
+          </a:stretch>
+        </p:blipFill>
+        <p:spPr>
+          <a:xfrm>
+            <a:off x="1259925" y="1210612"/>
+            <a:ext cx="7572375" cy="3600450"/>
+          </a:xfrm>
+          <a:prstGeom prst="rect">
+            <a:avLst/>
+          </a:prstGeom>
+        </p:spPr>
+      </p:pic>
       <p:sp>
         <p:nvSpPr>
           <p:cNvPr id="234" name="Google Shape;234;p35"/>
-          <p:cNvSpPr txBox="1"/>
+          <p:cNvSpPr txBox="1">
+            <a:spLocks noGrp="1"/>
+          </p:cNvSpPr>
           <p:nvPr>
-            <p:ph idx="1" type="body"/>
+            <p:ph type="body" idx="1"/>
           </p:nvPr>
         </p:nvSpPr>
         <p:spPr>
@@ -12531,24 +13254,18 @@
           </a:prstGeom>
         </p:spPr>
         <p:txBody>
-          <a:bodyPr anchorCtr="0" anchor="t" bIns="91425" lIns="91425" spcFirstLastPara="1" rIns="91425" wrap="square" tIns="91425">
+          <a:bodyPr spcFirstLastPara="1" wrap="square" lIns="91425" tIns="91425" rIns="91425" bIns="91425" anchor="t" anchorCtr="0">
             <a:normAutofit/>
           </a:bodyPr>
           <a:lstStyle/>
           <a:p>
-            <a:pPr indent="0" lvl="0" marL="0" rtl="0" algn="l">
-              <a:spcBef>
-                <a:spcPts val="0"/>
-              </a:spcBef>
+            <a:pPr marL="0" lvl="0" indent="0">
               <a:spcAft>
                 <a:spcPts val="1200"/>
               </a:spcAft>
               <a:buNone/>
             </a:pPr>
-            <a:r>
-              <a:t/>
-            </a:r>
-            <a:endParaRPr/>
+            <a:endParaRPr dirty="0"/>
           </a:p>
         </p:txBody>
       </p:sp>
@@ -12560,12 +13277,12 @@
 </p:sld>
 </file>
 
-<file path=ppt/slides/slide24.xml><?xml version="1.0" encoding="utf-8"?>
-<p:sld xmlns:a="http://schemas.openxmlformats.org/drawingml/2006/main" xmlns:r="http://schemas.openxmlformats.org/officeDocument/2006/relationships" xmlns:mc="http://schemas.openxmlformats.org/markup-compatibility/2006" xmlns:mv="urn:schemas-microsoft-com:mac:vml" xmlns:p="http://schemas.openxmlformats.org/presentationml/2006/main" xmlns:c="http://schemas.openxmlformats.org/drawingml/2006/chart" xmlns:dgm="http://schemas.openxmlformats.org/drawingml/2006/diagram" xmlns:o="urn:schemas-microsoft-com:office:office" xmlns:v="urn:schemas-microsoft-com:vml" xmlns:pvml="urn:schemas-microsoft-com:office:powerpoint" xmlns:com="http://schemas.openxmlformats.org/drawingml/2006/compatibility" xmlns:p14="http://schemas.microsoft.com/office/powerpoint/2010/main" xmlns:p15="http://schemas.microsoft.com/office/powerpoint/2012/main" xmlns:ahyp="http://schemas.microsoft.com/office/drawing/2018/hyperlinkcolor">
+<file path=ppt/slides/slide26.xml><?xml version="1.0" encoding="utf-8"?>
+<p:sld xmlns:a="http://schemas.openxmlformats.org/drawingml/2006/main" xmlns:r="http://schemas.openxmlformats.org/officeDocument/2006/relationships" xmlns:p="http://schemas.openxmlformats.org/presentationml/2006/main">
   <p:cSld>
     <p:spTree>
       <p:nvGrpSpPr>
-        <p:cNvPr id="238" name="Shape 238"/>
+        <p:cNvPr id="1" name="Shape 238"/>
         <p:cNvGrpSpPr/>
         <p:nvPr/>
       </p:nvGrpSpPr>
@@ -12580,7 +13297,9 @@
       <p:sp>
         <p:nvSpPr>
           <p:cNvPr id="239" name="Google Shape;239;p36"/>
-          <p:cNvSpPr txBox="1"/>
+          <p:cNvSpPr txBox="1">
+            <a:spLocks noGrp="1"/>
+          </p:cNvSpPr>
           <p:nvPr>
             <p:ph type="title"/>
           </p:nvPr>
@@ -12595,12 +13314,12 @@
           </a:prstGeom>
         </p:spPr>
         <p:txBody>
-          <a:bodyPr anchorCtr="0" anchor="ctr" bIns="91425" lIns="91425" spcFirstLastPara="1" rIns="91425" wrap="square" tIns="91425">
+          <a:bodyPr spcFirstLastPara="1" wrap="square" lIns="91425" tIns="91425" rIns="91425" bIns="91425" anchor="ctr" anchorCtr="0">
             <a:normAutofit/>
           </a:bodyPr>
           <a:lstStyle/>
           <a:p>
-            <a:pPr indent="0" lvl="0" marL="0" rtl="0" algn="l">
+            <a:pPr marL="0" lvl="0" indent="0" algn="l" rtl="0">
               <a:spcBef>
                 <a:spcPts val="0"/>
               </a:spcBef>
@@ -12609,9 +13328,6 @@
               </a:spcAft>
               <a:buNone/>
             </a:pPr>
-            <a:r>
-              <a:t/>
-            </a:r>
             <a:endParaRPr/>
           </a:p>
         </p:txBody>
@@ -12625,11 +13341,11 @@
 </file>
 
 <file path=ppt/slides/slide3.xml><?xml version="1.0" encoding="utf-8"?>
-<p:sld xmlns:a="http://schemas.openxmlformats.org/drawingml/2006/main" xmlns:r="http://schemas.openxmlformats.org/officeDocument/2006/relationships" xmlns:mc="http://schemas.openxmlformats.org/markup-compatibility/2006" xmlns:mv="urn:schemas-microsoft-com:mac:vml" xmlns:p="http://schemas.openxmlformats.org/presentationml/2006/main" xmlns:c="http://schemas.openxmlformats.org/drawingml/2006/chart" xmlns:dgm="http://schemas.openxmlformats.org/drawingml/2006/diagram" xmlns:o="urn:schemas-microsoft-com:office:office" xmlns:v="urn:schemas-microsoft-com:vml" xmlns:pvml="urn:schemas-microsoft-com:office:powerpoint" xmlns:com="http://schemas.openxmlformats.org/drawingml/2006/compatibility" xmlns:p14="http://schemas.microsoft.com/office/powerpoint/2010/main" xmlns:p15="http://schemas.microsoft.com/office/powerpoint/2012/main" xmlns:ahyp="http://schemas.microsoft.com/office/drawing/2018/hyperlinkcolor">
+<p:sld xmlns:a="http://schemas.openxmlformats.org/drawingml/2006/main" xmlns:r="http://schemas.openxmlformats.org/officeDocument/2006/relationships" xmlns:p="http://schemas.openxmlformats.org/presentationml/2006/main">
   <p:cSld>
     <p:spTree>
       <p:nvGrpSpPr>
-        <p:cNvPr id="97" name="Shape 97"/>
+        <p:cNvPr id="1" name="Shape 97"/>
         <p:cNvGrpSpPr/>
         <p:nvPr/>
       </p:nvGrpSpPr>
@@ -12644,7 +13360,9 @@
       <p:sp>
         <p:nvSpPr>
           <p:cNvPr id="98" name="Google Shape;98;p15"/>
-          <p:cNvSpPr txBox="1"/>
+          <p:cNvSpPr txBox="1">
+            <a:spLocks noGrp="1"/>
+          </p:cNvSpPr>
           <p:nvPr>
             <p:ph type="title"/>
           </p:nvPr>
@@ -12659,12 +13377,12 @@
           </a:prstGeom>
         </p:spPr>
         <p:txBody>
-          <a:bodyPr anchorCtr="0" anchor="t" bIns="91425" lIns="91425" spcFirstLastPara="1" rIns="91425" wrap="square" tIns="91425">
-            <a:normAutofit fontScale="90000"/>
+          <a:bodyPr spcFirstLastPara="1" wrap="square" lIns="91425" tIns="91425" rIns="91425" bIns="91425" anchor="t" anchorCtr="0">
+            <a:normAutofit/>
           </a:bodyPr>
           <a:lstStyle/>
           <a:p>
-            <a:pPr indent="0" lvl="0" marL="0" rtl="0" algn="l">
+            <a:pPr marL="0" lvl="0" indent="0" algn="l" rtl="0">
               <a:spcBef>
                 <a:spcPts val="0"/>
               </a:spcBef>
@@ -12688,9 +13406,11 @@
       <p:sp>
         <p:nvSpPr>
           <p:cNvPr id="99" name="Google Shape;99;p15"/>
-          <p:cNvSpPr txBox="1"/>
+          <p:cNvSpPr txBox="1">
+            <a:spLocks noGrp="1"/>
+          </p:cNvSpPr>
           <p:nvPr>
-            <p:ph idx="1" type="body"/>
+            <p:ph type="body" idx="1"/>
           </p:nvPr>
         </p:nvSpPr>
         <p:spPr>
@@ -12703,12 +13423,12 @@
           </a:prstGeom>
         </p:spPr>
         <p:txBody>
-          <a:bodyPr anchorCtr="0" anchor="t" bIns="91425" lIns="91425" spcFirstLastPara="1" rIns="91425" wrap="square" tIns="91425">
+          <a:bodyPr spcFirstLastPara="1" wrap="square" lIns="91425" tIns="91425" rIns="91425" bIns="91425" anchor="t" anchorCtr="0">
             <a:normAutofit/>
           </a:bodyPr>
           <a:lstStyle/>
           <a:p>
-            <a:pPr indent="0" lvl="0" marL="0" rtl="0" algn="l">
+            <a:pPr marL="0" lvl="0" indent="0" algn="l" rtl="0">
               <a:spcBef>
                 <a:spcPts val="0"/>
               </a:spcBef>
@@ -12717,9 +13437,6 @@
               </a:spcAft>
               <a:buNone/>
             </a:pPr>
-            <a:r>
-              <a:t/>
-            </a:r>
             <a:endParaRPr/>
           </a:p>
         </p:txBody>
@@ -12789,11 +13506,11 @@
 </file>
 
 <file path=ppt/slides/slide4.xml><?xml version="1.0" encoding="utf-8"?>
-<p:sld xmlns:a="http://schemas.openxmlformats.org/drawingml/2006/main" xmlns:r="http://schemas.openxmlformats.org/officeDocument/2006/relationships" xmlns:mc="http://schemas.openxmlformats.org/markup-compatibility/2006" xmlns:mv="urn:schemas-microsoft-com:mac:vml" xmlns:p="http://schemas.openxmlformats.org/presentationml/2006/main" xmlns:c="http://schemas.openxmlformats.org/drawingml/2006/chart" xmlns:dgm="http://schemas.openxmlformats.org/drawingml/2006/diagram" xmlns:o="urn:schemas-microsoft-com:office:office" xmlns:v="urn:schemas-microsoft-com:vml" xmlns:pvml="urn:schemas-microsoft-com:office:powerpoint" xmlns:com="http://schemas.openxmlformats.org/drawingml/2006/compatibility" xmlns:p14="http://schemas.microsoft.com/office/powerpoint/2010/main" xmlns:p15="http://schemas.microsoft.com/office/powerpoint/2012/main" xmlns:ahyp="http://schemas.microsoft.com/office/drawing/2018/hyperlinkcolor">
+<p:sld xmlns:a="http://schemas.openxmlformats.org/drawingml/2006/main" xmlns:r="http://schemas.openxmlformats.org/officeDocument/2006/relationships" xmlns:p="http://schemas.openxmlformats.org/presentationml/2006/main">
   <p:cSld>
     <p:spTree>
       <p:nvGrpSpPr>
-        <p:cNvPr id="105" name="Shape 105"/>
+        <p:cNvPr id="1" name="Shape 105"/>
         <p:cNvGrpSpPr/>
         <p:nvPr/>
       </p:nvGrpSpPr>
@@ -12808,7 +13525,9 @@
       <p:sp>
         <p:nvSpPr>
           <p:cNvPr id="106" name="Google Shape;106;p16"/>
-          <p:cNvSpPr txBox="1"/>
+          <p:cNvSpPr txBox="1">
+            <a:spLocks noGrp="1"/>
+          </p:cNvSpPr>
           <p:nvPr>
             <p:ph type="title"/>
           </p:nvPr>
@@ -12823,12 +13542,12 @@
           </a:prstGeom>
         </p:spPr>
         <p:txBody>
-          <a:bodyPr anchorCtr="0" anchor="ctr" bIns="91425" lIns="91425" spcFirstLastPara="1" rIns="91425" wrap="square" tIns="91425">
+          <a:bodyPr spcFirstLastPara="1" wrap="square" lIns="91425" tIns="91425" rIns="91425" bIns="91425" anchor="ctr" anchorCtr="0">
             <a:normAutofit/>
           </a:bodyPr>
           <a:lstStyle/>
           <a:p>
-            <a:pPr indent="0" lvl="0" marL="0" rtl="0" algn="l">
+            <a:pPr marL="0" lvl="0" indent="0" algn="l" rtl="0">
               <a:spcBef>
                 <a:spcPts val="0"/>
               </a:spcBef>
@@ -12854,11 +13573,11 @@
 </file>
 
 <file path=ppt/slides/slide5.xml><?xml version="1.0" encoding="utf-8"?>
-<p:sld xmlns:a="http://schemas.openxmlformats.org/drawingml/2006/main" xmlns:r="http://schemas.openxmlformats.org/officeDocument/2006/relationships" xmlns:mc="http://schemas.openxmlformats.org/markup-compatibility/2006" xmlns:mv="urn:schemas-microsoft-com:mac:vml" xmlns:p="http://schemas.openxmlformats.org/presentationml/2006/main" xmlns:c="http://schemas.openxmlformats.org/drawingml/2006/chart" xmlns:dgm="http://schemas.openxmlformats.org/drawingml/2006/diagram" xmlns:o="urn:schemas-microsoft-com:office:office" xmlns:v="urn:schemas-microsoft-com:vml" xmlns:pvml="urn:schemas-microsoft-com:office:powerpoint" xmlns:com="http://schemas.openxmlformats.org/drawingml/2006/compatibility" xmlns:p14="http://schemas.microsoft.com/office/powerpoint/2010/main" xmlns:p15="http://schemas.microsoft.com/office/powerpoint/2012/main" xmlns:ahyp="http://schemas.microsoft.com/office/drawing/2018/hyperlinkcolor">
+<p:sld xmlns:a="http://schemas.openxmlformats.org/drawingml/2006/main" xmlns:r="http://schemas.openxmlformats.org/officeDocument/2006/relationships" xmlns:p="http://schemas.openxmlformats.org/presentationml/2006/main">
   <p:cSld>
     <p:spTree>
       <p:nvGrpSpPr>
-        <p:cNvPr id="110" name="Shape 110"/>
+        <p:cNvPr id="1" name="Shape 110"/>
         <p:cNvGrpSpPr/>
         <p:nvPr/>
       </p:nvGrpSpPr>
@@ -12873,7 +13592,9 @@
       <p:sp>
         <p:nvSpPr>
           <p:cNvPr id="111" name="Google Shape;111;p17"/>
-          <p:cNvSpPr txBox="1"/>
+          <p:cNvSpPr txBox="1">
+            <a:spLocks noGrp="1"/>
+          </p:cNvSpPr>
           <p:nvPr>
             <p:ph type="title"/>
           </p:nvPr>
@@ -12888,12 +13609,12 @@
           </a:prstGeom>
         </p:spPr>
         <p:txBody>
-          <a:bodyPr anchorCtr="0" anchor="t" bIns="91425" lIns="91425" spcFirstLastPara="1" rIns="91425" wrap="square" tIns="91425">
+          <a:bodyPr spcFirstLastPara="1" wrap="square" lIns="91425" tIns="91425" rIns="91425" bIns="91425" anchor="t" anchorCtr="0">
             <a:normAutofit fontScale="90000"/>
           </a:bodyPr>
           <a:lstStyle/>
           <a:p>
-            <a:pPr indent="0" lvl="0" marL="0" rtl="0" algn="l">
+            <a:pPr marL="0" lvl="0" indent="0" algn="l" rtl="0">
               <a:spcBef>
                 <a:spcPts val="0"/>
               </a:spcBef>
@@ -12913,9 +13634,11 @@
       <p:sp>
         <p:nvSpPr>
           <p:cNvPr id="112" name="Google Shape;112;p17"/>
-          <p:cNvSpPr txBox="1"/>
+          <p:cNvSpPr txBox="1">
+            <a:spLocks noGrp="1"/>
+          </p:cNvSpPr>
           <p:nvPr>
-            <p:ph idx="1" type="body"/>
+            <p:ph type="body" idx="1"/>
           </p:nvPr>
         </p:nvSpPr>
         <p:spPr>
@@ -12928,12 +13651,12 @@
           </a:prstGeom>
         </p:spPr>
         <p:txBody>
-          <a:bodyPr anchorCtr="0" anchor="t" bIns="91425" lIns="91425" spcFirstLastPara="1" rIns="91425" wrap="square" tIns="91425">
+          <a:bodyPr spcFirstLastPara="1" wrap="square" lIns="91425" tIns="91425" rIns="91425" bIns="91425" anchor="t" anchorCtr="0">
             <a:normAutofit/>
           </a:bodyPr>
           <a:lstStyle/>
           <a:p>
-            <a:pPr indent="-342900" lvl="0" marL="457200" rtl="0" algn="l">
+            <a:pPr marL="457200" lvl="0" indent="-342900" algn="l" rtl="0">
               <a:spcBef>
                 <a:spcPts val="0"/>
               </a:spcBef>
@@ -12950,7 +13673,7 @@
             <a:endParaRPr/>
           </a:p>
           <a:p>
-            <a:pPr indent="-342900" lvl="0" marL="457200" rtl="0" algn="l">
+            <a:pPr marL="457200" lvl="0" indent="-342900" algn="l" rtl="0">
               <a:spcBef>
                 <a:spcPts val="0"/>
               </a:spcBef>
@@ -12967,7 +13690,7 @@
             <a:endParaRPr/>
           </a:p>
           <a:p>
-            <a:pPr indent="-342900" lvl="0" marL="457200" rtl="0" algn="l">
+            <a:pPr marL="457200" lvl="0" indent="-342900" algn="l" rtl="0">
               <a:spcBef>
                 <a:spcPts val="0"/>
               </a:spcBef>
@@ -13022,11 +13745,11 @@
 </file>
 
 <file path=ppt/slides/slide6.xml><?xml version="1.0" encoding="utf-8"?>
-<p:sld xmlns:a="http://schemas.openxmlformats.org/drawingml/2006/main" xmlns:r="http://schemas.openxmlformats.org/officeDocument/2006/relationships" xmlns:mc="http://schemas.openxmlformats.org/markup-compatibility/2006" xmlns:mv="urn:schemas-microsoft-com:mac:vml" xmlns:p="http://schemas.openxmlformats.org/presentationml/2006/main" xmlns:c="http://schemas.openxmlformats.org/drawingml/2006/chart" xmlns:dgm="http://schemas.openxmlformats.org/drawingml/2006/diagram" xmlns:o="urn:schemas-microsoft-com:office:office" xmlns:v="urn:schemas-microsoft-com:vml" xmlns:pvml="urn:schemas-microsoft-com:office:powerpoint" xmlns:com="http://schemas.openxmlformats.org/drawingml/2006/compatibility" xmlns:p14="http://schemas.microsoft.com/office/powerpoint/2010/main" xmlns:p15="http://schemas.microsoft.com/office/powerpoint/2012/main" xmlns:ahyp="http://schemas.microsoft.com/office/drawing/2018/hyperlinkcolor">
+<p:sld xmlns:a="http://schemas.openxmlformats.org/drawingml/2006/main" xmlns:r="http://schemas.openxmlformats.org/officeDocument/2006/relationships" xmlns:p="http://schemas.openxmlformats.org/presentationml/2006/main">
   <p:cSld>
     <p:spTree>
       <p:nvGrpSpPr>
-        <p:cNvPr id="117" name="Shape 117"/>
+        <p:cNvPr id="1" name="Shape 117"/>
         <p:cNvGrpSpPr/>
         <p:nvPr/>
       </p:nvGrpSpPr>
@@ -13041,7 +13764,9 @@
       <p:sp>
         <p:nvSpPr>
           <p:cNvPr id="118" name="Google Shape;118;p18"/>
-          <p:cNvSpPr txBox="1"/>
+          <p:cNvSpPr txBox="1">
+            <a:spLocks noGrp="1"/>
+          </p:cNvSpPr>
           <p:nvPr>
             <p:ph type="title"/>
           </p:nvPr>
@@ -13056,12 +13781,12 @@
           </a:prstGeom>
         </p:spPr>
         <p:txBody>
-          <a:bodyPr anchorCtr="0" anchor="t" bIns="91425" lIns="91425" spcFirstLastPara="1" rIns="91425" wrap="square" tIns="91425">
+          <a:bodyPr spcFirstLastPara="1" wrap="square" lIns="91425" tIns="91425" rIns="91425" bIns="91425" anchor="t" anchorCtr="0">
             <a:normAutofit fontScale="90000"/>
           </a:bodyPr>
           <a:lstStyle/>
           <a:p>
-            <a:pPr indent="0" lvl="0" marL="0" rtl="0" algn="l">
+            <a:pPr marL="0" lvl="0" indent="0" algn="l" rtl="0">
               <a:spcBef>
                 <a:spcPts val="0"/>
               </a:spcBef>
@@ -13081,9 +13806,11 @@
       <p:sp>
         <p:nvSpPr>
           <p:cNvPr id="119" name="Google Shape;119;p18"/>
-          <p:cNvSpPr txBox="1"/>
+          <p:cNvSpPr txBox="1">
+            <a:spLocks noGrp="1"/>
+          </p:cNvSpPr>
           <p:nvPr>
-            <p:ph idx="1" type="body"/>
+            <p:ph type="body" idx="1"/>
           </p:nvPr>
         </p:nvSpPr>
         <p:spPr>
@@ -13096,12 +13823,12 @@
           </a:prstGeom>
         </p:spPr>
         <p:txBody>
-          <a:bodyPr anchorCtr="0" anchor="t" bIns="91425" lIns="91425" spcFirstLastPara="1" rIns="91425" wrap="square" tIns="91425">
+          <a:bodyPr spcFirstLastPara="1" wrap="square" lIns="91425" tIns="91425" rIns="91425" bIns="91425" anchor="t" anchorCtr="0">
             <a:normAutofit/>
           </a:bodyPr>
           <a:lstStyle/>
           <a:p>
-            <a:pPr indent="-317500" lvl="0" marL="457200" rtl="0" algn="just">
+            <a:pPr marL="457200" lvl="0" indent="-317500" algn="just" rtl="0">
               <a:spcBef>
                 <a:spcPts val="0"/>
               </a:spcBef>
@@ -13138,7 +13865,7 @@
             </a:endParaRPr>
           </a:p>
           <a:p>
-            <a:pPr indent="-317500" lvl="0" marL="457200" rtl="0" algn="just">
+            <a:pPr marL="457200" lvl="0" indent="-317500" algn="just" rtl="0">
               <a:spcBef>
                 <a:spcPts val="0"/>
               </a:spcBef>
@@ -13165,7 +13892,7 @@
               <a:t>Model se čuva u direktorijumu </a:t>
             </a:r>
             <a:r>
-              <a:rPr i="1" lang="sr" sz="1400">
+              <a:rPr lang="sr" sz="1400" i="1">
                 <a:solidFill>
                   <a:srgbClr val="FF0000"/>
                 </a:solidFill>
@@ -13211,7 +13938,7 @@
             </a:endParaRPr>
           </a:p>
           <a:p>
-            <a:pPr indent="0" lvl="0" marL="0" rtl="0" algn="just">
+            <a:pPr marL="0" lvl="0" indent="0" algn="just" rtl="0">
               <a:spcBef>
                 <a:spcPts val="1200"/>
               </a:spcBef>
@@ -13220,9 +13947,6 @@
               </a:spcAft>
               <a:buNone/>
             </a:pPr>
-            <a:r>
-              <a:t/>
-            </a:r>
             <a:endParaRPr sz="1400">
               <a:solidFill>
                 <a:srgbClr val="000000"/>
@@ -13234,7 +13958,7 @@
             </a:endParaRPr>
           </a:p>
           <a:p>
-            <a:pPr indent="0" lvl="0" marL="0" rtl="0" algn="l">
+            <a:pPr marL="0" lvl="0" indent="0" algn="l" rtl="0">
               <a:spcBef>
                 <a:spcPts val="1200"/>
               </a:spcBef>
@@ -13243,9 +13967,6 @@
               </a:spcAft>
               <a:buNone/>
             </a:pPr>
-            <a:r>
-              <a:t/>
-            </a:r>
             <a:endParaRPr/>
           </a:p>
         </p:txBody>
@@ -13287,11 +14008,11 @@
 </file>
 
 <file path=ppt/slides/slide7.xml><?xml version="1.0" encoding="utf-8"?>
-<p:sld xmlns:a="http://schemas.openxmlformats.org/drawingml/2006/main" xmlns:r="http://schemas.openxmlformats.org/officeDocument/2006/relationships" xmlns:mc="http://schemas.openxmlformats.org/markup-compatibility/2006" xmlns:mv="urn:schemas-microsoft-com:mac:vml" xmlns:p="http://schemas.openxmlformats.org/presentationml/2006/main" xmlns:c="http://schemas.openxmlformats.org/drawingml/2006/chart" xmlns:dgm="http://schemas.openxmlformats.org/drawingml/2006/diagram" xmlns:o="urn:schemas-microsoft-com:office:office" xmlns:v="urn:schemas-microsoft-com:vml" xmlns:pvml="urn:schemas-microsoft-com:office:powerpoint" xmlns:com="http://schemas.openxmlformats.org/drawingml/2006/compatibility" xmlns:p14="http://schemas.microsoft.com/office/powerpoint/2010/main" xmlns:p15="http://schemas.microsoft.com/office/powerpoint/2012/main" xmlns:ahyp="http://schemas.microsoft.com/office/drawing/2018/hyperlinkcolor">
+<p:sld xmlns:a="http://schemas.openxmlformats.org/drawingml/2006/main" xmlns:r="http://schemas.openxmlformats.org/officeDocument/2006/relationships" xmlns:p="http://schemas.openxmlformats.org/presentationml/2006/main">
   <p:cSld>
     <p:spTree>
       <p:nvGrpSpPr>
-        <p:cNvPr id="124" name="Shape 124"/>
+        <p:cNvPr id="1" name="Shape 124"/>
         <p:cNvGrpSpPr/>
         <p:nvPr/>
       </p:nvGrpSpPr>
@@ -13306,7 +14027,9 @@
       <p:sp>
         <p:nvSpPr>
           <p:cNvPr id="125" name="Google Shape;125;p19"/>
-          <p:cNvSpPr txBox="1"/>
+          <p:cNvSpPr txBox="1">
+            <a:spLocks noGrp="1"/>
+          </p:cNvSpPr>
           <p:nvPr>
             <p:ph type="title"/>
           </p:nvPr>
@@ -13321,12 +14044,12 @@
           </a:prstGeom>
         </p:spPr>
         <p:txBody>
-          <a:bodyPr anchorCtr="0" anchor="t" bIns="91425" lIns="91425" spcFirstLastPara="1" rIns="91425" wrap="square" tIns="91425">
+          <a:bodyPr spcFirstLastPara="1" wrap="square" lIns="91425" tIns="91425" rIns="91425" bIns="91425" anchor="t" anchorCtr="0">
             <a:normAutofit fontScale="90000"/>
           </a:bodyPr>
           <a:lstStyle/>
           <a:p>
-            <a:pPr indent="0" lvl="0" marL="0" rtl="0" algn="l">
+            <a:pPr marL="0" lvl="0" indent="0" algn="l" rtl="0">
               <a:spcBef>
                 <a:spcPts val="0"/>
               </a:spcBef>
@@ -13346,9 +14069,11 @@
       <p:sp>
         <p:nvSpPr>
           <p:cNvPr id="126" name="Google Shape;126;p19"/>
-          <p:cNvSpPr txBox="1"/>
+          <p:cNvSpPr txBox="1">
+            <a:spLocks noGrp="1"/>
+          </p:cNvSpPr>
           <p:nvPr>
-            <p:ph idx="1" type="body"/>
+            <p:ph type="body" idx="1"/>
           </p:nvPr>
         </p:nvSpPr>
         <p:spPr>
@@ -13361,12 +14086,12 @@
           </a:prstGeom>
         </p:spPr>
         <p:txBody>
-          <a:bodyPr anchorCtr="0" anchor="t" bIns="91425" lIns="91425" spcFirstLastPara="1" rIns="91425" wrap="square" tIns="91425">
+          <a:bodyPr spcFirstLastPara="1" wrap="square" lIns="91425" tIns="91425" rIns="91425" bIns="91425" anchor="t" anchorCtr="0">
             <a:normAutofit/>
           </a:bodyPr>
           <a:lstStyle/>
           <a:p>
-            <a:pPr indent="-317500" lvl="0" marL="457200" rtl="0" algn="just">
+            <a:pPr marL="457200" lvl="0" indent="-317500" algn="just" rtl="0">
               <a:spcBef>
                 <a:spcPts val="0"/>
               </a:spcBef>
@@ -13403,7 +14128,7 @@
             </a:endParaRPr>
           </a:p>
           <a:p>
-            <a:pPr indent="-317500" lvl="0" marL="457200" rtl="0" algn="just">
+            <a:pPr marL="457200" lvl="0" indent="-317500" algn="just" rtl="0">
               <a:spcBef>
                 <a:spcPts val="0"/>
               </a:spcBef>
@@ -13427,7 +14152,7 @@
               <a:t>Model se čuva u direktorijumu </a:t>
             </a:r>
             <a:r>
-              <a:rPr i="1" lang="sr" sz="1400">
+              <a:rPr lang="sr" sz="1400" i="1">
                 <a:solidFill>
                   <a:srgbClr val="FF0000"/>
                 </a:solidFill>
@@ -13461,7 +14186,7 @@
             </a:endParaRPr>
           </a:p>
           <a:p>
-            <a:pPr indent="0" lvl="0" marL="0" rtl="0" algn="l">
+            <a:pPr marL="0" lvl="0" indent="0" algn="l" rtl="0">
               <a:spcBef>
                 <a:spcPts val="1200"/>
               </a:spcBef>
@@ -13470,9 +14195,6 @@
               </a:spcAft>
               <a:buNone/>
             </a:pPr>
-            <a:r>
-              <a:t/>
-            </a:r>
             <a:endParaRPr/>
           </a:p>
         </p:txBody>
@@ -13514,11 +14236,11 @@
 </file>
 
 <file path=ppt/slides/slide8.xml><?xml version="1.0" encoding="utf-8"?>
-<p:sld xmlns:a="http://schemas.openxmlformats.org/drawingml/2006/main" xmlns:r="http://schemas.openxmlformats.org/officeDocument/2006/relationships" xmlns:mc="http://schemas.openxmlformats.org/markup-compatibility/2006" xmlns:mv="urn:schemas-microsoft-com:mac:vml" xmlns:p="http://schemas.openxmlformats.org/presentationml/2006/main" xmlns:c="http://schemas.openxmlformats.org/drawingml/2006/chart" xmlns:dgm="http://schemas.openxmlformats.org/drawingml/2006/diagram" xmlns:o="urn:schemas-microsoft-com:office:office" xmlns:v="urn:schemas-microsoft-com:vml" xmlns:pvml="urn:schemas-microsoft-com:office:powerpoint" xmlns:com="http://schemas.openxmlformats.org/drawingml/2006/compatibility" xmlns:p14="http://schemas.microsoft.com/office/powerpoint/2010/main" xmlns:p15="http://schemas.microsoft.com/office/powerpoint/2012/main" xmlns:ahyp="http://schemas.microsoft.com/office/drawing/2018/hyperlinkcolor">
+<p:sld xmlns:a="http://schemas.openxmlformats.org/drawingml/2006/main" xmlns:r="http://schemas.openxmlformats.org/officeDocument/2006/relationships" xmlns:p="http://schemas.openxmlformats.org/presentationml/2006/main">
   <p:cSld>
     <p:spTree>
       <p:nvGrpSpPr>
-        <p:cNvPr id="131" name="Shape 131"/>
+        <p:cNvPr id="1" name="Shape 131"/>
         <p:cNvGrpSpPr/>
         <p:nvPr/>
       </p:nvGrpSpPr>
@@ -13533,7 +14255,9 @@
       <p:sp>
         <p:nvSpPr>
           <p:cNvPr id="132" name="Google Shape;132;p20"/>
-          <p:cNvSpPr txBox="1"/>
+          <p:cNvSpPr txBox="1">
+            <a:spLocks noGrp="1"/>
+          </p:cNvSpPr>
           <p:nvPr>
             <p:ph type="title"/>
           </p:nvPr>
@@ -13548,12 +14272,12 @@
           </a:prstGeom>
         </p:spPr>
         <p:txBody>
-          <a:bodyPr anchorCtr="0" anchor="t" bIns="91425" lIns="91425" spcFirstLastPara="1" rIns="91425" wrap="square" tIns="91425">
+          <a:bodyPr spcFirstLastPara="1" wrap="square" lIns="91425" tIns="91425" rIns="91425" bIns="91425" anchor="t" anchorCtr="0">
             <a:normAutofit fontScale="90000"/>
           </a:bodyPr>
           <a:lstStyle/>
           <a:p>
-            <a:pPr indent="0" lvl="0" marL="0" rtl="0" algn="l">
+            <a:pPr marL="0" lvl="0" indent="0" algn="l" rtl="0">
               <a:spcBef>
                 <a:spcPts val="0"/>
               </a:spcBef>
@@ -13573,9 +14297,11 @@
       <p:sp>
         <p:nvSpPr>
           <p:cNvPr id="133" name="Google Shape;133;p20"/>
-          <p:cNvSpPr txBox="1"/>
+          <p:cNvSpPr txBox="1">
+            <a:spLocks noGrp="1"/>
+          </p:cNvSpPr>
           <p:nvPr>
-            <p:ph idx="1" type="body"/>
+            <p:ph type="body" idx="1"/>
           </p:nvPr>
         </p:nvSpPr>
         <p:spPr>
@@ -13588,12 +14314,12 @@
           </a:prstGeom>
         </p:spPr>
         <p:txBody>
-          <a:bodyPr anchorCtr="0" anchor="t" bIns="91425" lIns="91425" spcFirstLastPara="1" rIns="91425" wrap="square" tIns="91425">
+          <a:bodyPr spcFirstLastPara="1" wrap="square" lIns="91425" tIns="91425" rIns="91425" bIns="91425" anchor="t" anchorCtr="0">
             <a:normAutofit/>
           </a:bodyPr>
           <a:lstStyle/>
           <a:p>
-            <a:pPr indent="0" lvl="0" marL="0" rtl="0" algn="l">
+            <a:pPr marL="0" lvl="0" indent="0" algn="l" rtl="0">
               <a:spcBef>
                 <a:spcPts val="0"/>
               </a:spcBef>
@@ -13602,9 +14328,6 @@
               </a:spcAft>
               <a:buNone/>
             </a:pPr>
-            <a:r>
-              <a:t/>
-            </a:r>
             <a:endParaRPr/>
           </a:p>
         </p:txBody>
@@ -13646,11 +14369,11 @@
 </file>
 
 <file path=ppt/slides/slide9.xml><?xml version="1.0" encoding="utf-8"?>
-<p:sld xmlns:a="http://schemas.openxmlformats.org/drawingml/2006/main" xmlns:r="http://schemas.openxmlformats.org/officeDocument/2006/relationships" xmlns:mc="http://schemas.openxmlformats.org/markup-compatibility/2006" xmlns:mv="urn:schemas-microsoft-com:mac:vml" xmlns:p="http://schemas.openxmlformats.org/presentationml/2006/main" xmlns:c="http://schemas.openxmlformats.org/drawingml/2006/chart" xmlns:dgm="http://schemas.openxmlformats.org/drawingml/2006/diagram" xmlns:o="urn:schemas-microsoft-com:office:office" xmlns:v="urn:schemas-microsoft-com:vml" xmlns:pvml="urn:schemas-microsoft-com:office:powerpoint" xmlns:com="http://schemas.openxmlformats.org/drawingml/2006/compatibility" xmlns:p14="http://schemas.microsoft.com/office/powerpoint/2010/main" xmlns:p15="http://schemas.microsoft.com/office/powerpoint/2012/main" xmlns:ahyp="http://schemas.microsoft.com/office/drawing/2018/hyperlinkcolor">
+<p:sld xmlns:a="http://schemas.openxmlformats.org/drawingml/2006/main" xmlns:r="http://schemas.openxmlformats.org/officeDocument/2006/relationships" xmlns:p="http://schemas.openxmlformats.org/presentationml/2006/main">
   <p:cSld>
     <p:spTree>
       <p:nvGrpSpPr>
-        <p:cNvPr id="138" name="Shape 138"/>
+        <p:cNvPr id="1" name="Shape 138"/>
         <p:cNvGrpSpPr/>
         <p:nvPr/>
       </p:nvGrpSpPr>
@@ -13665,7 +14388,9 @@
       <p:sp>
         <p:nvSpPr>
           <p:cNvPr id="139" name="Google Shape;139;p21"/>
-          <p:cNvSpPr txBox="1"/>
+          <p:cNvSpPr txBox="1">
+            <a:spLocks noGrp="1"/>
+          </p:cNvSpPr>
           <p:nvPr>
             <p:ph type="title"/>
           </p:nvPr>
@@ -13680,12 +14405,12 @@
           </a:prstGeom>
         </p:spPr>
         <p:txBody>
-          <a:bodyPr anchorCtr="0" anchor="t" bIns="91425" lIns="91425" spcFirstLastPara="1" rIns="91425" wrap="square" tIns="91425">
+          <a:bodyPr spcFirstLastPara="1" wrap="square" lIns="91425" tIns="91425" rIns="91425" bIns="91425" anchor="t" anchorCtr="0">
             <a:normAutofit fontScale="90000"/>
           </a:bodyPr>
           <a:lstStyle/>
           <a:p>
-            <a:pPr indent="0" lvl="0" marL="0" rtl="0" algn="l">
+            <a:pPr marL="0" lvl="0" indent="0" algn="l" rtl="0">
               <a:spcBef>
                 <a:spcPts val="0"/>
               </a:spcBef>
@@ -13705,9 +14430,11 @@
       <p:sp>
         <p:nvSpPr>
           <p:cNvPr id="140" name="Google Shape;140;p21"/>
-          <p:cNvSpPr txBox="1"/>
+          <p:cNvSpPr txBox="1">
+            <a:spLocks noGrp="1"/>
+          </p:cNvSpPr>
           <p:nvPr>
-            <p:ph idx="1" type="body"/>
+            <p:ph type="body" idx="1"/>
           </p:nvPr>
         </p:nvSpPr>
         <p:spPr>
@@ -13720,12 +14447,12 @@
           </a:prstGeom>
         </p:spPr>
         <p:txBody>
-          <a:bodyPr anchorCtr="0" anchor="t" bIns="91425" lIns="91425" spcFirstLastPara="1" rIns="91425" wrap="square" tIns="91425">
+          <a:bodyPr spcFirstLastPara="1" wrap="square" lIns="91425" tIns="91425" rIns="91425" bIns="91425" anchor="t" anchorCtr="0">
             <a:normAutofit/>
           </a:bodyPr>
           <a:lstStyle/>
           <a:p>
-            <a:pPr indent="0" lvl="0" marL="0" rtl="0" algn="l">
+            <a:pPr marL="0" lvl="0" indent="0" algn="l" rtl="0">
               <a:lnSpc>
                 <a:spcPct val="115000"/>
               </a:lnSpc>
@@ -13742,7 +14469,7 @@
               <a:t>Producer cita podatke iz fajla i salje ih na kafka topic-e </a:t>
             </a:r>
             <a:r>
-              <a:rPr i="1" lang="sr" sz="1600"/>
+              <a:rPr lang="sr" sz="1600" i="1"/>
               <a:t>berlin-fcd</a:t>
             </a:r>
             <a:r>
@@ -13750,7 +14477,7 @@
               <a:t> za saobracaj  i </a:t>
             </a:r>
             <a:r>
-              <a:rPr i="1" lang="sr" sz="1600"/>
+              <a:rPr lang="sr" sz="1600" i="1"/>
               <a:t>berlin-emission </a:t>
             </a:r>
             <a:r>
@@ -13760,7 +14487,7 @@
             <a:endParaRPr sz="1600"/>
           </a:p>
           <a:p>
-            <a:pPr indent="-330200" lvl="0" marL="457200" rtl="0" algn="l">
+            <a:pPr marL="457200" lvl="0" indent="-330200" algn="l" rtl="0">
               <a:lnSpc>
                 <a:spcPct val="115000"/>
               </a:lnSpc>
@@ -13780,7 +14507,7 @@
             <a:endParaRPr sz="1600"/>
           </a:p>
           <a:p>
-            <a:pPr indent="0" lvl="0" marL="0" rtl="0" algn="l">
+            <a:pPr marL="0" lvl="0" indent="0" algn="l" rtl="0">
               <a:spcBef>
                 <a:spcPts val="0"/>
               </a:spcBef>
@@ -13789,9 +14516,6 @@
               </a:spcAft>
               <a:buNone/>
             </a:pPr>
-            <a:r>
-              <a:t/>
-            </a:r>
             <a:endParaRPr/>
           </a:p>
         </p:txBody>
@@ -13861,7 +14585,7 @@
 </file>
 
 <file path=ppt/theme/theme1.xml><?xml version="1.0" encoding="utf-8"?>
-<a:theme xmlns:a="http://schemas.openxmlformats.org/drawingml/2006/main" xmlns:r="http://schemas.openxmlformats.org/officeDocument/2006/relationships" name="Geometric">
+<a:theme xmlns:a="http://schemas.openxmlformats.org/drawingml/2006/main" name="Geometric">
   <a:themeElements>
     <a:clrScheme name="Geometric">
       <a:dk1>
@@ -14136,11 +14860,13 @@
       </a:bgFillStyleLst>
     </a:fmtScheme>
   </a:themeElements>
+  <a:objectDefaults/>
+  <a:extraClrSchemeLst/>
 </a:theme>
 </file>
 
 <file path=ppt/theme/theme2.xml><?xml version="1.0" encoding="utf-8"?>
-<a:theme xmlns:a="http://schemas.openxmlformats.org/drawingml/2006/main" xmlns:r="http://schemas.openxmlformats.org/officeDocument/2006/relationships">
+<a:theme xmlns:a="http://schemas.openxmlformats.org/drawingml/2006/main">
   <a:themeElements>
     <a:clrScheme name="Default">
       <a:dk1>
@@ -14415,5 +15141,7 @@
       </a:bgFillStyleLst>
     </a:fmtScheme>
   </a:themeElements>
+  <a:objectDefaults/>
+  <a:extraClrSchemeLst/>
 </a:theme>
 </file>